--- a/2024/VeriPP/VeriPP_informs.pptx
+++ b/2024/VeriPP/VeriPP_informs.pptx
@@ -5,29 +5,31 @@
     <p:sldMasterId id="2147483648" r:id="rId1"/>
   </p:sldMasterIdLst>
   <p:notesMasterIdLst>
-    <p:notesMasterId r:id="rId22"/>
+    <p:notesMasterId r:id="rId24"/>
   </p:notesMasterIdLst>
   <p:sldIdLst>
     <p:sldId id="256" r:id="rId2"/>
-    <p:sldId id="305" r:id="rId3"/>
-    <p:sldId id="303" r:id="rId4"/>
-    <p:sldId id="304" r:id="rId5"/>
-    <p:sldId id="257" r:id="rId6"/>
-    <p:sldId id="291" r:id="rId7"/>
-    <p:sldId id="272" r:id="rId8"/>
-    <p:sldId id="260" r:id="rId9"/>
-    <p:sldId id="278" r:id="rId10"/>
-    <p:sldId id="261" r:id="rId11"/>
-    <p:sldId id="279" r:id="rId12"/>
-    <p:sldId id="281" r:id="rId13"/>
-    <p:sldId id="282" r:id="rId14"/>
-    <p:sldId id="283" r:id="rId15"/>
-    <p:sldId id="280" r:id="rId16"/>
-    <p:sldId id="284" r:id="rId17"/>
-    <p:sldId id="286" r:id="rId18"/>
-    <p:sldId id="290" r:id="rId19"/>
-    <p:sldId id="296" r:id="rId20"/>
-    <p:sldId id="302" r:id="rId21"/>
+    <p:sldId id="303" r:id="rId3"/>
+    <p:sldId id="304" r:id="rId4"/>
+    <p:sldId id="257" r:id="rId5"/>
+    <p:sldId id="291" r:id="rId6"/>
+    <p:sldId id="272" r:id="rId7"/>
+    <p:sldId id="260" r:id="rId8"/>
+    <p:sldId id="278" r:id="rId9"/>
+    <p:sldId id="261" r:id="rId10"/>
+    <p:sldId id="279" r:id="rId11"/>
+    <p:sldId id="281" r:id="rId12"/>
+    <p:sldId id="282" r:id="rId13"/>
+    <p:sldId id="284" r:id="rId14"/>
+    <p:sldId id="309" r:id="rId15"/>
+    <p:sldId id="310" r:id="rId16"/>
+    <p:sldId id="286" r:id="rId17"/>
+    <p:sldId id="290" r:id="rId18"/>
+    <p:sldId id="308" r:id="rId19"/>
+    <p:sldId id="306" r:id="rId20"/>
+    <p:sldId id="296" r:id="rId21"/>
+    <p:sldId id="307" r:id="rId22"/>
+    <p:sldId id="302" r:id="rId23"/>
   </p:sldIdLst>
   <p:sldSz cx="12192000" cy="6858000"/>
   <p:notesSz cx="6858000" cy="9144000"/>
@@ -2838,7 +2840,7 @@
           <a:p>
             <a:fld id="{400B9AFA-B4C8-4FF3-93F5-0A60807F3EE8}" type="datetimeFigureOut">
               <a:rPr lang="en-US" smtClean="0"/>
-              <a:t>10/17/2024</a:t>
+              <a:t>10/18/2024</a:t>
             </a:fld>
             <a:endParaRPr lang="en-US"/>
           </a:p>
@@ -3171,7 +3173,7 @@
           <a:p>
             <a:fld id="{6F9A1F1B-6701-476A-861B-13E65A415881}" type="slidenum">
               <a:rPr lang="en-US" smtClean="0"/>
-              <a:t>10</a:t>
+              <a:t>9</a:t>
             </a:fld>
             <a:endParaRPr lang="en-US"/>
           </a:p>
@@ -3255,7 +3257,7 @@
           <a:p>
             <a:fld id="{6F9A1F1B-6701-476A-861B-13E65A415881}" type="slidenum">
               <a:rPr lang="en-US" smtClean="0"/>
-              <a:t>16</a:t>
+              <a:t>13</a:t>
             </a:fld>
             <a:endParaRPr lang="en-US"/>
           </a:p>
@@ -3423,7 +3425,7 @@
           <a:p>
             <a:fld id="{D029334A-BD7A-4996-88EE-675E9A90D4D9}" type="datetime1">
               <a:rPr lang="en-US" smtClean="0"/>
-              <a:t>10/17/2024</a:t>
+              <a:t>10/18/2024</a:t>
             </a:fld>
             <a:endParaRPr lang="en-US"/>
           </a:p>
@@ -3623,7 +3625,7 @@
           <a:p>
             <a:fld id="{4FDF54EB-0C25-4899-B3CD-EEDFD4924234}" type="datetime1">
               <a:rPr lang="en-US" smtClean="0"/>
-              <a:t>10/17/2024</a:t>
+              <a:t>10/18/2024</a:t>
             </a:fld>
             <a:endParaRPr lang="en-US"/>
           </a:p>
@@ -3833,7 +3835,7 @@
           <a:p>
             <a:fld id="{A24133F0-FFB9-4DB7-9FBF-23D201DB8BDD}" type="datetime1">
               <a:rPr lang="en-US" smtClean="0"/>
-              <a:t>10/17/2024</a:t>
+              <a:t>10/18/2024</a:t>
             </a:fld>
             <a:endParaRPr lang="en-US"/>
           </a:p>
@@ -4033,7 +4035,7 @@
           <a:p>
             <a:fld id="{CD03D8AC-7492-4071-84A1-C5B9FD318074}" type="datetime1">
               <a:rPr lang="en-US" smtClean="0"/>
-              <a:t>10/17/2024</a:t>
+              <a:t>10/18/2024</a:t>
             </a:fld>
             <a:endParaRPr lang="en-US"/>
           </a:p>
@@ -4309,7 +4311,7 @@
           <a:p>
             <a:fld id="{80413CB2-771C-4F83-8DFD-B8A3D3C5E107}" type="datetime1">
               <a:rPr lang="en-US" smtClean="0"/>
-              <a:t>10/17/2024</a:t>
+              <a:t>10/18/2024</a:t>
             </a:fld>
             <a:endParaRPr lang="en-US"/>
           </a:p>
@@ -4577,7 +4579,7 @@
           <a:p>
             <a:fld id="{24110125-995A-4622-839D-04C55CF8B4D6}" type="datetime1">
               <a:rPr lang="en-US" smtClean="0"/>
-              <a:t>10/17/2024</a:t>
+              <a:t>10/18/2024</a:t>
             </a:fld>
             <a:endParaRPr lang="en-US"/>
           </a:p>
@@ -4992,7 +4994,7 @@
           <a:p>
             <a:fld id="{EC3E780F-3453-4E84-B513-3CCFD37BEF23}" type="datetime1">
               <a:rPr lang="en-US" smtClean="0"/>
-              <a:t>10/17/2024</a:t>
+              <a:t>10/18/2024</a:t>
             </a:fld>
             <a:endParaRPr lang="en-US"/>
           </a:p>
@@ -5134,7 +5136,7 @@
           <a:p>
             <a:fld id="{4AEB4183-AFF9-47F3-98D9-BCCF9EAADB9E}" type="datetime1">
               <a:rPr lang="en-US" smtClean="0"/>
-              <a:t>10/17/2024</a:t>
+              <a:t>10/18/2024</a:t>
             </a:fld>
             <a:endParaRPr lang="en-US"/>
           </a:p>
@@ -5247,7 +5249,7 @@
           <a:p>
             <a:fld id="{34DB165B-799D-44A9-82D3-BAE3F69C364F}" type="datetime1">
               <a:rPr lang="en-US" smtClean="0"/>
-              <a:t>10/17/2024</a:t>
+              <a:t>10/18/2024</a:t>
             </a:fld>
             <a:endParaRPr lang="en-US"/>
           </a:p>
@@ -5560,7 +5562,7 @@
           <a:p>
             <a:fld id="{ED4AB13E-F93D-4AAC-BAF5-6CE71B795248}" type="datetime1">
               <a:rPr lang="en-US" smtClean="0"/>
-              <a:t>10/17/2024</a:t>
+              <a:t>10/18/2024</a:t>
             </a:fld>
             <a:endParaRPr lang="en-US"/>
           </a:p>
@@ -5849,7 +5851,7 @@
           <a:p>
             <a:fld id="{BFF71B41-D382-4C9E-9707-A82D1D88975D}" type="datetime1">
               <a:rPr lang="en-US" smtClean="0"/>
-              <a:t>10/17/2024</a:t>
+              <a:t>10/18/2024</a:t>
             </a:fld>
             <a:endParaRPr lang="en-US"/>
           </a:p>
@@ -6092,7 +6094,7 @@
           <a:p>
             <a:fld id="{3A1F3D73-0A5B-4294-8824-974CBC02E2B4}" type="datetime1">
               <a:rPr lang="en-US" smtClean="0"/>
-              <a:t>10/17/2024</a:t>
+              <a:t>10/18/2024</a:t>
             </a:fld>
             <a:endParaRPr lang="en-US"/>
           </a:p>
@@ -6683,537 +6685,6 @@
           <p:cNvPr id="2" name="标题 1">
             <a:extLst>
               <a:ext uri="{FF2B5EF4-FFF2-40B4-BE49-F238E27FC236}">
-                <a16:creationId xmlns:a16="http://schemas.microsoft.com/office/drawing/2014/main" id="{01E71860-3228-7C02-A16C-5A460775781A}"/>
-              </a:ext>
-            </a:extLst>
-          </p:cNvPr>
-          <p:cNvSpPr>
-            <a:spLocks noGrp="1"/>
-          </p:cNvSpPr>
-          <p:nvPr>
-            <p:ph type="title"/>
-          </p:nvPr>
-        </p:nvSpPr>
-        <p:spPr/>
-        <p:txBody>
-          <a:bodyPr/>
-          <a:lstStyle/>
-          <a:p>
-            <a:r>
-              <a:rPr lang="en-US" dirty="0"/>
-              <a:t>Attempted Solution: Capture-The-Flag</a:t>
-            </a:r>
-          </a:p>
-        </p:txBody>
-      </p:sp>
-      <p:sp>
-        <p:nvSpPr>
-          <p:cNvPr id="3" name="内容占位符 2">
-            <a:extLst>
-              <a:ext uri="{FF2B5EF4-FFF2-40B4-BE49-F238E27FC236}">
-                <a16:creationId xmlns:a16="http://schemas.microsoft.com/office/drawing/2014/main" id="{B54C5B2A-439E-76F5-D6E9-4AC9F11E9840}"/>
-              </a:ext>
-            </a:extLst>
-          </p:cNvPr>
-          <p:cNvSpPr>
-            <a:spLocks noGrp="1"/>
-          </p:cNvSpPr>
-          <p:nvPr>
-            <p:ph idx="1"/>
-          </p:nvPr>
-        </p:nvSpPr>
-        <p:spPr>
-          <a:xfrm>
-            <a:off x="838200" y="1551305"/>
-            <a:ext cx="10515600" cy="4351338"/>
-          </a:xfrm>
-        </p:spPr>
-        <p:txBody>
-          <a:bodyPr/>
-          <a:lstStyle/>
-          <a:p>
-            <a:pPr marL="457200" lvl="1" indent="0">
-              <a:buNone/>
-            </a:pPr>
-            <a:endParaRPr lang="en-US" dirty="0"/>
-          </a:p>
-          <a:p>
-            <a:r>
-              <a:rPr lang="en-US" dirty="0"/>
-              <a:t>Existing works (e.g. </a:t>
-            </a:r>
-            <a:r>
-              <a:rPr lang="en-US" dirty="0" err="1">
-                <a:solidFill>
-                  <a:schemeClr val="accent4">
-                    <a:lumMod val="75000"/>
-                  </a:schemeClr>
-                </a:solidFill>
-              </a:rPr>
-              <a:t>Truebit</a:t>
-            </a:r>
-            <a:r>
-              <a:rPr lang="en-US" dirty="0"/>
-              <a:t>): inject additional information (“flags”, non-binary verification) and reward detection of flags.</a:t>
-            </a:r>
-          </a:p>
-          <a:p>
-            <a:r>
-              <a:rPr lang="en-US" dirty="0"/>
-              <a:t>Can only prevent lazy behavior, but </a:t>
-            </a:r>
-            <a:r>
-              <a:rPr lang="en-US" altLang="zh-CN" dirty="0"/>
-              <a:t>what about</a:t>
-            </a:r>
-            <a:r>
-              <a:rPr lang="en-US" dirty="0"/>
-              <a:t> malicious “liars”?</a:t>
-            </a:r>
-          </a:p>
-          <a:p>
-            <a:pPr lvl="1"/>
-            <a:r>
-              <a:rPr lang="en-US" dirty="0"/>
-              <a:t>If the verification result is also expensive to verify…</a:t>
-            </a:r>
-          </a:p>
-          <a:p>
-            <a:pPr lvl="1"/>
-            <a:r>
-              <a:rPr lang="en-US" dirty="0"/>
-              <a:t>We need higher-level verifiers to verify the results.</a:t>
-            </a:r>
-          </a:p>
-          <a:p>
-            <a:pPr lvl="1"/>
-            <a:r>
-              <a:rPr lang="en-US" dirty="0"/>
-              <a:t>How many layers of verifiers do we need?</a:t>
-            </a:r>
-          </a:p>
-        </p:txBody>
-      </p:sp>
-      <p:pic>
-        <p:nvPicPr>
-          <p:cNvPr id="5" name="图片 4" descr="卡通人物&#10;&#10;低可信度描述已自动生成">
-            <a:extLst>
-              <a:ext uri="{FF2B5EF4-FFF2-40B4-BE49-F238E27FC236}">
-                <a16:creationId xmlns:a16="http://schemas.microsoft.com/office/drawing/2014/main" id="{A8701E67-9B4B-463F-09F6-521717525D12}"/>
-              </a:ext>
-            </a:extLst>
-          </p:cNvPr>
-          <p:cNvPicPr>
-            <a:picLocks noChangeAspect="1"/>
-          </p:cNvPicPr>
-          <p:nvPr/>
-        </p:nvPicPr>
-        <p:blipFill>
-          <a:blip r:embed="rId3">
-            <a:extLst>
-              <a:ext uri="{28A0092B-C50C-407E-A947-70E740481C1C}">
-                <a14:useLocalDpi xmlns:a14="http://schemas.microsoft.com/office/drawing/2010/main" val="0"/>
-              </a:ext>
-            </a:extLst>
-          </a:blip>
-          <a:stretch>
-            <a:fillRect/>
-          </a:stretch>
-        </p:blipFill>
-        <p:spPr>
-          <a:xfrm>
-            <a:off x="4046318" y="4757283"/>
-            <a:ext cx="4099364" cy="1735592"/>
-          </a:xfrm>
-          <a:prstGeom prst="rect">
-            <a:avLst/>
-          </a:prstGeom>
-        </p:spPr>
-      </p:pic>
-      <p:sp>
-        <p:nvSpPr>
-          <p:cNvPr id="4" name="Slide Number Placeholder 3">
-            <a:extLst>
-              <a:ext uri="{FF2B5EF4-FFF2-40B4-BE49-F238E27FC236}">
-                <a16:creationId xmlns:a16="http://schemas.microsoft.com/office/drawing/2014/main" id="{20E74934-FB11-FFA4-534A-52D5C80F2CC7}"/>
-              </a:ext>
-            </a:extLst>
-          </p:cNvPr>
-          <p:cNvSpPr>
-            <a:spLocks noGrp="1"/>
-          </p:cNvSpPr>
-          <p:nvPr>
-            <p:ph type="sldNum" sz="quarter" idx="12"/>
-          </p:nvPr>
-        </p:nvSpPr>
-        <p:spPr/>
-        <p:txBody>
-          <a:bodyPr/>
-          <a:lstStyle/>
-          <a:p>
-            <a:fld id="{3F9DB605-36F8-4880-A1BE-3C72DF21D035}" type="slidenum">
-              <a:rPr lang="en-US" smtClean="0"/>
-              <a:t>10</a:t>
-            </a:fld>
-            <a:endParaRPr lang="en-US"/>
-          </a:p>
-        </p:txBody>
-      </p:sp>
-    </p:spTree>
-    <p:extLst>
-      <p:ext uri="{BB962C8B-B14F-4D97-AF65-F5344CB8AC3E}">
-        <p14:creationId xmlns:p14="http://schemas.microsoft.com/office/powerpoint/2010/main" val="2557916133"/>
-      </p:ext>
-    </p:extLst>
-  </p:cSld>
-  <p:clrMapOvr>
-    <a:masterClrMapping/>
-  </p:clrMapOvr>
-  <p:timing>
-    <p:tnLst>
-      <p:par>
-        <p:cTn id="1" dur="indefinite" restart="never" nodeType="tmRoot">
-          <p:childTnLst>
-            <p:seq concurrent="1" nextAc="seek">
-              <p:cTn id="2" dur="indefinite" nodeType="mainSeq">
-                <p:childTnLst>
-                  <p:par>
-                    <p:cTn id="3" fill="hold">
-                      <p:stCondLst>
-                        <p:cond delay="indefinite"/>
-                      </p:stCondLst>
-                      <p:childTnLst>
-                        <p:par>
-                          <p:cTn id="4" fill="hold">
-                            <p:stCondLst>
-                              <p:cond delay="0"/>
-                            </p:stCondLst>
-                            <p:childTnLst>
-                              <p:par>
-                                <p:cTn id="5" presetID="1" presetClass="entr" presetSubtype="0" fill="hold" nodeType="clickEffect">
-                                  <p:stCondLst>
-                                    <p:cond delay="0"/>
-                                  </p:stCondLst>
-                                  <p:childTnLst>
-                                    <p:set>
-                                      <p:cBhvr>
-                                        <p:cTn id="6" dur="1" fill="hold">
-                                          <p:stCondLst>
-                                            <p:cond delay="0"/>
-                                          </p:stCondLst>
-                                        </p:cTn>
-                                        <p:tgtEl>
-                                          <p:spTgt spid="3">
-                                            <p:txEl>
-                                              <p:pRg st="1" end="1"/>
-                                            </p:txEl>
-                                          </p:spTgt>
-                                        </p:tgtEl>
-                                        <p:attrNameLst>
-                                          <p:attrName>style.visibility</p:attrName>
-                                        </p:attrNameLst>
-                                      </p:cBhvr>
-                                      <p:to>
-                                        <p:strVal val="visible"/>
-                                      </p:to>
-                                    </p:set>
-                                  </p:childTnLst>
-                                </p:cTn>
-                              </p:par>
-                            </p:childTnLst>
-                          </p:cTn>
-                        </p:par>
-                      </p:childTnLst>
-                    </p:cTn>
-                  </p:par>
-                  <p:par>
-                    <p:cTn id="7" fill="hold">
-                      <p:stCondLst>
-                        <p:cond delay="indefinite"/>
-                      </p:stCondLst>
-                      <p:childTnLst>
-                        <p:par>
-                          <p:cTn id="8" fill="hold">
-                            <p:stCondLst>
-                              <p:cond delay="0"/>
-                            </p:stCondLst>
-                            <p:childTnLst>
-                              <p:par>
-                                <p:cTn id="9" presetID="1" presetClass="entr" presetSubtype="0" fill="hold" nodeType="clickEffect">
-                                  <p:stCondLst>
-                                    <p:cond delay="0"/>
-                                  </p:stCondLst>
-                                  <p:childTnLst>
-                                    <p:set>
-                                      <p:cBhvr>
-                                        <p:cTn id="10" dur="1" fill="hold">
-                                          <p:stCondLst>
-                                            <p:cond delay="0"/>
-                                          </p:stCondLst>
-                                        </p:cTn>
-                                        <p:tgtEl>
-                                          <p:spTgt spid="3">
-                                            <p:txEl>
-                                              <p:pRg st="2" end="2"/>
-                                            </p:txEl>
-                                          </p:spTgt>
-                                        </p:tgtEl>
-                                        <p:attrNameLst>
-                                          <p:attrName>style.visibility</p:attrName>
-                                        </p:attrNameLst>
-                                      </p:cBhvr>
-                                      <p:to>
-                                        <p:strVal val="visible"/>
-                                      </p:to>
-                                    </p:set>
-                                  </p:childTnLst>
-                                </p:cTn>
-                              </p:par>
-                            </p:childTnLst>
-                          </p:cTn>
-                        </p:par>
-                      </p:childTnLst>
-                    </p:cTn>
-                  </p:par>
-                  <p:par>
-                    <p:cTn id="11" fill="hold">
-                      <p:stCondLst>
-                        <p:cond delay="indefinite"/>
-                      </p:stCondLst>
-                      <p:childTnLst>
-                        <p:par>
-                          <p:cTn id="12" fill="hold">
-                            <p:stCondLst>
-                              <p:cond delay="0"/>
-                            </p:stCondLst>
-                            <p:childTnLst>
-                              <p:par>
-                                <p:cTn id="13" presetID="1" presetClass="entr" presetSubtype="0" fill="hold" nodeType="clickEffect">
-                                  <p:stCondLst>
-                                    <p:cond delay="0"/>
-                                  </p:stCondLst>
-                                  <p:childTnLst>
-                                    <p:set>
-                                      <p:cBhvr>
-                                        <p:cTn id="14" dur="1" fill="hold">
-                                          <p:stCondLst>
-                                            <p:cond delay="0"/>
-                                          </p:stCondLst>
-                                        </p:cTn>
-                                        <p:tgtEl>
-                                          <p:spTgt spid="3">
-                                            <p:txEl>
-                                              <p:pRg st="3" end="3"/>
-                                            </p:txEl>
-                                          </p:spTgt>
-                                        </p:tgtEl>
-                                        <p:attrNameLst>
-                                          <p:attrName>style.visibility</p:attrName>
-                                        </p:attrNameLst>
-                                      </p:cBhvr>
-                                      <p:to>
-                                        <p:strVal val="visible"/>
-                                      </p:to>
-                                    </p:set>
-                                  </p:childTnLst>
-                                </p:cTn>
-                              </p:par>
-                            </p:childTnLst>
-                          </p:cTn>
-                        </p:par>
-                      </p:childTnLst>
-                    </p:cTn>
-                  </p:par>
-                  <p:par>
-                    <p:cTn id="15" fill="hold">
-                      <p:stCondLst>
-                        <p:cond delay="indefinite"/>
-                      </p:stCondLst>
-                      <p:childTnLst>
-                        <p:par>
-                          <p:cTn id="16" fill="hold">
-                            <p:stCondLst>
-                              <p:cond delay="0"/>
-                            </p:stCondLst>
-                            <p:childTnLst>
-                              <p:par>
-                                <p:cTn id="17" presetID="1" presetClass="entr" presetSubtype="0" fill="hold" nodeType="clickEffect">
-                                  <p:stCondLst>
-                                    <p:cond delay="0"/>
-                                  </p:stCondLst>
-                                  <p:childTnLst>
-                                    <p:set>
-                                      <p:cBhvr>
-                                        <p:cTn id="18" dur="1" fill="hold">
-                                          <p:stCondLst>
-                                            <p:cond delay="0"/>
-                                          </p:stCondLst>
-                                        </p:cTn>
-                                        <p:tgtEl>
-                                          <p:spTgt spid="3">
-                                            <p:txEl>
-                                              <p:pRg st="4" end="4"/>
-                                            </p:txEl>
-                                          </p:spTgt>
-                                        </p:tgtEl>
-                                        <p:attrNameLst>
-                                          <p:attrName>style.visibility</p:attrName>
-                                        </p:attrNameLst>
-                                      </p:cBhvr>
-                                      <p:to>
-                                        <p:strVal val="visible"/>
-                                      </p:to>
-                                    </p:set>
-                                  </p:childTnLst>
-                                </p:cTn>
-                              </p:par>
-                            </p:childTnLst>
-                          </p:cTn>
-                        </p:par>
-                      </p:childTnLst>
-                    </p:cTn>
-                  </p:par>
-                  <p:par>
-                    <p:cTn id="19" fill="hold">
-                      <p:stCondLst>
-                        <p:cond delay="indefinite"/>
-                      </p:stCondLst>
-                      <p:childTnLst>
-                        <p:par>
-                          <p:cTn id="20" fill="hold">
-                            <p:stCondLst>
-                              <p:cond delay="0"/>
-                            </p:stCondLst>
-                            <p:childTnLst>
-                              <p:par>
-                                <p:cTn id="21" presetID="1" presetClass="entr" presetSubtype="0" fill="hold" nodeType="clickEffect">
-                                  <p:stCondLst>
-                                    <p:cond delay="0"/>
-                                  </p:stCondLst>
-                                  <p:childTnLst>
-                                    <p:set>
-                                      <p:cBhvr>
-                                        <p:cTn id="22" dur="1" fill="hold">
-                                          <p:stCondLst>
-                                            <p:cond delay="0"/>
-                                          </p:stCondLst>
-                                        </p:cTn>
-                                        <p:tgtEl>
-                                          <p:spTgt spid="3">
-                                            <p:txEl>
-                                              <p:pRg st="5" end="5"/>
-                                            </p:txEl>
-                                          </p:spTgt>
-                                        </p:tgtEl>
-                                        <p:attrNameLst>
-                                          <p:attrName>style.visibility</p:attrName>
-                                        </p:attrNameLst>
-                                      </p:cBhvr>
-                                      <p:to>
-                                        <p:strVal val="visible"/>
-                                      </p:to>
-                                    </p:set>
-                                  </p:childTnLst>
-                                </p:cTn>
-                              </p:par>
-                            </p:childTnLst>
-                          </p:cTn>
-                        </p:par>
-                      </p:childTnLst>
-                    </p:cTn>
-                  </p:par>
-                  <p:par>
-                    <p:cTn id="23" fill="hold">
-                      <p:stCondLst>
-                        <p:cond delay="indefinite"/>
-                      </p:stCondLst>
-                      <p:childTnLst>
-                        <p:par>
-                          <p:cTn id="24" fill="hold">
-                            <p:stCondLst>
-                              <p:cond delay="0"/>
-                            </p:stCondLst>
-                            <p:childTnLst>
-                              <p:par>
-                                <p:cTn id="25" presetID="1" presetClass="entr" presetSubtype="0" fill="hold" nodeType="clickEffect">
-                                  <p:stCondLst>
-                                    <p:cond delay="0"/>
-                                  </p:stCondLst>
-                                  <p:childTnLst>
-                                    <p:set>
-                                      <p:cBhvr>
-                                        <p:cTn id="26" dur="1" fill="hold">
-                                          <p:stCondLst>
-                                            <p:cond delay="0"/>
-                                          </p:stCondLst>
-                                        </p:cTn>
-                                        <p:tgtEl>
-                                          <p:spTgt spid="5"/>
-                                        </p:tgtEl>
-                                        <p:attrNameLst>
-                                          <p:attrName>style.visibility</p:attrName>
-                                        </p:attrNameLst>
-                                      </p:cBhvr>
-                                      <p:to>
-                                        <p:strVal val="visible"/>
-                                      </p:to>
-                                    </p:set>
-                                  </p:childTnLst>
-                                </p:cTn>
-                              </p:par>
-                            </p:childTnLst>
-                          </p:cTn>
-                        </p:par>
-                      </p:childTnLst>
-                    </p:cTn>
-                  </p:par>
-                </p:childTnLst>
-              </p:cTn>
-              <p:prevCondLst>
-                <p:cond evt="onPrev" delay="0">
-                  <p:tgtEl>
-                    <p:sldTgt/>
-                  </p:tgtEl>
-                </p:cond>
-              </p:prevCondLst>
-              <p:nextCondLst>
-                <p:cond evt="onNext" delay="0">
-                  <p:tgtEl>
-                    <p:sldTgt/>
-                  </p:tgtEl>
-                </p:cond>
-              </p:nextCondLst>
-            </p:seq>
-          </p:childTnLst>
-        </p:cTn>
-      </p:par>
-    </p:tnLst>
-  </p:timing>
-</p:sld>
-</file>
-
-<file path=ppt/slides/slide11.xml><?xml version="1.0" encoding="utf-8"?>
-<p:sld xmlns:a="http://schemas.openxmlformats.org/drawingml/2006/main" xmlns:r="http://schemas.openxmlformats.org/officeDocument/2006/relationships" xmlns:p="http://schemas.openxmlformats.org/presentationml/2006/main">
-  <p:cSld>
-    <p:spTree>
-      <p:nvGrpSpPr>
-        <p:cNvPr id="1" name=""/>
-        <p:cNvGrpSpPr/>
-        <p:nvPr/>
-      </p:nvGrpSpPr>
-      <p:grpSpPr>
-        <a:xfrm>
-          <a:off x="0" y="0"/>
-          <a:ext cx="0" cy="0"/>
-          <a:chOff x="0" y="0"/>
-          <a:chExt cx="0" cy="0"/>
-        </a:xfrm>
-      </p:grpSpPr>
-      <p:sp>
-        <p:nvSpPr>
-          <p:cNvPr id="2" name="标题 1">
-            <a:extLst>
-              <a:ext uri="{FF2B5EF4-FFF2-40B4-BE49-F238E27FC236}">
                 <a16:creationId xmlns:a16="http://schemas.microsoft.com/office/drawing/2014/main" id="{441F04CC-B5BF-73A9-44C9-95079617676D}"/>
               </a:ext>
             </a:extLst>
@@ -7344,7 +6815,7 @@
           <a:p>
             <a:fld id="{3F9DB605-36F8-4880-A1BE-3C72DF21D035}" type="slidenum">
               <a:rPr lang="en-US" smtClean="0"/>
-              <a:t>11</a:t>
+              <a:t>10</a:t>
             </a:fld>
             <a:endParaRPr lang="en-US"/>
           </a:p>
@@ -7543,7 +7014,7 @@
 </p:sld>
 </file>
 
-<file path=ppt/slides/slide12.xml><?xml version="1.0" encoding="utf-8"?>
+<file path=ppt/slides/slide11.xml><?xml version="1.0" encoding="utf-8"?>
 <p:sld xmlns:a="http://schemas.openxmlformats.org/drawingml/2006/main" xmlns:r="http://schemas.openxmlformats.org/officeDocument/2006/relationships" xmlns:p="http://schemas.openxmlformats.org/presentationml/2006/main">
   <p:cSld>
     <p:spTree>
@@ -7588,8 +7059,8 @@
           </a:p>
         </p:txBody>
       </p:sp>
-      <mc:AlternateContent xmlns:mc="http://schemas.openxmlformats.org/markup-compatibility/2006" xmlns:a14="http://schemas.microsoft.com/office/drawing/2010/main">
-        <mc:Choice Requires="a14">
+      <mc:AlternateContent xmlns:mc="http://schemas.openxmlformats.org/markup-compatibility/2006">
+        <mc:Choice xmlns:a14="http://schemas.microsoft.com/office/drawing/2010/main" Requires="a14">
           <p:sp>
             <p:nvSpPr>
               <p:cNvPr id="3" name="内容占位符 2">
@@ -7754,6 +7225,27 @@
               <a:p>
                 <a:r>
                   <a:rPr lang="en-US" dirty="0"/>
+                  <a:t>Nobody knows what </a:t>
+                </a:r>
+                <a14:m>
+                  <m:oMath xmlns:m="http://schemas.openxmlformats.org/officeDocument/2006/math">
+                    <m:r>
+                      <a:rPr lang="en-US" i="1">
+                        <a:latin typeface="Cambria Math" panose="02040503050406030204" pitchFamily="18" charset="0"/>
+                        <a:ea typeface="Cambria Math" panose="02040503050406030204" pitchFamily="18" charset="0"/>
+                      </a:rPr>
+                      <m:t>𝜃</m:t>
+                    </m:r>
+                  </m:oMath>
+                </a14:m>
+                <a:r>
+                  <a:rPr lang="en-US" dirty="0"/>
+                  <a:t> is!</a:t>
+                </a:r>
+              </a:p>
+              <a:p>
+                <a:r>
+                  <a:rPr lang="en-US" dirty="0"/>
                   <a:t>Alice and Bob independently toss it and are asked to (secretly) report results.</a:t>
                 </a:r>
               </a:p>
@@ -7777,23 +7269,13 @@
                 </a:r>
                 <a:r>
                   <a:rPr lang="en-US" dirty="0"/>
-                  <a:t> their reports agree.</a:t>
-                </a:r>
-              </a:p>
-              <a:p>
-                <a:r>
-                  <a:rPr lang="en-US" dirty="0">
-                    <a:solidFill>
-                      <a:srgbClr val="3333FF"/>
-                    </a:solidFill>
-                  </a:rPr>
-                  <a:t>Bayesian Nash equilibrium.</a:t>
+                  <a:t> their reports agree</a:t>
                 </a:r>
               </a:p>
             </p:txBody>
           </p:sp>
         </mc:Choice>
-        <mc:Fallback xmlns="">
+        <mc:Fallback>
           <p:sp>
             <p:nvSpPr>
               <p:cNvPr id="3" name="内容占位符 2">
@@ -7861,7 +7343,7 @@
         </p:blipFill>
         <p:spPr>
           <a:xfrm>
-            <a:off x="3502984" y="3528144"/>
+            <a:off x="3443991" y="4131285"/>
             <a:ext cx="1974487" cy="1423581"/>
           </a:xfrm>
           <a:prstGeom prst="rect">
@@ -7897,7 +7379,7 @@
         </p:blipFill>
         <p:spPr>
           <a:xfrm flipH="1">
-            <a:off x="6044796" y="3528145"/>
+            <a:off x="5985803" y="4131286"/>
             <a:ext cx="1974486" cy="1423580"/>
           </a:xfrm>
           <a:prstGeom prst="rect">
@@ -7928,7 +7410,7 @@
           <a:p>
             <a:fld id="{3F9DB605-36F8-4880-A1BE-3C72DF21D035}" type="slidenum">
               <a:rPr lang="en-US" smtClean="0"/>
-              <a:t>12</a:t>
+              <a:t>11</a:t>
             </a:fld>
             <a:endParaRPr lang="en-US"/>
           </a:p>
@@ -8063,7 +7545,7 @@
                             </p:stCondLst>
                             <p:childTnLst>
                               <p:par>
-                                <p:cTn id="13" presetID="10" presetClass="entr" presetSubtype="0" fill="hold" nodeType="clickEffect">
+                                <p:cTn id="13" presetID="1" presetClass="entr" presetSubtype="0" fill="hold" nodeType="clickEffect">
                                   <p:stCondLst>
                                     <p:cond delay="0"/>
                                   </p:stCondLst>
@@ -8071,6 +7553,55 @@
                                     <p:set>
                                       <p:cBhvr>
                                         <p:cTn id="14" dur="1" fill="hold">
+                                          <p:stCondLst>
+                                            <p:cond delay="0"/>
+                                          </p:stCondLst>
+                                        </p:cTn>
+                                        <p:tgtEl>
+                                          <p:spTgt spid="3">
+                                            <p:txEl>
+                                              <p:pRg st="2" end="2"/>
+                                            </p:txEl>
+                                          </p:spTgt>
+                                        </p:tgtEl>
+                                        <p:attrNameLst>
+                                          <p:attrName>style.visibility</p:attrName>
+                                        </p:attrNameLst>
+                                      </p:cBhvr>
+                                      <p:to>
+                                        <p:strVal val="visible"/>
+                                      </p:to>
+                                    </p:set>
+                                  </p:childTnLst>
+                                </p:cTn>
+                              </p:par>
+                            </p:childTnLst>
+                          </p:cTn>
+                        </p:par>
+                      </p:childTnLst>
+                    </p:cTn>
+                  </p:par>
+                  <p:par>
+                    <p:cTn id="15" fill="hold">
+                      <p:stCondLst>
+                        <p:cond delay="indefinite"/>
+                      </p:stCondLst>
+                      <p:childTnLst>
+                        <p:par>
+                          <p:cTn id="16" fill="hold">
+                            <p:stCondLst>
+                              <p:cond delay="0"/>
+                            </p:stCondLst>
+                            <p:childTnLst>
+                              <p:par>
+                                <p:cTn id="17" presetID="10" presetClass="entr" presetSubtype="0" fill="hold" nodeType="clickEffect">
+                                  <p:stCondLst>
+                                    <p:cond delay="0"/>
+                                  </p:stCondLst>
+                                  <p:childTnLst>
+                                    <p:set>
+                                      <p:cBhvr>
+                                        <p:cTn id="18" dur="1" fill="hold">
                                           <p:stCondLst>
                                             <p:cond delay="0"/>
                                           </p:stCondLst>
@@ -8088,7 +7619,7 @@
                                     </p:set>
                                     <p:animEffect transition="in" filter="fade">
                                       <p:cBhvr>
-                                        <p:cTn id="15" dur="500"/>
+                                        <p:cTn id="19" dur="500"/>
                                         <p:tgtEl>
                                           <p:spTgt spid="5"/>
                                         </p:tgtEl>
@@ -8098,14 +7629,14 @@
                                 </p:cTn>
                               </p:par>
                               <p:par>
-                                <p:cTn id="16" presetID="10" presetClass="entr" presetSubtype="0" fill="hold" nodeType="withEffect">
+                                <p:cTn id="20" presetID="10" presetClass="entr" presetSubtype="0" fill="hold" nodeType="withEffect">
                                   <p:stCondLst>
                                     <p:cond delay="0"/>
                                   </p:stCondLst>
                                   <p:childTnLst>
                                     <p:set>
                                       <p:cBhvr>
-                                        <p:cTn id="17" dur="1" fill="hold">
+                                        <p:cTn id="21" dur="1" fill="hold">
                                           <p:stCondLst>
                                             <p:cond delay="0"/>
                                           </p:stCondLst>
@@ -8123,61 +7654,12 @@
                                     </p:set>
                                     <p:animEffect transition="in" filter="fade">
                                       <p:cBhvr>
-                                        <p:cTn id="18" dur="500"/>
+                                        <p:cTn id="22" dur="500"/>
                                         <p:tgtEl>
                                           <p:spTgt spid="7"/>
                                         </p:tgtEl>
                                       </p:cBhvr>
                                     </p:animEffect>
-                                  </p:childTnLst>
-                                </p:cTn>
-                              </p:par>
-                            </p:childTnLst>
-                          </p:cTn>
-                        </p:par>
-                      </p:childTnLst>
-                    </p:cTn>
-                  </p:par>
-                  <p:par>
-                    <p:cTn id="19" fill="hold">
-                      <p:stCondLst>
-                        <p:cond delay="indefinite"/>
-                      </p:stCondLst>
-                      <p:childTnLst>
-                        <p:par>
-                          <p:cTn id="20" fill="hold">
-                            <p:stCondLst>
-                              <p:cond delay="0"/>
-                            </p:stCondLst>
-                            <p:childTnLst>
-                              <p:par>
-                                <p:cTn id="21" presetID="1" presetClass="entr" presetSubtype="0" fill="hold" nodeType="clickEffect">
-                                  <p:stCondLst>
-                                    <p:cond delay="0"/>
-                                  </p:stCondLst>
-                                  <p:childTnLst>
-                                    <p:set>
-                                      <p:cBhvr>
-                                        <p:cTn id="22" dur="1" fill="hold">
-                                          <p:stCondLst>
-                                            <p:cond delay="0"/>
-                                          </p:stCondLst>
-                                        </p:cTn>
-                                        <p:tgtEl>
-                                          <p:spTgt spid="3">
-                                            <p:txEl>
-                                              <p:pRg st="5" end="5"/>
-                                            </p:txEl>
-                                          </p:spTgt>
-                                        </p:tgtEl>
-                                        <p:attrNameLst>
-                                          <p:attrName>style.visibility</p:attrName>
-                                        </p:attrNameLst>
-                                      </p:cBhvr>
-                                      <p:to>
-                                        <p:strVal val="visible"/>
-                                      </p:to>
-                                    </p:set>
                                   </p:childTnLst>
                                 </p:cTn>
                               </p:par>
@@ -8261,7 +7743,7 @@
 </p:sld>
 </file>
 
-<file path=ppt/slides/slide13.xml><?xml version="1.0" encoding="utf-8"?>
+<file path=ppt/slides/slide12.xml><?xml version="1.0" encoding="utf-8"?>
 <p:sld xmlns:a="http://schemas.openxmlformats.org/drawingml/2006/main" xmlns:r="http://schemas.openxmlformats.org/officeDocument/2006/relationships" xmlns:p="http://schemas.openxmlformats.org/presentationml/2006/main">
   <p:cSld>
     <p:spTree>
@@ -8486,7 +7968,7 @@
           <a:p>
             <a:fld id="{3F9DB605-36F8-4880-A1BE-3C72DF21D035}" type="slidenum">
               <a:rPr lang="en-US" smtClean="0"/>
-              <a:t>13</a:t>
+              <a:t>12</a:t>
             </a:fld>
             <a:endParaRPr lang="en-US"/>
           </a:p>
@@ -8731,804 +8213,7 @@
 </p:sld>
 </file>
 
-<file path=ppt/slides/slide14.xml><?xml version="1.0" encoding="utf-8"?>
-<p:sld xmlns:a="http://schemas.openxmlformats.org/drawingml/2006/main" xmlns:r="http://schemas.openxmlformats.org/officeDocument/2006/relationships" xmlns:p="http://schemas.openxmlformats.org/presentationml/2006/main">
-  <p:cSld>
-    <p:spTree>
-      <p:nvGrpSpPr>
-        <p:cNvPr id="1" name=""/>
-        <p:cNvGrpSpPr/>
-        <p:nvPr/>
-      </p:nvGrpSpPr>
-      <p:grpSpPr>
-        <a:xfrm>
-          <a:off x="0" y="0"/>
-          <a:ext cx="0" cy="0"/>
-          <a:chOff x="0" y="0"/>
-          <a:chExt cx="0" cy="0"/>
-        </a:xfrm>
-      </p:grpSpPr>
-      <p:sp>
-        <p:nvSpPr>
-          <p:cNvPr id="2" name="Title 1">
-            <a:extLst>
-              <a:ext uri="{FF2B5EF4-FFF2-40B4-BE49-F238E27FC236}">
-                <a16:creationId xmlns:a16="http://schemas.microsoft.com/office/drawing/2014/main" id="{820C5D58-ACE7-1AED-C631-5150A259A6DD}"/>
-              </a:ext>
-            </a:extLst>
-          </p:cNvPr>
-          <p:cNvSpPr>
-            <a:spLocks noGrp="1"/>
-          </p:cNvSpPr>
-          <p:nvPr>
-            <p:ph type="title"/>
-          </p:nvPr>
-        </p:nvSpPr>
-        <p:spPr/>
-        <p:txBody>
-          <a:bodyPr/>
-          <a:lstStyle/>
-          <a:p>
-            <a:r>
-              <a:rPr lang="en-US" dirty="0"/>
-              <a:t>Peer Prediction: Nakamoto Consensus</a:t>
-            </a:r>
-          </a:p>
-        </p:txBody>
-      </p:sp>
-      <p:sp>
-        <p:nvSpPr>
-          <p:cNvPr id="3" name="Content Placeholder 2">
-            <a:extLst>
-              <a:ext uri="{FF2B5EF4-FFF2-40B4-BE49-F238E27FC236}">
-                <a16:creationId xmlns:a16="http://schemas.microsoft.com/office/drawing/2014/main" id="{A9ADA555-01B8-677E-3199-5B93F0525B28}"/>
-              </a:ext>
-            </a:extLst>
-          </p:cNvPr>
-          <p:cNvSpPr>
-            <a:spLocks noGrp="1"/>
-          </p:cNvSpPr>
-          <p:nvPr>
-            <p:ph idx="1"/>
-          </p:nvPr>
-        </p:nvSpPr>
-        <p:spPr/>
-        <p:txBody>
-          <a:bodyPr>
-            <a:normAutofit/>
-          </a:bodyPr>
-          <a:lstStyle/>
-          <a:p>
-            <a:endParaRPr lang="en-US" dirty="0"/>
-          </a:p>
-          <a:p>
-            <a:endParaRPr lang="en-US" dirty="0"/>
-          </a:p>
-          <a:p>
-            <a:endParaRPr lang="en-US" dirty="0"/>
-          </a:p>
-          <a:p>
-            <a:r>
-              <a:rPr lang="en-US" i="1" dirty="0">
-                <a:solidFill>
-                  <a:srgbClr val="0070C0"/>
-                </a:solidFill>
-              </a:rPr>
-              <a:t>I see this chain to be honest and longest so far... Other miners would probably also think so.</a:t>
-            </a:r>
-          </a:p>
-          <a:p>
-            <a:r>
-              <a:rPr lang="en-US" i="1" dirty="0">
-                <a:solidFill>
-                  <a:srgbClr val="0070C0"/>
-                </a:solidFill>
-              </a:rPr>
-              <a:t>I get the block reward </a:t>
-            </a:r>
-            <a:r>
-              <a:rPr lang="en-US" i="1" dirty="0" err="1">
-                <a:solidFill>
-                  <a:srgbClr val="0070C0"/>
-                </a:solidFill>
-              </a:rPr>
-              <a:t>iff</a:t>
-            </a:r>
-            <a:r>
-              <a:rPr lang="en-US" i="1" dirty="0">
-                <a:solidFill>
-                  <a:srgbClr val="0070C0"/>
-                </a:solidFill>
-              </a:rPr>
-              <a:t> I’m on the longest chain...</a:t>
-            </a:r>
-          </a:p>
-          <a:p>
-            <a:r>
-              <a:rPr lang="en-US" i="1" dirty="0">
-                <a:solidFill>
-                  <a:srgbClr val="0070C0"/>
-                </a:solidFill>
-              </a:rPr>
-              <a:t>So I will follow this chain.</a:t>
-            </a:r>
-          </a:p>
-          <a:p>
-            <a:endParaRPr lang="en-US" i="1" dirty="0">
-              <a:solidFill>
-                <a:srgbClr val="0070C0"/>
-              </a:solidFill>
-            </a:endParaRPr>
-          </a:p>
-          <a:p>
-            <a:endParaRPr lang="en-US" i="1" dirty="0">
-              <a:solidFill>
-                <a:srgbClr val="0070C0"/>
-              </a:solidFill>
-            </a:endParaRPr>
-          </a:p>
-          <a:p>
-            <a:pPr marL="0" indent="0">
-              <a:buNone/>
-            </a:pPr>
-            <a:endParaRPr lang="en-US" i="1" dirty="0">
-              <a:solidFill>
-                <a:srgbClr val="0070C0"/>
-              </a:solidFill>
-            </a:endParaRPr>
-          </a:p>
-        </p:txBody>
-      </p:sp>
-      <p:pic>
-        <p:nvPicPr>
-          <p:cNvPr id="4" name="图片 4" descr="图示&#10;&#10;描述已自动生成">
-            <a:extLst>
-              <a:ext uri="{FF2B5EF4-FFF2-40B4-BE49-F238E27FC236}">
-                <a16:creationId xmlns:a16="http://schemas.microsoft.com/office/drawing/2014/main" id="{E370285F-0391-F309-7C9F-4CDD9AC646C3}"/>
-              </a:ext>
-            </a:extLst>
-          </p:cNvPr>
-          <p:cNvPicPr>
-            <a:picLocks noChangeAspect="1"/>
-          </p:cNvPicPr>
-          <p:nvPr/>
-        </p:nvPicPr>
-        <p:blipFill>
-          <a:blip r:embed="rId2">
-            <a:extLst>
-              <a:ext uri="{28A0092B-C50C-407E-A947-70E740481C1C}">
-                <a14:useLocalDpi xmlns:a14="http://schemas.microsoft.com/office/drawing/2010/main" val="0"/>
-              </a:ext>
-            </a:extLst>
-          </a:blip>
-          <a:stretch>
-            <a:fillRect/>
-          </a:stretch>
-        </p:blipFill>
-        <p:spPr>
-          <a:xfrm>
-            <a:off x="3651347" y="1554080"/>
-            <a:ext cx="3920042" cy="1444637"/>
-          </a:xfrm>
-          <a:prstGeom prst="rect">
-            <a:avLst/>
-          </a:prstGeom>
-        </p:spPr>
-      </p:pic>
-      <p:sp>
-        <p:nvSpPr>
-          <p:cNvPr id="5" name="Slide Number Placeholder 4">
-            <a:extLst>
-              <a:ext uri="{FF2B5EF4-FFF2-40B4-BE49-F238E27FC236}">
-                <a16:creationId xmlns:a16="http://schemas.microsoft.com/office/drawing/2014/main" id="{5F8F127E-3665-2BFC-06CB-246E95780129}"/>
-              </a:ext>
-            </a:extLst>
-          </p:cNvPr>
-          <p:cNvSpPr>
-            <a:spLocks noGrp="1"/>
-          </p:cNvSpPr>
-          <p:nvPr>
-            <p:ph type="sldNum" sz="quarter" idx="12"/>
-          </p:nvPr>
-        </p:nvSpPr>
-        <p:spPr/>
-        <p:txBody>
-          <a:bodyPr/>
-          <a:lstStyle/>
-          <a:p>
-            <a:fld id="{3F9DB605-36F8-4880-A1BE-3C72DF21D035}" type="slidenum">
-              <a:rPr lang="en-US" smtClean="0"/>
-              <a:t>14</a:t>
-            </a:fld>
-            <a:endParaRPr lang="en-US"/>
-          </a:p>
-        </p:txBody>
-      </p:sp>
-    </p:spTree>
-    <p:extLst>
-      <p:ext uri="{BB962C8B-B14F-4D97-AF65-F5344CB8AC3E}">
-        <p14:creationId xmlns:p14="http://schemas.microsoft.com/office/powerpoint/2010/main" val="3103328709"/>
-      </p:ext>
-    </p:extLst>
-  </p:cSld>
-  <p:clrMapOvr>
-    <a:masterClrMapping/>
-  </p:clrMapOvr>
-  <p:timing>
-    <p:tnLst>
-      <p:par>
-        <p:cTn id="1" dur="indefinite" restart="never" nodeType="tmRoot">
-          <p:childTnLst>
-            <p:seq concurrent="1" nextAc="seek">
-              <p:cTn id="2" dur="indefinite" nodeType="mainSeq">
-                <p:childTnLst>
-                  <p:par>
-                    <p:cTn id="3" fill="hold">
-                      <p:stCondLst>
-                        <p:cond delay="indefinite"/>
-                      </p:stCondLst>
-                      <p:childTnLst>
-                        <p:par>
-                          <p:cTn id="4" fill="hold">
-                            <p:stCondLst>
-                              <p:cond delay="0"/>
-                            </p:stCondLst>
-                            <p:childTnLst>
-                              <p:par>
-                                <p:cTn id="5" presetID="1" presetClass="entr" presetSubtype="0" fill="hold" nodeType="clickEffect">
-                                  <p:stCondLst>
-                                    <p:cond delay="0"/>
-                                  </p:stCondLst>
-                                  <p:childTnLst>
-                                    <p:set>
-                                      <p:cBhvr>
-                                        <p:cTn id="6" dur="1" fill="hold">
-                                          <p:stCondLst>
-                                            <p:cond delay="0"/>
-                                          </p:stCondLst>
-                                        </p:cTn>
-                                        <p:tgtEl>
-                                          <p:spTgt spid="4"/>
-                                        </p:tgtEl>
-                                        <p:attrNameLst>
-                                          <p:attrName>style.visibility</p:attrName>
-                                        </p:attrNameLst>
-                                      </p:cBhvr>
-                                      <p:to>
-                                        <p:strVal val="visible"/>
-                                      </p:to>
-                                    </p:set>
-                                  </p:childTnLst>
-                                </p:cTn>
-                              </p:par>
-                            </p:childTnLst>
-                          </p:cTn>
-                        </p:par>
-                      </p:childTnLst>
-                    </p:cTn>
-                  </p:par>
-                  <p:par>
-                    <p:cTn id="7" fill="hold">
-                      <p:stCondLst>
-                        <p:cond delay="indefinite"/>
-                      </p:stCondLst>
-                      <p:childTnLst>
-                        <p:par>
-                          <p:cTn id="8" fill="hold">
-                            <p:stCondLst>
-                              <p:cond delay="0"/>
-                            </p:stCondLst>
-                            <p:childTnLst>
-                              <p:par>
-                                <p:cTn id="9" presetID="1" presetClass="entr" presetSubtype="0" fill="hold" nodeType="clickEffect">
-                                  <p:stCondLst>
-                                    <p:cond delay="0"/>
-                                  </p:stCondLst>
-                                  <p:childTnLst>
-                                    <p:set>
-                                      <p:cBhvr>
-                                        <p:cTn id="10" dur="1" fill="hold">
-                                          <p:stCondLst>
-                                            <p:cond delay="0"/>
-                                          </p:stCondLst>
-                                        </p:cTn>
-                                        <p:tgtEl>
-                                          <p:spTgt spid="3">
-                                            <p:txEl>
-                                              <p:pRg st="3" end="3"/>
-                                            </p:txEl>
-                                          </p:spTgt>
-                                        </p:tgtEl>
-                                        <p:attrNameLst>
-                                          <p:attrName>style.visibility</p:attrName>
-                                        </p:attrNameLst>
-                                      </p:cBhvr>
-                                      <p:to>
-                                        <p:strVal val="visible"/>
-                                      </p:to>
-                                    </p:set>
-                                  </p:childTnLst>
-                                </p:cTn>
-                              </p:par>
-                            </p:childTnLst>
-                          </p:cTn>
-                        </p:par>
-                      </p:childTnLst>
-                    </p:cTn>
-                  </p:par>
-                  <p:par>
-                    <p:cTn id="11" fill="hold">
-                      <p:stCondLst>
-                        <p:cond delay="indefinite"/>
-                      </p:stCondLst>
-                      <p:childTnLst>
-                        <p:par>
-                          <p:cTn id="12" fill="hold">
-                            <p:stCondLst>
-                              <p:cond delay="0"/>
-                            </p:stCondLst>
-                            <p:childTnLst>
-                              <p:par>
-                                <p:cTn id="13" presetID="1" presetClass="entr" presetSubtype="0" fill="hold" nodeType="clickEffect">
-                                  <p:stCondLst>
-                                    <p:cond delay="0"/>
-                                  </p:stCondLst>
-                                  <p:childTnLst>
-                                    <p:set>
-                                      <p:cBhvr>
-                                        <p:cTn id="14" dur="1" fill="hold">
-                                          <p:stCondLst>
-                                            <p:cond delay="0"/>
-                                          </p:stCondLst>
-                                        </p:cTn>
-                                        <p:tgtEl>
-                                          <p:spTgt spid="3">
-                                            <p:txEl>
-                                              <p:pRg st="4" end="4"/>
-                                            </p:txEl>
-                                          </p:spTgt>
-                                        </p:tgtEl>
-                                        <p:attrNameLst>
-                                          <p:attrName>style.visibility</p:attrName>
-                                        </p:attrNameLst>
-                                      </p:cBhvr>
-                                      <p:to>
-                                        <p:strVal val="visible"/>
-                                      </p:to>
-                                    </p:set>
-                                  </p:childTnLst>
-                                </p:cTn>
-                              </p:par>
-                            </p:childTnLst>
-                          </p:cTn>
-                        </p:par>
-                      </p:childTnLst>
-                    </p:cTn>
-                  </p:par>
-                  <p:par>
-                    <p:cTn id="15" fill="hold">
-                      <p:stCondLst>
-                        <p:cond delay="indefinite"/>
-                      </p:stCondLst>
-                      <p:childTnLst>
-                        <p:par>
-                          <p:cTn id="16" fill="hold">
-                            <p:stCondLst>
-                              <p:cond delay="0"/>
-                            </p:stCondLst>
-                            <p:childTnLst>
-                              <p:par>
-                                <p:cTn id="17" presetID="1" presetClass="entr" presetSubtype="0" fill="hold" nodeType="clickEffect">
-                                  <p:stCondLst>
-                                    <p:cond delay="0"/>
-                                  </p:stCondLst>
-                                  <p:childTnLst>
-                                    <p:set>
-                                      <p:cBhvr>
-                                        <p:cTn id="18" dur="1" fill="hold">
-                                          <p:stCondLst>
-                                            <p:cond delay="0"/>
-                                          </p:stCondLst>
-                                        </p:cTn>
-                                        <p:tgtEl>
-                                          <p:spTgt spid="3">
-                                            <p:txEl>
-                                              <p:pRg st="5" end="5"/>
-                                            </p:txEl>
-                                          </p:spTgt>
-                                        </p:tgtEl>
-                                        <p:attrNameLst>
-                                          <p:attrName>style.visibility</p:attrName>
-                                        </p:attrNameLst>
-                                      </p:cBhvr>
-                                      <p:to>
-                                        <p:strVal val="visible"/>
-                                      </p:to>
-                                    </p:set>
-                                  </p:childTnLst>
-                                </p:cTn>
-                              </p:par>
-                            </p:childTnLst>
-                          </p:cTn>
-                        </p:par>
-                      </p:childTnLst>
-                    </p:cTn>
-                  </p:par>
-                </p:childTnLst>
-              </p:cTn>
-              <p:prevCondLst>
-                <p:cond evt="onPrev" delay="0">
-                  <p:tgtEl>
-                    <p:sldTgt/>
-                  </p:tgtEl>
-                </p:cond>
-              </p:prevCondLst>
-              <p:nextCondLst>
-                <p:cond evt="onNext" delay="0">
-                  <p:tgtEl>
-                    <p:sldTgt/>
-                  </p:tgtEl>
-                </p:cond>
-              </p:nextCondLst>
-            </p:seq>
-          </p:childTnLst>
-        </p:cTn>
-      </p:par>
-    </p:tnLst>
-  </p:timing>
-</p:sld>
-</file>
-
-<file path=ppt/slides/slide15.xml><?xml version="1.0" encoding="utf-8"?>
-<p:sld xmlns:a="http://schemas.openxmlformats.org/drawingml/2006/main" xmlns:r="http://schemas.openxmlformats.org/officeDocument/2006/relationships" xmlns:p="http://schemas.openxmlformats.org/presentationml/2006/main">
-  <p:cSld>
-    <p:spTree>
-      <p:nvGrpSpPr>
-        <p:cNvPr id="1" name=""/>
-        <p:cNvGrpSpPr/>
-        <p:nvPr/>
-      </p:nvGrpSpPr>
-      <p:grpSpPr>
-        <a:xfrm>
-          <a:off x="0" y="0"/>
-          <a:ext cx="0" cy="0"/>
-          <a:chOff x="0" y="0"/>
-          <a:chExt cx="0" cy="0"/>
-        </a:xfrm>
-      </p:grpSpPr>
-      <p:sp>
-        <p:nvSpPr>
-          <p:cNvPr id="2" name="标题 1">
-            <a:extLst>
-              <a:ext uri="{FF2B5EF4-FFF2-40B4-BE49-F238E27FC236}">
-                <a16:creationId xmlns:a16="http://schemas.microsoft.com/office/drawing/2014/main" id="{4B3314BB-129E-F65F-8751-4D280435C0CF}"/>
-              </a:ext>
-            </a:extLst>
-          </p:cNvPr>
-          <p:cNvSpPr>
-            <a:spLocks noGrp="1"/>
-          </p:cNvSpPr>
-          <p:nvPr>
-            <p:ph type="title"/>
-          </p:nvPr>
-        </p:nvSpPr>
-        <p:spPr/>
-        <p:txBody>
-          <a:bodyPr/>
-          <a:lstStyle/>
-          <a:p>
-            <a:r>
-              <a:rPr lang="en-US" dirty="0"/>
-              <a:t>Peer Prediction: </a:t>
-            </a:r>
-            <a:r>
-              <a:rPr lang="en-US" altLang="zh-CN" dirty="0"/>
-              <a:t>Concept</a:t>
-            </a:r>
-            <a:endParaRPr lang="en-US" dirty="0"/>
-          </a:p>
-        </p:txBody>
-      </p:sp>
-      <p:sp>
-        <p:nvSpPr>
-          <p:cNvPr id="3" name="内容占位符 2">
-            <a:extLst>
-              <a:ext uri="{FF2B5EF4-FFF2-40B4-BE49-F238E27FC236}">
-                <a16:creationId xmlns:a16="http://schemas.microsoft.com/office/drawing/2014/main" id="{62ADB673-3611-8FD1-A6E3-7AC113166090}"/>
-              </a:ext>
-            </a:extLst>
-          </p:cNvPr>
-          <p:cNvSpPr>
-            <a:spLocks noGrp="1"/>
-          </p:cNvSpPr>
-          <p:nvPr>
-            <p:ph idx="1"/>
-          </p:nvPr>
-        </p:nvSpPr>
-        <p:spPr/>
-        <p:txBody>
-          <a:bodyPr/>
-          <a:lstStyle/>
-          <a:p>
-            <a:r>
-              <a:rPr lang="en-US" dirty="0"/>
-              <a:t>Peer Prediction: information elicitation mechanisms</a:t>
-            </a:r>
-            <a:br>
-              <a:rPr lang="en-US" dirty="0"/>
-            </a:br>
-            <a:r>
-              <a:rPr lang="en-US" dirty="0"/>
-              <a:t>incentivizing </a:t>
-            </a:r>
-            <a:r>
-              <a:rPr lang="en-US" dirty="0">
-                <a:solidFill>
-                  <a:srgbClr val="3333FF"/>
-                </a:solidFill>
-              </a:rPr>
-              <a:t>truthful report without access to ground truth</a:t>
-            </a:r>
-            <a:r>
-              <a:rPr lang="en-US" dirty="0"/>
-              <a:t>.</a:t>
-            </a:r>
-          </a:p>
-          <a:p>
-            <a:endParaRPr lang="en-US" dirty="0"/>
-          </a:p>
-          <a:p>
-            <a:r>
-              <a:rPr lang="en-US" dirty="0"/>
-              <a:t>What is the blockchain?</a:t>
-            </a:r>
-          </a:p>
-          <a:p>
-            <a:pPr marL="0" indent="0">
-              <a:buNone/>
-            </a:pPr>
-            <a:r>
-              <a:rPr lang="en-US" dirty="0"/>
-              <a:t>   </a:t>
-            </a:r>
-            <a:r>
-              <a:rPr lang="en-US" dirty="0">
-                <a:solidFill>
-                  <a:schemeClr val="tx2">
-                    <a:lumMod val="75000"/>
-                    <a:lumOff val="25000"/>
-                  </a:schemeClr>
-                </a:solidFill>
-                <a:latin typeface="Bell MT" panose="02020503060305020303" pitchFamily="18" charset="0"/>
-              </a:rPr>
-              <a:t>A (probably) fanciest application of (implicit) peer prediction!</a:t>
-            </a:r>
-          </a:p>
-        </p:txBody>
-      </p:sp>
-      <p:sp>
-        <p:nvSpPr>
-          <p:cNvPr id="4" name="Slide Number Placeholder 3">
-            <a:extLst>
-              <a:ext uri="{FF2B5EF4-FFF2-40B4-BE49-F238E27FC236}">
-                <a16:creationId xmlns:a16="http://schemas.microsoft.com/office/drawing/2014/main" id="{86221500-9D0A-38D2-B2AD-A6682DFFFD17}"/>
-              </a:ext>
-            </a:extLst>
-          </p:cNvPr>
-          <p:cNvSpPr>
-            <a:spLocks noGrp="1"/>
-          </p:cNvSpPr>
-          <p:nvPr>
-            <p:ph type="sldNum" sz="quarter" idx="12"/>
-          </p:nvPr>
-        </p:nvSpPr>
-        <p:spPr/>
-        <p:txBody>
-          <a:bodyPr/>
-          <a:lstStyle/>
-          <a:p>
-            <a:fld id="{3F9DB605-36F8-4880-A1BE-3C72DF21D035}" type="slidenum">
-              <a:rPr lang="en-US" smtClean="0"/>
-              <a:t>15</a:t>
-            </a:fld>
-            <a:endParaRPr lang="en-US"/>
-          </a:p>
-        </p:txBody>
-      </p:sp>
-    </p:spTree>
-    <p:extLst>
-      <p:ext uri="{BB962C8B-B14F-4D97-AF65-F5344CB8AC3E}">
-        <p14:creationId xmlns:p14="http://schemas.microsoft.com/office/powerpoint/2010/main" val="1549155231"/>
-      </p:ext>
-    </p:extLst>
-  </p:cSld>
-  <p:clrMapOvr>
-    <a:masterClrMapping/>
-  </p:clrMapOvr>
-  <p:timing>
-    <p:tnLst>
-      <p:par>
-        <p:cTn id="1" dur="indefinite" restart="never" nodeType="tmRoot">
-          <p:childTnLst>
-            <p:seq concurrent="1" nextAc="seek">
-              <p:cTn id="2" dur="indefinite" nodeType="mainSeq">
-                <p:childTnLst>
-                  <p:par>
-                    <p:cTn id="3" fill="hold">
-                      <p:stCondLst>
-                        <p:cond delay="indefinite"/>
-                        <p:cond evt="onBegin" delay="0">
-                          <p:tn val="2"/>
-                        </p:cond>
-                      </p:stCondLst>
-                      <p:childTnLst>
-                        <p:par>
-                          <p:cTn id="4" fill="hold">
-                            <p:stCondLst>
-                              <p:cond delay="0"/>
-                            </p:stCondLst>
-                            <p:childTnLst>
-                              <p:par>
-                                <p:cTn id="5" presetID="1" presetClass="entr" presetSubtype="0" fill="hold" nodeType="withEffect">
-                                  <p:stCondLst>
-                                    <p:cond delay="0"/>
-                                  </p:stCondLst>
-                                  <p:childTnLst>
-                                    <p:set>
-                                      <p:cBhvr>
-                                        <p:cTn id="6" dur="1" fill="hold">
-                                          <p:stCondLst>
-                                            <p:cond delay="0"/>
-                                          </p:stCondLst>
-                                        </p:cTn>
-                                        <p:tgtEl>
-                                          <p:spTgt spid="3">
-                                            <p:txEl>
-                                              <p:pRg st="0" end="0"/>
-                                            </p:txEl>
-                                          </p:spTgt>
-                                        </p:tgtEl>
-                                        <p:attrNameLst>
-                                          <p:attrName>style.visibility</p:attrName>
-                                        </p:attrNameLst>
-                                      </p:cBhvr>
-                                      <p:to>
-                                        <p:strVal val="visible"/>
-                                      </p:to>
-                                    </p:set>
-                                  </p:childTnLst>
-                                </p:cTn>
-                              </p:par>
-                            </p:childTnLst>
-                          </p:cTn>
-                        </p:par>
-                      </p:childTnLst>
-                    </p:cTn>
-                  </p:par>
-                  <p:par>
-                    <p:cTn id="7" fill="hold">
-                      <p:stCondLst>
-                        <p:cond delay="indefinite"/>
-                      </p:stCondLst>
-                      <p:childTnLst>
-                        <p:par>
-                          <p:cTn id="8" fill="hold">
-                            <p:stCondLst>
-                              <p:cond delay="0"/>
-                            </p:stCondLst>
-                            <p:childTnLst>
-                              <p:par>
-                                <p:cTn id="9" presetID="1" presetClass="entr" presetSubtype="0" fill="hold" nodeType="clickEffect">
-                                  <p:stCondLst>
-                                    <p:cond delay="0"/>
-                                  </p:stCondLst>
-                                  <p:childTnLst>
-                                    <p:set>
-                                      <p:cBhvr>
-                                        <p:cTn id="10" dur="1" fill="hold">
-                                          <p:stCondLst>
-                                            <p:cond delay="0"/>
-                                          </p:stCondLst>
-                                        </p:cTn>
-                                        <p:tgtEl>
-                                          <p:spTgt spid="3">
-                                            <p:txEl>
-                                              <p:pRg st="2" end="2"/>
-                                            </p:txEl>
-                                          </p:spTgt>
-                                        </p:tgtEl>
-                                        <p:attrNameLst>
-                                          <p:attrName>style.visibility</p:attrName>
-                                        </p:attrNameLst>
-                                      </p:cBhvr>
-                                      <p:to>
-                                        <p:strVal val="visible"/>
-                                      </p:to>
-                                    </p:set>
-                                  </p:childTnLst>
-                                </p:cTn>
-                              </p:par>
-                            </p:childTnLst>
-                          </p:cTn>
-                        </p:par>
-                      </p:childTnLst>
-                    </p:cTn>
-                  </p:par>
-                  <p:par>
-                    <p:cTn id="11" fill="hold">
-                      <p:stCondLst>
-                        <p:cond delay="indefinite"/>
-                      </p:stCondLst>
-                      <p:childTnLst>
-                        <p:par>
-                          <p:cTn id="12" fill="hold">
-                            <p:stCondLst>
-                              <p:cond delay="0"/>
-                            </p:stCondLst>
-                            <p:childTnLst>
-                              <p:par>
-                                <p:cTn id="13" presetID="1" presetClass="entr" presetSubtype="0" fill="hold" nodeType="clickEffect">
-                                  <p:stCondLst>
-                                    <p:cond delay="0"/>
-                                  </p:stCondLst>
-                                  <p:childTnLst>
-                                    <p:set>
-                                      <p:cBhvr>
-                                        <p:cTn id="14" dur="1" fill="hold">
-                                          <p:stCondLst>
-                                            <p:cond delay="0"/>
-                                          </p:stCondLst>
-                                        </p:cTn>
-                                        <p:tgtEl>
-                                          <p:spTgt spid="3">
-                                            <p:txEl>
-                                              <p:pRg st="3" end="3"/>
-                                            </p:txEl>
-                                          </p:spTgt>
-                                        </p:tgtEl>
-                                        <p:attrNameLst>
-                                          <p:attrName>style.visibility</p:attrName>
-                                        </p:attrNameLst>
-                                      </p:cBhvr>
-                                      <p:to>
-                                        <p:strVal val="visible"/>
-                                      </p:to>
-                                    </p:set>
-                                  </p:childTnLst>
-                                </p:cTn>
-                              </p:par>
-                            </p:childTnLst>
-                          </p:cTn>
-                        </p:par>
-                      </p:childTnLst>
-                    </p:cTn>
-                  </p:par>
-                </p:childTnLst>
-              </p:cTn>
-              <p:prevCondLst>
-                <p:cond evt="onPrev" delay="0">
-                  <p:tgtEl>
-                    <p:sldTgt/>
-                  </p:tgtEl>
-                </p:cond>
-              </p:prevCondLst>
-              <p:nextCondLst>
-                <p:cond evt="onNext" delay="0">
-                  <p:tgtEl>
-                    <p:sldTgt/>
-                  </p:tgtEl>
-                </p:cond>
-              </p:nextCondLst>
-            </p:seq>
-          </p:childTnLst>
-        </p:cTn>
-      </p:par>
-    </p:tnLst>
-  </p:timing>
-</p:sld>
-</file>
-
-<file path=ppt/slides/slide16.xml><?xml version="1.0" encoding="utf-8"?>
+<file path=ppt/slides/slide13.xml><?xml version="1.0" encoding="utf-8"?>
 <p:sld xmlns:a="http://schemas.openxmlformats.org/drawingml/2006/main" xmlns:r="http://schemas.openxmlformats.org/officeDocument/2006/relationships" xmlns:p="http://schemas.openxmlformats.org/presentationml/2006/main">
   <p:cSld>
     <p:spTree>
@@ -9573,8 +8258,8 @@
           </a:p>
         </p:txBody>
       </p:sp>
-      <mc:AlternateContent xmlns:mc="http://schemas.openxmlformats.org/markup-compatibility/2006" xmlns:a14="http://schemas.microsoft.com/office/drawing/2010/main">
-        <mc:Choice Requires="a14">
+      <mc:AlternateContent xmlns:mc="http://schemas.openxmlformats.org/markup-compatibility/2006">
+        <mc:Choice xmlns:a14="http://schemas.microsoft.com/office/drawing/2010/main" Requires="a14">
           <p:sp>
             <p:nvSpPr>
               <p:cNvPr id="3" name="Content Placeholder 2">
@@ -9593,7 +8278,9 @@
             </p:nvSpPr>
             <p:spPr/>
             <p:txBody>
-              <a:bodyPr/>
+              <a:bodyPr>
+                <a:normAutofit lnSpcReduction="10000"/>
+              </a:bodyPr>
               <a:lstStyle/>
               <a:p>
                 <a:r>
@@ -9612,16 +8299,24 @@
                   <a:rPr lang="en-US" dirty="0"/>
                 </a:br>
                 <a:r>
+                  <a:rPr lang="en-US" b="1" dirty="0"/>
+                  <a:t>Players</a:t>
+                </a:r>
+                <a:r>
+                  <a:rPr lang="en-US" dirty="0"/>
+                  <a:t> </a:t>
+                </a:r>
+                <a:r>
                   <a:rPr lang="en-US" dirty="0">
                     <a:solidFill>
                       <a:srgbClr val="3333FF"/>
                     </a:solidFill>
                   </a:rPr>
-                  <a:t>Predict</a:t>
+                  <a:t>predict</a:t>
                 </a:r>
                 <a:r>
                   <a:rPr lang="en-US" dirty="0"/>
-                  <a:t> what your </a:t>
+                  <a:t> what their </a:t>
                 </a:r>
                 <a:r>
                   <a:rPr lang="en-US" dirty="0">
@@ -9633,7 +8328,117 @@
                 </a:r>
                 <a:r>
                   <a:rPr lang="en-US" dirty="0"/>
-                  <a:t> would do and make decisions accordingly.</a:t>
+                  <a:t> would do (i.e., </a:t>
+                </a:r>
+                <a14:m>
+                  <m:oMath xmlns:m="http://schemas.openxmlformats.org/officeDocument/2006/math">
+                    <m:r>
+                      <a:rPr lang="en-US" i="1" smtClean="0">
+                        <a:solidFill>
+                          <a:srgbClr val="3333FF"/>
+                        </a:solidFill>
+                        <a:latin typeface="Cambria Math" panose="02040503050406030204" pitchFamily="18" charset="0"/>
+                      </a:rPr>
+                      <m:t>𝑃</m:t>
+                    </m:r>
+                    <m:d>
+                      <m:dPr>
+                        <m:ctrlPr>
+                          <a:rPr lang="en-US" i="1">
+                            <a:solidFill>
+                              <a:srgbClr val="3333FF"/>
+                            </a:solidFill>
+                            <a:latin typeface="Cambria Math" panose="02040503050406030204" pitchFamily="18" charset="0"/>
+                          </a:rPr>
+                        </m:ctrlPr>
+                      </m:dPr>
+                      <m:e>
+                        <m:sSub>
+                          <m:sSubPr>
+                            <m:ctrlPr>
+                              <a:rPr lang="en-US" i="1">
+                                <a:solidFill>
+                                  <a:srgbClr val="3333FF"/>
+                                </a:solidFill>
+                                <a:latin typeface="Cambria Math" panose="02040503050406030204" pitchFamily="18" charset="0"/>
+                              </a:rPr>
+                            </m:ctrlPr>
+                          </m:sSubPr>
+                          <m:e>
+                            <m:r>
+                              <a:rPr lang="en-US" i="1">
+                                <a:solidFill>
+                                  <a:srgbClr val="3333FF"/>
+                                </a:solidFill>
+                                <a:latin typeface="Cambria Math" panose="02040503050406030204" pitchFamily="18" charset="0"/>
+                              </a:rPr>
+                              <m:t>𝑋</m:t>
+                            </m:r>
+                          </m:e>
+                          <m:sub>
+                            <m:r>
+                              <a:rPr lang="en-US" i="1">
+                                <a:solidFill>
+                                  <a:srgbClr val="3333FF"/>
+                                </a:solidFill>
+                                <a:latin typeface="Cambria Math" panose="02040503050406030204" pitchFamily="18" charset="0"/>
+                              </a:rPr>
+                              <m:t>−</m:t>
+                            </m:r>
+                            <m:r>
+                              <a:rPr lang="en-US" i="1">
+                                <a:solidFill>
+                                  <a:srgbClr val="3333FF"/>
+                                </a:solidFill>
+                                <a:latin typeface="Cambria Math" panose="02040503050406030204" pitchFamily="18" charset="0"/>
+                              </a:rPr>
+                              <m:t>𝑖</m:t>
+                            </m:r>
+                          </m:sub>
+                        </m:sSub>
+                      </m:e>
+                      <m:e>
+                        <m:sSub>
+                          <m:sSubPr>
+                            <m:ctrlPr>
+                              <a:rPr lang="en-US" i="1">
+                                <a:solidFill>
+                                  <a:srgbClr val="3333FF"/>
+                                </a:solidFill>
+                                <a:latin typeface="Cambria Math" panose="02040503050406030204" pitchFamily="18" charset="0"/>
+                              </a:rPr>
+                            </m:ctrlPr>
+                          </m:sSubPr>
+                          <m:e>
+                            <m:r>
+                              <a:rPr lang="en-US" i="1">
+                                <a:solidFill>
+                                  <a:srgbClr val="3333FF"/>
+                                </a:solidFill>
+                                <a:latin typeface="Cambria Math" panose="02040503050406030204" pitchFamily="18" charset="0"/>
+                              </a:rPr>
+                              <m:t>𝑋</m:t>
+                            </m:r>
+                          </m:e>
+                          <m:sub>
+                            <m:r>
+                              <a:rPr lang="en-US" i="1">
+                                <a:solidFill>
+                                  <a:srgbClr val="3333FF"/>
+                                </a:solidFill>
+                                <a:latin typeface="Cambria Math" panose="02040503050406030204" pitchFamily="18" charset="0"/>
+                              </a:rPr>
+                              <m:t>𝑖</m:t>
+                            </m:r>
+                          </m:sub>
+                        </m:sSub>
+                      </m:e>
+                    </m:d>
+                  </m:oMath>
+                </a14:m>
+                <a:r>
+                  <a:rPr lang="en-US" dirty="0"/>
+                  <a:t>) and make decisions accordingly.</a:t>
                 </a:r>
               </a:p>
               <a:p>
@@ -10603,7 +9408,7 @@
             </p:txBody>
           </p:sp>
         </mc:Choice>
-        <mc:Fallback xmlns="">
+        <mc:Fallback>
           <p:sp>
             <p:nvSpPr>
               <p:cNvPr id="3" name="Content Placeholder 2">
@@ -10624,7 +9429,7 @@
               <a:blipFill>
                 <a:blip r:embed="rId3"/>
                 <a:stretch>
-                  <a:fillRect l="-1043" t="-2381"/>
+                  <a:fillRect l="-1043" t="-3081"/>
                 </a:stretch>
               </a:blipFill>
             </p:spPr>
@@ -10666,7 +9471,7 @@
           <a:p>
             <a:fld id="{3F9DB605-36F8-4880-A1BE-3C72DF21D035}" type="slidenum">
               <a:rPr lang="en-US" smtClean="0"/>
-              <a:t>16</a:t>
+              <a:t>13</a:t>
             </a:fld>
             <a:endParaRPr lang="en-US"/>
           </a:p>
@@ -11061,7 +9866,1576 @@
 </p:sld>
 </file>
 
-<file path=ppt/slides/slide17.xml><?xml version="1.0" encoding="utf-8"?>
+<file path=ppt/slides/slide14.xml><?xml version="1.0" encoding="utf-8"?>
+<p:sld xmlns:a="http://schemas.openxmlformats.org/drawingml/2006/main" xmlns:r="http://schemas.openxmlformats.org/officeDocument/2006/relationships" xmlns:p="http://schemas.openxmlformats.org/presentationml/2006/main">
+  <p:cSld>
+    <p:spTree>
+      <p:nvGrpSpPr>
+        <p:cNvPr id="1" name=""/>
+        <p:cNvGrpSpPr/>
+        <p:nvPr/>
+      </p:nvGrpSpPr>
+      <p:grpSpPr>
+        <a:xfrm>
+          <a:off x="0" y="0"/>
+          <a:ext cx="0" cy="0"/>
+          <a:chOff x="0" y="0"/>
+          <a:chExt cx="0" cy="0"/>
+        </a:xfrm>
+      </p:grpSpPr>
+      <p:sp>
+        <p:nvSpPr>
+          <p:cNvPr id="2" name="标题 1">
+            <a:extLst>
+              <a:ext uri="{FF2B5EF4-FFF2-40B4-BE49-F238E27FC236}">
+                <a16:creationId xmlns:a16="http://schemas.microsoft.com/office/drawing/2014/main" id="{FD01E7F3-0A61-E794-2924-5FCF75261742}"/>
+              </a:ext>
+            </a:extLst>
+          </p:cNvPr>
+          <p:cNvSpPr>
+            <a:spLocks noGrp="1"/>
+          </p:cNvSpPr>
+          <p:nvPr>
+            <p:ph type="title"/>
+          </p:nvPr>
+        </p:nvSpPr>
+        <p:spPr/>
+        <p:txBody>
+          <a:bodyPr/>
+          <a:lstStyle/>
+          <a:p>
+            <a:r>
+              <a:rPr lang="en-US" dirty="0"/>
+              <a:t>Peer Prediction: Bad Name?</a:t>
+            </a:r>
+          </a:p>
+        </p:txBody>
+      </p:sp>
+      <mc:AlternateContent xmlns:mc="http://schemas.openxmlformats.org/markup-compatibility/2006">
+        <mc:Choice xmlns:a14="http://schemas.microsoft.com/office/drawing/2010/main" Requires="a14">
+          <p:sp>
+            <p:nvSpPr>
+              <p:cNvPr id="3" name="内容占位符 2">
+                <a:extLst>
+                  <a:ext uri="{FF2B5EF4-FFF2-40B4-BE49-F238E27FC236}">
+                    <a16:creationId xmlns:a16="http://schemas.microsoft.com/office/drawing/2014/main" id="{E362B5BF-1765-0EEC-65FA-6294938FE831}"/>
+                  </a:ext>
+                </a:extLst>
+              </p:cNvPr>
+              <p:cNvSpPr>
+                <a:spLocks noGrp="1"/>
+              </p:cNvSpPr>
+              <p:nvPr>
+                <p:ph idx="1"/>
+              </p:nvPr>
+            </p:nvSpPr>
+            <p:spPr/>
+            <p:txBody>
+              <a:bodyPr/>
+              <a:lstStyle/>
+              <a:p>
+                <a:r>
+                  <a:rPr lang="en-US" dirty="0"/>
+                  <a:t>The name might be confusing as it describes what </a:t>
+                </a:r>
+                <a:r>
+                  <a:rPr lang="en-US" dirty="0">
+                    <a:solidFill>
+                      <a:srgbClr val="3333FF"/>
+                    </a:solidFill>
+                  </a:rPr>
+                  <a:t>players</a:t>
+                </a:r>
+                <a:r>
+                  <a:rPr lang="en-US" dirty="0"/>
+                  <a:t> do.</a:t>
+                </a:r>
+              </a:p>
+              <a:p>
+                <a:endParaRPr lang="en-US" dirty="0"/>
+              </a:p>
+              <a:p>
+                <a:r>
+                  <a:rPr lang="en-US" dirty="0"/>
+                  <a:t>What does the </a:t>
+                </a:r>
+                <a:r>
+                  <a:rPr lang="en-US" i="1" dirty="0"/>
+                  <a:t>mechanism</a:t>
+                </a:r>
+                <a:r>
+                  <a:rPr lang="en-US" dirty="0"/>
+                  <a:t> do?</a:t>
+                </a:r>
+              </a:p>
+              <a:p>
+                <a:r>
+                  <a:rPr lang="en-US" dirty="0">
+                    <a:solidFill>
+                      <a:srgbClr val="3333FF"/>
+                    </a:solidFill>
+                  </a:rPr>
+                  <a:t>Information elicitation </a:t>
+                </a:r>
+                <a:r>
+                  <a:rPr lang="en-US" b="1" dirty="0">
+                    <a:solidFill>
+                      <a:srgbClr val="3333FF"/>
+                    </a:solidFill>
+                  </a:rPr>
+                  <a:t>without ground truth </a:t>
+                </a:r>
+                <a:r>
+                  <a:rPr lang="en-US" dirty="0">
+                    <a:solidFill>
+                      <a:srgbClr val="3333FF"/>
+                    </a:solidFill>
+                  </a:rPr>
+                  <a:t>(of </a:t>
+                </a:r>
+                <a14:m>
+                  <m:oMath xmlns:m="http://schemas.openxmlformats.org/officeDocument/2006/math">
+                    <m:r>
+                      <a:rPr lang="en-US" b="0" i="1" smtClean="0">
+                        <a:solidFill>
+                          <a:srgbClr val="3333FF"/>
+                        </a:solidFill>
+                        <a:latin typeface="Cambria Math" panose="02040503050406030204" pitchFamily="18" charset="0"/>
+                        <a:ea typeface="Cambria Math" panose="02040503050406030204" pitchFamily="18" charset="0"/>
+                      </a:rPr>
+                      <m:t>𝜃</m:t>
+                    </m:r>
+                  </m:oMath>
+                </a14:m>
+                <a:r>
+                  <a:rPr lang="en-US" dirty="0">
+                    <a:solidFill>
+                      <a:srgbClr val="3333FF"/>
+                    </a:solidFill>
+                  </a:rPr>
+                  <a:t>).</a:t>
+                </a:r>
+              </a:p>
+            </p:txBody>
+          </p:sp>
+        </mc:Choice>
+        <mc:Fallback>
+          <p:sp>
+            <p:nvSpPr>
+              <p:cNvPr id="3" name="内容占位符 2">
+                <a:extLst>
+                  <a:ext uri="{FF2B5EF4-FFF2-40B4-BE49-F238E27FC236}">
+                    <a16:creationId xmlns:a16="http://schemas.microsoft.com/office/drawing/2014/main" id="{E362B5BF-1765-0EEC-65FA-6294938FE831}"/>
+                  </a:ext>
+                </a:extLst>
+              </p:cNvPr>
+              <p:cNvSpPr>
+                <a:spLocks noGrp="1" noRot="1" noChangeAspect="1" noMove="1" noResize="1" noEditPoints="1" noAdjustHandles="1" noChangeArrowheads="1" noChangeShapeType="1" noTextEdit="1"/>
+              </p:cNvSpPr>
+              <p:nvPr>
+                <p:ph idx="1"/>
+              </p:nvPr>
+            </p:nvSpPr>
+            <p:spPr>
+              <a:blipFill>
+                <a:blip r:embed="rId2"/>
+                <a:stretch>
+                  <a:fillRect l="-1043" t="-2381"/>
+                </a:stretch>
+              </a:blipFill>
+            </p:spPr>
+            <p:txBody>
+              <a:bodyPr/>
+              <a:lstStyle/>
+              <a:p>
+                <a:r>
+                  <a:rPr lang="en-US">
+                    <a:noFill/>
+                  </a:rPr>
+                  <a:t> </a:t>
+                </a:r>
+              </a:p>
+            </p:txBody>
+          </p:sp>
+        </mc:Fallback>
+      </mc:AlternateContent>
+      <p:sp>
+        <p:nvSpPr>
+          <p:cNvPr id="4" name="灯片编号占位符 3">
+            <a:extLst>
+              <a:ext uri="{FF2B5EF4-FFF2-40B4-BE49-F238E27FC236}">
+                <a16:creationId xmlns:a16="http://schemas.microsoft.com/office/drawing/2014/main" id="{4E75BA08-E727-80EE-437E-0F09C1419528}"/>
+              </a:ext>
+            </a:extLst>
+          </p:cNvPr>
+          <p:cNvSpPr>
+            <a:spLocks noGrp="1"/>
+          </p:cNvSpPr>
+          <p:nvPr>
+            <p:ph type="sldNum" sz="quarter" idx="12"/>
+          </p:nvPr>
+        </p:nvSpPr>
+        <p:spPr/>
+        <p:txBody>
+          <a:bodyPr/>
+          <a:lstStyle/>
+          <a:p>
+            <a:fld id="{3F9DB605-36F8-4880-A1BE-3C72DF21D035}" type="slidenum">
+              <a:rPr lang="en-US" smtClean="0"/>
+              <a:t>14</a:t>
+            </a:fld>
+            <a:endParaRPr lang="en-US"/>
+          </a:p>
+        </p:txBody>
+      </p:sp>
+    </p:spTree>
+    <p:extLst>
+      <p:ext uri="{BB962C8B-B14F-4D97-AF65-F5344CB8AC3E}">
+        <p14:creationId xmlns:p14="http://schemas.microsoft.com/office/powerpoint/2010/main" val="889750839"/>
+      </p:ext>
+    </p:extLst>
+  </p:cSld>
+  <p:clrMapOvr>
+    <a:masterClrMapping/>
+  </p:clrMapOvr>
+  <p:timing>
+    <p:tnLst>
+      <p:par>
+        <p:cTn id="1" dur="indefinite" restart="never" nodeType="tmRoot">
+          <p:childTnLst>
+            <p:seq concurrent="1" nextAc="seek">
+              <p:cTn id="2" dur="indefinite" nodeType="mainSeq">
+                <p:childTnLst>
+                  <p:par>
+                    <p:cTn id="3" fill="hold">
+                      <p:stCondLst>
+                        <p:cond delay="indefinite"/>
+                      </p:stCondLst>
+                      <p:childTnLst>
+                        <p:par>
+                          <p:cTn id="4" fill="hold">
+                            <p:stCondLst>
+                              <p:cond delay="0"/>
+                            </p:stCondLst>
+                            <p:childTnLst>
+                              <p:par>
+                                <p:cTn id="5" presetID="1" presetClass="entr" presetSubtype="0" fill="hold" nodeType="clickEffect">
+                                  <p:stCondLst>
+                                    <p:cond delay="0"/>
+                                  </p:stCondLst>
+                                  <p:childTnLst>
+                                    <p:set>
+                                      <p:cBhvr>
+                                        <p:cTn id="6" dur="1" fill="hold">
+                                          <p:stCondLst>
+                                            <p:cond delay="0"/>
+                                          </p:stCondLst>
+                                        </p:cTn>
+                                        <p:tgtEl>
+                                          <p:spTgt spid="3">
+                                            <p:txEl>
+                                              <p:pRg st="2" end="2"/>
+                                            </p:txEl>
+                                          </p:spTgt>
+                                        </p:tgtEl>
+                                        <p:attrNameLst>
+                                          <p:attrName>style.visibility</p:attrName>
+                                        </p:attrNameLst>
+                                      </p:cBhvr>
+                                      <p:to>
+                                        <p:strVal val="visible"/>
+                                      </p:to>
+                                    </p:set>
+                                  </p:childTnLst>
+                                </p:cTn>
+                              </p:par>
+                            </p:childTnLst>
+                          </p:cTn>
+                        </p:par>
+                      </p:childTnLst>
+                    </p:cTn>
+                  </p:par>
+                  <p:par>
+                    <p:cTn id="7" fill="hold">
+                      <p:stCondLst>
+                        <p:cond delay="indefinite"/>
+                      </p:stCondLst>
+                      <p:childTnLst>
+                        <p:par>
+                          <p:cTn id="8" fill="hold">
+                            <p:stCondLst>
+                              <p:cond delay="0"/>
+                            </p:stCondLst>
+                            <p:childTnLst>
+                              <p:par>
+                                <p:cTn id="9" presetID="1" presetClass="entr" presetSubtype="0" fill="hold" nodeType="clickEffect">
+                                  <p:stCondLst>
+                                    <p:cond delay="0"/>
+                                  </p:stCondLst>
+                                  <p:childTnLst>
+                                    <p:set>
+                                      <p:cBhvr>
+                                        <p:cTn id="10" dur="1" fill="hold">
+                                          <p:stCondLst>
+                                            <p:cond delay="0"/>
+                                          </p:stCondLst>
+                                        </p:cTn>
+                                        <p:tgtEl>
+                                          <p:spTgt spid="3">
+                                            <p:txEl>
+                                              <p:pRg st="3" end="3"/>
+                                            </p:txEl>
+                                          </p:spTgt>
+                                        </p:tgtEl>
+                                        <p:attrNameLst>
+                                          <p:attrName>style.visibility</p:attrName>
+                                        </p:attrNameLst>
+                                      </p:cBhvr>
+                                      <p:to>
+                                        <p:strVal val="visible"/>
+                                      </p:to>
+                                    </p:set>
+                                  </p:childTnLst>
+                                </p:cTn>
+                              </p:par>
+                            </p:childTnLst>
+                          </p:cTn>
+                        </p:par>
+                      </p:childTnLst>
+                    </p:cTn>
+                  </p:par>
+                </p:childTnLst>
+              </p:cTn>
+              <p:prevCondLst>
+                <p:cond evt="onPrev" delay="0">
+                  <p:tgtEl>
+                    <p:sldTgt/>
+                  </p:tgtEl>
+                </p:cond>
+              </p:prevCondLst>
+              <p:nextCondLst>
+                <p:cond evt="onNext" delay="0">
+                  <p:tgtEl>
+                    <p:sldTgt/>
+                  </p:tgtEl>
+                </p:cond>
+              </p:nextCondLst>
+            </p:seq>
+          </p:childTnLst>
+        </p:cTn>
+      </p:par>
+    </p:tnLst>
+  </p:timing>
+</p:sld>
+</file>
+
+<file path=ppt/slides/slide15.xml><?xml version="1.0" encoding="utf-8"?>
+<p:sld xmlns:a="http://schemas.openxmlformats.org/drawingml/2006/main" xmlns:r="http://schemas.openxmlformats.org/officeDocument/2006/relationships" xmlns:p="http://schemas.openxmlformats.org/presentationml/2006/main">
+  <p:cSld>
+    <p:spTree>
+      <p:nvGrpSpPr>
+        <p:cNvPr id="1" name=""/>
+        <p:cNvGrpSpPr/>
+        <p:nvPr/>
+      </p:nvGrpSpPr>
+      <p:grpSpPr>
+        <a:xfrm>
+          <a:off x="0" y="0"/>
+          <a:ext cx="0" cy="0"/>
+          <a:chOff x="0" y="0"/>
+          <a:chExt cx="0" cy="0"/>
+        </a:xfrm>
+      </p:grpSpPr>
+      <p:sp>
+        <p:nvSpPr>
+          <p:cNvPr id="2" name="标题 1">
+            <a:extLst>
+              <a:ext uri="{FF2B5EF4-FFF2-40B4-BE49-F238E27FC236}">
+                <a16:creationId xmlns:a16="http://schemas.microsoft.com/office/drawing/2014/main" id="{7120035D-F4D5-DEF0-6771-478087B010A6}"/>
+              </a:ext>
+            </a:extLst>
+          </p:cNvPr>
+          <p:cNvSpPr>
+            <a:spLocks noGrp="1"/>
+          </p:cNvSpPr>
+          <p:nvPr>
+            <p:ph type="title"/>
+          </p:nvPr>
+        </p:nvSpPr>
+        <p:spPr/>
+        <p:txBody>
+          <a:bodyPr/>
+          <a:lstStyle/>
+          <a:p>
+            <a:r>
+              <a:rPr lang="en-US" dirty="0"/>
+              <a:t>CTF Peer Prediction: The Pipeline</a:t>
+            </a:r>
+          </a:p>
+        </p:txBody>
+      </p:sp>
+      <mc:AlternateContent xmlns:mc="http://schemas.openxmlformats.org/markup-compatibility/2006">
+        <mc:Choice xmlns:a14="http://schemas.microsoft.com/office/drawing/2010/main" Requires="a14">
+          <p:sp>
+            <p:nvSpPr>
+              <p:cNvPr id="3" name="内容占位符 2">
+                <a:extLst>
+                  <a:ext uri="{FF2B5EF4-FFF2-40B4-BE49-F238E27FC236}">
+                    <a16:creationId xmlns:a16="http://schemas.microsoft.com/office/drawing/2014/main" id="{559E643B-6CD5-1674-AD07-05005CCE338B}"/>
+                  </a:ext>
+                </a:extLst>
+              </p:cNvPr>
+              <p:cNvSpPr>
+                <a:spLocks noGrp="1"/>
+              </p:cNvSpPr>
+              <p:nvPr>
+                <p:ph idx="1"/>
+              </p:nvPr>
+            </p:nvSpPr>
+            <p:spPr>
+              <a:xfrm>
+                <a:off x="599767" y="1825625"/>
+                <a:ext cx="10884309" cy="4351338"/>
+              </a:xfrm>
+            </p:spPr>
+            <p:txBody>
+              <a:bodyPr/>
+              <a:lstStyle/>
+              <a:p>
+                <a:r>
+                  <a:rPr lang="en-US" dirty="0"/>
+                  <a:t>Nature secretly selects ground truth </a:t>
+                </a:r>
+                <a14:m>
+                  <m:oMath xmlns:m="http://schemas.openxmlformats.org/officeDocument/2006/math">
+                    <m:r>
+                      <a:rPr lang="en-US" i="1" smtClean="0">
+                        <a:latin typeface="Cambria Math" panose="02040503050406030204" pitchFamily="18" charset="0"/>
+                        <a:ea typeface="Cambria Math" panose="02040503050406030204" pitchFamily="18" charset="0"/>
+                      </a:rPr>
+                      <m:t>𝜃</m:t>
+                    </m:r>
+                    <m:r>
+                      <a:rPr lang="en-US" i="1" smtClean="0">
+                        <a:latin typeface="Cambria Math" panose="02040503050406030204" pitchFamily="18" charset="0"/>
+                        <a:ea typeface="Cambria Math" panose="02040503050406030204" pitchFamily="18" charset="0"/>
+                      </a:rPr>
+                      <m:t>∈</m:t>
+                    </m:r>
+                  </m:oMath>
+                </a14:m>
+                <a:r>
+                  <a:rPr lang="en-US" dirty="0"/>
+                  <a:t> {valid, invalid, flag, …} from</a:t>
+                </a:r>
+                <a:r>
+                  <a:rPr lang="en-US" i="1" dirty="0"/>
+                  <a:t> </a:t>
+                </a:r>
+                <a14:m>
+                  <m:oMath xmlns:m="http://schemas.openxmlformats.org/officeDocument/2006/math">
+                    <m:r>
+                      <a:rPr lang="en-US" b="0" i="1" smtClean="0">
+                        <a:latin typeface="Cambria Math" panose="02040503050406030204" pitchFamily="18" charset="0"/>
+                        <a:ea typeface="Cambria Math" panose="02040503050406030204" pitchFamily="18" charset="0"/>
+                      </a:rPr>
+                      <m:t>𝑃</m:t>
+                    </m:r>
+                    <m:r>
+                      <a:rPr lang="en-US" b="0" i="1" smtClean="0">
+                        <a:latin typeface="Cambria Math" panose="02040503050406030204" pitchFamily="18" charset="0"/>
+                        <a:ea typeface="Cambria Math" panose="02040503050406030204" pitchFamily="18" charset="0"/>
+                      </a:rPr>
+                      <m:t>(</m:t>
+                    </m:r>
+                    <m:r>
+                      <a:rPr lang="en-US" i="1">
+                        <a:latin typeface="Cambria Math" panose="02040503050406030204" pitchFamily="18" charset="0"/>
+                        <a:ea typeface="Cambria Math" panose="02040503050406030204" pitchFamily="18" charset="0"/>
+                      </a:rPr>
+                      <m:t>𝜃</m:t>
+                    </m:r>
+                    <m:r>
+                      <a:rPr lang="en-US" b="0" i="1" smtClean="0">
+                        <a:latin typeface="Cambria Math" panose="02040503050406030204" pitchFamily="18" charset="0"/>
+                        <a:ea typeface="Cambria Math" panose="02040503050406030204" pitchFamily="18" charset="0"/>
+                      </a:rPr>
+                      <m:t>)</m:t>
+                    </m:r>
+                  </m:oMath>
+                </a14:m>
+                <a:r>
+                  <a:rPr lang="en-US" i="1" dirty="0"/>
+                  <a:t>.</a:t>
+                </a:r>
+              </a:p>
+              <a:p>
+                <a:r>
+                  <a:rPr lang="en-US" dirty="0"/>
+                  <a:t>Each verifier </a:t>
+                </a:r>
+                <a14:m>
+                  <m:oMath xmlns:m="http://schemas.openxmlformats.org/officeDocument/2006/math">
+                    <m:r>
+                      <a:rPr lang="en-US" b="0" i="1" smtClean="0">
+                        <a:latin typeface="Cambria Math" panose="02040503050406030204" pitchFamily="18" charset="0"/>
+                      </a:rPr>
+                      <m:t>𝑖</m:t>
+                    </m:r>
+                  </m:oMath>
+                </a14:m>
+                <a:r>
+                  <a:rPr lang="en-US" dirty="0"/>
+                  <a:t> chooses to be active (informed) or lazy (uninformed).</a:t>
+                </a:r>
+              </a:p>
+              <a:p>
+                <a:pPr lvl="1"/>
+                <a:r>
+                  <a:rPr lang="en-US" dirty="0"/>
+                  <a:t>If active, observes (noisy) </a:t>
+                </a:r>
+                <a14:m>
+                  <m:oMath xmlns:m="http://schemas.openxmlformats.org/officeDocument/2006/math">
+                    <m:sSub>
+                      <m:sSubPr>
+                        <m:ctrlPr>
+                          <a:rPr lang="en-US" b="0" i="1" smtClean="0">
+                            <a:latin typeface="Cambria Math" panose="02040503050406030204" pitchFamily="18" charset="0"/>
+                            <a:ea typeface="Cambria Math" panose="02040503050406030204" pitchFamily="18" charset="0"/>
+                          </a:rPr>
+                        </m:ctrlPr>
+                      </m:sSubPr>
+                      <m:e>
+                        <m:r>
+                          <a:rPr lang="en-US" b="0" i="1" smtClean="0">
+                            <a:latin typeface="Cambria Math" panose="02040503050406030204" pitchFamily="18" charset="0"/>
+                            <a:ea typeface="Cambria Math" panose="02040503050406030204" pitchFamily="18" charset="0"/>
+                          </a:rPr>
+                          <m:t>𝑋</m:t>
+                        </m:r>
+                      </m:e>
+                      <m:sub>
+                        <m:r>
+                          <a:rPr lang="en-US" b="0" i="1" smtClean="0">
+                            <a:latin typeface="Cambria Math" panose="02040503050406030204" pitchFamily="18" charset="0"/>
+                            <a:ea typeface="Cambria Math" panose="02040503050406030204" pitchFamily="18" charset="0"/>
+                          </a:rPr>
+                          <m:t>𝑖</m:t>
+                        </m:r>
+                      </m:sub>
+                    </m:sSub>
+                    <m:r>
+                      <a:rPr lang="en-US" b="0" i="1" smtClean="0">
+                        <a:latin typeface="Cambria Math" panose="02040503050406030204" pitchFamily="18" charset="0"/>
+                        <a:ea typeface="Cambria Math" panose="02040503050406030204" pitchFamily="18" charset="0"/>
+                      </a:rPr>
+                      <m:t>~</m:t>
+                    </m:r>
+                    <m:r>
+                      <a:rPr lang="en-US" b="0" i="1" smtClean="0">
+                        <a:latin typeface="Cambria Math" panose="02040503050406030204" pitchFamily="18" charset="0"/>
+                        <a:ea typeface="Cambria Math" panose="02040503050406030204" pitchFamily="18" charset="0"/>
+                      </a:rPr>
+                      <m:t>𝑃</m:t>
+                    </m:r>
+                    <m:d>
+                      <m:dPr>
+                        <m:ctrlPr>
+                          <a:rPr lang="en-US" b="0" i="1" smtClean="0">
+                            <a:latin typeface="Cambria Math" panose="02040503050406030204" pitchFamily="18" charset="0"/>
+                            <a:ea typeface="Cambria Math" panose="02040503050406030204" pitchFamily="18" charset="0"/>
+                          </a:rPr>
+                        </m:ctrlPr>
+                      </m:dPr>
+                      <m:e>
+                        <m:sSub>
+                          <m:sSubPr>
+                            <m:ctrlPr>
+                              <a:rPr lang="en-US" i="1">
+                                <a:latin typeface="Cambria Math" panose="02040503050406030204" pitchFamily="18" charset="0"/>
+                                <a:ea typeface="Cambria Math" panose="02040503050406030204" pitchFamily="18" charset="0"/>
+                              </a:rPr>
+                            </m:ctrlPr>
+                          </m:sSubPr>
+                          <m:e>
+                            <m:r>
+                              <a:rPr lang="en-US" i="1">
+                                <a:latin typeface="Cambria Math" panose="02040503050406030204" pitchFamily="18" charset="0"/>
+                                <a:ea typeface="Cambria Math" panose="02040503050406030204" pitchFamily="18" charset="0"/>
+                              </a:rPr>
+                              <m:t>𝑋</m:t>
+                            </m:r>
+                          </m:e>
+                          <m:sub>
+                            <m:r>
+                              <a:rPr lang="en-US" i="1">
+                                <a:latin typeface="Cambria Math" panose="02040503050406030204" pitchFamily="18" charset="0"/>
+                                <a:ea typeface="Cambria Math" panose="02040503050406030204" pitchFamily="18" charset="0"/>
+                              </a:rPr>
+                              <m:t>𝑖</m:t>
+                            </m:r>
+                          </m:sub>
+                        </m:sSub>
+                      </m:e>
+                      <m:e>
+                        <m:r>
+                          <a:rPr lang="en-US" i="1">
+                            <a:latin typeface="Cambria Math" panose="02040503050406030204" pitchFamily="18" charset="0"/>
+                            <a:ea typeface="Cambria Math" panose="02040503050406030204" pitchFamily="18" charset="0"/>
+                          </a:rPr>
+                          <m:t>𝜃</m:t>
+                        </m:r>
+                      </m:e>
+                    </m:d>
+                  </m:oMath>
+                </a14:m>
+                <a:r>
+                  <a:rPr lang="en-US" dirty="0"/>
+                  <a:t> with cost </a:t>
+                </a:r>
+                <a14:m>
+                  <m:oMath xmlns:m="http://schemas.openxmlformats.org/officeDocument/2006/math">
+                    <m:r>
+                      <a:rPr lang="en-US" b="0" i="1" smtClean="0">
+                        <a:latin typeface="Cambria Math" panose="02040503050406030204" pitchFamily="18" charset="0"/>
+                        <a:ea typeface="Cambria Math" panose="02040503050406030204" pitchFamily="18" charset="0"/>
+                      </a:rPr>
+                      <m:t>𝑐</m:t>
+                    </m:r>
+                    <m:r>
+                      <a:rPr lang="en-US" b="0" i="1" smtClean="0">
+                        <a:latin typeface="Cambria Math" panose="02040503050406030204" pitchFamily="18" charset="0"/>
+                        <a:ea typeface="Cambria Math" panose="02040503050406030204" pitchFamily="18" charset="0"/>
+                      </a:rPr>
+                      <m:t>(</m:t>
+                    </m:r>
+                    <m:sSub>
+                      <m:sSubPr>
+                        <m:ctrlPr>
+                          <a:rPr lang="en-US" i="1">
+                            <a:latin typeface="Cambria Math" panose="02040503050406030204" pitchFamily="18" charset="0"/>
+                            <a:ea typeface="Cambria Math" panose="02040503050406030204" pitchFamily="18" charset="0"/>
+                          </a:rPr>
+                        </m:ctrlPr>
+                      </m:sSubPr>
+                      <m:e>
+                        <m:r>
+                          <a:rPr lang="en-US" i="1">
+                            <a:latin typeface="Cambria Math" panose="02040503050406030204" pitchFamily="18" charset="0"/>
+                            <a:ea typeface="Cambria Math" panose="02040503050406030204" pitchFamily="18" charset="0"/>
+                          </a:rPr>
+                          <m:t>𝑋</m:t>
+                        </m:r>
+                      </m:e>
+                      <m:sub>
+                        <m:r>
+                          <a:rPr lang="en-US" i="1">
+                            <a:latin typeface="Cambria Math" panose="02040503050406030204" pitchFamily="18" charset="0"/>
+                            <a:ea typeface="Cambria Math" panose="02040503050406030204" pitchFamily="18" charset="0"/>
+                          </a:rPr>
+                          <m:t>𝑖</m:t>
+                        </m:r>
+                      </m:sub>
+                    </m:sSub>
+                    <m:r>
+                      <a:rPr lang="en-US" b="0" i="1" smtClean="0">
+                        <a:latin typeface="Cambria Math" panose="02040503050406030204" pitchFamily="18" charset="0"/>
+                        <a:ea typeface="Cambria Math" panose="02040503050406030204" pitchFamily="18" charset="0"/>
+                      </a:rPr>
+                      <m:t>)</m:t>
+                    </m:r>
+                  </m:oMath>
+                </a14:m>
+                <a:r>
+                  <a:rPr lang="en-US" i="1" dirty="0"/>
+                  <a:t>.</a:t>
+                </a:r>
+              </a:p>
+              <a:p>
+                <a:pPr lvl="1"/>
+                <a:r>
+                  <a:rPr lang="en-US" dirty="0"/>
+                  <a:t>If lazy, observes </a:t>
+                </a:r>
+                <a14:m>
+                  <m:oMath xmlns:m="http://schemas.openxmlformats.org/officeDocument/2006/math">
+                    <m:r>
+                      <a:rPr lang="en-US" i="1" smtClean="0">
+                        <a:latin typeface="Cambria Math" panose="02040503050406030204" pitchFamily="18" charset="0"/>
+                      </a:rPr>
+                      <m:t>⊥</m:t>
+                    </m:r>
+                  </m:oMath>
+                </a14:m>
+                <a:r>
+                  <a:rPr lang="en-US" dirty="0"/>
+                  <a:t> with </a:t>
+                </a:r>
+                <a14:m>
+                  <m:oMath xmlns:m="http://schemas.openxmlformats.org/officeDocument/2006/math">
+                    <m:r>
+                      <a:rPr lang="en-US" i="1">
+                        <a:latin typeface="Cambria Math" panose="02040503050406030204" pitchFamily="18" charset="0"/>
+                        <a:ea typeface="Cambria Math" panose="02040503050406030204" pitchFamily="18" charset="0"/>
+                      </a:rPr>
+                      <m:t>𝑐</m:t>
+                    </m:r>
+                    <m:d>
+                      <m:dPr>
+                        <m:ctrlPr>
+                          <a:rPr lang="en-US" i="1">
+                            <a:latin typeface="Cambria Math" panose="02040503050406030204" pitchFamily="18" charset="0"/>
+                            <a:ea typeface="Cambria Math" panose="02040503050406030204" pitchFamily="18" charset="0"/>
+                          </a:rPr>
+                        </m:ctrlPr>
+                      </m:dPr>
+                      <m:e>
+                        <m:r>
+                          <a:rPr lang="en-US" i="1">
+                            <a:latin typeface="Cambria Math" panose="02040503050406030204" pitchFamily="18" charset="0"/>
+                          </a:rPr>
+                          <m:t>⊥</m:t>
+                        </m:r>
+                      </m:e>
+                    </m:d>
+                    <m:r>
+                      <a:rPr lang="en-US" b="0" i="1" smtClean="0">
+                        <a:latin typeface="Cambria Math" panose="02040503050406030204" pitchFamily="18" charset="0"/>
+                        <a:ea typeface="Cambria Math" panose="02040503050406030204" pitchFamily="18" charset="0"/>
+                      </a:rPr>
+                      <m:t>=0</m:t>
+                    </m:r>
+                  </m:oMath>
+                </a14:m>
+                <a:r>
+                  <a:rPr lang="en-US" i="1" dirty="0"/>
+                  <a:t>.</a:t>
+                </a:r>
+              </a:p>
+              <a:p>
+                <a:r>
+                  <a:rPr lang="en-US" dirty="0"/>
+                  <a:t>Each verifier </a:t>
+                </a:r>
+                <a14:m>
+                  <m:oMath xmlns:m="http://schemas.openxmlformats.org/officeDocument/2006/math">
+                    <m:r>
+                      <a:rPr lang="en-US" b="0" i="1" smtClean="0">
+                        <a:latin typeface="Cambria Math" panose="02040503050406030204" pitchFamily="18" charset="0"/>
+                      </a:rPr>
+                      <m:t>𝑖</m:t>
+                    </m:r>
+                  </m:oMath>
+                </a14:m>
+                <a:r>
+                  <a:rPr lang="en-US" dirty="0"/>
+                  <a:t> reports </a:t>
+                </a:r>
+                <a14:m>
+                  <m:oMath xmlns:m="http://schemas.openxmlformats.org/officeDocument/2006/math">
+                    <m:sSub>
+                      <m:sSubPr>
+                        <m:ctrlPr>
+                          <a:rPr lang="en-US" i="1">
+                            <a:latin typeface="Cambria Math" panose="02040503050406030204" pitchFamily="18" charset="0"/>
+                            <a:ea typeface="Cambria Math" panose="02040503050406030204" pitchFamily="18" charset="0"/>
+                          </a:rPr>
+                        </m:ctrlPr>
+                      </m:sSubPr>
+                      <m:e>
+                        <m:r>
+                          <a:rPr lang="en-US" b="0" i="1" smtClean="0">
+                            <a:latin typeface="Cambria Math" panose="02040503050406030204" pitchFamily="18" charset="0"/>
+                            <a:ea typeface="Cambria Math" panose="02040503050406030204" pitchFamily="18" charset="0"/>
+                          </a:rPr>
+                          <m:t>𝑍</m:t>
+                        </m:r>
+                      </m:e>
+                      <m:sub>
+                        <m:r>
+                          <a:rPr lang="en-US" i="1">
+                            <a:latin typeface="Cambria Math" panose="02040503050406030204" pitchFamily="18" charset="0"/>
+                            <a:ea typeface="Cambria Math" panose="02040503050406030204" pitchFamily="18" charset="0"/>
+                          </a:rPr>
+                          <m:t>𝑖</m:t>
+                        </m:r>
+                      </m:sub>
+                    </m:sSub>
+                  </m:oMath>
+                </a14:m>
+                <a:r>
+                  <a:rPr lang="en-US" dirty="0"/>
+                  <a:t> maximizing their expected payoff according to posterior belief </a:t>
+                </a:r>
+                <a14:m>
+                  <m:oMath xmlns:m="http://schemas.openxmlformats.org/officeDocument/2006/math">
+                    <m:sSub>
+                      <m:sSubPr>
+                        <m:ctrlPr>
+                          <a:rPr lang="en-US" i="1">
+                            <a:latin typeface="Cambria Math" panose="02040503050406030204" pitchFamily="18" charset="0"/>
+                            <a:ea typeface="Cambria Math" panose="02040503050406030204" pitchFamily="18" charset="0"/>
+                          </a:rPr>
+                        </m:ctrlPr>
+                      </m:sSubPr>
+                      <m:e>
+                        <m:r>
+                          <a:rPr lang="en-US" i="1">
+                            <a:latin typeface="Cambria Math" panose="02040503050406030204" pitchFamily="18" charset="0"/>
+                            <a:ea typeface="Cambria Math" panose="02040503050406030204" pitchFamily="18" charset="0"/>
+                          </a:rPr>
+                          <m:t>𝑍</m:t>
+                        </m:r>
+                      </m:e>
+                      <m:sub>
+                        <m:r>
+                          <a:rPr lang="en-US" b="0" i="1" smtClean="0">
+                            <a:latin typeface="Cambria Math" panose="02040503050406030204" pitchFamily="18" charset="0"/>
+                            <a:ea typeface="Cambria Math" panose="02040503050406030204" pitchFamily="18" charset="0"/>
+                          </a:rPr>
+                          <m:t>−</m:t>
+                        </m:r>
+                        <m:r>
+                          <a:rPr lang="en-US" i="1">
+                            <a:latin typeface="Cambria Math" panose="02040503050406030204" pitchFamily="18" charset="0"/>
+                            <a:ea typeface="Cambria Math" panose="02040503050406030204" pitchFamily="18" charset="0"/>
+                          </a:rPr>
+                          <m:t>𝑖</m:t>
+                        </m:r>
+                      </m:sub>
+                    </m:sSub>
+                    <m:r>
+                      <a:rPr lang="en-US" b="0" i="1" smtClean="0">
+                        <a:latin typeface="Cambria Math" panose="02040503050406030204" pitchFamily="18" charset="0"/>
+                        <a:ea typeface="Cambria Math" panose="02040503050406030204" pitchFamily="18" charset="0"/>
+                      </a:rPr>
+                      <m:t>~</m:t>
+                    </m:r>
+                    <m:r>
+                      <a:rPr lang="en-US" i="1" smtClean="0">
+                        <a:solidFill>
+                          <a:schemeClr val="tx1"/>
+                        </a:solidFill>
+                        <a:latin typeface="Cambria Math" panose="02040503050406030204" pitchFamily="18" charset="0"/>
+                      </a:rPr>
+                      <m:t>𝑃</m:t>
+                    </m:r>
+                    <m:d>
+                      <m:dPr>
+                        <m:ctrlPr>
+                          <a:rPr lang="en-US" i="1">
+                            <a:solidFill>
+                              <a:schemeClr val="tx1"/>
+                            </a:solidFill>
+                            <a:latin typeface="Cambria Math" panose="02040503050406030204" pitchFamily="18" charset="0"/>
+                          </a:rPr>
+                        </m:ctrlPr>
+                      </m:dPr>
+                      <m:e>
+                        <m:sSub>
+                          <m:sSubPr>
+                            <m:ctrlPr>
+                              <a:rPr lang="en-US" i="1">
+                                <a:solidFill>
+                                  <a:schemeClr val="tx1"/>
+                                </a:solidFill>
+                                <a:latin typeface="Cambria Math" panose="02040503050406030204" pitchFamily="18" charset="0"/>
+                              </a:rPr>
+                            </m:ctrlPr>
+                          </m:sSubPr>
+                          <m:e>
+                            <m:r>
+                              <a:rPr lang="en-US" i="1">
+                                <a:solidFill>
+                                  <a:schemeClr val="tx1"/>
+                                </a:solidFill>
+                                <a:latin typeface="Cambria Math" panose="02040503050406030204" pitchFamily="18" charset="0"/>
+                              </a:rPr>
+                              <m:t>𝑋</m:t>
+                            </m:r>
+                          </m:e>
+                          <m:sub>
+                            <m:r>
+                              <a:rPr lang="en-US" i="1">
+                                <a:solidFill>
+                                  <a:schemeClr val="tx1"/>
+                                </a:solidFill>
+                                <a:latin typeface="Cambria Math" panose="02040503050406030204" pitchFamily="18" charset="0"/>
+                              </a:rPr>
+                              <m:t>−</m:t>
+                            </m:r>
+                            <m:r>
+                              <a:rPr lang="en-US" i="1">
+                                <a:solidFill>
+                                  <a:schemeClr val="tx1"/>
+                                </a:solidFill>
+                                <a:latin typeface="Cambria Math" panose="02040503050406030204" pitchFamily="18" charset="0"/>
+                              </a:rPr>
+                              <m:t>𝑖</m:t>
+                            </m:r>
+                          </m:sub>
+                        </m:sSub>
+                      </m:e>
+                      <m:e>
+                        <m:sSub>
+                          <m:sSubPr>
+                            <m:ctrlPr>
+                              <a:rPr lang="en-US" i="1">
+                                <a:solidFill>
+                                  <a:schemeClr val="tx1"/>
+                                </a:solidFill>
+                                <a:latin typeface="Cambria Math" panose="02040503050406030204" pitchFamily="18" charset="0"/>
+                              </a:rPr>
+                            </m:ctrlPr>
+                          </m:sSubPr>
+                          <m:e>
+                            <m:r>
+                              <a:rPr lang="en-US" i="1">
+                                <a:solidFill>
+                                  <a:schemeClr val="tx1"/>
+                                </a:solidFill>
+                                <a:latin typeface="Cambria Math" panose="02040503050406030204" pitchFamily="18" charset="0"/>
+                              </a:rPr>
+                              <m:t>𝑋</m:t>
+                            </m:r>
+                          </m:e>
+                          <m:sub>
+                            <m:r>
+                              <a:rPr lang="en-US" i="1">
+                                <a:solidFill>
+                                  <a:schemeClr val="tx1"/>
+                                </a:solidFill>
+                                <a:latin typeface="Cambria Math" panose="02040503050406030204" pitchFamily="18" charset="0"/>
+                              </a:rPr>
+                              <m:t>𝑖</m:t>
+                            </m:r>
+                          </m:sub>
+                        </m:sSub>
+                      </m:e>
+                    </m:d>
+                  </m:oMath>
+                </a14:m>
+                <a:r>
+                  <a:rPr lang="en-US" dirty="0"/>
+                  <a:t>.</a:t>
+                </a:r>
+              </a:p>
+              <a:p>
+                <a:pPr lvl="1"/>
+                <a14:m>
+                  <m:oMath xmlns:m="http://schemas.openxmlformats.org/officeDocument/2006/math">
+                    <m:r>
+                      <a:rPr lang="en-US" i="1">
+                        <a:latin typeface="Cambria Math" panose="02040503050406030204" pitchFamily="18" charset="0"/>
+                      </a:rPr>
+                      <m:t>𝑃</m:t>
+                    </m:r>
+                    <m:d>
+                      <m:dPr>
+                        <m:ctrlPr>
+                          <a:rPr lang="en-US" i="1">
+                            <a:latin typeface="Cambria Math" panose="02040503050406030204" pitchFamily="18" charset="0"/>
+                          </a:rPr>
+                        </m:ctrlPr>
+                      </m:dPr>
+                      <m:e>
+                        <m:sSub>
+                          <m:sSubPr>
+                            <m:ctrlPr>
+                              <a:rPr lang="en-US" i="1">
+                                <a:latin typeface="Cambria Math" panose="02040503050406030204" pitchFamily="18" charset="0"/>
+                              </a:rPr>
+                            </m:ctrlPr>
+                          </m:sSubPr>
+                          <m:e>
+                            <m:r>
+                              <a:rPr lang="en-US" i="1">
+                                <a:latin typeface="Cambria Math" panose="02040503050406030204" pitchFamily="18" charset="0"/>
+                              </a:rPr>
+                              <m:t>𝑋</m:t>
+                            </m:r>
+                          </m:e>
+                          <m:sub>
+                            <m:r>
+                              <a:rPr lang="en-US" i="1">
+                                <a:latin typeface="Cambria Math" panose="02040503050406030204" pitchFamily="18" charset="0"/>
+                              </a:rPr>
+                              <m:t>−</m:t>
+                            </m:r>
+                            <m:r>
+                              <a:rPr lang="en-US" i="1">
+                                <a:latin typeface="Cambria Math" panose="02040503050406030204" pitchFamily="18" charset="0"/>
+                              </a:rPr>
+                              <m:t>𝑖</m:t>
+                            </m:r>
+                          </m:sub>
+                        </m:sSub>
+                      </m:e>
+                      <m:e>
+                        <m:r>
+                          <a:rPr lang="en-US" i="1">
+                            <a:latin typeface="Cambria Math" panose="02040503050406030204" pitchFamily="18" charset="0"/>
+                          </a:rPr>
+                          <m:t>⊥</m:t>
+                        </m:r>
+                      </m:e>
+                    </m:d>
+                    <m:r>
+                      <a:rPr lang="en-US" b="0" i="1" smtClean="0">
+                        <a:latin typeface="Cambria Math" panose="02040503050406030204" pitchFamily="18" charset="0"/>
+                      </a:rPr>
+                      <m:t>=</m:t>
+                    </m:r>
+                    <m:r>
+                      <a:rPr lang="en-US" i="1">
+                        <a:latin typeface="Cambria Math" panose="02040503050406030204" pitchFamily="18" charset="0"/>
+                      </a:rPr>
+                      <m:t>𝑃</m:t>
+                    </m:r>
+                    <m:d>
+                      <m:dPr>
+                        <m:ctrlPr>
+                          <a:rPr lang="en-US" b="0" i="1" smtClean="0">
+                            <a:latin typeface="Cambria Math" panose="02040503050406030204" pitchFamily="18" charset="0"/>
+                          </a:rPr>
+                        </m:ctrlPr>
+                      </m:dPr>
+                      <m:e>
+                        <m:sSub>
+                          <m:sSubPr>
+                            <m:ctrlPr>
+                              <a:rPr lang="en-US" i="1">
+                                <a:latin typeface="Cambria Math" panose="02040503050406030204" pitchFamily="18" charset="0"/>
+                              </a:rPr>
+                            </m:ctrlPr>
+                          </m:sSubPr>
+                          <m:e>
+                            <m:r>
+                              <a:rPr lang="en-US" i="1">
+                                <a:latin typeface="Cambria Math" panose="02040503050406030204" pitchFamily="18" charset="0"/>
+                              </a:rPr>
+                              <m:t>𝑋</m:t>
+                            </m:r>
+                          </m:e>
+                          <m:sub>
+                            <m:r>
+                              <a:rPr lang="en-US" i="1">
+                                <a:latin typeface="Cambria Math" panose="02040503050406030204" pitchFamily="18" charset="0"/>
+                              </a:rPr>
+                              <m:t>−</m:t>
+                            </m:r>
+                            <m:r>
+                              <a:rPr lang="en-US" i="1">
+                                <a:latin typeface="Cambria Math" panose="02040503050406030204" pitchFamily="18" charset="0"/>
+                              </a:rPr>
+                              <m:t>𝑖</m:t>
+                            </m:r>
+                          </m:sub>
+                        </m:sSub>
+                      </m:e>
+                    </m:d>
+                    <m:r>
+                      <a:rPr lang="en-US" b="0" i="1" smtClean="0">
+                        <a:latin typeface="Cambria Math" panose="02040503050406030204" pitchFamily="18" charset="0"/>
+                      </a:rPr>
+                      <m:t>.</m:t>
+                    </m:r>
+                  </m:oMath>
+                </a14:m>
+                <a:endParaRPr lang="en-US" b="0" dirty="0"/>
+              </a:p>
+              <a:p>
+                <a:r>
+                  <a:rPr lang="en-US" dirty="0"/>
+                  <a:t>The system processes payments </a:t>
+                </a:r>
+                <a:r>
+                  <a:rPr lang="en-US" dirty="0" err="1"/>
+                  <a:t>w.r.t.</a:t>
+                </a:r>
+                <a:r>
+                  <a:rPr lang="en-US" dirty="0"/>
+                  <a:t> reports </a:t>
+                </a:r>
+                <a14:m>
+                  <m:oMath xmlns:m="http://schemas.openxmlformats.org/officeDocument/2006/math">
+                    <m:r>
+                      <a:rPr lang="en-US" b="1" i="0" smtClean="0">
+                        <a:latin typeface="Cambria Math" panose="02040503050406030204" pitchFamily="18" charset="0"/>
+                      </a:rPr>
+                      <m:t>𝐙</m:t>
+                    </m:r>
+                  </m:oMath>
+                </a14:m>
+                <a:r>
+                  <a:rPr lang="en-US" dirty="0"/>
+                  <a:t>.</a:t>
+                </a:r>
+              </a:p>
+            </p:txBody>
+          </p:sp>
+        </mc:Choice>
+        <mc:Fallback>
+          <p:sp>
+            <p:nvSpPr>
+              <p:cNvPr id="3" name="内容占位符 2">
+                <a:extLst>
+                  <a:ext uri="{FF2B5EF4-FFF2-40B4-BE49-F238E27FC236}">
+                    <a16:creationId xmlns:a16="http://schemas.microsoft.com/office/drawing/2014/main" id="{559E643B-6CD5-1674-AD07-05005CCE338B}"/>
+                  </a:ext>
+                </a:extLst>
+              </p:cNvPr>
+              <p:cNvSpPr>
+                <a:spLocks noGrp="1" noRot="1" noChangeAspect="1" noMove="1" noResize="1" noEditPoints="1" noAdjustHandles="1" noChangeArrowheads="1" noChangeShapeType="1" noTextEdit="1"/>
+              </p:cNvSpPr>
+              <p:nvPr>
+                <p:ph idx="1"/>
+              </p:nvPr>
+            </p:nvSpPr>
+            <p:spPr>
+              <a:xfrm>
+                <a:off x="599767" y="1825625"/>
+                <a:ext cx="10884309" cy="4351338"/>
+              </a:xfrm>
+              <a:blipFill>
+                <a:blip r:embed="rId2"/>
+                <a:stretch>
+                  <a:fillRect l="-1008" t="-2381" r="-616"/>
+                </a:stretch>
+              </a:blipFill>
+            </p:spPr>
+            <p:txBody>
+              <a:bodyPr/>
+              <a:lstStyle/>
+              <a:p>
+                <a:r>
+                  <a:rPr lang="en-US">
+                    <a:noFill/>
+                  </a:rPr>
+                  <a:t> </a:t>
+                </a:r>
+              </a:p>
+            </p:txBody>
+          </p:sp>
+        </mc:Fallback>
+      </mc:AlternateContent>
+      <p:sp>
+        <p:nvSpPr>
+          <p:cNvPr id="4" name="灯片编号占位符 3">
+            <a:extLst>
+              <a:ext uri="{FF2B5EF4-FFF2-40B4-BE49-F238E27FC236}">
+                <a16:creationId xmlns:a16="http://schemas.microsoft.com/office/drawing/2014/main" id="{3BC07801-E077-71D6-59B3-5FAE3C4DAD02}"/>
+              </a:ext>
+            </a:extLst>
+          </p:cNvPr>
+          <p:cNvSpPr>
+            <a:spLocks noGrp="1"/>
+          </p:cNvSpPr>
+          <p:nvPr>
+            <p:ph type="sldNum" sz="quarter" idx="12"/>
+          </p:nvPr>
+        </p:nvSpPr>
+        <p:spPr/>
+        <p:txBody>
+          <a:bodyPr/>
+          <a:lstStyle/>
+          <a:p>
+            <a:fld id="{3F9DB605-36F8-4880-A1BE-3C72DF21D035}" type="slidenum">
+              <a:rPr lang="en-US" smtClean="0"/>
+              <a:t>15</a:t>
+            </a:fld>
+            <a:endParaRPr lang="en-US"/>
+          </a:p>
+        </p:txBody>
+      </p:sp>
+    </p:spTree>
+    <p:extLst>
+      <p:ext uri="{BB962C8B-B14F-4D97-AF65-F5344CB8AC3E}">
+        <p14:creationId xmlns:p14="http://schemas.microsoft.com/office/powerpoint/2010/main" val="1431198945"/>
+      </p:ext>
+    </p:extLst>
+  </p:cSld>
+  <p:clrMapOvr>
+    <a:masterClrMapping/>
+  </p:clrMapOvr>
+  <p:timing>
+    <p:tnLst>
+      <p:par>
+        <p:cTn id="1" dur="indefinite" restart="never" nodeType="tmRoot">
+          <p:childTnLst>
+            <p:seq concurrent="1" nextAc="seek">
+              <p:cTn id="2" dur="indefinite" nodeType="mainSeq">
+                <p:childTnLst>
+                  <p:par>
+                    <p:cTn id="3" fill="hold">
+                      <p:stCondLst>
+                        <p:cond delay="indefinite"/>
+                      </p:stCondLst>
+                      <p:childTnLst>
+                        <p:par>
+                          <p:cTn id="4" fill="hold">
+                            <p:stCondLst>
+                              <p:cond delay="0"/>
+                            </p:stCondLst>
+                            <p:childTnLst>
+                              <p:par>
+                                <p:cTn id="5" presetID="1" presetClass="entr" presetSubtype="0" fill="hold" nodeType="clickEffect">
+                                  <p:stCondLst>
+                                    <p:cond delay="0"/>
+                                  </p:stCondLst>
+                                  <p:childTnLst>
+                                    <p:set>
+                                      <p:cBhvr>
+                                        <p:cTn id="6" dur="1" fill="hold">
+                                          <p:stCondLst>
+                                            <p:cond delay="0"/>
+                                          </p:stCondLst>
+                                        </p:cTn>
+                                        <p:tgtEl>
+                                          <p:spTgt spid="3">
+                                            <p:txEl>
+                                              <p:pRg st="0" end="0"/>
+                                            </p:txEl>
+                                          </p:spTgt>
+                                        </p:tgtEl>
+                                        <p:attrNameLst>
+                                          <p:attrName>style.visibility</p:attrName>
+                                        </p:attrNameLst>
+                                      </p:cBhvr>
+                                      <p:to>
+                                        <p:strVal val="visible"/>
+                                      </p:to>
+                                    </p:set>
+                                  </p:childTnLst>
+                                </p:cTn>
+                              </p:par>
+                            </p:childTnLst>
+                          </p:cTn>
+                        </p:par>
+                      </p:childTnLst>
+                    </p:cTn>
+                  </p:par>
+                  <p:par>
+                    <p:cTn id="7" fill="hold">
+                      <p:stCondLst>
+                        <p:cond delay="indefinite"/>
+                      </p:stCondLst>
+                      <p:childTnLst>
+                        <p:par>
+                          <p:cTn id="8" fill="hold">
+                            <p:stCondLst>
+                              <p:cond delay="0"/>
+                            </p:stCondLst>
+                            <p:childTnLst>
+                              <p:par>
+                                <p:cTn id="9" presetID="1" presetClass="entr" presetSubtype="0" fill="hold" nodeType="clickEffect">
+                                  <p:stCondLst>
+                                    <p:cond delay="0"/>
+                                  </p:stCondLst>
+                                  <p:childTnLst>
+                                    <p:set>
+                                      <p:cBhvr>
+                                        <p:cTn id="10" dur="1" fill="hold">
+                                          <p:stCondLst>
+                                            <p:cond delay="0"/>
+                                          </p:stCondLst>
+                                        </p:cTn>
+                                        <p:tgtEl>
+                                          <p:spTgt spid="3">
+                                            <p:txEl>
+                                              <p:pRg st="1" end="1"/>
+                                            </p:txEl>
+                                          </p:spTgt>
+                                        </p:tgtEl>
+                                        <p:attrNameLst>
+                                          <p:attrName>style.visibility</p:attrName>
+                                        </p:attrNameLst>
+                                      </p:cBhvr>
+                                      <p:to>
+                                        <p:strVal val="visible"/>
+                                      </p:to>
+                                    </p:set>
+                                  </p:childTnLst>
+                                </p:cTn>
+                              </p:par>
+                            </p:childTnLst>
+                          </p:cTn>
+                        </p:par>
+                      </p:childTnLst>
+                    </p:cTn>
+                  </p:par>
+                  <p:par>
+                    <p:cTn id="11" fill="hold">
+                      <p:stCondLst>
+                        <p:cond delay="indefinite"/>
+                      </p:stCondLst>
+                      <p:childTnLst>
+                        <p:par>
+                          <p:cTn id="12" fill="hold">
+                            <p:stCondLst>
+                              <p:cond delay="0"/>
+                            </p:stCondLst>
+                            <p:childTnLst>
+                              <p:par>
+                                <p:cTn id="13" presetID="1" presetClass="entr" presetSubtype="0" fill="hold" nodeType="clickEffect">
+                                  <p:stCondLst>
+                                    <p:cond delay="0"/>
+                                  </p:stCondLst>
+                                  <p:childTnLst>
+                                    <p:set>
+                                      <p:cBhvr>
+                                        <p:cTn id="14" dur="1" fill="hold">
+                                          <p:stCondLst>
+                                            <p:cond delay="0"/>
+                                          </p:stCondLst>
+                                        </p:cTn>
+                                        <p:tgtEl>
+                                          <p:spTgt spid="3">
+                                            <p:txEl>
+                                              <p:pRg st="2" end="2"/>
+                                            </p:txEl>
+                                          </p:spTgt>
+                                        </p:tgtEl>
+                                        <p:attrNameLst>
+                                          <p:attrName>style.visibility</p:attrName>
+                                        </p:attrNameLst>
+                                      </p:cBhvr>
+                                      <p:to>
+                                        <p:strVal val="visible"/>
+                                      </p:to>
+                                    </p:set>
+                                  </p:childTnLst>
+                                </p:cTn>
+                              </p:par>
+                            </p:childTnLst>
+                          </p:cTn>
+                        </p:par>
+                      </p:childTnLst>
+                    </p:cTn>
+                  </p:par>
+                  <p:par>
+                    <p:cTn id="15" fill="hold">
+                      <p:stCondLst>
+                        <p:cond delay="indefinite"/>
+                      </p:stCondLst>
+                      <p:childTnLst>
+                        <p:par>
+                          <p:cTn id="16" fill="hold">
+                            <p:stCondLst>
+                              <p:cond delay="0"/>
+                            </p:stCondLst>
+                            <p:childTnLst>
+                              <p:par>
+                                <p:cTn id="17" presetID="1" presetClass="entr" presetSubtype="0" fill="hold" nodeType="clickEffect">
+                                  <p:stCondLst>
+                                    <p:cond delay="0"/>
+                                  </p:stCondLst>
+                                  <p:childTnLst>
+                                    <p:set>
+                                      <p:cBhvr>
+                                        <p:cTn id="18" dur="1" fill="hold">
+                                          <p:stCondLst>
+                                            <p:cond delay="0"/>
+                                          </p:stCondLst>
+                                        </p:cTn>
+                                        <p:tgtEl>
+                                          <p:spTgt spid="3">
+                                            <p:txEl>
+                                              <p:pRg st="3" end="3"/>
+                                            </p:txEl>
+                                          </p:spTgt>
+                                        </p:tgtEl>
+                                        <p:attrNameLst>
+                                          <p:attrName>style.visibility</p:attrName>
+                                        </p:attrNameLst>
+                                      </p:cBhvr>
+                                      <p:to>
+                                        <p:strVal val="visible"/>
+                                      </p:to>
+                                    </p:set>
+                                  </p:childTnLst>
+                                </p:cTn>
+                              </p:par>
+                            </p:childTnLst>
+                          </p:cTn>
+                        </p:par>
+                      </p:childTnLst>
+                    </p:cTn>
+                  </p:par>
+                  <p:par>
+                    <p:cTn id="19" fill="hold">
+                      <p:stCondLst>
+                        <p:cond delay="indefinite"/>
+                      </p:stCondLst>
+                      <p:childTnLst>
+                        <p:par>
+                          <p:cTn id="20" fill="hold">
+                            <p:stCondLst>
+                              <p:cond delay="0"/>
+                            </p:stCondLst>
+                            <p:childTnLst>
+                              <p:par>
+                                <p:cTn id="21" presetID="1" presetClass="entr" presetSubtype="0" fill="hold" nodeType="clickEffect">
+                                  <p:stCondLst>
+                                    <p:cond delay="0"/>
+                                  </p:stCondLst>
+                                  <p:childTnLst>
+                                    <p:set>
+                                      <p:cBhvr>
+                                        <p:cTn id="22" dur="1" fill="hold">
+                                          <p:stCondLst>
+                                            <p:cond delay="0"/>
+                                          </p:stCondLst>
+                                        </p:cTn>
+                                        <p:tgtEl>
+                                          <p:spTgt spid="3">
+                                            <p:txEl>
+                                              <p:pRg st="4" end="4"/>
+                                            </p:txEl>
+                                          </p:spTgt>
+                                        </p:tgtEl>
+                                        <p:attrNameLst>
+                                          <p:attrName>style.visibility</p:attrName>
+                                        </p:attrNameLst>
+                                      </p:cBhvr>
+                                      <p:to>
+                                        <p:strVal val="visible"/>
+                                      </p:to>
+                                    </p:set>
+                                  </p:childTnLst>
+                                </p:cTn>
+                              </p:par>
+                            </p:childTnLst>
+                          </p:cTn>
+                        </p:par>
+                      </p:childTnLst>
+                    </p:cTn>
+                  </p:par>
+                  <p:par>
+                    <p:cTn id="23" fill="hold">
+                      <p:stCondLst>
+                        <p:cond delay="indefinite"/>
+                      </p:stCondLst>
+                      <p:childTnLst>
+                        <p:par>
+                          <p:cTn id="24" fill="hold">
+                            <p:stCondLst>
+                              <p:cond delay="0"/>
+                            </p:stCondLst>
+                            <p:childTnLst>
+                              <p:par>
+                                <p:cTn id="25" presetID="1" presetClass="entr" presetSubtype="0" fill="hold" nodeType="clickEffect">
+                                  <p:stCondLst>
+                                    <p:cond delay="0"/>
+                                  </p:stCondLst>
+                                  <p:childTnLst>
+                                    <p:set>
+                                      <p:cBhvr>
+                                        <p:cTn id="26" dur="1" fill="hold">
+                                          <p:stCondLst>
+                                            <p:cond delay="0"/>
+                                          </p:stCondLst>
+                                        </p:cTn>
+                                        <p:tgtEl>
+                                          <p:spTgt spid="3">
+                                            <p:txEl>
+                                              <p:pRg st="5" end="5"/>
+                                            </p:txEl>
+                                          </p:spTgt>
+                                        </p:tgtEl>
+                                        <p:attrNameLst>
+                                          <p:attrName>style.visibility</p:attrName>
+                                        </p:attrNameLst>
+                                      </p:cBhvr>
+                                      <p:to>
+                                        <p:strVal val="visible"/>
+                                      </p:to>
+                                    </p:set>
+                                  </p:childTnLst>
+                                </p:cTn>
+                              </p:par>
+                            </p:childTnLst>
+                          </p:cTn>
+                        </p:par>
+                      </p:childTnLst>
+                    </p:cTn>
+                  </p:par>
+                  <p:par>
+                    <p:cTn id="27" fill="hold">
+                      <p:stCondLst>
+                        <p:cond delay="indefinite"/>
+                      </p:stCondLst>
+                      <p:childTnLst>
+                        <p:par>
+                          <p:cTn id="28" fill="hold">
+                            <p:stCondLst>
+                              <p:cond delay="0"/>
+                            </p:stCondLst>
+                            <p:childTnLst>
+                              <p:par>
+                                <p:cTn id="29" presetID="1" presetClass="entr" presetSubtype="0" fill="hold" nodeType="clickEffect">
+                                  <p:stCondLst>
+                                    <p:cond delay="0"/>
+                                  </p:stCondLst>
+                                  <p:childTnLst>
+                                    <p:set>
+                                      <p:cBhvr>
+                                        <p:cTn id="30" dur="1" fill="hold">
+                                          <p:stCondLst>
+                                            <p:cond delay="0"/>
+                                          </p:stCondLst>
+                                        </p:cTn>
+                                        <p:tgtEl>
+                                          <p:spTgt spid="3">
+                                            <p:txEl>
+                                              <p:pRg st="6" end="6"/>
+                                            </p:txEl>
+                                          </p:spTgt>
+                                        </p:tgtEl>
+                                        <p:attrNameLst>
+                                          <p:attrName>style.visibility</p:attrName>
+                                        </p:attrNameLst>
+                                      </p:cBhvr>
+                                      <p:to>
+                                        <p:strVal val="visible"/>
+                                      </p:to>
+                                    </p:set>
+                                  </p:childTnLst>
+                                </p:cTn>
+                              </p:par>
+                            </p:childTnLst>
+                          </p:cTn>
+                        </p:par>
+                      </p:childTnLst>
+                    </p:cTn>
+                  </p:par>
+                </p:childTnLst>
+              </p:cTn>
+              <p:prevCondLst>
+                <p:cond evt="onPrev" delay="0">
+                  <p:tgtEl>
+                    <p:sldTgt/>
+                  </p:tgtEl>
+                </p:cond>
+              </p:prevCondLst>
+              <p:nextCondLst>
+                <p:cond evt="onNext" delay="0">
+                  <p:tgtEl>
+                    <p:sldTgt/>
+                  </p:tgtEl>
+                </p:cond>
+              </p:nextCondLst>
+            </p:seq>
+          </p:childTnLst>
+        </p:cTn>
+      </p:par>
+    </p:tnLst>
+  </p:timing>
+</p:sld>
+</file>
+
+<file path=ppt/slides/slide16.xml><?xml version="1.0" encoding="utf-8"?>
 <p:sld xmlns:a="http://schemas.openxmlformats.org/drawingml/2006/main" xmlns:r="http://schemas.openxmlformats.org/officeDocument/2006/relationships" xmlns:p="http://schemas.openxmlformats.org/presentationml/2006/main">
   <p:cSld>
     <p:spTree>
@@ -11164,7 +11538,7 @@
             </a:r>
             <a:r>
               <a:rPr lang="en-US" dirty="0"/>
-              <a:t>, there exists a peer prediction mechanism satisfying all the desired properties.</a:t>
+              <a:t>, there exists a peer prediction mechanism satisfying desired incentive properties.</a:t>
             </a:r>
           </a:p>
           <a:p>
@@ -11242,7 +11616,7 @@
           <a:p>
             <a:fld id="{3F9DB605-36F8-4880-A1BE-3C72DF21D035}" type="slidenum">
               <a:rPr lang="en-US" smtClean="0"/>
-              <a:t>17</a:t>
+              <a:t>16</a:t>
             </a:fld>
             <a:endParaRPr lang="en-US"/>
           </a:p>
@@ -11588,7 +11962,7 @@
 </p:sld>
 </file>
 
-<file path=ppt/slides/slide18.xml><?xml version="1.0" encoding="utf-8"?>
+<file path=ppt/slides/slide17.xml><?xml version="1.0" encoding="utf-8"?>
 <p:sld xmlns:a="http://schemas.openxmlformats.org/drawingml/2006/main" xmlns:r="http://schemas.openxmlformats.org/officeDocument/2006/relationships" xmlns:p="http://schemas.openxmlformats.org/presentationml/2006/main">
   <p:cSld>
     <p:spTree>
@@ -11633,8 +12007,8 @@
           </a:p>
         </p:txBody>
       </p:sp>
-      <mc:AlternateContent xmlns:mc="http://schemas.openxmlformats.org/markup-compatibility/2006">
-        <mc:Choice xmlns:a14="http://schemas.microsoft.com/office/drawing/2010/main" Requires="a14">
+      <mc:AlternateContent xmlns:mc="http://schemas.openxmlformats.org/markup-compatibility/2006" xmlns:a14="http://schemas.microsoft.com/office/drawing/2010/main">
+        <mc:Choice Requires="a14">
           <p:sp>
             <p:nvSpPr>
               <p:cNvPr id="3" name="内容占位符 2">
@@ -11862,7 +12236,7 @@
             </p:txBody>
           </p:sp>
         </mc:Choice>
-        <mc:Fallback>
+        <mc:Fallback xmlns="">
           <p:sp>
             <p:nvSpPr>
               <p:cNvPr id="3" name="内容占位符 2">
@@ -11906,8 +12280,8 @@
           </p:sp>
         </mc:Fallback>
       </mc:AlternateContent>
-      <mc:AlternateContent xmlns:mc="http://schemas.openxmlformats.org/markup-compatibility/2006">
-        <mc:Choice xmlns:a14="http://schemas.microsoft.com/office/drawing/2010/main" Requires="a14">
+      <mc:AlternateContent xmlns:mc="http://schemas.openxmlformats.org/markup-compatibility/2006" xmlns:a14="http://schemas.microsoft.com/office/drawing/2010/main">
+        <mc:Choice Requires="a14">
           <p:sp>
             <p:nvSpPr>
               <p:cNvPr id="4" name="文本框 3">
@@ -11966,7 +12340,7 @@
             </p:txBody>
           </p:sp>
         </mc:Choice>
-        <mc:Fallback>
+        <mc:Fallback xmlns="">
           <p:sp>
             <p:nvSpPr>
               <p:cNvPr id="4" name="文本框 3">
@@ -12011,8 +12385,8 @@
           </p:sp>
         </mc:Fallback>
       </mc:AlternateContent>
-      <mc:AlternateContent xmlns:mc="http://schemas.openxmlformats.org/markup-compatibility/2006">
-        <mc:Choice xmlns:a14="http://schemas.microsoft.com/office/drawing/2010/main" Requires="a14">
+      <mc:AlternateContent xmlns:mc="http://schemas.openxmlformats.org/markup-compatibility/2006" xmlns:a14="http://schemas.microsoft.com/office/drawing/2010/main">
+        <mc:Choice Requires="a14">
           <p:sp>
             <p:nvSpPr>
               <p:cNvPr id="5" name="文本框 4">
@@ -12108,7 +12482,7 @@
             </p:txBody>
           </p:sp>
         </mc:Choice>
-        <mc:Fallback>
+        <mc:Fallback xmlns="">
           <p:sp>
             <p:nvSpPr>
               <p:cNvPr id="5" name="文本框 4">
@@ -12153,8 +12527,8 @@
           </p:sp>
         </mc:Fallback>
       </mc:AlternateContent>
-      <mc:AlternateContent xmlns:mc="http://schemas.openxmlformats.org/markup-compatibility/2006">
-        <mc:Choice xmlns:a14="http://schemas.microsoft.com/office/drawing/2010/main" Requires="a14">
+      <mc:AlternateContent xmlns:mc="http://schemas.openxmlformats.org/markup-compatibility/2006" xmlns:a14="http://schemas.microsoft.com/office/drawing/2010/main">
+        <mc:Choice Requires="a14">
           <p:sp>
             <p:nvSpPr>
               <p:cNvPr id="6" name="文本框 5">
@@ -12224,7 +12598,7 @@
             </p:txBody>
           </p:sp>
         </mc:Choice>
-        <mc:Fallback>
+        <mc:Fallback xmlns="">
           <p:sp>
             <p:nvSpPr>
               <p:cNvPr id="6" name="文本框 5">
@@ -12269,8 +12643,8 @@
           </p:sp>
         </mc:Fallback>
       </mc:AlternateContent>
-      <mc:AlternateContent xmlns:mc="http://schemas.openxmlformats.org/markup-compatibility/2006">
-        <mc:Choice xmlns:a14="http://schemas.microsoft.com/office/drawing/2010/main" Requires="a14">
+      <mc:AlternateContent xmlns:mc="http://schemas.openxmlformats.org/markup-compatibility/2006" xmlns:a14="http://schemas.microsoft.com/office/drawing/2010/main">
+        <mc:Choice Requires="a14">
           <p:sp>
             <p:nvSpPr>
               <p:cNvPr id="7" name="文本框 6">
@@ -12375,7 +12749,7 @@
             </p:txBody>
           </p:sp>
         </mc:Choice>
-        <mc:Fallback>
+        <mc:Fallback xmlns="">
           <p:sp>
             <p:nvSpPr>
               <p:cNvPr id="7" name="文本框 6">
@@ -12443,7 +12817,7 @@
           <a:p>
             <a:fld id="{3F9DB605-36F8-4880-A1BE-3C72DF21D035}" type="slidenum">
               <a:rPr lang="en-US" smtClean="0"/>
-              <a:t>18</a:t>
+              <a:t>17</a:t>
             </a:fld>
             <a:endParaRPr lang="en-US"/>
           </a:p>
@@ -12453,6 +12827,1230 @@
     <p:extLst>
       <p:ext uri="{BB962C8B-B14F-4D97-AF65-F5344CB8AC3E}">
         <p14:creationId xmlns:p14="http://schemas.microsoft.com/office/powerpoint/2010/main" val="189869000"/>
+      </p:ext>
+    </p:extLst>
+  </p:cSld>
+  <p:clrMapOvr>
+    <a:masterClrMapping/>
+  </p:clrMapOvr>
+  <p:timing>
+    <p:tnLst>
+      <p:par>
+        <p:cTn id="1" dur="indefinite" restart="never" nodeType="tmRoot">
+          <p:childTnLst>
+            <p:seq concurrent="1" nextAc="seek">
+              <p:cTn id="2" dur="indefinite" nodeType="mainSeq">
+                <p:childTnLst>
+                  <p:par>
+                    <p:cTn id="3" fill="hold">
+                      <p:stCondLst>
+                        <p:cond delay="indefinite"/>
+                      </p:stCondLst>
+                      <p:childTnLst>
+                        <p:par>
+                          <p:cTn id="4" fill="hold">
+                            <p:stCondLst>
+                              <p:cond delay="0"/>
+                            </p:stCondLst>
+                            <p:childTnLst>
+                              <p:par>
+                                <p:cTn id="5" presetID="1" presetClass="entr" presetSubtype="0" fill="hold" nodeType="clickEffect">
+                                  <p:stCondLst>
+                                    <p:cond delay="0"/>
+                                  </p:stCondLst>
+                                  <p:childTnLst>
+                                    <p:set>
+                                      <p:cBhvr>
+                                        <p:cTn id="6" dur="1" fill="hold">
+                                          <p:stCondLst>
+                                            <p:cond delay="0"/>
+                                          </p:stCondLst>
+                                        </p:cTn>
+                                        <p:tgtEl>
+                                          <p:spTgt spid="3">
+                                            <p:txEl>
+                                              <p:pRg st="1" end="1"/>
+                                            </p:txEl>
+                                          </p:spTgt>
+                                        </p:tgtEl>
+                                        <p:attrNameLst>
+                                          <p:attrName>style.visibility</p:attrName>
+                                        </p:attrNameLst>
+                                      </p:cBhvr>
+                                      <p:to>
+                                        <p:strVal val="visible"/>
+                                      </p:to>
+                                    </p:set>
+                                  </p:childTnLst>
+                                </p:cTn>
+                              </p:par>
+                            </p:childTnLst>
+                          </p:cTn>
+                        </p:par>
+                      </p:childTnLst>
+                    </p:cTn>
+                  </p:par>
+                  <p:par>
+                    <p:cTn id="7" fill="hold">
+                      <p:stCondLst>
+                        <p:cond delay="indefinite"/>
+                      </p:stCondLst>
+                      <p:childTnLst>
+                        <p:par>
+                          <p:cTn id="8" fill="hold">
+                            <p:stCondLst>
+                              <p:cond delay="0"/>
+                            </p:stCondLst>
+                            <p:childTnLst>
+                              <p:par>
+                                <p:cTn id="9" presetID="1" presetClass="entr" presetSubtype="0" fill="hold" grpId="0" nodeType="clickEffect">
+                                  <p:stCondLst>
+                                    <p:cond delay="0"/>
+                                  </p:stCondLst>
+                                  <p:childTnLst>
+                                    <p:set>
+                                      <p:cBhvr>
+                                        <p:cTn id="10" dur="1" fill="hold">
+                                          <p:stCondLst>
+                                            <p:cond delay="0"/>
+                                          </p:stCondLst>
+                                        </p:cTn>
+                                        <p:tgtEl>
+                                          <p:spTgt spid="4"/>
+                                        </p:tgtEl>
+                                        <p:attrNameLst>
+                                          <p:attrName>style.visibility</p:attrName>
+                                        </p:attrNameLst>
+                                      </p:cBhvr>
+                                      <p:to>
+                                        <p:strVal val="visible"/>
+                                      </p:to>
+                                    </p:set>
+                                  </p:childTnLst>
+                                </p:cTn>
+                              </p:par>
+                              <p:par>
+                                <p:cTn id="11" presetID="1" presetClass="entr" presetSubtype="0" fill="hold" grpId="0" nodeType="withEffect">
+                                  <p:stCondLst>
+                                    <p:cond delay="0"/>
+                                  </p:stCondLst>
+                                  <p:childTnLst>
+                                    <p:set>
+                                      <p:cBhvr>
+                                        <p:cTn id="12" dur="1" fill="hold">
+                                          <p:stCondLst>
+                                            <p:cond delay="0"/>
+                                          </p:stCondLst>
+                                        </p:cTn>
+                                        <p:tgtEl>
+                                          <p:spTgt spid="5"/>
+                                        </p:tgtEl>
+                                        <p:attrNameLst>
+                                          <p:attrName>style.visibility</p:attrName>
+                                        </p:attrNameLst>
+                                      </p:cBhvr>
+                                      <p:to>
+                                        <p:strVal val="visible"/>
+                                      </p:to>
+                                    </p:set>
+                                  </p:childTnLst>
+                                </p:cTn>
+                              </p:par>
+                              <p:par>
+                                <p:cTn id="13" presetID="1" presetClass="entr" presetSubtype="0" fill="hold" grpId="0" nodeType="withEffect">
+                                  <p:stCondLst>
+                                    <p:cond delay="0"/>
+                                  </p:stCondLst>
+                                  <p:childTnLst>
+                                    <p:set>
+                                      <p:cBhvr>
+                                        <p:cTn id="14" dur="1" fill="hold">
+                                          <p:stCondLst>
+                                            <p:cond delay="0"/>
+                                          </p:stCondLst>
+                                        </p:cTn>
+                                        <p:tgtEl>
+                                          <p:spTgt spid="6"/>
+                                        </p:tgtEl>
+                                        <p:attrNameLst>
+                                          <p:attrName>style.visibility</p:attrName>
+                                        </p:attrNameLst>
+                                      </p:cBhvr>
+                                      <p:to>
+                                        <p:strVal val="visible"/>
+                                      </p:to>
+                                    </p:set>
+                                  </p:childTnLst>
+                                </p:cTn>
+                              </p:par>
+                              <p:par>
+                                <p:cTn id="15" presetID="1" presetClass="entr" presetSubtype="0" fill="hold" grpId="0" nodeType="withEffect">
+                                  <p:stCondLst>
+                                    <p:cond delay="0"/>
+                                  </p:stCondLst>
+                                  <p:childTnLst>
+                                    <p:set>
+                                      <p:cBhvr>
+                                        <p:cTn id="16" dur="1" fill="hold">
+                                          <p:stCondLst>
+                                            <p:cond delay="0"/>
+                                          </p:stCondLst>
+                                        </p:cTn>
+                                        <p:tgtEl>
+                                          <p:spTgt spid="7"/>
+                                        </p:tgtEl>
+                                        <p:attrNameLst>
+                                          <p:attrName>style.visibility</p:attrName>
+                                        </p:attrNameLst>
+                                      </p:cBhvr>
+                                      <p:to>
+                                        <p:strVal val="visible"/>
+                                      </p:to>
+                                    </p:set>
+                                  </p:childTnLst>
+                                </p:cTn>
+                              </p:par>
+                            </p:childTnLst>
+                          </p:cTn>
+                        </p:par>
+                      </p:childTnLst>
+                    </p:cTn>
+                  </p:par>
+                  <p:par>
+                    <p:cTn id="17" fill="hold">
+                      <p:stCondLst>
+                        <p:cond delay="indefinite"/>
+                      </p:stCondLst>
+                      <p:childTnLst>
+                        <p:par>
+                          <p:cTn id="18" fill="hold">
+                            <p:stCondLst>
+                              <p:cond delay="0"/>
+                            </p:stCondLst>
+                            <p:childTnLst>
+                              <p:par>
+                                <p:cTn id="19" presetID="1" presetClass="entr" presetSubtype="0" fill="hold" nodeType="clickEffect">
+                                  <p:stCondLst>
+                                    <p:cond delay="0"/>
+                                  </p:stCondLst>
+                                  <p:childTnLst>
+                                    <p:set>
+                                      <p:cBhvr>
+                                        <p:cTn id="20" dur="1" fill="hold">
+                                          <p:stCondLst>
+                                            <p:cond delay="0"/>
+                                          </p:stCondLst>
+                                        </p:cTn>
+                                        <p:tgtEl>
+                                          <p:spTgt spid="3">
+                                            <p:txEl>
+                                              <p:pRg st="8" end="8"/>
+                                            </p:txEl>
+                                          </p:spTgt>
+                                        </p:tgtEl>
+                                        <p:attrNameLst>
+                                          <p:attrName>style.visibility</p:attrName>
+                                        </p:attrNameLst>
+                                      </p:cBhvr>
+                                      <p:to>
+                                        <p:strVal val="visible"/>
+                                      </p:to>
+                                    </p:set>
+                                  </p:childTnLst>
+                                </p:cTn>
+                              </p:par>
+                              <p:par>
+                                <p:cTn id="21" presetID="1" presetClass="entr" presetSubtype="0" fill="hold" nodeType="withEffect">
+                                  <p:stCondLst>
+                                    <p:cond delay="0"/>
+                                  </p:stCondLst>
+                                  <p:childTnLst>
+                                    <p:set>
+                                      <p:cBhvr>
+                                        <p:cTn id="22" dur="1" fill="hold">
+                                          <p:stCondLst>
+                                            <p:cond delay="0"/>
+                                          </p:stCondLst>
+                                        </p:cTn>
+                                        <p:tgtEl>
+                                          <p:spTgt spid="3">
+                                            <p:txEl>
+                                              <p:pRg st="9" end="9"/>
+                                            </p:txEl>
+                                          </p:spTgt>
+                                        </p:tgtEl>
+                                        <p:attrNameLst>
+                                          <p:attrName>style.visibility</p:attrName>
+                                        </p:attrNameLst>
+                                      </p:cBhvr>
+                                      <p:to>
+                                        <p:strVal val="visible"/>
+                                      </p:to>
+                                    </p:set>
+                                  </p:childTnLst>
+                                </p:cTn>
+                              </p:par>
+                            </p:childTnLst>
+                          </p:cTn>
+                        </p:par>
+                      </p:childTnLst>
+                    </p:cTn>
+                  </p:par>
+                  <p:par>
+                    <p:cTn id="23" fill="hold">
+                      <p:stCondLst>
+                        <p:cond delay="indefinite"/>
+                      </p:stCondLst>
+                      <p:childTnLst>
+                        <p:par>
+                          <p:cTn id="24" fill="hold">
+                            <p:stCondLst>
+                              <p:cond delay="0"/>
+                            </p:stCondLst>
+                            <p:childTnLst>
+                              <p:par>
+                                <p:cTn id="25" presetID="1" presetClass="entr" presetSubtype="0" fill="hold" nodeType="clickEffect">
+                                  <p:stCondLst>
+                                    <p:cond delay="0"/>
+                                  </p:stCondLst>
+                                  <p:childTnLst>
+                                    <p:set>
+                                      <p:cBhvr>
+                                        <p:cTn id="26" dur="1" fill="hold">
+                                          <p:stCondLst>
+                                            <p:cond delay="0"/>
+                                          </p:stCondLst>
+                                        </p:cTn>
+                                        <p:tgtEl>
+                                          <p:spTgt spid="3">
+                                            <p:txEl>
+                                              <p:pRg st="10" end="10"/>
+                                            </p:txEl>
+                                          </p:spTgt>
+                                        </p:tgtEl>
+                                        <p:attrNameLst>
+                                          <p:attrName>style.visibility</p:attrName>
+                                        </p:attrNameLst>
+                                      </p:cBhvr>
+                                      <p:to>
+                                        <p:strVal val="visible"/>
+                                      </p:to>
+                                    </p:set>
+                                  </p:childTnLst>
+                                </p:cTn>
+                              </p:par>
+                            </p:childTnLst>
+                          </p:cTn>
+                        </p:par>
+                      </p:childTnLst>
+                    </p:cTn>
+                  </p:par>
+                </p:childTnLst>
+              </p:cTn>
+              <p:prevCondLst>
+                <p:cond evt="onPrev" delay="0">
+                  <p:tgtEl>
+                    <p:sldTgt/>
+                  </p:tgtEl>
+                </p:cond>
+              </p:prevCondLst>
+              <p:nextCondLst>
+                <p:cond evt="onNext" delay="0">
+                  <p:tgtEl>
+                    <p:sldTgt/>
+                  </p:tgtEl>
+                </p:cond>
+              </p:nextCondLst>
+            </p:seq>
+          </p:childTnLst>
+        </p:cTn>
+      </p:par>
+    </p:tnLst>
+    <p:bldLst>
+      <p:bldP spid="4" grpId="0"/>
+      <p:bldP spid="5" grpId="0"/>
+      <p:bldP spid="6" grpId="0"/>
+      <p:bldP spid="7" grpId="0"/>
+    </p:bldLst>
+  </p:timing>
+</p:sld>
+</file>
+
+<file path=ppt/slides/slide18.xml><?xml version="1.0" encoding="utf-8"?>
+<p:sld xmlns:a="http://schemas.openxmlformats.org/drawingml/2006/main" xmlns:r="http://schemas.openxmlformats.org/officeDocument/2006/relationships" xmlns:p="http://schemas.openxmlformats.org/presentationml/2006/main">
+  <p:cSld>
+    <p:spTree>
+      <p:nvGrpSpPr>
+        <p:cNvPr id="1" name=""/>
+        <p:cNvGrpSpPr/>
+        <p:nvPr/>
+      </p:nvGrpSpPr>
+      <p:grpSpPr>
+        <a:xfrm>
+          <a:off x="0" y="0"/>
+          <a:ext cx="0" cy="0"/>
+          <a:chOff x="0" y="0"/>
+          <a:chExt cx="0" cy="0"/>
+        </a:xfrm>
+      </p:grpSpPr>
+      <p:sp>
+        <p:nvSpPr>
+          <p:cNvPr id="2" name="标题 1">
+            <a:extLst>
+              <a:ext uri="{FF2B5EF4-FFF2-40B4-BE49-F238E27FC236}">
+                <a16:creationId xmlns:a16="http://schemas.microsoft.com/office/drawing/2014/main" id="{00EEDECB-8754-5923-5181-FBB6E131D72E}"/>
+              </a:ext>
+            </a:extLst>
+          </p:cNvPr>
+          <p:cNvSpPr>
+            <a:spLocks noGrp="1"/>
+          </p:cNvSpPr>
+          <p:nvPr>
+            <p:ph type="title"/>
+          </p:nvPr>
+        </p:nvSpPr>
+        <p:spPr/>
+        <p:txBody>
+          <a:bodyPr/>
+          <a:lstStyle/>
+          <a:p>
+            <a:r>
+              <a:rPr lang="en-US" dirty="0"/>
+              <a:t>CTF Peer Prediction: Budget </a:t>
+            </a:r>
+          </a:p>
+        </p:txBody>
+      </p:sp>
+      <mc:AlternateContent xmlns:mc="http://schemas.openxmlformats.org/markup-compatibility/2006">
+        <mc:Choice xmlns:a14="http://schemas.microsoft.com/office/drawing/2010/main" Requires="a14">
+          <p:sp>
+            <p:nvSpPr>
+              <p:cNvPr id="3" name="内容占位符 2">
+                <a:extLst>
+                  <a:ext uri="{FF2B5EF4-FFF2-40B4-BE49-F238E27FC236}">
+                    <a16:creationId xmlns:a16="http://schemas.microsoft.com/office/drawing/2014/main" id="{4E31013F-B3A4-C603-A268-445154C3A863}"/>
+                  </a:ext>
+                </a:extLst>
+              </p:cNvPr>
+              <p:cNvSpPr>
+                <a:spLocks noGrp="1"/>
+              </p:cNvSpPr>
+              <p:nvPr>
+                <p:ph idx="1"/>
+              </p:nvPr>
+            </p:nvSpPr>
+            <p:spPr/>
+            <p:txBody>
+              <a:bodyPr>
+                <a:normAutofit lnSpcReduction="10000"/>
+              </a:bodyPr>
+              <a:lstStyle/>
+              <a:p>
+                <a:r>
+                  <a:rPr lang="en-US" dirty="0"/>
+                  <a:t>When we want to control the budget…</a:t>
+                </a:r>
+              </a:p>
+              <a:p>
+                <a:endParaRPr lang="en-US" dirty="0"/>
+              </a:p>
+              <a:p>
+                <a:endParaRPr lang="en-US" dirty="0"/>
+              </a:p>
+              <a:p>
+                <a:endParaRPr lang="en-US" dirty="0"/>
+              </a:p>
+              <a:p>
+                <a:endParaRPr lang="en-US" dirty="0"/>
+              </a:p>
+              <a:p>
+                <a:endParaRPr lang="en-US" dirty="0"/>
+              </a:p>
+              <a:p>
+                <a14:m>
+                  <m:oMath xmlns:m="http://schemas.openxmlformats.org/officeDocument/2006/math">
+                    <m:r>
+                      <a:rPr lang="en-US" i="1" smtClean="0">
+                        <a:solidFill>
+                          <a:schemeClr val="tx1"/>
+                        </a:solidFill>
+                        <a:latin typeface="Cambria Math" panose="02040503050406030204" pitchFamily="18" charset="0"/>
+                        <a:ea typeface="Cambria Math" panose="02040503050406030204" pitchFamily="18" charset="0"/>
+                      </a:rPr>
+                      <m:t>𝑀</m:t>
+                    </m:r>
+                    <m:r>
+                      <a:rPr lang="en-US" i="1" smtClean="0">
+                        <a:solidFill>
+                          <a:schemeClr val="tx1"/>
+                        </a:solidFill>
+                        <a:latin typeface="Cambria Math" panose="02040503050406030204" pitchFamily="18" charset="0"/>
+                        <a:ea typeface="Cambria Math" panose="02040503050406030204" pitchFamily="18" charset="0"/>
+                      </a:rPr>
+                      <m:t>≤</m:t>
+                    </m:r>
+                    <m:r>
+                      <a:rPr lang="en-US" b="0" i="1" smtClean="0">
+                        <a:solidFill>
+                          <a:schemeClr val="tx1"/>
+                        </a:solidFill>
+                        <a:latin typeface="Cambria Math" panose="02040503050406030204" pitchFamily="18" charset="0"/>
+                        <a:ea typeface="Cambria Math" panose="02040503050406030204" pitchFamily="18" charset="0"/>
+                      </a:rPr>
+                      <m:t>𝑄</m:t>
+                    </m:r>
+                    <m:r>
+                      <a:rPr lang="en-US" altLang="zh-CN" i="1">
+                        <a:solidFill>
+                          <a:schemeClr val="tx1"/>
+                        </a:solidFill>
+                        <a:latin typeface="Cambria Math" panose="02040503050406030204" pitchFamily="18" charset="0"/>
+                        <a:ea typeface="Cambria Math" panose="02040503050406030204" pitchFamily="18" charset="0"/>
+                      </a:rPr>
+                      <m:t>·</m:t>
+                    </m:r>
+                    <m:r>
+                      <a:rPr lang="en-US" i="1">
+                        <a:solidFill>
+                          <a:schemeClr val="tx1"/>
+                        </a:solidFill>
+                        <a:latin typeface="Cambria Math" panose="02040503050406030204" pitchFamily="18" charset="0"/>
+                        <a:ea typeface="Cambria Math" panose="02040503050406030204" pitchFamily="18" charset="0"/>
+                      </a:rPr>
+                      <m:t>𝛿</m:t>
+                    </m:r>
+                    <m:r>
+                      <a:rPr lang="en-US" b="0" i="1" smtClean="0">
+                        <a:solidFill>
+                          <a:schemeClr val="tx1"/>
+                        </a:solidFill>
+                        <a:latin typeface="Cambria Math" panose="02040503050406030204" pitchFamily="18" charset="0"/>
+                        <a:ea typeface="Cambria Math" panose="02040503050406030204" pitchFamily="18" charset="0"/>
+                      </a:rPr>
+                      <m:t>+</m:t>
+                    </m:r>
+                    <m:sSub>
+                      <m:sSubPr>
+                        <m:ctrlPr>
+                          <a:rPr lang="en-US" b="0" i="1" smtClean="0">
+                            <a:solidFill>
+                              <a:schemeClr val="tx1"/>
+                            </a:solidFill>
+                            <a:latin typeface="Cambria Math" panose="02040503050406030204" pitchFamily="18" charset="0"/>
+                            <a:ea typeface="Cambria Math" panose="02040503050406030204" pitchFamily="18" charset="0"/>
+                          </a:rPr>
+                        </m:ctrlPr>
+                      </m:sSubPr>
+                      <m:e>
+                        <m:r>
+                          <a:rPr lang="en-US" altLang="zh-CN" i="1">
+                            <a:solidFill>
+                              <a:schemeClr val="tx1"/>
+                            </a:solidFill>
+                            <a:latin typeface="Cambria Math" panose="02040503050406030204" pitchFamily="18" charset="0"/>
+                            <a:ea typeface="Cambria Math" panose="02040503050406030204" pitchFamily="18" charset="0"/>
+                          </a:rPr>
+                          <m:t>𝑀</m:t>
+                        </m:r>
+                      </m:e>
+                      <m:sub>
+                        <m:r>
+                          <a:rPr lang="en-US" b="0" i="1" smtClean="0">
+                            <a:solidFill>
+                              <a:schemeClr val="tx1"/>
+                            </a:solidFill>
+                            <a:latin typeface="Cambria Math" panose="02040503050406030204" pitchFamily="18" charset="0"/>
+                            <a:ea typeface="Cambria Math" panose="02040503050406030204" pitchFamily="18" charset="0"/>
+                          </a:rPr>
+                          <m:t>0</m:t>
+                        </m:r>
+                      </m:sub>
+                    </m:sSub>
+                  </m:oMath>
+                </a14:m>
+                <a:endParaRPr lang="en-US" i="1" dirty="0"/>
+              </a:p>
+              <a:p>
+                <a:r>
+                  <a:rPr lang="en-US" dirty="0"/>
+                  <a:t>Interim budget: </a:t>
+                </a:r>
+                <a14:m>
+                  <m:oMath xmlns:m="http://schemas.openxmlformats.org/officeDocument/2006/math">
+                    <m:acc>
+                      <m:accPr>
+                        <m:chr m:val="̅"/>
+                        <m:ctrlPr>
+                          <a:rPr lang="en-US" i="1" smtClean="0">
+                            <a:latin typeface="Cambria Math" panose="02040503050406030204" pitchFamily="18" charset="0"/>
+                          </a:rPr>
+                        </m:ctrlPr>
+                      </m:accPr>
+                      <m:e>
+                        <m:r>
+                          <a:rPr lang="en-US" b="0" i="1" smtClean="0">
+                            <a:latin typeface="Cambria Math" panose="02040503050406030204" pitchFamily="18" charset="0"/>
+                          </a:rPr>
+                          <m:t>𝑐</m:t>
+                        </m:r>
+                      </m:e>
+                    </m:acc>
+                    <m:r>
+                      <a:rPr lang="en-US" b="0" i="1" smtClean="0">
+                        <a:latin typeface="Cambria Math" panose="02040503050406030204" pitchFamily="18" charset="0"/>
+                      </a:rPr>
+                      <m:t>+</m:t>
+                    </m:r>
+                    <m:r>
+                      <a:rPr lang="en-US" b="0" i="1" smtClean="0">
+                        <a:latin typeface="Cambria Math" panose="02040503050406030204" pitchFamily="18" charset="0"/>
+                        <a:ea typeface="Cambria Math" panose="02040503050406030204" pitchFamily="18" charset="0"/>
+                      </a:rPr>
+                      <m:t>𝛿</m:t>
+                    </m:r>
+                  </m:oMath>
+                </a14:m>
+                <a:r>
+                  <a:rPr lang="en-US" dirty="0"/>
+                  <a:t>, </a:t>
+                </a:r>
+                <a14:m>
+                  <m:oMath xmlns:m="http://schemas.openxmlformats.org/officeDocument/2006/math">
+                    <m:acc>
+                      <m:accPr>
+                        <m:chr m:val="̅"/>
+                        <m:ctrlPr>
+                          <a:rPr lang="en-US" i="1">
+                            <a:latin typeface="Cambria Math" panose="02040503050406030204" pitchFamily="18" charset="0"/>
+                          </a:rPr>
+                        </m:ctrlPr>
+                      </m:accPr>
+                      <m:e>
+                        <m:r>
+                          <a:rPr lang="en-US" i="1">
+                            <a:latin typeface="Cambria Math" panose="02040503050406030204" pitchFamily="18" charset="0"/>
+                          </a:rPr>
+                          <m:t>𝑐</m:t>
+                        </m:r>
+                      </m:e>
+                    </m:acc>
+                  </m:oMath>
+                </a14:m>
+                <a:r>
+                  <a:rPr lang="en-US" dirty="0"/>
+                  <a:t>: expected observation cost</a:t>
+                </a:r>
+              </a:p>
+              <a:p>
+                <a:r>
+                  <a:rPr lang="en-US" dirty="0"/>
+                  <a:t>Minimized budget requirement when </a:t>
+                </a:r>
+                <a14:m>
+                  <m:oMath xmlns:m="http://schemas.openxmlformats.org/officeDocument/2006/math">
+                    <m:r>
+                      <a:rPr lang="en-US" b="0" i="1" smtClean="0">
+                        <a:latin typeface="Cambria Math" panose="02040503050406030204" pitchFamily="18" charset="0"/>
+                        <a:ea typeface="Cambria Math" panose="02040503050406030204" pitchFamily="18" charset="0"/>
+                      </a:rPr>
+                      <m:t>𝛿</m:t>
+                    </m:r>
+                    <m:r>
+                      <a:rPr lang="en-US" b="0" i="1" smtClean="0">
+                        <a:latin typeface="Cambria Math" panose="02040503050406030204" pitchFamily="18" charset="0"/>
+                        <a:ea typeface="Cambria Math" panose="02040503050406030204" pitchFamily="18" charset="0"/>
+                      </a:rPr>
+                      <m:t>→0</m:t>
+                    </m:r>
+                  </m:oMath>
+                </a14:m>
+                <a:endParaRPr lang="en-US" dirty="0"/>
+              </a:p>
+              <a:p>
+                <a:endParaRPr lang="en-US" dirty="0"/>
+              </a:p>
+            </p:txBody>
+          </p:sp>
+        </mc:Choice>
+        <mc:Fallback>
+          <p:sp>
+            <p:nvSpPr>
+              <p:cNvPr id="3" name="内容占位符 2">
+                <a:extLst>
+                  <a:ext uri="{FF2B5EF4-FFF2-40B4-BE49-F238E27FC236}">
+                    <a16:creationId xmlns:a16="http://schemas.microsoft.com/office/drawing/2014/main" id="{4E31013F-B3A4-C603-A268-445154C3A863}"/>
+                  </a:ext>
+                </a:extLst>
+              </p:cNvPr>
+              <p:cNvSpPr>
+                <a:spLocks noGrp="1" noRot="1" noChangeAspect="1" noMove="1" noResize="1" noEditPoints="1" noAdjustHandles="1" noChangeArrowheads="1" noChangeShapeType="1" noTextEdit="1"/>
+              </p:cNvSpPr>
+              <p:nvPr>
+                <p:ph idx="1"/>
+              </p:nvPr>
+            </p:nvSpPr>
+            <p:spPr>
+              <a:blipFill>
+                <a:blip r:embed="rId2"/>
+                <a:stretch>
+                  <a:fillRect l="-1043" t="-3081" b="-1261"/>
+                </a:stretch>
+              </a:blipFill>
+            </p:spPr>
+            <p:txBody>
+              <a:bodyPr/>
+              <a:lstStyle/>
+              <a:p>
+                <a:r>
+                  <a:rPr lang="en-US">
+                    <a:noFill/>
+                  </a:rPr>
+                  <a:t> </a:t>
+                </a:r>
+              </a:p>
+            </p:txBody>
+          </p:sp>
+        </mc:Fallback>
+      </mc:AlternateContent>
+      <p:sp>
+        <p:nvSpPr>
+          <p:cNvPr id="4" name="灯片编号占位符 3">
+            <a:extLst>
+              <a:ext uri="{FF2B5EF4-FFF2-40B4-BE49-F238E27FC236}">
+                <a16:creationId xmlns:a16="http://schemas.microsoft.com/office/drawing/2014/main" id="{EA85584A-6EEE-E182-5435-57EB4FEA00CB}"/>
+              </a:ext>
+            </a:extLst>
+          </p:cNvPr>
+          <p:cNvSpPr>
+            <a:spLocks noGrp="1"/>
+          </p:cNvSpPr>
+          <p:nvPr>
+            <p:ph type="sldNum" sz="quarter" idx="12"/>
+          </p:nvPr>
+        </p:nvSpPr>
+        <p:spPr/>
+        <p:txBody>
+          <a:bodyPr/>
+          <a:lstStyle/>
+          <a:p>
+            <a:fld id="{3F9DB605-36F8-4880-A1BE-3C72DF21D035}" type="slidenum">
+              <a:rPr lang="en-US" smtClean="0"/>
+              <a:t>18</a:t>
+            </a:fld>
+            <a:endParaRPr lang="en-US" dirty="0"/>
+          </a:p>
+        </p:txBody>
+      </p:sp>
+      <mc:AlternateContent xmlns:mc="http://schemas.openxmlformats.org/markup-compatibility/2006">
+        <mc:Choice xmlns:a14="http://schemas.microsoft.com/office/drawing/2010/main" Requires="a14">
+          <p:sp>
+            <p:nvSpPr>
+              <p:cNvPr id="5" name="文本框 4">
+                <a:extLst>
+                  <a:ext uri="{FF2B5EF4-FFF2-40B4-BE49-F238E27FC236}">
+                    <a16:creationId xmlns:a16="http://schemas.microsoft.com/office/drawing/2014/main" id="{FE349DAA-9397-2C82-81CA-FD596DAE6F5E}"/>
+                  </a:ext>
+                </a:extLst>
+              </p:cNvPr>
+              <p:cNvSpPr txBox="1"/>
+              <p:nvPr/>
+            </p:nvSpPr>
+            <p:spPr>
+              <a:xfrm>
+                <a:off x="4162428" y="2295808"/>
+                <a:ext cx="3453318" cy="523220"/>
+              </a:xfrm>
+              <a:prstGeom prst="rect">
+                <a:avLst/>
+              </a:prstGeom>
+              <a:noFill/>
+            </p:spPr>
+            <p:txBody>
+              <a:bodyPr wrap="none" rtlCol="0">
+                <a:spAutoFit/>
+              </a:bodyPr>
+              <a:lstStyle/>
+              <a:p>
+                <a:r>
+                  <a:rPr lang="en-US" sz="2800" dirty="0">
+                    <a:solidFill>
+                      <a:srgbClr val="7030A0"/>
+                    </a:solidFill>
+                  </a:rPr>
+                  <a:t>minimize                     </a:t>
+                </a:r>
+                <a14:m>
+                  <m:oMath xmlns:m="http://schemas.openxmlformats.org/officeDocument/2006/math">
+                    <m:r>
+                      <a:rPr lang="en-US" sz="2800" b="0" i="1" smtClean="0">
+                        <a:solidFill>
+                          <a:srgbClr val="7030A0"/>
+                        </a:solidFill>
+                        <a:latin typeface="Cambria Math" panose="02040503050406030204" pitchFamily="18" charset="0"/>
+                      </a:rPr>
+                      <m:t>𝑀</m:t>
+                    </m:r>
+                  </m:oMath>
+                </a14:m>
+                <a:endParaRPr lang="en-US" sz="2800" dirty="0">
+                  <a:solidFill>
+                    <a:srgbClr val="7030A0"/>
+                  </a:solidFill>
+                </a:endParaRPr>
+              </a:p>
+            </p:txBody>
+          </p:sp>
+        </mc:Choice>
+        <mc:Fallback>
+          <p:sp>
+            <p:nvSpPr>
+              <p:cNvPr id="5" name="文本框 4">
+                <a:extLst>
+                  <a:ext uri="{FF2B5EF4-FFF2-40B4-BE49-F238E27FC236}">
+                    <a16:creationId xmlns:a16="http://schemas.microsoft.com/office/drawing/2014/main" id="{FE349DAA-9397-2C82-81CA-FD596DAE6F5E}"/>
+                  </a:ext>
+                </a:extLst>
+              </p:cNvPr>
+              <p:cNvSpPr txBox="1">
+                <a:spLocks noRot="1" noChangeAspect="1" noMove="1" noResize="1" noEditPoints="1" noAdjustHandles="1" noChangeArrowheads="1" noChangeShapeType="1" noTextEdit="1"/>
+              </p:cNvSpPr>
+              <p:nvPr/>
+            </p:nvSpPr>
+            <p:spPr>
+              <a:xfrm>
+                <a:off x="4162428" y="2295808"/>
+                <a:ext cx="3453318" cy="523220"/>
+              </a:xfrm>
+              <a:prstGeom prst="rect">
+                <a:avLst/>
+              </a:prstGeom>
+              <a:blipFill>
+                <a:blip r:embed="rId3"/>
+                <a:stretch>
+                  <a:fillRect l="-3710" t="-12941" b="-32941"/>
+                </a:stretch>
+              </a:blipFill>
+            </p:spPr>
+            <p:txBody>
+              <a:bodyPr/>
+              <a:lstStyle/>
+              <a:p>
+                <a:r>
+                  <a:rPr lang="en-US">
+                    <a:noFill/>
+                  </a:rPr>
+                  <a:t> </a:t>
+                </a:r>
+              </a:p>
+            </p:txBody>
+          </p:sp>
+        </mc:Fallback>
+      </mc:AlternateContent>
+      <mc:AlternateContent xmlns:mc="http://schemas.openxmlformats.org/markup-compatibility/2006">
+        <mc:Choice xmlns:a14="http://schemas.microsoft.com/office/drawing/2010/main" Requires="a14">
+          <p:sp>
+            <p:nvSpPr>
+              <p:cNvPr id="6" name="文本框 5">
+                <a:extLst>
+                  <a:ext uri="{FF2B5EF4-FFF2-40B4-BE49-F238E27FC236}">
+                    <a16:creationId xmlns:a16="http://schemas.microsoft.com/office/drawing/2014/main" id="{C4F99594-B0D5-428C-A834-AF94805639A8}"/>
+                  </a:ext>
+                </a:extLst>
+              </p:cNvPr>
+              <p:cNvSpPr txBox="1"/>
+              <p:nvPr/>
+            </p:nvSpPr>
+            <p:spPr>
+              <a:xfrm>
+                <a:off x="2684460" y="2814728"/>
+                <a:ext cx="4931286" cy="523220"/>
+              </a:xfrm>
+              <a:prstGeom prst="rect">
+                <a:avLst/>
+              </a:prstGeom>
+              <a:noFill/>
+            </p:spPr>
+            <p:txBody>
+              <a:bodyPr wrap="none" rtlCol="0">
+                <a:spAutoFit/>
+              </a:bodyPr>
+              <a:lstStyle/>
+              <a:p>
+                <a:r>
+                  <a:rPr lang="en-US" sz="2800" i="1" dirty="0">
+                    <a:solidFill>
+                      <a:srgbClr val="7030A0"/>
+                    </a:solidFill>
+                  </a:rPr>
+                  <a:t>s.t.     </a:t>
+                </a:r>
+                <a:r>
+                  <a:rPr lang="en-US" sz="2800" dirty="0">
+                    <a:solidFill>
+                      <a:srgbClr val="FF0000"/>
+                    </a:solidFill>
+                  </a:rPr>
+                  <a:t>honest net utility       </a:t>
+                </a:r>
+                <a14:m>
+                  <m:oMath xmlns:m="http://schemas.openxmlformats.org/officeDocument/2006/math">
+                    <m:r>
+                      <a:rPr lang="en-US" sz="2800" b="1" i="1" smtClean="0">
+                        <a:solidFill>
+                          <a:srgbClr val="FF0000"/>
+                        </a:solidFill>
+                        <a:latin typeface="Cambria Math" panose="02040503050406030204" pitchFamily="18" charset="0"/>
+                        <a:ea typeface="Cambria Math" panose="02040503050406030204" pitchFamily="18" charset="0"/>
+                      </a:rPr>
+                      <m:t>=</m:t>
+                    </m:r>
+                    <m:r>
+                      <a:rPr lang="en-US" sz="2800" b="0" i="1" smtClean="0">
+                        <a:solidFill>
+                          <a:srgbClr val="FF0000"/>
+                        </a:solidFill>
+                        <a:latin typeface="Cambria Math" panose="02040503050406030204" pitchFamily="18" charset="0"/>
+                        <a:ea typeface="Cambria Math" panose="02040503050406030204" pitchFamily="18" charset="0"/>
+                      </a:rPr>
+                      <m:t>   </m:t>
+                    </m:r>
+                    <m:r>
+                      <a:rPr lang="en-US" sz="2800" i="1" smtClean="0">
+                        <a:solidFill>
+                          <a:srgbClr val="FF0000"/>
+                        </a:solidFill>
+                        <a:latin typeface="Cambria Math" panose="02040503050406030204" pitchFamily="18" charset="0"/>
+                        <a:ea typeface="Cambria Math" panose="02040503050406030204" pitchFamily="18" charset="0"/>
+                      </a:rPr>
+                      <m:t>𝛿</m:t>
+                    </m:r>
+                  </m:oMath>
+                </a14:m>
+                <a:endParaRPr lang="en-US" dirty="0">
+                  <a:solidFill>
+                    <a:srgbClr val="7030A0"/>
+                  </a:solidFill>
+                </a:endParaRPr>
+              </a:p>
+            </p:txBody>
+          </p:sp>
+        </mc:Choice>
+        <mc:Fallback>
+          <p:sp>
+            <p:nvSpPr>
+              <p:cNvPr id="6" name="文本框 5">
+                <a:extLst>
+                  <a:ext uri="{FF2B5EF4-FFF2-40B4-BE49-F238E27FC236}">
+                    <a16:creationId xmlns:a16="http://schemas.microsoft.com/office/drawing/2014/main" id="{C4F99594-B0D5-428C-A834-AF94805639A8}"/>
+                  </a:ext>
+                </a:extLst>
+              </p:cNvPr>
+              <p:cNvSpPr txBox="1">
+                <a:spLocks noRot="1" noChangeAspect="1" noMove="1" noResize="1" noEditPoints="1" noAdjustHandles="1" noChangeArrowheads="1" noChangeShapeType="1" noTextEdit="1"/>
+              </p:cNvSpPr>
+              <p:nvPr/>
+            </p:nvSpPr>
+            <p:spPr>
+              <a:xfrm>
+                <a:off x="2684460" y="2814728"/>
+                <a:ext cx="4931286" cy="523220"/>
+              </a:xfrm>
+              <a:prstGeom prst="rect">
+                <a:avLst/>
+              </a:prstGeom>
+              <a:blipFill>
+                <a:blip r:embed="rId4"/>
+                <a:stretch>
+                  <a:fillRect l="-2472" t="-12791" b="-31395"/>
+                </a:stretch>
+              </a:blipFill>
+            </p:spPr>
+            <p:txBody>
+              <a:bodyPr/>
+              <a:lstStyle/>
+              <a:p>
+                <a:r>
+                  <a:rPr lang="en-US">
+                    <a:noFill/>
+                  </a:rPr>
+                  <a:t> </a:t>
+                </a:r>
+              </a:p>
+            </p:txBody>
+          </p:sp>
+        </mc:Fallback>
+      </mc:AlternateContent>
+      <mc:AlternateContent xmlns:mc="http://schemas.openxmlformats.org/markup-compatibility/2006">
+        <mc:Choice xmlns:a14="http://schemas.microsoft.com/office/drawing/2010/main" Requires="a14">
+          <p:sp>
+            <p:nvSpPr>
+              <p:cNvPr id="7" name="文本框 6">
+                <a:extLst>
+                  <a:ext uri="{FF2B5EF4-FFF2-40B4-BE49-F238E27FC236}">
+                    <a16:creationId xmlns:a16="http://schemas.microsoft.com/office/drawing/2014/main" id="{89C63DCA-5DD8-2B16-5BA5-7C0E3D03383F}"/>
+                  </a:ext>
+                </a:extLst>
+              </p:cNvPr>
+              <p:cNvSpPr txBox="1"/>
+              <p:nvPr/>
+            </p:nvSpPr>
+            <p:spPr>
+              <a:xfrm>
+                <a:off x="3476984" y="3337948"/>
+                <a:ext cx="4138762" cy="523220"/>
+              </a:xfrm>
+              <a:prstGeom prst="rect">
+                <a:avLst/>
+              </a:prstGeom>
+              <a:noFill/>
+            </p:spPr>
+            <p:txBody>
+              <a:bodyPr wrap="none" rtlCol="0">
+                <a:spAutoFit/>
+              </a:bodyPr>
+              <a:lstStyle/>
+              <a:p>
+                <a:r>
+                  <a:rPr lang="en-US" sz="2800" dirty="0">
+                    <a:solidFill>
+                      <a:srgbClr val="7030A0"/>
+                    </a:solidFill>
+                  </a:rPr>
+                  <a:t>dishonest net utility </a:t>
+                </a:r>
+                <a14:m>
+                  <m:oMath xmlns:m="http://schemas.openxmlformats.org/officeDocument/2006/math">
+                    <m:r>
+                      <a:rPr lang="en-US" sz="2800" b="0" i="1" smtClean="0">
+                        <a:solidFill>
+                          <a:srgbClr val="7030A0"/>
+                        </a:solidFill>
+                        <a:latin typeface="Cambria Math" panose="02040503050406030204" pitchFamily="18" charset="0"/>
+                        <a:ea typeface="Cambria Math" panose="02040503050406030204" pitchFamily="18" charset="0"/>
+                      </a:rPr>
+                      <m:t>≤−</m:t>
+                    </m:r>
+                    <m:r>
+                      <a:rPr lang="en-US" sz="2800" i="1" smtClean="0">
+                        <a:solidFill>
+                          <a:srgbClr val="7030A0"/>
+                        </a:solidFill>
+                        <a:latin typeface="Cambria Math" panose="02040503050406030204" pitchFamily="18" charset="0"/>
+                        <a:ea typeface="Cambria Math" panose="02040503050406030204" pitchFamily="18" charset="0"/>
+                      </a:rPr>
+                      <m:t>𝛿</m:t>
+                    </m:r>
+                  </m:oMath>
+                </a14:m>
+                <a:endParaRPr lang="en-US" dirty="0">
+                  <a:solidFill>
+                    <a:srgbClr val="7030A0"/>
+                  </a:solidFill>
+                </a:endParaRPr>
+              </a:p>
+            </p:txBody>
+          </p:sp>
+        </mc:Choice>
+        <mc:Fallback>
+          <p:sp>
+            <p:nvSpPr>
+              <p:cNvPr id="7" name="文本框 6">
+                <a:extLst>
+                  <a:ext uri="{FF2B5EF4-FFF2-40B4-BE49-F238E27FC236}">
+                    <a16:creationId xmlns:a16="http://schemas.microsoft.com/office/drawing/2014/main" id="{89C63DCA-5DD8-2B16-5BA5-7C0E3D03383F}"/>
+                  </a:ext>
+                </a:extLst>
+              </p:cNvPr>
+              <p:cNvSpPr txBox="1">
+                <a:spLocks noRot="1" noChangeAspect="1" noMove="1" noResize="1" noEditPoints="1" noAdjustHandles="1" noChangeArrowheads="1" noChangeShapeType="1" noTextEdit="1"/>
+              </p:cNvSpPr>
+              <p:nvPr/>
+            </p:nvSpPr>
+            <p:spPr>
+              <a:xfrm>
+                <a:off x="3476984" y="3337948"/>
+                <a:ext cx="4138762" cy="523220"/>
+              </a:xfrm>
+              <a:prstGeom prst="rect">
+                <a:avLst/>
+              </a:prstGeom>
+              <a:blipFill>
+                <a:blip r:embed="rId5"/>
+                <a:stretch>
+                  <a:fillRect l="-2946" t="-12941" b="-32941"/>
+                </a:stretch>
+              </a:blipFill>
+            </p:spPr>
+            <p:txBody>
+              <a:bodyPr/>
+              <a:lstStyle/>
+              <a:p>
+                <a:r>
+                  <a:rPr lang="en-US">
+                    <a:noFill/>
+                  </a:rPr>
+                  <a:t> </a:t>
+                </a:r>
+              </a:p>
+            </p:txBody>
+          </p:sp>
+        </mc:Fallback>
+      </mc:AlternateContent>
+      <mc:AlternateContent xmlns:mc="http://schemas.openxmlformats.org/markup-compatibility/2006">
+        <mc:Choice xmlns:a14="http://schemas.microsoft.com/office/drawing/2010/main" Requires="a14">
+          <p:sp>
+            <p:nvSpPr>
+              <p:cNvPr id="8" name="文本框 7">
+                <a:extLst>
+                  <a:ext uri="{FF2B5EF4-FFF2-40B4-BE49-F238E27FC236}">
+                    <a16:creationId xmlns:a16="http://schemas.microsoft.com/office/drawing/2014/main" id="{D5B7FAAD-23E4-A5B5-11C1-D95B71C34270}"/>
+                  </a:ext>
+                </a:extLst>
+              </p:cNvPr>
+              <p:cNvSpPr txBox="1"/>
+              <p:nvPr/>
+            </p:nvSpPr>
+            <p:spPr>
+              <a:xfrm>
+                <a:off x="4721556" y="3861168"/>
+                <a:ext cx="2894190" cy="523220"/>
+              </a:xfrm>
+              <a:prstGeom prst="rect">
+                <a:avLst/>
+              </a:prstGeom>
+              <a:noFill/>
+            </p:spPr>
+            <p:txBody>
+              <a:bodyPr wrap="none" rtlCol="0">
+                <a:spAutoFit/>
+              </a:bodyPr>
+              <a:lstStyle/>
+              <a:p>
+                <a14:m>
+                  <m:oMath xmlns:m="http://schemas.openxmlformats.org/officeDocument/2006/math">
+                    <m:r>
+                      <a:rPr lang="en-US" sz="2800" b="0" i="1" smtClean="0">
+                        <a:solidFill>
+                          <a:srgbClr val="7030A0"/>
+                        </a:solidFill>
+                        <a:latin typeface="Cambria Math" panose="02040503050406030204" pitchFamily="18" charset="0"/>
+                        <a:ea typeface="Cambria Math" panose="02040503050406030204" pitchFamily="18" charset="0"/>
+                      </a:rPr>
+                      <m:t>|</m:t>
+                    </m:r>
+                    <m:r>
+                      <a:rPr lang="en-US" sz="2800" b="0" i="1" smtClean="0">
+                        <a:solidFill>
+                          <a:srgbClr val="7030A0"/>
+                        </a:solidFill>
+                        <a:latin typeface="Cambria Math" panose="02040503050406030204" pitchFamily="18" charset="0"/>
+                        <a:ea typeface="Cambria Math" panose="02040503050406030204" pitchFamily="18" charset="0"/>
+                      </a:rPr>
+                      <m:t>𝑇</m:t>
+                    </m:r>
+                    <m:r>
+                      <a:rPr lang="en-US" sz="2800" b="0" i="1" smtClean="0">
+                        <a:solidFill>
+                          <a:srgbClr val="7030A0"/>
+                        </a:solidFill>
+                        <a:latin typeface="Cambria Math" panose="02040503050406030204" pitchFamily="18" charset="0"/>
+                        <a:ea typeface="Cambria Math" panose="02040503050406030204" pitchFamily="18" charset="0"/>
+                      </a:rPr>
+                      <m:t>|</m:t>
+                    </m:r>
+                  </m:oMath>
+                </a14:m>
+                <a:r>
+                  <a:rPr lang="en-US" sz="2800" b="0" dirty="0">
+                    <a:solidFill>
+                      <a:srgbClr val="7030A0"/>
+                    </a:solidFill>
+                    <a:ea typeface="Cambria Math" panose="02040503050406030204" pitchFamily="18" charset="0"/>
+                  </a:rPr>
+                  <a:t>                   </a:t>
+                </a:r>
+                <a14:m>
+                  <m:oMath xmlns:m="http://schemas.openxmlformats.org/officeDocument/2006/math">
+                    <m:r>
+                      <a:rPr lang="en-US" sz="2800" b="0" i="1" smtClean="0">
+                        <a:solidFill>
+                          <a:srgbClr val="7030A0"/>
+                        </a:solidFill>
+                        <a:latin typeface="Cambria Math" panose="02040503050406030204" pitchFamily="18" charset="0"/>
+                        <a:ea typeface="Cambria Math" panose="02040503050406030204" pitchFamily="18" charset="0"/>
+                      </a:rPr>
+                      <m:t>≤  </m:t>
+                    </m:r>
+                    <m:r>
+                      <a:rPr lang="en-US" sz="2800" b="0" i="1" smtClean="0">
+                        <a:solidFill>
+                          <a:srgbClr val="7030A0"/>
+                        </a:solidFill>
+                        <a:latin typeface="Cambria Math" panose="02040503050406030204" pitchFamily="18" charset="0"/>
+                        <a:ea typeface="Cambria Math" panose="02040503050406030204" pitchFamily="18" charset="0"/>
+                      </a:rPr>
+                      <m:t>𝑀</m:t>
+                    </m:r>
+                  </m:oMath>
+                </a14:m>
+                <a:endParaRPr lang="en-US" dirty="0">
+                  <a:solidFill>
+                    <a:srgbClr val="7030A0"/>
+                  </a:solidFill>
+                </a:endParaRPr>
+              </a:p>
+            </p:txBody>
+          </p:sp>
+        </mc:Choice>
+        <mc:Fallback>
+          <p:sp>
+            <p:nvSpPr>
+              <p:cNvPr id="8" name="文本框 7">
+                <a:extLst>
+                  <a:ext uri="{FF2B5EF4-FFF2-40B4-BE49-F238E27FC236}">
+                    <a16:creationId xmlns:a16="http://schemas.microsoft.com/office/drawing/2014/main" id="{D5B7FAAD-23E4-A5B5-11C1-D95B71C34270}"/>
+                  </a:ext>
+                </a:extLst>
+              </p:cNvPr>
+              <p:cNvSpPr txBox="1">
+                <a:spLocks noRot="1" noChangeAspect="1" noMove="1" noResize="1" noEditPoints="1" noAdjustHandles="1" noChangeArrowheads="1" noChangeShapeType="1" noTextEdit="1"/>
+              </p:cNvSpPr>
+              <p:nvPr/>
+            </p:nvSpPr>
+            <p:spPr>
+              <a:xfrm>
+                <a:off x="4721556" y="3861168"/>
+                <a:ext cx="2894190" cy="523220"/>
+              </a:xfrm>
+              <a:prstGeom prst="rect">
+                <a:avLst/>
+              </a:prstGeom>
+              <a:blipFill>
+                <a:blip r:embed="rId6"/>
+                <a:stretch>
+                  <a:fillRect/>
+                </a:stretch>
+              </a:blipFill>
+            </p:spPr>
+            <p:txBody>
+              <a:bodyPr/>
+              <a:lstStyle/>
+              <a:p>
+                <a:r>
+                  <a:rPr lang="en-US">
+                    <a:noFill/>
+                  </a:rPr>
+                  <a:t> </a:t>
+                </a:r>
+              </a:p>
+            </p:txBody>
+          </p:sp>
+        </mc:Fallback>
+      </mc:AlternateContent>
+    </p:spTree>
+    <p:extLst>
+      <p:ext uri="{BB962C8B-B14F-4D97-AF65-F5344CB8AC3E}">
+        <p14:creationId xmlns:p14="http://schemas.microsoft.com/office/powerpoint/2010/main" val="2855947285"/>
       </p:ext>
     </p:extLst>
   </p:cSld>
@@ -12493,7 +14091,11 @@
                                           </p:stCondLst>
                                         </p:cTn>
                                         <p:tgtEl>
-                                          <p:spTgt spid="4"/>
+                                          <p:spTgt spid="3">
+                                            <p:txEl>
+                                              <p:pRg st="0" end="0"/>
+                                            </p:txEl>
+                                          </p:spTgt>
                                         </p:tgtEl>
                                         <p:attrNameLst>
                                           <p:attrName>style.visibility</p:attrName>
@@ -12551,26 +14153,35 @@
                                   </p:childTnLst>
                                 </p:cTn>
                               </p:par>
-                            </p:childTnLst>
-                          </p:cTn>
-                        </p:par>
-                      </p:childTnLst>
-                    </p:cTn>
-                  </p:par>
-                  <p:par>
-                    <p:cTn id="11" fill="hold">
-                      <p:stCondLst>
-                        <p:cond delay="indefinite"/>
-                      </p:stCondLst>
-                      <p:childTnLst>
-                        <p:par>
-                          <p:cTn id="12" fill="hold">
-                            <p:stCondLst>
-                              <p:cond delay="0"/>
-                            </p:stCondLst>
-                            <p:childTnLst>
                               <p:par>
-                                <p:cTn id="13" presetID="1" presetClass="entr" presetSubtype="0" fill="hold" grpId="0" nodeType="clickEffect">
+                                <p:cTn id="11" presetID="1" presetClass="entr" presetSubtype="0" fill="hold" grpId="0" nodeType="withEffect">
+                                  <p:stCondLst>
+                                    <p:cond delay="0"/>
+                                  </p:stCondLst>
+                                  <p:childTnLst>
+                                    <p:set>
+                                      <p:cBhvr>
+                                        <p:cTn id="12" dur="1" fill="hold">
+                                          <p:stCondLst>
+                                            <p:cond delay="0"/>
+                                          </p:stCondLst>
+                                        </p:cTn>
+                                        <p:tgtEl>
+                                          <p:spTgt spid="6"/>
+                                        </p:tgtEl>
+                                        <p:attrNameLst>
+                                          <p:attrName>style.visibility</p:attrName>
+                                        </p:attrNameLst>
+                                      </p:cBhvr>
+                                      <p:to>
+                                        <p:strVal val="visible"/>
+                                      </p:to>
+                                    </p:set>
+                                  </p:childTnLst>
+                                </p:cTn>
+                              </p:par>
+                              <p:par>
+                                <p:cTn id="13" presetID="1" presetClass="entr" presetSubtype="0" fill="hold" grpId="0" nodeType="withEffect">
                                   <p:stCondLst>
                                     <p:cond delay="0"/>
                                   </p:stCondLst>
@@ -12583,7 +14194,34 @@
                                           </p:stCondLst>
                                         </p:cTn>
                                         <p:tgtEl>
-                                          <p:spTgt spid="6"/>
+                                          <p:spTgt spid="7"/>
+                                        </p:tgtEl>
+                                        <p:attrNameLst>
+                                          <p:attrName>style.visibility</p:attrName>
+                                        </p:attrNameLst>
+                                      </p:cBhvr>
+                                      <p:to>
+                                        <p:strVal val="visible"/>
+                                      </p:to>
+                                    </p:set>
+                                  </p:childTnLst>
+                                </p:cTn>
+                              </p:par>
+                              <p:par>
+                                <p:cTn id="15" presetID="1" presetClass="entr" presetSubtype="0" fill="hold" grpId="0" nodeType="withEffect">
+                                  <p:stCondLst>
+                                    <p:cond delay="0"/>
+                                  </p:stCondLst>
+                                  <p:childTnLst>
+                                    <p:set>
+                                      <p:cBhvr>
+                                        <p:cTn id="16" dur="1" fill="hold">
+                                          <p:stCondLst>
+                                            <p:cond delay="0"/>
+                                          </p:stCondLst>
+                                        </p:cTn>
+                                        <p:tgtEl>
+                                          <p:spTgt spid="8"/>
                                         </p:tgtEl>
                                         <p:attrNameLst>
                                           <p:attrName>style.visibility</p:attrName>
@@ -12603,32 +14241,134 @@
                     </p:cTn>
                   </p:par>
                   <p:par>
-                    <p:cTn id="15" fill="hold">
+                    <p:cTn id="17" fill="hold">
                       <p:stCondLst>
                         <p:cond delay="indefinite"/>
                       </p:stCondLst>
                       <p:childTnLst>
                         <p:par>
-                          <p:cTn id="16" fill="hold">
+                          <p:cTn id="18" fill="hold">
                             <p:stCondLst>
                               <p:cond delay="0"/>
                             </p:stCondLst>
                             <p:childTnLst>
                               <p:par>
-                                <p:cTn id="17" presetID="1" presetClass="entr" presetSubtype="0" fill="hold" grpId="0" nodeType="clickEffect">
+                                <p:cTn id="19" presetID="1" presetClass="entr" presetSubtype="0" fill="hold" grpId="0" nodeType="clickEffect">
                                   <p:stCondLst>
                                     <p:cond delay="0"/>
                                   </p:stCondLst>
                                   <p:childTnLst>
                                     <p:set>
                                       <p:cBhvr>
-                                        <p:cTn id="18" dur="1" fill="hold">
+                                        <p:cTn id="20" dur="1" fill="hold">
                                           <p:stCondLst>
                                             <p:cond delay="0"/>
                                           </p:stCondLst>
                                         </p:cTn>
                                         <p:tgtEl>
-                                          <p:spTgt spid="7"/>
+                                          <p:spTgt spid="3">
+                                            <p:txEl>
+                                              <p:pRg st="6" end="6"/>
+                                            </p:txEl>
+                                          </p:spTgt>
+                                        </p:tgtEl>
+                                        <p:attrNameLst>
+                                          <p:attrName>style.visibility</p:attrName>
+                                        </p:attrNameLst>
+                                      </p:cBhvr>
+                                      <p:to>
+                                        <p:strVal val="visible"/>
+                                      </p:to>
+                                    </p:set>
+                                  </p:childTnLst>
+                                </p:cTn>
+                              </p:par>
+                            </p:childTnLst>
+                          </p:cTn>
+                        </p:par>
+                      </p:childTnLst>
+                    </p:cTn>
+                  </p:par>
+                  <p:par>
+                    <p:cTn id="21" fill="hold">
+                      <p:stCondLst>
+                        <p:cond delay="indefinite"/>
+                      </p:stCondLst>
+                      <p:childTnLst>
+                        <p:par>
+                          <p:cTn id="22" fill="hold">
+                            <p:stCondLst>
+                              <p:cond delay="0"/>
+                            </p:stCondLst>
+                            <p:childTnLst>
+                              <p:par>
+                                <p:cTn id="23" presetID="1" presetClass="entr" presetSubtype="0" fill="hold" grpId="0" nodeType="clickEffect">
+                                  <p:stCondLst>
+                                    <p:cond delay="0"/>
+                                  </p:stCondLst>
+                                  <p:childTnLst>
+                                    <p:set>
+                                      <p:cBhvr>
+                                        <p:cTn id="24" dur="1" fill="hold">
+                                          <p:stCondLst>
+                                            <p:cond delay="0"/>
+                                          </p:stCondLst>
+                                        </p:cTn>
+                                        <p:tgtEl>
+                                          <p:spTgt spid="3">
+                                            <p:txEl>
+                                              <p:pRg st="7" end="7"/>
+                                            </p:txEl>
+                                          </p:spTgt>
+                                        </p:tgtEl>
+                                        <p:attrNameLst>
+                                          <p:attrName>style.visibility</p:attrName>
+                                        </p:attrNameLst>
+                                      </p:cBhvr>
+                                      <p:to>
+                                        <p:strVal val="visible"/>
+                                      </p:to>
+                                    </p:set>
+                                  </p:childTnLst>
+                                </p:cTn>
+                              </p:par>
+                            </p:childTnLst>
+                          </p:cTn>
+                        </p:par>
+                      </p:childTnLst>
+                    </p:cTn>
+                  </p:par>
+                  <p:par>
+                    <p:cTn id="25" fill="hold">
+                      <p:stCondLst>
+                        <p:cond delay="indefinite"/>
+                      </p:stCondLst>
+                      <p:childTnLst>
+                        <p:par>
+                          <p:cTn id="26" fill="hold">
+                            <p:stCondLst>
+                              <p:cond delay="0"/>
+                            </p:stCondLst>
+                            <p:childTnLst>
+                              <p:par>
+                                <p:cTn id="27" presetID="1" presetClass="entr" presetSubtype="0" fill="hold" grpId="0" nodeType="clickEffect">
+                                  <p:stCondLst>
+                                    <p:cond delay="0"/>
+                                  </p:stCondLst>
+                                  <p:childTnLst>
+                                    <p:set>
+                                      <p:cBhvr>
+                                        <p:cTn id="28" dur="1" fill="hold">
+                                          <p:stCondLst>
+                                            <p:cond delay="0"/>
+                                          </p:stCondLst>
+                                        </p:cTn>
+                                        <p:tgtEl>
+                                          <p:spTgt spid="3">
+                                            <p:txEl>
+                                              <p:pRg st="8" end="8"/>
+                                            </p:txEl>
+                                          </p:spTgt>
                                         </p:tgtEl>
                                         <p:attrNameLst>
                                           <p:attrName>style.visibility</p:attrName>
@@ -12669,16 +14409,940 @@
       </p:par>
     </p:tnLst>
     <p:bldLst>
-      <p:bldP spid="4" grpId="0"/>
+      <p:bldP spid="3" grpId="0" build="p"/>
       <p:bldP spid="5" grpId="0"/>
       <p:bldP spid="6" grpId="0"/>
       <p:bldP spid="7" grpId="0"/>
+      <p:bldP spid="8" grpId="0"/>
     </p:bldLst>
   </p:timing>
 </p:sld>
 </file>
 
 <file path=ppt/slides/slide19.xml><?xml version="1.0" encoding="utf-8"?>
+<p:sld xmlns:a="http://schemas.openxmlformats.org/drawingml/2006/main" xmlns:r="http://schemas.openxmlformats.org/officeDocument/2006/relationships" xmlns:p="http://schemas.openxmlformats.org/presentationml/2006/main">
+  <p:cSld>
+    <p:spTree>
+      <p:nvGrpSpPr>
+        <p:cNvPr id="1" name=""/>
+        <p:cNvGrpSpPr/>
+        <p:nvPr/>
+      </p:nvGrpSpPr>
+      <p:grpSpPr>
+        <a:xfrm>
+          <a:off x="0" y="0"/>
+          <a:ext cx="0" cy="0"/>
+          <a:chOff x="0" y="0"/>
+          <a:chExt cx="0" cy="0"/>
+        </a:xfrm>
+      </p:grpSpPr>
+      <p:sp>
+        <p:nvSpPr>
+          <p:cNvPr id="2" name="标题 1">
+            <a:extLst>
+              <a:ext uri="{FF2B5EF4-FFF2-40B4-BE49-F238E27FC236}">
+                <a16:creationId xmlns:a16="http://schemas.microsoft.com/office/drawing/2014/main" id="{92FC278D-93D7-51BA-5F9A-F1821A73378C}"/>
+              </a:ext>
+            </a:extLst>
+          </p:cNvPr>
+          <p:cNvSpPr>
+            <a:spLocks noGrp="1"/>
+          </p:cNvSpPr>
+          <p:nvPr>
+            <p:ph type="title"/>
+          </p:nvPr>
+        </p:nvSpPr>
+        <p:spPr/>
+        <p:txBody>
+          <a:bodyPr/>
+          <a:lstStyle/>
+          <a:p>
+            <a:r>
+              <a:rPr lang="en-US" dirty="0"/>
+              <a:t>Conclusion: Our Contribution</a:t>
+            </a:r>
+          </a:p>
+        </p:txBody>
+      </p:sp>
+      <p:sp>
+        <p:nvSpPr>
+          <p:cNvPr id="3" name="内容占位符 2">
+            <a:extLst>
+              <a:ext uri="{FF2B5EF4-FFF2-40B4-BE49-F238E27FC236}">
+                <a16:creationId xmlns:a16="http://schemas.microsoft.com/office/drawing/2014/main" id="{150AF352-0453-FE8F-5415-B24D79285EAE}"/>
+              </a:ext>
+            </a:extLst>
+          </p:cNvPr>
+          <p:cNvSpPr>
+            <a:spLocks noGrp="1"/>
+          </p:cNvSpPr>
+          <p:nvPr>
+            <p:ph idx="1"/>
+          </p:nvPr>
+        </p:nvSpPr>
+        <p:spPr/>
+        <p:txBody>
+          <a:bodyPr/>
+          <a:lstStyle/>
+          <a:p>
+            <a:r>
+              <a:rPr lang="en-US" dirty="0"/>
+              <a:t>Theoretical formulation of </a:t>
+            </a:r>
+            <a:r>
+              <a:rPr lang="en-US" i="1" dirty="0"/>
+              <a:t>decentralized verification games (DVG)</a:t>
+            </a:r>
+            <a:r>
+              <a:rPr lang="en-US" dirty="0"/>
+              <a:t>.</a:t>
+            </a:r>
+          </a:p>
+          <a:p>
+            <a:endParaRPr lang="en-US" dirty="0"/>
+          </a:p>
+          <a:p>
+            <a:r>
+              <a:rPr lang="en-US" dirty="0"/>
+              <a:t>Proposal of peer prediction for DVG. </a:t>
+            </a:r>
+          </a:p>
+          <a:p>
+            <a:pPr lvl="1"/>
+            <a:r>
+              <a:rPr lang="en-US" dirty="0"/>
+              <a:t>Replacing simple majority vote with theoretical incentive guarantees.</a:t>
+            </a:r>
+          </a:p>
+          <a:p>
+            <a:pPr lvl="1"/>
+            <a:endParaRPr lang="en-US" dirty="0"/>
+          </a:p>
+          <a:p>
+            <a:r>
+              <a:rPr lang="en-US" dirty="0"/>
+              <a:t>Robust peer prediction resilient </a:t>
+            </a:r>
+            <a:r>
+              <a:rPr lang="en-US"/>
+              <a:t>to malicious (Byzantine) players w/ budget control.</a:t>
+            </a:r>
+            <a:endParaRPr lang="en-US" dirty="0"/>
+          </a:p>
+        </p:txBody>
+      </p:sp>
+      <p:sp>
+        <p:nvSpPr>
+          <p:cNvPr id="4" name="灯片编号占位符 3">
+            <a:extLst>
+              <a:ext uri="{FF2B5EF4-FFF2-40B4-BE49-F238E27FC236}">
+                <a16:creationId xmlns:a16="http://schemas.microsoft.com/office/drawing/2014/main" id="{4C46E967-697A-2291-CE8C-6808ED85D775}"/>
+              </a:ext>
+            </a:extLst>
+          </p:cNvPr>
+          <p:cNvSpPr>
+            <a:spLocks noGrp="1"/>
+          </p:cNvSpPr>
+          <p:nvPr>
+            <p:ph type="sldNum" sz="quarter" idx="12"/>
+          </p:nvPr>
+        </p:nvSpPr>
+        <p:spPr/>
+        <p:txBody>
+          <a:bodyPr/>
+          <a:lstStyle/>
+          <a:p>
+            <a:fld id="{3F9DB605-36F8-4880-A1BE-3C72DF21D035}" type="slidenum">
+              <a:rPr lang="en-US" smtClean="0"/>
+              <a:t>19</a:t>
+            </a:fld>
+            <a:endParaRPr lang="en-US"/>
+          </a:p>
+        </p:txBody>
+      </p:sp>
+    </p:spTree>
+    <p:extLst>
+      <p:ext uri="{BB962C8B-B14F-4D97-AF65-F5344CB8AC3E}">
+        <p14:creationId xmlns:p14="http://schemas.microsoft.com/office/powerpoint/2010/main" val="3558755620"/>
+      </p:ext>
+    </p:extLst>
+  </p:cSld>
+  <p:clrMapOvr>
+    <a:masterClrMapping/>
+  </p:clrMapOvr>
+  <p:timing>
+    <p:tnLst>
+      <p:par>
+        <p:cTn id="1" dur="indefinite" restart="never" nodeType="tmRoot">
+          <p:childTnLst>
+            <p:seq concurrent="1" nextAc="seek">
+              <p:cTn id="2" dur="indefinite" nodeType="mainSeq">
+                <p:childTnLst>
+                  <p:par>
+                    <p:cTn id="3" fill="hold">
+                      <p:stCondLst>
+                        <p:cond delay="indefinite"/>
+                      </p:stCondLst>
+                      <p:childTnLst>
+                        <p:par>
+                          <p:cTn id="4" fill="hold">
+                            <p:stCondLst>
+                              <p:cond delay="0"/>
+                            </p:stCondLst>
+                            <p:childTnLst>
+                              <p:par>
+                                <p:cTn id="5" presetID="1" presetClass="entr" presetSubtype="0" fill="hold" nodeType="clickEffect">
+                                  <p:stCondLst>
+                                    <p:cond delay="0"/>
+                                  </p:stCondLst>
+                                  <p:childTnLst>
+                                    <p:set>
+                                      <p:cBhvr>
+                                        <p:cTn id="6" dur="1" fill="hold">
+                                          <p:stCondLst>
+                                            <p:cond delay="0"/>
+                                          </p:stCondLst>
+                                        </p:cTn>
+                                        <p:tgtEl>
+                                          <p:spTgt spid="3">
+                                            <p:txEl>
+                                              <p:pRg st="0" end="0"/>
+                                            </p:txEl>
+                                          </p:spTgt>
+                                        </p:tgtEl>
+                                        <p:attrNameLst>
+                                          <p:attrName>style.visibility</p:attrName>
+                                        </p:attrNameLst>
+                                      </p:cBhvr>
+                                      <p:to>
+                                        <p:strVal val="visible"/>
+                                      </p:to>
+                                    </p:set>
+                                  </p:childTnLst>
+                                </p:cTn>
+                              </p:par>
+                            </p:childTnLst>
+                          </p:cTn>
+                        </p:par>
+                      </p:childTnLst>
+                    </p:cTn>
+                  </p:par>
+                  <p:par>
+                    <p:cTn id="7" fill="hold">
+                      <p:stCondLst>
+                        <p:cond delay="indefinite"/>
+                      </p:stCondLst>
+                      <p:childTnLst>
+                        <p:par>
+                          <p:cTn id="8" fill="hold">
+                            <p:stCondLst>
+                              <p:cond delay="0"/>
+                            </p:stCondLst>
+                            <p:childTnLst>
+                              <p:par>
+                                <p:cTn id="9" presetID="1" presetClass="entr" presetSubtype="0" fill="hold" nodeType="clickEffect">
+                                  <p:stCondLst>
+                                    <p:cond delay="0"/>
+                                  </p:stCondLst>
+                                  <p:childTnLst>
+                                    <p:set>
+                                      <p:cBhvr>
+                                        <p:cTn id="10" dur="1" fill="hold">
+                                          <p:stCondLst>
+                                            <p:cond delay="0"/>
+                                          </p:stCondLst>
+                                        </p:cTn>
+                                        <p:tgtEl>
+                                          <p:spTgt spid="3">
+                                            <p:txEl>
+                                              <p:pRg st="2" end="2"/>
+                                            </p:txEl>
+                                          </p:spTgt>
+                                        </p:tgtEl>
+                                        <p:attrNameLst>
+                                          <p:attrName>style.visibility</p:attrName>
+                                        </p:attrNameLst>
+                                      </p:cBhvr>
+                                      <p:to>
+                                        <p:strVal val="visible"/>
+                                      </p:to>
+                                    </p:set>
+                                  </p:childTnLst>
+                                </p:cTn>
+                              </p:par>
+                              <p:par>
+                                <p:cTn id="11" presetID="1" presetClass="entr" presetSubtype="0" fill="hold" nodeType="withEffect">
+                                  <p:stCondLst>
+                                    <p:cond delay="0"/>
+                                  </p:stCondLst>
+                                  <p:childTnLst>
+                                    <p:set>
+                                      <p:cBhvr>
+                                        <p:cTn id="12" dur="1" fill="hold">
+                                          <p:stCondLst>
+                                            <p:cond delay="0"/>
+                                          </p:stCondLst>
+                                        </p:cTn>
+                                        <p:tgtEl>
+                                          <p:spTgt spid="3">
+                                            <p:txEl>
+                                              <p:pRg st="3" end="3"/>
+                                            </p:txEl>
+                                          </p:spTgt>
+                                        </p:tgtEl>
+                                        <p:attrNameLst>
+                                          <p:attrName>style.visibility</p:attrName>
+                                        </p:attrNameLst>
+                                      </p:cBhvr>
+                                      <p:to>
+                                        <p:strVal val="visible"/>
+                                      </p:to>
+                                    </p:set>
+                                  </p:childTnLst>
+                                </p:cTn>
+                              </p:par>
+                            </p:childTnLst>
+                          </p:cTn>
+                        </p:par>
+                      </p:childTnLst>
+                    </p:cTn>
+                  </p:par>
+                  <p:par>
+                    <p:cTn id="13" fill="hold">
+                      <p:stCondLst>
+                        <p:cond delay="indefinite"/>
+                      </p:stCondLst>
+                      <p:childTnLst>
+                        <p:par>
+                          <p:cTn id="14" fill="hold">
+                            <p:stCondLst>
+                              <p:cond delay="0"/>
+                            </p:stCondLst>
+                            <p:childTnLst>
+                              <p:par>
+                                <p:cTn id="15" presetID="1" presetClass="entr" presetSubtype="0" fill="hold" nodeType="clickEffect">
+                                  <p:stCondLst>
+                                    <p:cond delay="0"/>
+                                  </p:stCondLst>
+                                  <p:childTnLst>
+                                    <p:set>
+                                      <p:cBhvr>
+                                        <p:cTn id="16" dur="1" fill="hold">
+                                          <p:stCondLst>
+                                            <p:cond delay="0"/>
+                                          </p:stCondLst>
+                                        </p:cTn>
+                                        <p:tgtEl>
+                                          <p:spTgt spid="3">
+                                            <p:txEl>
+                                              <p:pRg st="5" end="5"/>
+                                            </p:txEl>
+                                          </p:spTgt>
+                                        </p:tgtEl>
+                                        <p:attrNameLst>
+                                          <p:attrName>style.visibility</p:attrName>
+                                        </p:attrNameLst>
+                                      </p:cBhvr>
+                                      <p:to>
+                                        <p:strVal val="visible"/>
+                                      </p:to>
+                                    </p:set>
+                                  </p:childTnLst>
+                                </p:cTn>
+                              </p:par>
+                            </p:childTnLst>
+                          </p:cTn>
+                        </p:par>
+                      </p:childTnLst>
+                    </p:cTn>
+                  </p:par>
+                </p:childTnLst>
+              </p:cTn>
+              <p:prevCondLst>
+                <p:cond evt="onPrev" delay="0">
+                  <p:tgtEl>
+                    <p:sldTgt/>
+                  </p:tgtEl>
+                </p:cond>
+              </p:prevCondLst>
+              <p:nextCondLst>
+                <p:cond evt="onNext" delay="0">
+                  <p:tgtEl>
+                    <p:sldTgt/>
+                  </p:tgtEl>
+                </p:cond>
+              </p:nextCondLst>
+            </p:seq>
+          </p:childTnLst>
+        </p:cTn>
+      </p:par>
+    </p:tnLst>
+  </p:timing>
+</p:sld>
+</file>
+
+<file path=ppt/slides/slide2.xml><?xml version="1.0" encoding="utf-8"?>
+<p:sld xmlns:a="http://schemas.openxmlformats.org/drawingml/2006/main" xmlns:r="http://schemas.openxmlformats.org/officeDocument/2006/relationships" xmlns:p="http://schemas.openxmlformats.org/presentationml/2006/main">
+  <p:cSld>
+    <p:spTree>
+      <p:nvGrpSpPr>
+        <p:cNvPr id="1" name=""/>
+        <p:cNvGrpSpPr/>
+        <p:nvPr/>
+      </p:nvGrpSpPr>
+      <p:grpSpPr>
+        <a:xfrm>
+          <a:off x="0" y="0"/>
+          <a:ext cx="0" cy="0"/>
+          <a:chOff x="0" y="0"/>
+          <a:chExt cx="0" cy="0"/>
+        </a:xfrm>
+      </p:grpSpPr>
+      <p:sp>
+        <p:nvSpPr>
+          <p:cNvPr id="2" name="Title 1">
+            <a:extLst>
+              <a:ext uri="{FF2B5EF4-FFF2-40B4-BE49-F238E27FC236}">
+                <a16:creationId xmlns:a16="http://schemas.microsoft.com/office/drawing/2014/main" id="{4C54A970-74CA-91EC-2309-35080974F48E}"/>
+              </a:ext>
+            </a:extLst>
+          </p:cNvPr>
+          <p:cNvSpPr>
+            <a:spLocks noGrp="1"/>
+          </p:cNvSpPr>
+          <p:nvPr>
+            <p:ph type="title"/>
+          </p:nvPr>
+        </p:nvSpPr>
+        <p:spPr/>
+        <p:txBody>
+          <a:bodyPr/>
+          <a:lstStyle/>
+          <a:p>
+            <a:r>
+              <a:rPr lang="en-US" dirty="0"/>
+              <a:t>AI Safety: A Critical Concern in AGI Age</a:t>
+            </a:r>
+          </a:p>
+        </p:txBody>
+      </p:sp>
+      <p:sp>
+        <p:nvSpPr>
+          <p:cNvPr id="3" name="Content Placeholder 2">
+            <a:extLst>
+              <a:ext uri="{FF2B5EF4-FFF2-40B4-BE49-F238E27FC236}">
+                <a16:creationId xmlns:a16="http://schemas.microsoft.com/office/drawing/2014/main" id="{5A2FCFF9-A74F-0C2F-5ED8-E1FC577931A6}"/>
+              </a:ext>
+            </a:extLst>
+          </p:cNvPr>
+          <p:cNvSpPr>
+            <a:spLocks noGrp="1"/>
+          </p:cNvSpPr>
+          <p:nvPr>
+            <p:ph idx="1"/>
+          </p:nvPr>
+        </p:nvSpPr>
+        <p:spPr>
+          <a:xfrm>
+            <a:off x="838200" y="1690688"/>
+            <a:ext cx="10515600" cy="4351338"/>
+          </a:xfrm>
+        </p:spPr>
+        <p:txBody>
+          <a:bodyPr/>
+          <a:lstStyle/>
+          <a:p>
+            <a:r>
+              <a:rPr lang="en-US" dirty="0"/>
+              <a:t>ChatGPT: herald of AGI age.</a:t>
+            </a:r>
+          </a:p>
+          <a:p>
+            <a:r>
+              <a:rPr lang="en-US" dirty="0"/>
+              <a:t>AI safety: the stronger AI becomes, </a:t>
+            </a:r>
+            <a:br>
+              <a:rPr lang="en-US" dirty="0"/>
+            </a:br>
+            <a:r>
+              <a:rPr lang="en-US" dirty="0"/>
+              <a:t>the higher risk it might do evil.</a:t>
+            </a:r>
+          </a:p>
+          <a:p>
+            <a:r>
+              <a:rPr lang="en-US" altLang="zh-CN" dirty="0"/>
+              <a:t>AI </a:t>
+            </a:r>
+            <a:r>
+              <a:rPr lang="en-US" altLang="zh-CN" dirty="0">
+                <a:solidFill>
+                  <a:srgbClr val="3333FF"/>
+                </a:solidFill>
+              </a:rPr>
+              <a:t>alignment</a:t>
+            </a:r>
+            <a:r>
+              <a:rPr lang="en-US" altLang="zh-CN" dirty="0"/>
+              <a:t>: make sure that AI’s</a:t>
+            </a:r>
+            <a:br>
+              <a:rPr lang="en-US" altLang="zh-CN" dirty="0"/>
+            </a:br>
+            <a:r>
+              <a:rPr lang="en-US" altLang="zh-CN" dirty="0"/>
+              <a:t>behavior aligns with human interest.</a:t>
+            </a:r>
+            <a:endParaRPr lang="en-US" dirty="0"/>
+          </a:p>
+        </p:txBody>
+      </p:sp>
+      <p:pic>
+        <p:nvPicPr>
+          <p:cNvPr id="5" name="Picture 4" descr="A group of robots running&#10;&#10;Description automatically generated">
+            <a:extLst>
+              <a:ext uri="{FF2B5EF4-FFF2-40B4-BE49-F238E27FC236}">
+                <a16:creationId xmlns:a16="http://schemas.microsoft.com/office/drawing/2014/main" id="{BC73102A-8838-AC25-AA8A-10053ED26D4B}"/>
+              </a:ext>
+            </a:extLst>
+          </p:cNvPr>
+          <p:cNvPicPr>
+            <a:picLocks noChangeAspect="1"/>
+          </p:cNvPicPr>
+          <p:nvPr/>
+        </p:nvPicPr>
+        <p:blipFill>
+          <a:blip r:embed="rId2">
+            <a:extLst>
+              <a:ext uri="{28A0092B-C50C-407E-A947-70E740481C1C}">
+                <a14:useLocalDpi xmlns:a14="http://schemas.microsoft.com/office/drawing/2010/main" val="0"/>
+              </a:ext>
+            </a:extLst>
+          </a:blip>
+          <a:stretch>
+            <a:fillRect/>
+          </a:stretch>
+        </p:blipFill>
+        <p:spPr>
+          <a:xfrm>
+            <a:off x="7266506" y="1690688"/>
+            <a:ext cx="3724582" cy="2295383"/>
+          </a:xfrm>
+          <a:prstGeom prst="rect">
+            <a:avLst/>
+          </a:prstGeom>
+        </p:spPr>
+      </p:pic>
+      <p:pic>
+        <p:nvPicPr>
+          <p:cNvPr id="7" name="Picture 6" descr="A cartoon of a robot with a child and a child&#10;&#10;Description automatically generated">
+            <a:extLst>
+              <a:ext uri="{FF2B5EF4-FFF2-40B4-BE49-F238E27FC236}">
+                <a16:creationId xmlns:a16="http://schemas.microsoft.com/office/drawing/2014/main" id="{2EE8940F-BA0D-881F-53DD-55729E870273}"/>
+              </a:ext>
+            </a:extLst>
+          </p:cNvPr>
+          <p:cNvPicPr>
+            <a:picLocks noChangeAspect="1"/>
+          </p:cNvPicPr>
+          <p:nvPr/>
+        </p:nvPicPr>
+        <p:blipFill>
+          <a:blip r:embed="rId3">
+            <a:extLst>
+              <a:ext uri="{28A0092B-C50C-407E-A947-70E740481C1C}">
+                <a14:useLocalDpi xmlns:a14="http://schemas.microsoft.com/office/drawing/2010/main" val="0"/>
+              </a:ext>
+            </a:extLst>
+          </a:blip>
+          <a:stretch>
+            <a:fillRect/>
+          </a:stretch>
+        </p:blipFill>
+        <p:spPr>
+          <a:xfrm>
+            <a:off x="1453896" y="4109812"/>
+            <a:ext cx="4462272" cy="2506985"/>
+          </a:xfrm>
+          <a:prstGeom prst="rect">
+            <a:avLst/>
+          </a:prstGeom>
+        </p:spPr>
+      </p:pic>
+      <p:sp>
+        <p:nvSpPr>
+          <p:cNvPr id="8" name="TextBox 7">
+            <a:extLst>
+              <a:ext uri="{FF2B5EF4-FFF2-40B4-BE49-F238E27FC236}">
+                <a16:creationId xmlns:a16="http://schemas.microsoft.com/office/drawing/2014/main" id="{344A89E4-E03D-6529-4B69-0D44AF9E5E6B}"/>
+              </a:ext>
+            </a:extLst>
+          </p:cNvPr>
+          <p:cNvSpPr txBox="1"/>
+          <p:nvPr/>
+        </p:nvSpPr>
+        <p:spPr>
+          <a:xfrm>
+            <a:off x="6600481" y="4834580"/>
+            <a:ext cx="5056631" cy="1384995"/>
+          </a:xfrm>
+          <a:prstGeom prst="rect">
+            <a:avLst/>
+          </a:prstGeom>
+          <a:noFill/>
+        </p:spPr>
+        <p:txBody>
+          <a:bodyPr wrap="square" rtlCol="0">
+            <a:spAutoFit/>
+          </a:bodyPr>
+          <a:lstStyle/>
+          <a:p>
+            <a:r>
+              <a:rPr lang="en-US" sz="2800" b="1" dirty="0"/>
+              <a:t>But… How to ensure the black-box AI is really aligned as claimed?</a:t>
+            </a:r>
+          </a:p>
+        </p:txBody>
+      </p:sp>
+      <p:sp>
+        <p:nvSpPr>
+          <p:cNvPr id="9" name="Slide Number Placeholder 8">
+            <a:extLst>
+              <a:ext uri="{FF2B5EF4-FFF2-40B4-BE49-F238E27FC236}">
+                <a16:creationId xmlns:a16="http://schemas.microsoft.com/office/drawing/2014/main" id="{1CA2C8E9-2FC4-99FF-262E-026142E88392}"/>
+              </a:ext>
+            </a:extLst>
+          </p:cNvPr>
+          <p:cNvSpPr>
+            <a:spLocks noGrp="1"/>
+          </p:cNvSpPr>
+          <p:nvPr>
+            <p:ph type="sldNum" sz="quarter" idx="12"/>
+          </p:nvPr>
+        </p:nvSpPr>
+        <p:spPr/>
+        <p:txBody>
+          <a:bodyPr/>
+          <a:lstStyle/>
+          <a:p>
+            <a:fld id="{3F9DB605-36F8-4880-A1BE-3C72DF21D035}" type="slidenum">
+              <a:rPr lang="en-US" smtClean="0"/>
+              <a:t>2</a:t>
+            </a:fld>
+            <a:endParaRPr lang="en-US"/>
+          </a:p>
+        </p:txBody>
+      </p:sp>
+    </p:spTree>
+    <p:extLst>
+      <p:ext uri="{BB962C8B-B14F-4D97-AF65-F5344CB8AC3E}">
+        <p14:creationId xmlns:p14="http://schemas.microsoft.com/office/powerpoint/2010/main" val="2409188227"/>
+      </p:ext>
+    </p:extLst>
+  </p:cSld>
+  <p:clrMapOvr>
+    <a:masterClrMapping/>
+  </p:clrMapOvr>
+  <p:timing>
+    <p:tnLst>
+      <p:par>
+        <p:cTn id="1" dur="indefinite" restart="never" nodeType="tmRoot">
+          <p:childTnLst>
+            <p:seq concurrent="1" nextAc="seek">
+              <p:cTn id="2" dur="indefinite" nodeType="mainSeq">
+                <p:childTnLst>
+                  <p:par>
+                    <p:cTn id="3" fill="hold">
+                      <p:stCondLst>
+                        <p:cond delay="indefinite"/>
+                      </p:stCondLst>
+                      <p:childTnLst>
+                        <p:par>
+                          <p:cTn id="4" fill="hold">
+                            <p:stCondLst>
+                              <p:cond delay="0"/>
+                            </p:stCondLst>
+                            <p:childTnLst>
+                              <p:par>
+                                <p:cTn id="5" presetID="1" presetClass="entr" presetSubtype="0" fill="hold" nodeType="clickEffect">
+                                  <p:stCondLst>
+                                    <p:cond delay="0"/>
+                                  </p:stCondLst>
+                                  <p:childTnLst>
+                                    <p:set>
+                                      <p:cBhvr>
+                                        <p:cTn id="6" dur="1" fill="hold">
+                                          <p:stCondLst>
+                                            <p:cond delay="0"/>
+                                          </p:stCondLst>
+                                        </p:cTn>
+                                        <p:tgtEl>
+                                          <p:spTgt spid="3">
+                                            <p:txEl>
+                                              <p:pRg st="0" end="0"/>
+                                            </p:txEl>
+                                          </p:spTgt>
+                                        </p:tgtEl>
+                                        <p:attrNameLst>
+                                          <p:attrName>style.visibility</p:attrName>
+                                        </p:attrNameLst>
+                                      </p:cBhvr>
+                                      <p:to>
+                                        <p:strVal val="visible"/>
+                                      </p:to>
+                                    </p:set>
+                                  </p:childTnLst>
+                                </p:cTn>
+                              </p:par>
+                            </p:childTnLst>
+                          </p:cTn>
+                        </p:par>
+                      </p:childTnLst>
+                    </p:cTn>
+                  </p:par>
+                  <p:par>
+                    <p:cTn id="7" fill="hold">
+                      <p:stCondLst>
+                        <p:cond delay="indefinite"/>
+                      </p:stCondLst>
+                      <p:childTnLst>
+                        <p:par>
+                          <p:cTn id="8" fill="hold">
+                            <p:stCondLst>
+                              <p:cond delay="0"/>
+                            </p:stCondLst>
+                            <p:childTnLst>
+                              <p:par>
+                                <p:cTn id="9" presetID="1" presetClass="entr" presetSubtype="0" fill="hold" nodeType="clickEffect">
+                                  <p:stCondLst>
+                                    <p:cond delay="0"/>
+                                  </p:stCondLst>
+                                  <p:childTnLst>
+                                    <p:set>
+                                      <p:cBhvr>
+                                        <p:cTn id="10" dur="1" fill="hold">
+                                          <p:stCondLst>
+                                            <p:cond delay="0"/>
+                                          </p:stCondLst>
+                                        </p:cTn>
+                                        <p:tgtEl>
+                                          <p:spTgt spid="3">
+                                            <p:txEl>
+                                              <p:pRg st="1" end="1"/>
+                                            </p:txEl>
+                                          </p:spTgt>
+                                        </p:tgtEl>
+                                        <p:attrNameLst>
+                                          <p:attrName>style.visibility</p:attrName>
+                                        </p:attrNameLst>
+                                      </p:cBhvr>
+                                      <p:to>
+                                        <p:strVal val="visible"/>
+                                      </p:to>
+                                    </p:set>
+                                  </p:childTnLst>
+                                </p:cTn>
+                              </p:par>
+                              <p:par>
+                                <p:cTn id="11" presetID="10" presetClass="entr" presetSubtype="0" fill="hold" nodeType="withEffect">
+                                  <p:stCondLst>
+                                    <p:cond delay="0"/>
+                                  </p:stCondLst>
+                                  <p:childTnLst>
+                                    <p:set>
+                                      <p:cBhvr>
+                                        <p:cTn id="12" dur="1" fill="hold">
+                                          <p:stCondLst>
+                                            <p:cond delay="0"/>
+                                          </p:stCondLst>
+                                        </p:cTn>
+                                        <p:tgtEl>
+                                          <p:spTgt spid="5"/>
+                                        </p:tgtEl>
+                                        <p:attrNameLst>
+                                          <p:attrName>style.visibility</p:attrName>
+                                        </p:attrNameLst>
+                                      </p:cBhvr>
+                                      <p:to>
+                                        <p:strVal val="visible"/>
+                                      </p:to>
+                                    </p:set>
+                                    <p:animEffect transition="in" filter="fade">
+                                      <p:cBhvr>
+                                        <p:cTn id="13" dur="500"/>
+                                        <p:tgtEl>
+                                          <p:spTgt spid="5"/>
+                                        </p:tgtEl>
+                                      </p:cBhvr>
+                                    </p:animEffect>
+                                  </p:childTnLst>
+                                </p:cTn>
+                              </p:par>
+                            </p:childTnLst>
+                          </p:cTn>
+                        </p:par>
+                      </p:childTnLst>
+                    </p:cTn>
+                  </p:par>
+                  <p:par>
+                    <p:cTn id="14" fill="hold">
+                      <p:stCondLst>
+                        <p:cond delay="indefinite"/>
+                      </p:stCondLst>
+                      <p:childTnLst>
+                        <p:par>
+                          <p:cTn id="15" fill="hold">
+                            <p:stCondLst>
+                              <p:cond delay="0"/>
+                            </p:stCondLst>
+                            <p:childTnLst>
+                              <p:par>
+                                <p:cTn id="16" presetID="1" presetClass="entr" presetSubtype="0" fill="hold" nodeType="clickEffect">
+                                  <p:stCondLst>
+                                    <p:cond delay="0"/>
+                                  </p:stCondLst>
+                                  <p:childTnLst>
+                                    <p:set>
+                                      <p:cBhvr>
+                                        <p:cTn id="17" dur="1" fill="hold">
+                                          <p:stCondLst>
+                                            <p:cond delay="0"/>
+                                          </p:stCondLst>
+                                        </p:cTn>
+                                        <p:tgtEl>
+                                          <p:spTgt spid="3">
+                                            <p:txEl>
+                                              <p:pRg st="2" end="2"/>
+                                            </p:txEl>
+                                          </p:spTgt>
+                                        </p:tgtEl>
+                                        <p:attrNameLst>
+                                          <p:attrName>style.visibility</p:attrName>
+                                        </p:attrNameLst>
+                                      </p:cBhvr>
+                                      <p:to>
+                                        <p:strVal val="visible"/>
+                                      </p:to>
+                                    </p:set>
+                                  </p:childTnLst>
+                                </p:cTn>
+                              </p:par>
+                              <p:par>
+                                <p:cTn id="18" presetID="10" presetClass="entr" presetSubtype="0" fill="hold" nodeType="withEffect">
+                                  <p:stCondLst>
+                                    <p:cond delay="0"/>
+                                  </p:stCondLst>
+                                  <p:childTnLst>
+                                    <p:set>
+                                      <p:cBhvr>
+                                        <p:cTn id="19" dur="1" fill="hold">
+                                          <p:stCondLst>
+                                            <p:cond delay="0"/>
+                                          </p:stCondLst>
+                                        </p:cTn>
+                                        <p:tgtEl>
+                                          <p:spTgt spid="7"/>
+                                        </p:tgtEl>
+                                        <p:attrNameLst>
+                                          <p:attrName>style.visibility</p:attrName>
+                                        </p:attrNameLst>
+                                      </p:cBhvr>
+                                      <p:to>
+                                        <p:strVal val="visible"/>
+                                      </p:to>
+                                    </p:set>
+                                    <p:animEffect transition="in" filter="fade">
+                                      <p:cBhvr>
+                                        <p:cTn id="20" dur="500"/>
+                                        <p:tgtEl>
+                                          <p:spTgt spid="7"/>
+                                        </p:tgtEl>
+                                      </p:cBhvr>
+                                    </p:animEffect>
+                                  </p:childTnLst>
+                                </p:cTn>
+                              </p:par>
+                            </p:childTnLst>
+                          </p:cTn>
+                        </p:par>
+                      </p:childTnLst>
+                    </p:cTn>
+                  </p:par>
+                  <p:par>
+                    <p:cTn id="21" fill="hold">
+                      <p:stCondLst>
+                        <p:cond delay="indefinite"/>
+                      </p:stCondLst>
+                      <p:childTnLst>
+                        <p:par>
+                          <p:cTn id="22" fill="hold">
+                            <p:stCondLst>
+                              <p:cond delay="0"/>
+                            </p:stCondLst>
+                            <p:childTnLst>
+                              <p:par>
+                                <p:cTn id="23" presetID="1" presetClass="entr" presetSubtype="0" fill="hold" grpId="0" nodeType="clickEffect">
+                                  <p:stCondLst>
+                                    <p:cond delay="0"/>
+                                  </p:stCondLst>
+                                  <p:childTnLst>
+                                    <p:set>
+                                      <p:cBhvr>
+                                        <p:cTn id="24" dur="1" fill="hold">
+                                          <p:stCondLst>
+                                            <p:cond delay="0"/>
+                                          </p:stCondLst>
+                                        </p:cTn>
+                                        <p:tgtEl>
+                                          <p:spTgt spid="8"/>
+                                        </p:tgtEl>
+                                        <p:attrNameLst>
+                                          <p:attrName>style.visibility</p:attrName>
+                                        </p:attrNameLst>
+                                      </p:cBhvr>
+                                      <p:to>
+                                        <p:strVal val="visible"/>
+                                      </p:to>
+                                    </p:set>
+                                  </p:childTnLst>
+                                </p:cTn>
+                              </p:par>
+                            </p:childTnLst>
+                          </p:cTn>
+                        </p:par>
+                      </p:childTnLst>
+                    </p:cTn>
+                  </p:par>
+                </p:childTnLst>
+              </p:cTn>
+              <p:prevCondLst>
+                <p:cond evt="onPrev" delay="0">
+                  <p:tgtEl>
+                    <p:sldTgt/>
+                  </p:tgtEl>
+                </p:cond>
+              </p:prevCondLst>
+              <p:nextCondLst>
+                <p:cond evt="onNext" delay="0">
+                  <p:tgtEl>
+                    <p:sldTgt/>
+                  </p:tgtEl>
+                </p:cond>
+              </p:nextCondLst>
+            </p:seq>
+          </p:childTnLst>
+        </p:cTn>
+      </p:par>
+    </p:tnLst>
+    <p:bldLst>
+      <p:bldP spid="8" grpId="0"/>
+    </p:bldLst>
+  </p:timing>
+</p:sld>
+</file>
+
+<file path=ppt/slides/slide20.xml><?xml version="1.0" encoding="utf-8"?>
 <p:sld xmlns:a="http://schemas.openxmlformats.org/drawingml/2006/main" xmlns:r="http://schemas.openxmlformats.org/officeDocument/2006/relationships" xmlns:p="http://schemas.openxmlformats.org/presentationml/2006/main">
   <p:cSld>
     <p:spTree>
@@ -12723,8 +15387,8 @@
           </a:p>
         </p:txBody>
       </p:sp>
-      <mc:AlternateContent xmlns:mc="http://schemas.openxmlformats.org/markup-compatibility/2006" xmlns:a14="http://schemas.microsoft.com/office/drawing/2010/main">
-        <mc:Choice Requires="a14">
+      <mc:AlternateContent xmlns:mc="http://schemas.openxmlformats.org/markup-compatibility/2006">
+        <mc:Choice xmlns:a14="http://schemas.microsoft.com/office/drawing/2010/main" Requires="a14">
           <p:sp>
             <p:nvSpPr>
               <p:cNvPr id="3" name="内容占位符 2">
@@ -12866,7 +15530,19 @@
               <a:p>
                 <a:r>
                   <a:rPr lang="en-US" dirty="0"/>
-                  <a:t>Does our mean-field mechanism yield a good approximation of optimal robustness?</a:t>
+                  <a:t>Does our mean-field mechanism yield a good approximation of </a:t>
+                </a:r>
+                <a:r>
+                  <a:rPr lang="en-US" dirty="0">
+                    <a:solidFill>
+                      <a:srgbClr val="3333FF"/>
+                    </a:solidFill>
+                  </a:rPr>
+                  <a:t>optimal robustness</a:t>
+                </a:r>
+                <a:r>
+                  <a:rPr lang="en-US" dirty="0"/>
+                  <a:t>?</a:t>
                 </a:r>
               </a:p>
               <a:p>
@@ -12881,7 +15557,7 @@
             </p:txBody>
           </p:sp>
         </mc:Choice>
-        <mc:Fallback xmlns="">
+        <mc:Fallback>
           <p:sp>
             <p:nvSpPr>
               <p:cNvPr id="3" name="内容占位符 2">
@@ -12944,7 +15620,7 @@
           <a:p>
             <a:fld id="{3F9DB605-36F8-4880-A1BE-3C72DF21D035}" type="slidenum">
               <a:rPr lang="en-US" smtClean="0"/>
-              <a:t>19</a:t>
+              <a:t>20</a:t>
             </a:fld>
             <a:endParaRPr lang="en-US"/>
           </a:p>
@@ -13140,7 +15816,7 @@
 </p:sld>
 </file>
 
-<file path=ppt/slides/slide2.xml><?xml version="1.0" encoding="utf-8"?>
+<file path=ppt/slides/slide21.xml><?xml version="1.0" encoding="utf-8"?>
 <p:sld xmlns:a="http://schemas.openxmlformats.org/drawingml/2006/main" xmlns:r="http://schemas.openxmlformats.org/officeDocument/2006/relationships" xmlns:p="http://schemas.openxmlformats.org/presentationml/2006/main">
   <p:cSld>
     <p:spTree>
@@ -13159,10 +15835,10 @@
       </p:grpSpPr>
       <p:sp>
         <p:nvSpPr>
-          <p:cNvPr id="2" name="Title 1">
+          <p:cNvPr id="2" name="标题 1">
             <a:extLst>
               <a:ext uri="{FF2B5EF4-FFF2-40B4-BE49-F238E27FC236}">
-                <a16:creationId xmlns:a16="http://schemas.microsoft.com/office/drawing/2014/main" id="{CB8E2B5E-49A5-61E5-4F1D-698A8FE05783}"/>
+                <a16:creationId xmlns:a16="http://schemas.microsoft.com/office/drawing/2014/main" id="{F71BBDE0-2665-D560-04C4-5C037DF07597}"/>
               </a:ext>
             </a:extLst>
           </p:cNvPr>
@@ -13175,22 +15851,24 @@
         </p:nvSpPr>
         <p:spPr/>
         <p:txBody>
-          <a:bodyPr/>
+          <a:bodyPr>
+            <a:normAutofit/>
+          </a:bodyPr>
           <a:lstStyle/>
           <a:p>
             <a:r>
-              <a:rPr lang="en-US" dirty="0"/>
-              <a:t>Artificial Intelligence: The New Moore’s Law</a:t>
+              <a:rPr lang="en-US" sz="4000" dirty="0"/>
+              <a:t>Discussion: Other Applications of Peer Prediction</a:t>
             </a:r>
           </a:p>
         </p:txBody>
       </p:sp>
       <p:sp>
         <p:nvSpPr>
-          <p:cNvPr id="3" name="Content Placeholder 2">
+          <p:cNvPr id="3" name="内容占位符 2">
             <a:extLst>
               <a:ext uri="{FF2B5EF4-FFF2-40B4-BE49-F238E27FC236}">
-                <a16:creationId xmlns:a16="http://schemas.microsoft.com/office/drawing/2014/main" id="{31835991-582E-ACAA-5005-5C015C8AD793}"/>
+                <a16:creationId xmlns:a16="http://schemas.microsoft.com/office/drawing/2014/main" id="{652ED250-21D0-F549-DCE5-A8C5A3CBECD5}"/>
               </a:ext>
             </a:extLst>
           </p:cNvPr>
@@ -13208,70 +15886,33 @@
           <a:p>
             <a:r>
               <a:rPr lang="en-US" dirty="0"/>
-              <a:t>Deep Blue (1990s): AI for chess</a:t>
+              <a:t>Data Valuation: eliciting high-quality data while discouraging strategic manipulation.</a:t>
             </a:r>
+          </a:p>
+          <a:p>
+            <a:endParaRPr lang="en-US" dirty="0"/>
           </a:p>
           <a:p>
             <a:r>
               <a:rPr lang="en-US" dirty="0"/>
-              <a:t>AlphaGo (2017): AI for Go</a:t>
-            </a:r>
-          </a:p>
-          <a:p>
-            <a:r>
-              <a:rPr lang="en-US" dirty="0"/>
-              <a:t>ChatGPT (2022): AI for chatting…</a:t>
+              <a:t>RLHF: collecting and rewarding high-quality human feedback.</a:t>
             </a:r>
           </a:p>
           <a:p>
             <a:pPr lvl="1"/>
             <a:r>
               <a:rPr lang="en-US" dirty="0"/>
-              <a:t>Or everything?</a:t>
-            </a:r>
-          </a:p>
-          <a:p>
-            <a:pPr lvl="1"/>
-            <a:endParaRPr lang="en-US" dirty="0"/>
-          </a:p>
-          <a:p>
-            <a:r>
-              <a:rPr lang="en-US" dirty="0"/>
-              <a:t>Scaling Law: the capability of AI will improve consistently with the development of </a:t>
-            </a:r>
-            <a:r>
-              <a:rPr lang="en-US" b="1" dirty="0"/>
-              <a:t>data</a:t>
-            </a:r>
-            <a:r>
-              <a:rPr lang="en-US" dirty="0"/>
-              <a:t>, </a:t>
-            </a:r>
-            <a:r>
-              <a:rPr lang="en-US" b="1" dirty="0"/>
-              <a:t>computing power </a:t>
-            </a:r>
-            <a:r>
-              <a:rPr lang="en-US" dirty="0"/>
-              <a:t>and </a:t>
-            </a:r>
-            <a:r>
-              <a:rPr lang="en-US" b="1" dirty="0"/>
-              <a:t>models</a:t>
-            </a:r>
-            <a:r>
-              <a:rPr lang="en-US" dirty="0"/>
-              <a:t>.</a:t>
+              <a:t>Another working project of mine!</a:t>
             </a:r>
           </a:p>
         </p:txBody>
       </p:sp>
       <p:sp>
         <p:nvSpPr>
-          <p:cNvPr id="4" name="Slide Number Placeholder 3">
+          <p:cNvPr id="4" name="灯片编号占位符 3">
             <a:extLst>
               <a:ext uri="{FF2B5EF4-FFF2-40B4-BE49-F238E27FC236}">
-                <a16:creationId xmlns:a16="http://schemas.microsoft.com/office/drawing/2014/main" id="{738721A9-1B55-29E1-1DD0-E0664869E9BB}"/>
+                <a16:creationId xmlns:a16="http://schemas.microsoft.com/office/drawing/2014/main" id="{A5A98217-2CDE-969A-7A85-FF414AA31E20}"/>
               </a:ext>
             </a:extLst>
           </p:cNvPr>
@@ -13289,7 +15930,7 @@
           <a:p>
             <a:fld id="{3F9DB605-36F8-4880-A1BE-3C72DF21D035}" type="slidenum">
               <a:rPr lang="en-US" smtClean="0"/>
-              <a:t>2</a:t>
+              <a:t>21</a:t>
             </a:fld>
             <a:endParaRPr lang="en-US"/>
           </a:p>
@@ -13298,7 +15939,7 @@
     </p:spTree>
     <p:extLst>
       <p:ext uri="{BB962C8B-B14F-4D97-AF65-F5344CB8AC3E}">
-        <p14:creationId xmlns:p14="http://schemas.microsoft.com/office/powerpoint/2010/main" val="2414423330"/>
+        <p14:creationId xmlns:p14="http://schemas.microsoft.com/office/powerpoint/2010/main" val="1716757183"/>
       </p:ext>
     </p:extLst>
   </p:cSld>
@@ -13390,7 +16031,7 @@
                                         <p:tgtEl>
                                           <p:spTgt spid="3">
                                             <p:txEl>
-                                              <p:pRg st="1" end="1"/>
+                                              <p:pRg st="2" end="2"/>
                                             </p:txEl>
                                           </p:spTgt>
                                         </p:tgtEl>
@@ -13439,105 +16080,7 @@
                                         <p:tgtEl>
                                           <p:spTgt spid="3">
                                             <p:txEl>
-                                              <p:pRg st="2" end="2"/>
-                                            </p:txEl>
-                                          </p:spTgt>
-                                        </p:tgtEl>
-                                        <p:attrNameLst>
-                                          <p:attrName>style.visibility</p:attrName>
-                                        </p:attrNameLst>
-                                      </p:cBhvr>
-                                      <p:to>
-                                        <p:strVal val="visible"/>
-                                      </p:to>
-                                    </p:set>
-                                  </p:childTnLst>
-                                </p:cTn>
-                              </p:par>
-                            </p:childTnLst>
-                          </p:cTn>
-                        </p:par>
-                      </p:childTnLst>
-                    </p:cTn>
-                  </p:par>
-                  <p:par>
-                    <p:cTn id="15" fill="hold">
-                      <p:stCondLst>
-                        <p:cond delay="indefinite"/>
-                      </p:stCondLst>
-                      <p:childTnLst>
-                        <p:par>
-                          <p:cTn id="16" fill="hold">
-                            <p:stCondLst>
-                              <p:cond delay="0"/>
-                            </p:stCondLst>
-                            <p:childTnLst>
-                              <p:par>
-                                <p:cTn id="17" presetID="1" presetClass="entr" presetSubtype="0" fill="hold" nodeType="clickEffect">
-                                  <p:stCondLst>
-                                    <p:cond delay="0"/>
-                                  </p:stCondLst>
-                                  <p:childTnLst>
-                                    <p:set>
-                                      <p:cBhvr>
-                                        <p:cTn id="18" dur="1" fill="hold">
-                                          <p:stCondLst>
-                                            <p:cond delay="0"/>
-                                          </p:stCondLst>
-                                        </p:cTn>
-                                        <p:tgtEl>
-                                          <p:spTgt spid="3">
-                                            <p:txEl>
                                               <p:pRg st="3" end="3"/>
-                                            </p:txEl>
-                                          </p:spTgt>
-                                        </p:tgtEl>
-                                        <p:attrNameLst>
-                                          <p:attrName>style.visibility</p:attrName>
-                                        </p:attrNameLst>
-                                      </p:cBhvr>
-                                      <p:to>
-                                        <p:strVal val="visible"/>
-                                      </p:to>
-                                    </p:set>
-                                  </p:childTnLst>
-                                </p:cTn>
-                              </p:par>
-                            </p:childTnLst>
-                          </p:cTn>
-                        </p:par>
-                      </p:childTnLst>
-                    </p:cTn>
-                  </p:par>
-                  <p:par>
-                    <p:cTn id="19" fill="hold">
-                      <p:stCondLst>
-                        <p:cond delay="indefinite"/>
-                      </p:stCondLst>
-                      <p:childTnLst>
-                        <p:par>
-                          <p:cTn id="20" fill="hold">
-                            <p:stCondLst>
-                              <p:cond delay="0"/>
-                            </p:stCondLst>
-                            <p:childTnLst>
-                              <p:par>
-                                <p:cTn id="21" presetID="1" presetClass="entr" presetSubtype="0" fill="hold" nodeType="clickEffect">
-                                  <p:stCondLst>
-                                    <p:cond delay="0"/>
-                                  </p:stCondLst>
-                                  <p:childTnLst>
-                                    <p:set>
-                                      <p:cBhvr>
-                                        <p:cTn id="22" dur="1" fill="hold">
-                                          <p:stCondLst>
-                                            <p:cond delay="0"/>
-                                          </p:stCondLst>
-                                        </p:cTn>
-                                        <p:tgtEl>
-                                          <p:spTgt spid="3">
-                                            <p:txEl>
-                                              <p:pRg st="5" end="5"/>
                                             </p:txEl>
                                           </p:spTgt>
                                         </p:tgtEl>
@@ -13583,7 +16126,7 @@
 </p:sld>
 </file>
 
-<file path=ppt/slides/slide20.xml><?xml version="1.0" encoding="utf-8"?>
+<file path=ppt/slides/slide22.xml><?xml version="1.0" encoding="utf-8"?>
 <p:sld xmlns:a="http://schemas.openxmlformats.org/drawingml/2006/main" xmlns:r="http://schemas.openxmlformats.org/officeDocument/2006/relationships" xmlns:p="http://schemas.openxmlformats.org/presentationml/2006/main">
   <p:cSld>
     <p:spTree>
@@ -13657,7 +16200,7 @@
           <a:p>
             <a:fld id="{3F9DB605-36F8-4880-A1BE-3C72DF21D035}" type="slidenum">
               <a:rPr lang="en-US" smtClean="0"/>
-              <a:t>20</a:t>
+              <a:t>22</a:t>
             </a:fld>
             <a:endParaRPr lang="en-US"/>
           </a:p>
@@ -13698,512 +16241,6 @@
           <p:cNvPr id="2" name="Title 1">
             <a:extLst>
               <a:ext uri="{FF2B5EF4-FFF2-40B4-BE49-F238E27FC236}">
-                <a16:creationId xmlns:a16="http://schemas.microsoft.com/office/drawing/2014/main" id="{4C54A970-74CA-91EC-2309-35080974F48E}"/>
-              </a:ext>
-            </a:extLst>
-          </p:cNvPr>
-          <p:cNvSpPr>
-            <a:spLocks noGrp="1"/>
-          </p:cNvSpPr>
-          <p:nvPr>
-            <p:ph type="title"/>
-          </p:nvPr>
-        </p:nvSpPr>
-        <p:spPr/>
-        <p:txBody>
-          <a:bodyPr/>
-          <a:lstStyle/>
-          <a:p>
-            <a:r>
-              <a:rPr lang="en-US" dirty="0"/>
-              <a:t>AI Safety: A Critical Concern in AGI Age</a:t>
-            </a:r>
-          </a:p>
-        </p:txBody>
-      </p:sp>
-      <p:sp>
-        <p:nvSpPr>
-          <p:cNvPr id="3" name="Content Placeholder 2">
-            <a:extLst>
-              <a:ext uri="{FF2B5EF4-FFF2-40B4-BE49-F238E27FC236}">
-                <a16:creationId xmlns:a16="http://schemas.microsoft.com/office/drawing/2014/main" id="{5A2FCFF9-A74F-0C2F-5ED8-E1FC577931A6}"/>
-              </a:ext>
-            </a:extLst>
-          </p:cNvPr>
-          <p:cNvSpPr>
-            <a:spLocks noGrp="1"/>
-          </p:cNvSpPr>
-          <p:nvPr>
-            <p:ph idx="1"/>
-          </p:nvPr>
-        </p:nvSpPr>
-        <p:spPr>
-          <a:xfrm>
-            <a:off x="838200" y="1690688"/>
-            <a:ext cx="10515600" cy="4351338"/>
-          </a:xfrm>
-        </p:spPr>
-        <p:txBody>
-          <a:bodyPr/>
-          <a:lstStyle/>
-          <a:p>
-            <a:r>
-              <a:rPr lang="en-US" dirty="0"/>
-              <a:t>AI safety: the stronger AI becomes, </a:t>
-            </a:r>
-            <a:br>
-              <a:rPr lang="en-US" dirty="0"/>
-            </a:br>
-            <a:r>
-              <a:rPr lang="en-US" dirty="0"/>
-              <a:t>the higher risk it might do evil.</a:t>
-            </a:r>
-          </a:p>
-          <a:p>
-            <a:r>
-              <a:rPr lang="en-US" altLang="zh-CN" dirty="0"/>
-              <a:t>AI </a:t>
-            </a:r>
-            <a:r>
-              <a:rPr lang="en-US" altLang="zh-CN" dirty="0">
-                <a:solidFill>
-                  <a:srgbClr val="3333FF"/>
-                </a:solidFill>
-              </a:rPr>
-              <a:t>alignment</a:t>
-            </a:r>
-            <a:r>
-              <a:rPr lang="en-US" altLang="zh-CN" dirty="0"/>
-              <a:t>: make sure that AI’s</a:t>
-            </a:r>
-            <a:br>
-              <a:rPr lang="en-US" altLang="zh-CN" dirty="0"/>
-            </a:br>
-            <a:r>
-              <a:rPr lang="en-US" altLang="zh-CN" dirty="0"/>
-              <a:t>behavior aligns with human interest.</a:t>
-            </a:r>
-            <a:endParaRPr lang="en-US" dirty="0"/>
-          </a:p>
-        </p:txBody>
-      </p:sp>
-      <p:pic>
-        <p:nvPicPr>
-          <p:cNvPr id="5" name="Picture 4" descr="A group of robots running&#10;&#10;Description automatically generated">
-            <a:extLst>
-              <a:ext uri="{FF2B5EF4-FFF2-40B4-BE49-F238E27FC236}">
-                <a16:creationId xmlns:a16="http://schemas.microsoft.com/office/drawing/2014/main" id="{BC73102A-8838-AC25-AA8A-10053ED26D4B}"/>
-              </a:ext>
-            </a:extLst>
-          </p:cNvPr>
-          <p:cNvPicPr>
-            <a:picLocks noChangeAspect="1"/>
-          </p:cNvPicPr>
-          <p:nvPr/>
-        </p:nvPicPr>
-        <p:blipFill>
-          <a:blip r:embed="rId2">
-            <a:extLst>
-              <a:ext uri="{28A0092B-C50C-407E-A947-70E740481C1C}">
-                <a14:useLocalDpi xmlns:a14="http://schemas.microsoft.com/office/drawing/2010/main" val="0"/>
-              </a:ext>
-            </a:extLst>
-          </a:blip>
-          <a:stretch>
-            <a:fillRect/>
-          </a:stretch>
-        </p:blipFill>
-        <p:spPr>
-          <a:xfrm>
-            <a:off x="7266506" y="1690688"/>
-            <a:ext cx="3724582" cy="2295383"/>
-          </a:xfrm>
-          <a:prstGeom prst="rect">
-            <a:avLst/>
-          </a:prstGeom>
-        </p:spPr>
-      </p:pic>
-      <p:pic>
-        <p:nvPicPr>
-          <p:cNvPr id="7" name="Picture 6" descr="A cartoon of a robot with a child and a child&#10;&#10;Description automatically generated">
-            <a:extLst>
-              <a:ext uri="{FF2B5EF4-FFF2-40B4-BE49-F238E27FC236}">
-                <a16:creationId xmlns:a16="http://schemas.microsoft.com/office/drawing/2014/main" id="{2EE8940F-BA0D-881F-53DD-55729E870273}"/>
-              </a:ext>
-            </a:extLst>
-          </p:cNvPr>
-          <p:cNvPicPr>
-            <a:picLocks noChangeAspect="1"/>
-          </p:cNvPicPr>
-          <p:nvPr/>
-        </p:nvPicPr>
-        <p:blipFill>
-          <a:blip r:embed="rId3">
-            <a:extLst>
-              <a:ext uri="{28A0092B-C50C-407E-A947-70E740481C1C}">
-                <a14:useLocalDpi xmlns:a14="http://schemas.microsoft.com/office/drawing/2010/main" val="0"/>
-              </a:ext>
-            </a:extLst>
-          </a:blip>
-          <a:stretch>
-            <a:fillRect/>
-          </a:stretch>
-        </p:blipFill>
-        <p:spPr>
-          <a:xfrm>
-            <a:off x="1453896" y="4109812"/>
-            <a:ext cx="4462272" cy="2506985"/>
-          </a:xfrm>
-          <a:prstGeom prst="rect">
-            <a:avLst/>
-          </a:prstGeom>
-        </p:spPr>
-      </p:pic>
-      <p:sp>
-        <p:nvSpPr>
-          <p:cNvPr id="8" name="TextBox 7">
-            <a:extLst>
-              <a:ext uri="{FF2B5EF4-FFF2-40B4-BE49-F238E27FC236}">
-                <a16:creationId xmlns:a16="http://schemas.microsoft.com/office/drawing/2014/main" id="{344A89E4-E03D-6529-4B69-0D44AF9E5E6B}"/>
-              </a:ext>
-            </a:extLst>
-          </p:cNvPr>
-          <p:cNvSpPr txBox="1"/>
-          <p:nvPr/>
-        </p:nvSpPr>
-        <p:spPr>
-          <a:xfrm>
-            <a:off x="6600481" y="4834580"/>
-            <a:ext cx="5056631" cy="954107"/>
-          </a:xfrm>
-          <a:prstGeom prst="rect">
-            <a:avLst/>
-          </a:prstGeom>
-          <a:noFill/>
-        </p:spPr>
-        <p:txBody>
-          <a:bodyPr wrap="square" rtlCol="0">
-            <a:spAutoFit/>
-          </a:bodyPr>
-          <a:lstStyle/>
-          <a:p>
-            <a:r>
-              <a:rPr lang="en-US" sz="2800" b="1" dirty="0"/>
-              <a:t>But… How to ensure the AI is really aligned as claimed?</a:t>
-            </a:r>
-          </a:p>
-        </p:txBody>
-      </p:sp>
-      <p:sp>
-        <p:nvSpPr>
-          <p:cNvPr id="9" name="Slide Number Placeholder 8">
-            <a:extLst>
-              <a:ext uri="{FF2B5EF4-FFF2-40B4-BE49-F238E27FC236}">
-                <a16:creationId xmlns:a16="http://schemas.microsoft.com/office/drawing/2014/main" id="{1CA2C8E9-2FC4-99FF-262E-026142E88392}"/>
-              </a:ext>
-            </a:extLst>
-          </p:cNvPr>
-          <p:cNvSpPr>
-            <a:spLocks noGrp="1"/>
-          </p:cNvSpPr>
-          <p:nvPr>
-            <p:ph type="sldNum" sz="quarter" idx="12"/>
-          </p:nvPr>
-        </p:nvSpPr>
-        <p:spPr/>
-        <p:txBody>
-          <a:bodyPr/>
-          <a:lstStyle/>
-          <a:p>
-            <a:fld id="{3F9DB605-36F8-4880-A1BE-3C72DF21D035}" type="slidenum">
-              <a:rPr lang="en-US" smtClean="0"/>
-              <a:t>3</a:t>
-            </a:fld>
-            <a:endParaRPr lang="en-US"/>
-          </a:p>
-        </p:txBody>
-      </p:sp>
-    </p:spTree>
-    <p:extLst>
-      <p:ext uri="{BB962C8B-B14F-4D97-AF65-F5344CB8AC3E}">
-        <p14:creationId xmlns:p14="http://schemas.microsoft.com/office/powerpoint/2010/main" val="2409188227"/>
-      </p:ext>
-    </p:extLst>
-  </p:cSld>
-  <p:clrMapOvr>
-    <a:masterClrMapping/>
-  </p:clrMapOvr>
-  <p:timing>
-    <p:tnLst>
-      <p:par>
-        <p:cTn id="1" dur="indefinite" restart="never" nodeType="tmRoot">
-          <p:childTnLst>
-            <p:seq concurrent="1" nextAc="seek">
-              <p:cTn id="2" dur="indefinite" nodeType="mainSeq">
-                <p:childTnLst>
-                  <p:par>
-                    <p:cTn id="3" fill="hold">
-                      <p:stCondLst>
-                        <p:cond delay="indefinite"/>
-                      </p:stCondLst>
-                      <p:childTnLst>
-                        <p:par>
-                          <p:cTn id="4" fill="hold">
-                            <p:stCondLst>
-                              <p:cond delay="0"/>
-                            </p:stCondLst>
-                            <p:childTnLst>
-                              <p:par>
-                                <p:cTn id="5" presetID="1" presetClass="entr" presetSubtype="0" fill="hold" nodeType="clickEffect">
-                                  <p:stCondLst>
-                                    <p:cond delay="0"/>
-                                  </p:stCondLst>
-                                  <p:childTnLst>
-                                    <p:set>
-                                      <p:cBhvr>
-                                        <p:cTn id="6" dur="1" fill="hold">
-                                          <p:stCondLst>
-                                            <p:cond delay="0"/>
-                                          </p:stCondLst>
-                                        </p:cTn>
-                                        <p:tgtEl>
-                                          <p:spTgt spid="3">
-                                            <p:txEl>
-                                              <p:pRg st="0" end="0"/>
-                                            </p:txEl>
-                                          </p:spTgt>
-                                        </p:tgtEl>
-                                        <p:attrNameLst>
-                                          <p:attrName>style.visibility</p:attrName>
-                                        </p:attrNameLst>
-                                      </p:cBhvr>
-                                      <p:to>
-                                        <p:strVal val="visible"/>
-                                      </p:to>
-                                    </p:set>
-                                  </p:childTnLst>
-                                </p:cTn>
-                              </p:par>
-                              <p:par>
-                                <p:cTn id="7" presetID="10" presetClass="entr" presetSubtype="0" fill="hold" nodeType="withEffect">
-                                  <p:stCondLst>
-                                    <p:cond delay="0"/>
-                                  </p:stCondLst>
-                                  <p:childTnLst>
-                                    <p:set>
-                                      <p:cBhvr>
-                                        <p:cTn id="8" dur="1" fill="hold">
-                                          <p:stCondLst>
-                                            <p:cond delay="0"/>
-                                          </p:stCondLst>
-                                        </p:cTn>
-                                        <p:tgtEl>
-                                          <p:spTgt spid="5"/>
-                                        </p:tgtEl>
-                                        <p:attrNameLst>
-                                          <p:attrName>style.visibility</p:attrName>
-                                        </p:attrNameLst>
-                                      </p:cBhvr>
-                                      <p:to>
-                                        <p:strVal val="visible"/>
-                                      </p:to>
-                                    </p:set>
-                                    <p:animEffect transition="in" filter="fade">
-                                      <p:cBhvr>
-                                        <p:cTn id="9" dur="500"/>
-                                        <p:tgtEl>
-                                          <p:spTgt spid="5"/>
-                                        </p:tgtEl>
-                                      </p:cBhvr>
-                                    </p:animEffect>
-                                  </p:childTnLst>
-                                </p:cTn>
-                              </p:par>
-                            </p:childTnLst>
-                          </p:cTn>
-                        </p:par>
-                      </p:childTnLst>
-                    </p:cTn>
-                  </p:par>
-                  <p:par>
-                    <p:cTn id="10" fill="hold">
-                      <p:stCondLst>
-                        <p:cond delay="indefinite"/>
-                      </p:stCondLst>
-                      <p:childTnLst>
-                        <p:par>
-                          <p:cTn id="11" fill="hold">
-                            <p:stCondLst>
-                              <p:cond delay="0"/>
-                            </p:stCondLst>
-                            <p:childTnLst>
-                              <p:par>
-                                <p:cTn id="12" presetID="1" presetClass="entr" presetSubtype="0" fill="hold" nodeType="clickEffect">
-                                  <p:stCondLst>
-                                    <p:cond delay="0"/>
-                                  </p:stCondLst>
-                                  <p:childTnLst>
-                                    <p:set>
-                                      <p:cBhvr>
-                                        <p:cTn id="13" dur="1" fill="hold">
-                                          <p:stCondLst>
-                                            <p:cond delay="0"/>
-                                          </p:stCondLst>
-                                        </p:cTn>
-                                        <p:tgtEl>
-                                          <p:spTgt spid="3">
-                                            <p:txEl>
-                                              <p:pRg st="1" end="1"/>
-                                            </p:txEl>
-                                          </p:spTgt>
-                                        </p:tgtEl>
-                                        <p:attrNameLst>
-                                          <p:attrName>style.visibility</p:attrName>
-                                        </p:attrNameLst>
-                                      </p:cBhvr>
-                                      <p:to>
-                                        <p:strVal val="visible"/>
-                                      </p:to>
-                                    </p:set>
-                                  </p:childTnLst>
-                                </p:cTn>
-                              </p:par>
-                              <p:par>
-                                <p:cTn id="14" presetID="10" presetClass="entr" presetSubtype="0" fill="hold" nodeType="withEffect">
-                                  <p:stCondLst>
-                                    <p:cond delay="0"/>
-                                  </p:stCondLst>
-                                  <p:childTnLst>
-                                    <p:set>
-                                      <p:cBhvr>
-                                        <p:cTn id="15" dur="1" fill="hold">
-                                          <p:stCondLst>
-                                            <p:cond delay="0"/>
-                                          </p:stCondLst>
-                                        </p:cTn>
-                                        <p:tgtEl>
-                                          <p:spTgt spid="7"/>
-                                        </p:tgtEl>
-                                        <p:attrNameLst>
-                                          <p:attrName>style.visibility</p:attrName>
-                                        </p:attrNameLst>
-                                      </p:cBhvr>
-                                      <p:to>
-                                        <p:strVal val="visible"/>
-                                      </p:to>
-                                    </p:set>
-                                    <p:animEffect transition="in" filter="fade">
-                                      <p:cBhvr>
-                                        <p:cTn id="16" dur="500"/>
-                                        <p:tgtEl>
-                                          <p:spTgt spid="7"/>
-                                        </p:tgtEl>
-                                      </p:cBhvr>
-                                    </p:animEffect>
-                                  </p:childTnLst>
-                                </p:cTn>
-                              </p:par>
-                            </p:childTnLst>
-                          </p:cTn>
-                        </p:par>
-                      </p:childTnLst>
-                    </p:cTn>
-                  </p:par>
-                  <p:par>
-                    <p:cTn id="17" fill="hold">
-                      <p:stCondLst>
-                        <p:cond delay="indefinite"/>
-                      </p:stCondLst>
-                      <p:childTnLst>
-                        <p:par>
-                          <p:cTn id="18" fill="hold">
-                            <p:stCondLst>
-                              <p:cond delay="0"/>
-                            </p:stCondLst>
-                            <p:childTnLst>
-                              <p:par>
-                                <p:cTn id="19" presetID="1" presetClass="entr" presetSubtype="0" fill="hold" grpId="0" nodeType="clickEffect">
-                                  <p:stCondLst>
-                                    <p:cond delay="0"/>
-                                  </p:stCondLst>
-                                  <p:childTnLst>
-                                    <p:set>
-                                      <p:cBhvr>
-                                        <p:cTn id="20" dur="1" fill="hold">
-                                          <p:stCondLst>
-                                            <p:cond delay="0"/>
-                                          </p:stCondLst>
-                                        </p:cTn>
-                                        <p:tgtEl>
-                                          <p:spTgt spid="8"/>
-                                        </p:tgtEl>
-                                        <p:attrNameLst>
-                                          <p:attrName>style.visibility</p:attrName>
-                                        </p:attrNameLst>
-                                      </p:cBhvr>
-                                      <p:to>
-                                        <p:strVal val="visible"/>
-                                      </p:to>
-                                    </p:set>
-                                  </p:childTnLst>
-                                </p:cTn>
-                              </p:par>
-                            </p:childTnLst>
-                          </p:cTn>
-                        </p:par>
-                      </p:childTnLst>
-                    </p:cTn>
-                  </p:par>
-                </p:childTnLst>
-              </p:cTn>
-              <p:prevCondLst>
-                <p:cond evt="onPrev" delay="0">
-                  <p:tgtEl>
-                    <p:sldTgt/>
-                  </p:tgtEl>
-                </p:cond>
-              </p:prevCondLst>
-              <p:nextCondLst>
-                <p:cond evt="onNext" delay="0">
-                  <p:tgtEl>
-                    <p:sldTgt/>
-                  </p:tgtEl>
-                </p:cond>
-              </p:nextCondLst>
-            </p:seq>
-          </p:childTnLst>
-        </p:cTn>
-      </p:par>
-    </p:tnLst>
-    <p:bldLst>
-      <p:bldP spid="8" grpId="0"/>
-    </p:bldLst>
-  </p:timing>
-</p:sld>
-</file>
-
-<file path=ppt/slides/slide4.xml><?xml version="1.0" encoding="utf-8"?>
-<p:sld xmlns:a="http://schemas.openxmlformats.org/drawingml/2006/main" xmlns:r="http://schemas.openxmlformats.org/officeDocument/2006/relationships" xmlns:p="http://schemas.openxmlformats.org/presentationml/2006/main">
-  <p:cSld>
-    <p:spTree>
-      <p:nvGrpSpPr>
-        <p:cNvPr id="1" name=""/>
-        <p:cNvGrpSpPr/>
-        <p:nvPr/>
-      </p:nvGrpSpPr>
-      <p:grpSpPr>
-        <a:xfrm>
-          <a:off x="0" y="0"/>
-          <a:ext cx="0" cy="0"/>
-          <a:chOff x="0" y="0"/>
-          <a:chExt cx="0" cy="0"/>
-        </a:xfrm>
-      </p:grpSpPr>
-      <p:sp>
-        <p:nvSpPr>
-          <p:cNvPr id="2" name="Title 1">
-            <a:extLst>
-              <a:ext uri="{FF2B5EF4-FFF2-40B4-BE49-F238E27FC236}">
                 <a16:creationId xmlns:a16="http://schemas.microsoft.com/office/drawing/2014/main" id="{7A9E29B4-35CB-94CC-7788-F4D9C4EE2AF4}"/>
               </a:ext>
             </a:extLst>
@@ -14277,7 +16314,7 @@
                   </a:schemeClr>
                 </a:solidFill>
               </a:rPr>
-              <a:t>loves the person with SHA256(name)=0x5dc6dd7c… </a:t>
+              <a:t>likes all people with SHA256(name)=0x5dc6dd7c… </a:t>
             </a:r>
           </a:p>
           <a:p>
@@ -14291,7 +16328,7 @@
                   </a:schemeClr>
                 </a:solidFill>
               </a:rPr>
-              <a:t>Her </a:t>
+              <a:t>Their </a:t>
             </a:r>
             <a:r>
               <a:rPr lang="en-US" altLang="zh-CN" i="1" dirty="0" err="1">
@@ -14411,7 +16448,7 @@
           <a:p>
             <a:fld id="{3F9DB605-36F8-4880-A1BE-3C72DF21D035}" type="slidenum">
               <a:rPr lang="en-US" smtClean="0"/>
-              <a:t>4</a:t>
+              <a:t>3</a:t>
             </a:fld>
             <a:endParaRPr lang="en-US"/>
           </a:p>
@@ -14803,7 +16840,7 @@
 </p:sld>
 </file>
 
-<file path=ppt/slides/slide5.xml><?xml version="1.0" encoding="utf-8"?>
+<file path=ppt/slides/slide4.xml><?xml version="1.0" encoding="utf-8"?>
 <p:sld xmlns:a="http://schemas.openxmlformats.org/drawingml/2006/main" xmlns:r="http://schemas.openxmlformats.org/officeDocument/2006/relationships" xmlns:p="http://schemas.openxmlformats.org/presentationml/2006/main">
   <p:cSld>
     <p:spTree>
@@ -15047,7 +17084,7 @@
           <a:p>
             <a:fld id="{3F9DB605-36F8-4880-A1BE-3C72DF21D035}" type="slidenum">
               <a:rPr lang="en-US" smtClean="0"/>
-              <a:t>5</a:t>
+              <a:t>4</a:t>
             </a:fld>
             <a:endParaRPr lang="en-US"/>
           </a:p>
@@ -15296,7 +17333,7 @@
 </p:sld>
 </file>
 
-<file path=ppt/slides/slide6.xml><?xml version="1.0" encoding="utf-8"?>
+<file path=ppt/slides/slide5.xml><?xml version="1.0" encoding="utf-8"?>
 <p:sld xmlns:a="http://schemas.openxmlformats.org/drawingml/2006/main" xmlns:r="http://schemas.openxmlformats.org/officeDocument/2006/relationships" xmlns:p="http://schemas.openxmlformats.org/presentationml/2006/main">
   <p:cSld>
     <p:spTree>
@@ -15341,8 +17378,8 @@
           </a:p>
         </p:txBody>
       </p:sp>
-      <mc:AlternateContent xmlns:mc="http://schemas.openxmlformats.org/markup-compatibility/2006" xmlns:a14="http://schemas.microsoft.com/office/drawing/2010/main">
-        <mc:Choice Requires="a14">
+      <mc:AlternateContent xmlns:mc="http://schemas.openxmlformats.org/markup-compatibility/2006">
+        <mc:Choice xmlns:a14="http://schemas.microsoft.com/office/drawing/2010/main" Requires="a14">
           <p:sp>
             <p:nvSpPr>
               <p:cNvPr id="3" name="内容占位符 2">
@@ -15409,7 +17446,7 @@
                       <a:rPr lang="en-US" sz="2000" b="0" i="1" smtClean="0">
                         <a:latin typeface="Cambria Math" panose="02040503050406030204" pitchFamily="18" charset="0"/>
                       </a:rPr>
-                      <m:t>𝑇</m:t>
+                      <m:t>𝑡</m:t>
                     </m:r>
                     <m:r>
                       <a:rPr lang="en-US" sz="2000" b="0" i="1" smtClean="0">
@@ -15426,10 +17463,10 @@
                 <a14:m>
                   <m:oMath xmlns:m="http://schemas.openxmlformats.org/officeDocument/2006/math">
                     <m:r>
-                      <a:rPr lang="en-US" sz="2000" i="1">
+                      <a:rPr lang="en-US" sz="2000" b="0" i="1" smtClean="0">
                         <a:latin typeface="Cambria Math" panose="02040503050406030204" pitchFamily="18" charset="0"/>
                       </a:rPr>
-                      <m:t>𝑇</m:t>
+                      <m:t>𝑡</m:t>
                     </m:r>
                   </m:oMath>
                 </a14:m>
@@ -15551,7 +17588,7 @@
                           <a:rPr lang="en-US" sz="2000" b="0" i="1" smtClean="0">
                             <a:latin typeface="Cambria Math" panose="02040503050406030204" pitchFamily="18" charset="0"/>
                           </a:rPr>
-                          <m:t>𝑇</m:t>
+                          <m:t>𝑡</m:t>
                         </m:r>
                       </m:e>
                     </m:func>
@@ -15570,10 +17607,10 @@
                 <a14:m>
                   <m:oMath xmlns:m="http://schemas.openxmlformats.org/officeDocument/2006/math">
                     <m:r>
-                      <a:rPr lang="en-US" sz="2000" i="1">
+                      <a:rPr lang="en-US" sz="2000" b="0" i="1" smtClean="0">
                         <a:latin typeface="Cambria Math" panose="02040503050406030204" pitchFamily="18" charset="0"/>
                       </a:rPr>
-                      <m:t>𝑇</m:t>
+                      <m:t>𝑡</m:t>
                     </m:r>
                   </m:oMath>
                 </a14:m>
@@ -15609,7 +17646,7 @@
             </p:txBody>
           </p:sp>
         </mc:Choice>
-        <mc:Fallback xmlns="">
+        <mc:Fallback>
           <p:sp>
             <p:nvSpPr>
               <p:cNvPr id="3" name="内容占位符 2">
@@ -15672,7 +17709,7 @@
           <a:p>
             <a:fld id="{3F9DB605-36F8-4880-A1BE-3C72DF21D035}" type="slidenum">
               <a:rPr lang="en-US" smtClean="0"/>
-              <a:t>6</a:t>
+              <a:t>5</a:t>
             </a:fld>
             <a:endParaRPr lang="en-US"/>
           </a:p>
@@ -16103,7 +18140,7 @@
 </p:sld>
 </file>
 
-<file path=ppt/slides/slide7.xml><?xml version="1.0" encoding="utf-8"?>
+<file path=ppt/slides/slide6.xml><?xml version="1.0" encoding="utf-8"?>
 <p:sld xmlns:a="http://schemas.openxmlformats.org/drawingml/2006/main" xmlns:r="http://schemas.openxmlformats.org/officeDocument/2006/relationships" xmlns:p="http://schemas.openxmlformats.org/presentationml/2006/main">
   <p:cSld>
     <p:spTree>
@@ -16231,7 +18268,7 @@
               <a:rPr lang="en-US" dirty="0">
                 <a:latin typeface="Bell MT" panose="02020503060305020303" pitchFamily="18" charset="0"/>
               </a:rPr>
-              <a:t>It works in some economic way…</a:t>
+              <a:t>Economic assumption: humans are created rational (selfish)!</a:t>
             </a:r>
           </a:p>
         </p:txBody>
@@ -16259,7 +18296,7 @@
           <a:p>
             <a:fld id="{3F9DB605-36F8-4880-A1BE-3C72DF21D035}" type="slidenum">
               <a:rPr lang="en-US" smtClean="0"/>
-              <a:t>7</a:t>
+              <a:t>6</a:t>
             </a:fld>
             <a:endParaRPr lang="en-US"/>
           </a:p>
@@ -16553,7 +18590,7 @@
 </p:sld>
 </file>
 
-<file path=ppt/slides/slide8.xml><?xml version="1.0" encoding="utf-8"?>
+<file path=ppt/slides/slide7.xml><?xml version="1.0" encoding="utf-8"?>
 <p:sld xmlns:a="http://schemas.openxmlformats.org/drawingml/2006/main" xmlns:r="http://schemas.openxmlformats.org/officeDocument/2006/relationships" xmlns:p="http://schemas.openxmlformats.org/presentationml/2006/main">
   <p:cSld>
     <p:spTree>
@@ -16748,7 +18785,7 @@
           <a:p>
             <a:fld id="{3F9DB605-36F8-4880-A1BE-3C72DF21D035}" type="slidenum">
               <a:rPr lang="en-US" smtClean="0"/>
-              <a:t>8</a:t>
+              <a:t>7</a:t>
             </a:fld>
             <a:endParaRPr lang="en-US"/>
           </a:p>
@@ -17045,7 +19082,7 @@
 </p:sld>
 </file>
 
-<file path=ppt/slides/slide9.xml><?xml version="1.0" encoding="utf-8"?>
+<file path=ppt/slides/slide8.xml><?xml version="1.0" encoding="utf-8"?>
 <p:sld xmlns:a="http://schemas.openxmlformats.org/drawingml/2006/main" xmlns:r="http://schemas.openxmlformats.org/officeDocument/2006/relationships" xmlns:p="http://schemas.openxmlformats.org/presentationml/2006/main">
   <p:cSld>
     <p:spTree>
@@ -17090,8 +19127,8 @@
           </a:p>
         </p:txBody>
       </p:sp>
-      <mc:AlternateContent xmlns:mc="http://schemas.openxmlformats.org/markup-compatibility/2006" xmlns:a14="http://schemas.microsoft.com/office/drawing/2010/main">
-        <mc:Choice Requires="a14">
+      <mc:AlternateContent xmlns:mc="http://schemas.openxmlformats.org/markup-compatibility/2006">
+        <mc:Choice xmlns:a14="http://schemas.microsoft.com/office/drawing/2010/main" Requires="a14">
           <p:sp>
             <p:nvSpPr>
               <p:cNvPr id="3" name="内容占位符 2">
@@ -17116,7 +19153,7 @@
             </p:spPr>
             <p:txBody>
               <a:bodyPr>
-                <a:normAutofit fontScale="92500" lnSpcReduction="20000"/>
+                <a:normAutofit fontScale="85000" lnSpcReduction="20000"/>
               </a:bodyPr>
               <a:lstStyle/>
               <a:p>
@@ -17216,6 +19253,25 @@
                 </a:r>
               </a:p>
               <a:p>
+                <a:r>
+                  <a:rPr lang="en-US" i="1" dirty="0">
+                    <a:solidFill>
+                      <a:schemeClr val="accent6">
+                        <a:lumMod val="75000"/>
+                      </a:schemeClr>
+                    </a:solidFill>
+                  </a:rPr>
+                  <a:t>Verification of training: </a:t>
+                </a:r>
+                <a:br>
+                  <a:rPr lang="en-US" i="1" dirty="0">
+                    <a:solidFill>
+                      <a:schemeClr val="accent6">
+                        <a:lumMod val="75000"/>
+                      </a:schemeClr>
+                    </a:solidFill>
+                  </a:rPr>
+                </a:br>
                 <a:r>
                   <a:rPr lang="en-US" i="1" dirty="0">
                     <a:solidFill>
@@ -17433,6 +19489,25 @@
                       </a:schemeClr>
                     </a:solidFill>
                   </a:rPr>
+                  <a:t>Verification of inference:</a:t>
+                </a:r>
+                <a:br>
+                  <a:rPr lang="en-US" i="1" dirty="0">
+                    <a:solidFill>
+                      <a:schemeClr val="accent6">
+                        <a:lumMod val="75000"/>
+                      </a:schemeClr>
+                    </a:solidFill>
+                  </a:rPr>
+                </a:br>
+                <a:r>
+                  <a:rPr lang="en-US" i="1" dirty="0">
+                    <a:solidFill>
+                      <a:schemeClr val="accent6">
+                        <a:lumMod val="75000"/>
+                      </a:schemeClr>
+                    </a:solidFill>
+                  </a:rPr>
                   <a:t>“The model classifies </a:t>
                 </a:r>
                 <a14:m>
@@ -17561,7 +19636,7 @@
             </p:txBody>
           </p:sp>
         </mc:Choice>
-        <mc:Fallback xmlns="">
+        <mc:Fallback>
           <p:sp>
             <p:nvSpPr>
               <p:cNvPr id="3" name="内容占位符 2">
@@ -17586,7 +19661,7 @@
               <a:blipFill>
                 <a:blip r:embed="rId2"/>
                 <a:stretch>
-                  <a:fillRect l="-1043" t="-3264"/>
+                  <a:fillRect l="-928" t="-2872" b="-1175"/>
                 </a:stretch>
               </a:blipFill>
             </p:spPr>
@@ -17628,7 +19703,7 @@
           <a:p>
             <a:fld id="{3F9DB605-36F8-4880-A1BE-3C72DF21D035}" type="slidenum">
               <a:rPr lang="en-US" smtClean="0"/>
-              <a:t>9</a:t>
+              <a:t>8</a:t>
             </a:fld>
             <a:endParaRPr lang="en-US"/>
           </a:p>
@@ -18029,6 +20104,537 @@
                                               <p:pRg st="7" end="7"/>
                                             </p:txEl>
                                           </p:spTgt>
+                                        </p:tgtEl>
+                                        <p:attrNameLst>
+                                          <p:attrName>style.visibility</p:attrName>
+                                        </p:attrNameLst>
+                                      </p:cBhvr>
+                                      <p:to>
+                                        <p:strVal val="visible"/>
+                                      </p:to>
+                                    </p:set>
+                                  </p:childTnLst>
+                                </p:cTn>
+                              </p:par>
+                            </p:childTnLst>
+                          </p:cTn>
+                        </p:par>
+                      </p:childTnLst>
+                    </p:cTn>
+                  </p:par>
+                </p:childTnLst>
+              </p:cTn>
+              <p:prevCondLst>
+                <p:cond evt="onPrev" delay="0">
+                  <p:tgtEl>
+                    <p:sldTgt/>
+                  </p:tgtEl>
+                </p:cond>
+              </p:prevCondLst>
+              <p:nextCondLst>
+                <p:cond evt="onNext" delay="0">
+                  <p:tgtEl>
+                    <p:sldTgt/>
+                  </p:tgtEl>
+                </p:cond>
+              </p:nextCondLst>
+            </p:seq>
+          </p:childTnLst>
+        </p:cTn>
+      </p:par>
+    </p:tnLst>
+  </p:timing>
+</p:sld>
+</file>
+
+<file path=ppt/slides/slide9.xml><?xml version="1.0" encoding="utf-8"?>
+<p:sld xmlns:a="http://schemas.openxmlformats.org/drawingml/2006/main" xmlns:r="http://schemas.openxmlformats.org/officeDocument/2006/relationships" xmlns:p="http://schemas.openxmlformats.org/presentationml/2006/main">
+  <p:cSld>
+    <p:spTree>
+      <p:nvGrpSpPr>
+        <p:cNvPr id="1" name=""/>
+        <p:cNvGrpSpPr/>
+        <p:nvPr/>
+      </p:nvGrpSpPr>
+      <p:grpSpPr>
+        <a:xfrm>
+          <a:off x="0" y="0"/>
+          <a:ext cx="0" cy="0"/>
+          <a:chOff x="0" y="0"/>
+          <a:chExt cx="0" cy="0"/>
+        </a:xfrm>
+      </p:grpSpPr>
+      <p:sp>
+        <p:nvSpPr>
+          <p:cNvPr id="2" name="标题 1">
+            <a:extLst>
+              <a:ext uri="{FF2B5EF4-FFF2-40B4-BE49-F238E27FC236}">
+                <a16:creationId xmlns:a16="http://schemas.microsoft.com/office/drawing/2014/main" id="{01E71860-3228-7C02-A16C-5A460775781A}"/>
+              </a:ext>
+            </a:extLst>
+          </p:cNvPr>
+          <p:cNvSpPr>
+            <a:spLocks noGrp="1"/>
+          </p:cNvSpPr>
+          <p:nvPr>
+            <p:ph type="title"/>
+          </p:nvPr>
+        </p:nvSpPr>
+        <p:spPr/>
+        <p:txBody>
+          <a:bodyPr/>
+          <a:lstStyle/>
+          <a:p>
+            <a:r>
+              <a:rPr lang="en-US" dirty="0"/>
+              <a:t>Attempted Solution: Capture-The-Flag</a:t>
+            </a:r>
+          </a:p>
+        </p:txBody>
+      </p:sp>
+      <p:sp>
+        <p:nvSpPr>
+          <p:cNvPr id="3" name="内容占位符 2">
+            <a:extLst>
+              <a:ext uri="{FF2B5EF4-FFF2-40B4-BE49-F238E27FC236}">
+                <a16:creationId xmlns:a16="http://schemas.microsoft.com/office/drawing/2014/main" id="{B54C5B2A-439E-76F5-D6E9-4AC9F11E9840}"/>
+              </a:ext>
+            </a:extLst>
+          </p:cNvPr>
+          <p:cNvSpPr>
+            <a:spLocks noGrp="1"/>
+          </p:cNvSpPr>
+          <p:nvPr>
+            <p:ph idx="1"/>
+          </p:nvPr>
+        </p:nvSpPr>
+        <p:spPr>
+          <a:xfrm>
+            <a:off x="838200" y="1551305"/>
+            <a:ext cx="10515600" cy="4351338"/>
+          </a:xfrm>
+        </p:spPr>
+        <p:txBody>
+          <a:bodyPr/>
+          <a:lstStyle/>
+          <a:p>
+            <a:pPr marL="457200" lvl="1" indent="0">
+              <a:buNone/>
+            </a:pPr>
+            <a:endParaRPr lang="en-US" dirty="0"/>
+          </a:p>
+          <a:p>
+            <a:r>
+              <a:rPr lang="en-US" dirty="0"/>
+              <a:t>Existing works (e.g. </a:t>
+            </a:r>
+            <a:r>
+              <a:rPr lang="en-US" dirty="0" err="1">
+                <a:solidFill>
+                  <a:schemeClr val="accent4">
+                    <a:lumMod val="75000"/>
+                  </a:schemeClr>
+                </a:solidFill>
+              </a:rPr>
+              <a:t>Truebit</a:t>
+            </a:r>
+            <a:r>
+              <a:rPr lang="en-US" dirty="0"/>
+              <a:t>): inject additional information (“flags”, non-binary verification) and reward detection of flags.</a:t>
+            </a:r>
+          </a:p>
+          <a:p>
+            <a:r>
+              <a:rPr lang="en-US" dirty="0"/>
+              <a:t>Can only prevent lazy behavior, but </a:t>
+            </a:r>
+            <a:r>
+              <a:rPr lang="en-US" altLang="zh-CN" dirty="0"/>
+              <a:t>what about</a:t>
+            </a:r>
+            <a:r>
+              <a:rPr lang="en-US" dirty="0"/>
+              <a:t> malicious “liars”?</a:t>
+            </a:r>
+          </a:p>
+          <a:p>
+            <a:pPr lvl="1"/>
+            <a:r>
+              <a:rPr lang="en-US" dirty="0"/>
+              <a:t>If the verification result is also expensive to verify…</a:t>
+            </a:r>
+          </a:p>
+          <a:p>
+            <a:pPr lvl="1"/>
+            <a:r>
+              <a:rPr lang="en-US" dirty="0"/>
+              <a:t>We need higher-level verifiers to verify the results.</a:t>
+            </a:r>
+          </a:p>
+          <a:p>
+            <a:pPr lvl="1"/>
+            <a:r>
+              <a:rPr lang="en-US" dirty="0"/>
+              <a:t>How many layers of verifiers do we need?</a:t>
+            </a:r>
+          </a:p>
+        </p:txBody>
+      </p:sp>
+      <p:pic>
+        <p:nvPicPr>
+          <p:cNvPr id="5" name="图片 4" descr="卡通人物&#10;&#10;低可信度描述已自动生成">
+            <a:extLst>
+              <a:ext uri="{FF2B5EF4-FFF2-40B4-BE49-F238E27FC236}">
+                <a16:creationId xmlns:a16="http://schemas.microsoft.com/office/drawing/2014/main" id="{A8701E67-9B4B-463F-09F6-521717525D12}"/>
+              </a:ext>
+            </a:extLst>
+          </p:cNvPr>
+          <p:cNvPicPr>
+            <a:picLocks noChangeAspect="1"/>
+          </p:cNvPicPr>
+          <p:nvPr/>
+        </p:nvPicPr>
+        <p:blipFill>
+          <a:blip r:embed="rId3">
+            <a:extLst>
+              <a:ext uri="{28A0092B-C50C-407E-A947-70E740481C1C}">
+                <a14:useLocalDpi xmlns:a14="http://schemas.microsoft.com/office/drawing/2010/main" val="0"/>
+              </a:ext>
+            </a:extLst>
+          </a:blip>
+          <a:stretch>
+            <a:fillRect/>
+          </a:stretch>
+        </p:blipFill>
+        <p:spPr>
+          <a:xfrm>
+            <a:off x="4046318" y="4757283"/>
+            <a:ext cx="4099364" cy="1735592"/>
+          </a:xfrm>
+          <a:prstGeom prst="rect">
+            <a:avLst/>
+          </a:prstGeom>
+        </p:spPr>
+      </p:pic>
+      <p:sp>
+        <p:nvSpPr>
+          <p:cNvPr id="4" name="Slide Number Placeholder 3">
+            <a:extLst>
+              <a:ext uri="{FF2B5EF4-FFF2-40B4-BE49-F238E27FC236}">
+                <a16:creationId xmlns:a16="http://schemas.microsoft.com/office/drawing/2014/main" id="{20E74934-FB11-FFA4-534A-52D5C80F2CC7}"/>
+              </a:ext>
+            </a:extLst>
+          </p:cNvPr>
+          <p:cNvSpPr>
+            <a:spLocks noGrp="1"/>
+          </p:cNvSpPr>
+          <p:nvPr>
+            <p:ph type="sldNum" sz="quarter" idx="12"/>
+          </p:nvPr>
+        </p:nvSpPr>
+        <p:spPr/>
+        <p:txBody>
+          <a:bodyPr/>
+          <a:lstStyle/>
+          <a:p>
+            <a:fld id="{3F9DB605-36F8-4880-A1BE-3C72DF21D035}" type="slidenum">
+              <a:rPr lang="en-US" smtClean="0"/>
+              <a:t>9</a:t>
+            </a:fld>
+            <a:endParaRPr lang="en-US"/>
+          </a:p>
+        </p:txBody>
+      </p:sp>
+    </p:spTree>
+    <p:extLst>
+      <p:ext uri="{BB962C8B-B14F-4D97-AF65-F5344CB8AC3E}">
+        <p14:creationId xmlns:p14="http://schemas.microsoft.com/office/powerpoint/2010/main" val="2557916133"/>
+      </p:ext>
+    </p:extLst>
+  </p:cSld>
+  <p:clrMapOvr>
+    <a:masterClrMapping/>
+  </p:clrMapOvr>
+  <p:timing>
+    <p:tnLst>
+      <p:par>
+        <p:cTn id="1" dur="indefinite" restart="never" nodeType="tmRoot">
+          <p:childTnLst>
+            <p:seq concurrent="1" nextAc="seek">
+              <p:cTn id="2" dur="indefinite" nodeType="mainSeq">
+                <p:childTnLst>
+                  <p:par>
+                    <p:cTn id="3" fill="hold">
+                      <p:stCondLst>
+                        <p:cond delay="indefinite"/>
+                      </p:stCondLst>
+                      <p:childTnLst>
+                        <p:par>
+                          <p:cTn id="4" fill="hold">
+                            <p:stCondLst>
+                              <p:cond delay="0"/>
+                            </p:stCondLst>
+                            <p:childTnLst>
+                              <p:par>
+                                <p:cTn id="5" presetID="1" presetClass="entr" presetSubtype="0" fill="hold" nodeType="clickEffect">
+                                  <p:stCondLst>
+                                    <p:cond delay="0"/>
+                                  </p:stCondLst>
+                                  <p:childTnLst>
+                                    <p:set>
+                                      <p:cBhvr>
+                                        <p:cTn id="6" dur="1" fill="hold">
+                                          <p:stCondLst>
+                                            <p:cond delay="0"/>
+                                          </p:stCondLst>
+                                        </p:cTn>
+                                        <p:tgtEl>
+                                          <p:spTgt spid="3">
+                                            <p:txEl>
+                                              <p:pRg st="1" end="1"/>
+                                            </p:txEl>
+                                          </p:spTgt>
+                                        </p:tgtEl>
+                                        <p:attrNameLst>
+                                          <p:attrName>style.visibility</p:attrName>
+                                        </p:attrNameLst>
+                                      </p:cBhvr>
+                                      <p:to>
+                                        <p:strVal val="visible"/>
+                                      </p:to>
+                                    </p:set>
+                                  </p:childTnLst>
+                                </p:cTn>
+                              </p:par>
+                            </p:childTnLst>
+                          </p:cTn>
+                        </p:par>
+                      </p:childTnLst>
+                    </p:cTn>
+                  </p:par>
+                  <p:par>
+                    <p:cTn id="7" fill="hold">
+                      <p:stCondLst>
+                        <p:cond delay="indefinite"/>
+                      </p:stCondLst>
+                      <p:childTnLst>
+                        <p:par>
+                          <p:cTn id="8" fill="hold">
+                            <p:stCondLst>
+                              <p:cond delay="0"/>
+                            </p:stCondLst>
+                            <p:childTnLst>
+                              <p:par>
+                                <p:cTn id="9" presetID="1" presetClass="entr" presetSubtype="0" fill="hold" nodeType="clickEffect">
+                                  <p:stCondLst>
+                                    <p:cond delay="0"/>
+                                  </p:stCondLst>
+                                  <p:childTnLst>
+                                    <p:set>
+                                      <p:cBhvr>
+                                        <p:cTn id="10" dur="1" fill="hold">
+                                          <p:stCondLst>
+                                            <p:cond delay="0"/>
+                                          </p:stCondLst>
+                                        </p:cTn>
+                                        <p:tgtEl>
+                                          <p:spTgt spid="3">
+                                            <p:txEl>
+                                              <p:pRg st="2" end="2"/>
+                                            </p:txEl>
+                                          </p:spTgt>
+                                        </p:tgtEl>
+                                        <p:attrNameLst>
+                                          <p:attrName>style.visibility</p:attrName>
+                                        </p:attrNameLst>
+                                      </p:cBhvr>
+                                      <p:to>
+                                        <p:strVal val="visible"/>
+                                      </p:to>
+                                    </p:set>
+                                  </p:childTnLst>
+                                </p:cTn>
+                              </p:par>
+                            </p:childTnLst>
+                          </p:cTn>
+                        </p:par>
+                      </p:childTnLst>
+                    </p:cTn>
+                  </p:par>
+                  <p:par>
+                    <p:cTn id="11" fill="hold">
+                      <p:stCondLst>
+                        <p:cond delay="indefinite"/>
+                      </p:stCondLst>
+                      <p:childTnLst>
+                        <p:par>
+                          <p:cTn id="12" fill="hold">
+                            <p:stCondLst>
+                              <p:cond delay="0"/>
+                            </p:stCondLst>
+                            <p:childTnLst>
+                              <p:par>
+                                <p:cTn id="13" presetID="1" presetClass="entr" presetSubtype="0" fill="hold" nodeType="clickEffect">
+                                  <p:stCondLst>
+                                    <p:cond delay="0"/>
+                                  </p:stCondLst>
+                                  <p:childTnLst>
+                                    <p:set>
+                                      <p:cBhvr>
+                                        <p:cTn id="14" dur="1" fill="hold">
+                                          <p:stCondLst>
+                                            <p:cond delay="0"/>
+                                          </p:stCondLst>
+                                        </p:cTn>
+                                        <p:tgtEl>
+                                          <p:spTgt spid="3">
+                                            <p:txEl>
+                                              <p:pRg st="3" end="3"/>
+                                            </p:txEl>
+                                          </p:spTgt>
+                                        </p:tgtEl>
+                                        <p:attrNameLst>
+                                          <p:attrName>style.visibility</p:attrName>
+                                        </p:attrNameLst>
+                                      </p:cBhvr>
+                                      <p:to>
+                                        <p:strVal val="visible"/>
+                                      </p:to>
+                                    </p:set>
+                                  </p:childTnLst>
+                                </p:cTn>
+                              </p:par>
+                            </p:childTnLst>
+                          </p:cTn>
+                        </p:par>
+                      </p:childTnLst>
+                    </p:cTn>
+                  </p:par>
+                  <p:par>
+                    <p:cTn id="15" fill="hold">
+                      <p:stCondLst>
+                        <p:cond delay="indefinite"/>
+                      </p:stCondLst>
+                      <p:childTnLst>
+                        <p:par>
+                          <p:cTn id="16" fill="hold">
+                            <p:stCondLst>
+                              <p:cond delay="0"/>
+                            </p:stCondLst>
+                            <p:childTnLst>
+                              <p:par>
+                                <p:cTn id="17" presetID="1" presetClass="entr" presetSubtype="0" fill="hold" nodeType="clickEffect">
+                                  <p:stCondLst>
+                                    <p:cond delay="0"/>
+                                  </p:stCondLst>
+                                  <p:childTnLst>
+                                    <p:set>
+                                      <p:cBhvr>
+                                        <p:cTn id="18" dur="1" fill="hold">
+                                          <p:stCondLst>
+                                            <p:cond delay="0"/>
+                                          </p:stCondLst>
+                                        </p:cTn>
+                                        <p:tgtEl>
+                                          <p:spTgt spid="3">
+                                            <p:txEl>
+                                              <p:pRg st="4" end="4"/>
+                                            </p:txEl>
+                                          </p:spTgt>
+                                        </p:tgtEl>
+                                        <p:attrNameLst>
+                                          <p:attrName>style.visibility</p:attrName>
+                                        </p:attrNameLst>
+                                      </p:cBhvr>
+                                      <p:to>
+                                        <p:strVal val="visible"/>
+                                      </p:to>
+                                    </p:set>
+                                  </p:childTnLst>
+                                </p:cTn>
+                              </p:par>
+                            </p:childTnLst>
+                          </p:cTn>
+                        </p:par>
+                      </p:childTnLst>
+                    </p:cTn>
+                  </p:par>
+                  <p:par>
+                    <p:cTn id="19" fill="hold">
+                      <p:stCondLst>
+                        <p:cond delay="indefinite"/>
+                      </p:stCondLst>
+                      <p:childTnLst>
+                        <p:par>
+                          <p:cTn id="20" fill="hold">
+                            <p:stCondLst>
+                              <p:cond delay="0"/>
+                            </p:stCondLst>
+                            <p:childTnLst>
+                              <p:par>
+                                <p:cTn id="21" presetID="1" presetClass="entr" presetSubtype="0" fill="hold" nodeType="clickEffect">
+                                  <p:stCondLst>
+                                    <p:cond delay="0"/>
+                                  </p:stCondLst>
+                                  <p:childTnLst>
+                                    <p:set>
+                                      <p:cBhvr>
+                                        <p:cTn id="22" dur="1" fill="hold">
+                                          <p:stCondLst>
+                                            <p:cond delay="0"/>
+                                          </p:stCondLst>
+                                        </p:cTn>
+                                        <p:tgtEl>
+                                          <p:spTgt spid="3">
+                                            <p:txEl>
+                                              <p:pRg st="5" end="5"/>
+                                            </p:txEl>
+                                          </p:spTgt>
+                                        </p:tgtEl>
+                                        <p:attrNameLst>
+                                          <p:attrName>style.visibility</p:attrName>
+                                        </p:attrNameLst>
+                                      </p:cBhvr>
+                                      <p:to>
+                                        <p:strVal val="visible"/>
+                                      </p:to>
+                                    </p:set>
+                                  </p:childTnLst>
+                                </p:cTn>
+                              </p:par>
+                            </p:childTnLst>
+                          </p:cTn>
+                        </p:par>
+                      </p:childTnLst>
+                    </p:cTn>
+                  </p:par>
+                  <p:par>
+                    <p:cTn id="23" fill="hold">
+                      <p:stCondLst>
+                        <p:cond delay="indefinite"/>
+                      </p:stCondLst>
+                      <p:childTnLst>
+                        <p:par>
+                          <p:cTn id="24" fill="hold">
+                            <p:stCondLst>
+                              <p:cond delay="0"/>
+                            </p:stCondLst>
+                            <p:childTnLst>
+                              <p:par>
+                                <p:cTn id="25" presetID="1" presetClass="entr" presetSubtype="0" fill="hold" nodeType="clickEffect">
+                                  <p:stCondLst>
+                                    <p:cond delay="0"/>
+                                  </p:stCondLst>
+                                  <p:childTnLst>
+                                    <p:set>
+                                      <p:cBhvr>
+                                        <p:cTn id="26" dur="1" fill="hold">
+                                          <p:stCondLst>
+                                            <p:cond delay="0"/>
+                                          </p:stCondLst>
+                                        </p:cTn>
+                                        <p:tgtEl>
+                                          <p:spTgt spid="5"/>
                                         </p:tgtEl>
                                         <p:attrNameLst>
                                           <p:attrName>style.visibility</p:attrName>

--- a/2024/VeriPP/VeriPP_informs.pptx
+++ b/2024/VeriPP/VeriPP_informs.pptx
@@ -26,9 +26,9 @@
     <p:sldId id="286" r:id="rId17"/>
     <p:sldId id="290" r:id="rId18"/>
     <p:sldId id="308" r:id="rId19"/>
-    <p:sldId id="306" r:id="rId20"/>
-    <p:sldId id="296" r:id="rId21"/>
-    <p:sldId id="307" r:id="rId22"/>
+    <p:sldId id="311" r:id="rId20"/>
+    <p:sldId id="306" r:id="rId21"/>
+    <p:sldId id="296" r:id="rId22"/>
     <p:sldId id="302" r:id="rId23"/>
   </p:sldIdLst>
   <p:sldSz cx="12192000" cy="6858000"/>
@@ -139,7 +139,7 @@
 <file path=ppt/revisionInfo.xml><?xml version="1.0" encoding="utf-8"?>
 <p1510:revInfo xmlns:a="http://schemas.openxmlformats.org/drawingml/2006/main" xmlns:r="http://schemas.openxmlformats.org/officeDocument/2006/relationships" xmlns:p1510="http://schemas.microsoft.com/office/powerpoint/2015/10/main">
   <p1510:revLst>
-    <p1510:client id="{0FCB1206-7487-46F9-BCE8-9BD8BEB45BA8}" v="5663" dt="2024-07-27T04:36:28.230"/>
+    <p1510:client id="{92E08B68-CC1F-4E91-AB48-804C48822217}" v="844" dt="2024-10-22T21:34:33.513"/>
   </p1510:revLst>
 </p1510:revInfo>
 </file>
@@ -147,66 +147,66 @@
 <file path=ppt/changesInfos/changesInfo1.xml><?xml version="1.0" encoding="utf-8"?>
 <pc:chgInfo xmlns:a="http://schemas.openxmlformats.org/drawingml/2006/main" xmlns:r="http://schemas.openxmlformats.org/officeDocument/2006/relationships" xmlns:ac="http://schemas.microsoft.com/office/drawing/2013/main/command" xmlns:pc="http://schemas.microsoft.com/office/powerpoint/2013/main/command">
   <pc:docChgLst>
-    <pc:chgData name="Zhao, Zishuo" userId="7649741a-9cfe-4c93-b2a6-033691301ee6" providerId="ADAL" clId="{4FA94CCA-5A80-43E2-AE76-2840DE536745}"/>
-    <pc:docChg chg="undo redo custSel addSld delSld modSld sldOrd">
-      <pc:chgData name="Zhao, Zishuo" userId="7649741a-9cfe-4c93-b2a6-033691301ee6" providerId="ADAL" clId="{4FA94CCA-5A80-43E2-AE76-2840DE536745}" dt="2024-07-23T06:41:48.618" v="8066" actId="20577"/>
+    <pc:chgData name="Zishuo Zhao" userId="ef5ec791414ee1cd" providerId="LiveId" clId="{92E08B68-CC1F-4E91-AB48-804C48822217}"/>
+    <pc:docChg chg="undo custSel addSld delSld modSld">
+      <pc:chgData name="Zishuo Zhao" userId="ef5ec791414ee1cd" providerId="LiveId" clId="{92E08B68-CC1F-4E91-AB48-804C48822217}" dt="2024-10-22T21:34:33.512" v="1176" actId="20577"/>
       <pc:docMkLst>
         <pc:docMk/>
       </pc:docMkLst>
-      <pc:sldChg chg="modSp mod addAnim delAnim modAnim">
-        <pc:chgData name="Zhao, Zishuo" userId="7649741a-9cfe-4c93-b2a6-033691301ee6" providerId="ADAL" clId="{4FA94CCA-5A80-43E2-AE76-2840DE536745}" dt="2024-07-23T03:48:36.149" v="5544" actId="20577"/>
+      <pc:sldChg chg="modSp mod">
+        <pc:chgData name="Zishuo Zhao" userId="ef5ec791414ee1cd" providerId="LiveId" clId="{92E08B68-CC1F-4E91-AB48-804C48822217}" dt="2024-10-20T21:55:24.023" v="107" actId="20577"/>
         <pc:sldMkLst>
           <pc:docMk/>
-          <pc:sldMk cId="1748276831" sldId="258"/>
+          <pc:sldMk cId="36229989" sldId="256"/>
         </pc:sldMkLst>
         <pc:spChg chg="mod">
-          <ac:chgData name="Zhao, Zishuo" userId="7649741a-9cfe-4c93-b2a6-033691301ee6" providerId="ADAL" clId="{4FA94CCA-5A80-43E2-AE76-2840DE536745}" dt="2024-07-23T00:48:43.021" v="3008" actId="20577"/>
+          <ac:chgData name="Zishuo Zhao" userId="ef5ec791414ee1cd" providerId="LiveId" clId="{92E08B68-CC1F-4E91-AB48-804C48822217}" dt="2024-10-20T21:55:24.023" v="107" actId="20577"/>
           <ac:spMkLst>
             <pc:docMk/>
-            <pc:sldMk cId="1748276831" sldId="258"/>
-            <ac:spMk id="2" creationId="{200C57B4-7181-A922-EB08-C3772519ABB1}"/>
+            <pc:sldMk cId="36229989" sldId="256"/>
+            <ac:spMk id="2" creationId="{4D7FBB48-A21D-A324-5751-4C15B10D5799}"/>
           </ac:spMkLst>
         </pc:spChg>
         <pc:spChg chg="mod">
-          <ac:chgData name="Zhao, Zishuo" userId="7649741a-9cfe-4c93-b2a6-033691301ee6" providerId="ADAL" clId="{4FA94CCA-5A80-43E2-AE76-2840DE536745}" dt="2024-07-23T03:48:36.149" v="5544" actId="20577"/>
+          <ac:chgData name="Zishuo Zhao" userId="ef5ec791414ee1cd" providerId="LiveId" clId="{92E08B68-CC1F-4E91-AB48-804C48822217}" dt="2024-10-20T21:54:00.435" v="102" actId="20577"/>
           <ac:spMkLst>
             <pc:docMk/>
-            <pc:sldMk cId="1748276831" sldId="258"/>
-            <ac:spMk id="3" creationId="{8005AC93-EDD0-0754-60EC-74AA6ECC1AC8}"/>
+            <pc:sldMk cId="36229989" sldId="256"/>
+            <ac:spMk id="3" creationId="{FD65F120-FC06-37D0-10F2-802D6705DF32}"/>
           </ac:spMkLst>
         </pc:spChg>
       </pc:sldChg>
-      <pc:sldChg chg="addSp modSp mod modAnim">
-        <pc:chgData name="Zhao, Zishuo" userId="7649741a-9cfe-4c93-b2a6-033691301ee6" providerId="ADAL" clId="{4FA94CCA-5A80-43E2-AE76-2840DE536745}" dt="2024-07-23T03:55:30.667" v="5598" actId="207"/>
+      <pc:sldChg chg="modSp mod modAnim">
+        <pc:chgData name="Zishuo Zhao" userId="ef5ec791414ee1cd" providerId="LiveId" clId="{92E08B68-CC1F-4E91-AB48-804C48822217}" dt="2024-10-22T21:28:36.170" v="1174" actId="20577"/>
         <pc:sldMkLst>
           <pc:docMk/>
-          <pc:sldMk cId="3768256014" sldId="259"/>
+          <pc:sldMk cId="2400375966" sldId="257"/>
         </pc:sldMkLst>
         <pc:spChg chg="mod">
-          <ac:chgData name="Zhao, Zishuo" userId="7649741a-9cfe-4c93-b2a6-033691301ee6" providerId="ADAL" clId="{4FA94CCA-5A80-43E2-AE76-2840DE536745}" dt="2024-07-23T03:55:30.667" v="5598" actId="207"/>
+          <ac:chgData name="Zishuo Zhao" userId="ef5ec791414ee1cd" providerId="LiveId" clId="{92E08B68-CC1F-4E91-AB48-804C48822217}" dt="2024-10-22T21:28:36.170" v="1174" actId="20577"/>
           <ac:spMkLst>
             <pc:docMk/>
-            <pc:sldMk cId="3768256014" sldId="259"/>
-            <ac:spMk id="3" creationId="{32CA9A3B-5EF9-1E55-CEEF-BB457B74CBE1}"/>
+            <pc:sldMk cId="2400375966" sldId="257"/>
+            <ac:spMk id="3" creationId="{FDB75375-0282-9894-D5AD-2E786A1A6E0E}"/>
           </ac:spMkLst>
         </pc:spChg>
-        <pc:picChg chg="add mod">
-          <ac:chgData name="Zhao, Zishuo" userId="7649741a-9cfe-4c93-b2a6-033691301ee6" providerId="ADAL" clId="{4FA94CCA-5A80-43E2-AE76-2840DE536745}" dt="2024-07-23T01:45:11.577" v="3181" actId="1076"/>
-          <ac:picMkLst>
-            <pc:docMk/>
-            <pc:sldMk cId="3768256014" sldId="259"/>
-            <ac:picMk id="5" creationId="{6EA3DAED-5552-3322-4B04-4BAF799CA278}"/>
-          </ac:picMkLst>
-        </pc:picChg>
       </pc:sldChg>
-      <pc:sldChg chg="modSp">
-        <pc:chgData name="Zhao, Zishuo" userId="7649741a-9cfe-4c93-b2a6-033691301ee6" providerId="ADAL" clId="{4FA94CCA-5A80-43E2-AE76-2840DE536745}" dt="2024-07-23T04:21:50.651" v="5775" actId="20577"/>
+      <pc:sldChg chg="modSp mod addAnim delAnim modAnim">
+        <pc:chgData name="Zishuo Zhao" userId="ef5ec791414ee1cd" providerId="LiveId" clId="{92E08B68-CC1F-4E91-AB48-804C48822217}" dt="2024-10-21T18:42:45.376" v="260" actId="20577"/>
         <pc:sldMkLst>
           <pc:docMk/>
           <pc:sldMk cId="3966653506" sldId="260"/>
         </pc:sldMkLst>
         <pc:spChg chg="mod">
-          <ac:chgData name="Zhao, Zishuo" userId="7649741a-9cfe-4c93-b2a6-033691301ee6" providerId="ADAL" clId="{4FA94CCA-5A80-43E2-AE76-2840DE536745}" dt="2024-07-23T04:21:50.651" v="5775" actId="20577"/>
+          <ac:chgData name="Zishuo Zhao" userId="ef5ec791414ee1cd" providerId="LiveId" clId="{92E08B68-CC1F-4E91-AB48-804C48822217}" dt="2024-10-21T18:42:45.376" v="260" actId="20577"/>
+          <ac:spMkLst>
+            <pc:docMk/>
+            <pc:sldMk cId="3966653506" sldId="260"/>
+            <ac:spMk id="2" creationId="{1B28DF9C-1887-20D9-FFD1-9E8BDC34B047}"/>
+          </ac:spMkLst>
+        </pc:spChg>
+        <pc:spChg chg="mod">
+          <ac:chgData name="Zishuo Zhao" userId="ef5ec791414ee1cd" providerId="LiveId" clId="{92E08B68-CC1F-4E91-AB48-804C48822217}" dt="2024-10-20T21:58:28.632" v="207" actId="20577"/>
           <ac:spMkLst>
             <pc:docMk/>
             <pc:sldMk cId="3966653506" sldId="260"/>
@@ -214,136 +214,29 @@
           </ac:spMkLst>
         </pc:spChg>
       </pc:sldChg>
-      <pc:sldChg chg="modSp mod">
-        <pc:chgData name="Zhao, Zishuo" userId="7649741a-9cfe-4c93-b2a6-033691301ee6" providerId="ADAL" clId="{4FA94CCA-5A80-43E2-AE76-2840DE536745}" dt="2024-07-23T04:20:21.646" v="5740" actId="1076"/>
+      <pc:sldChg chg="modSp modAnim">
+        <pc:chgData name="Zishuo Zhao" userId="ef5ec791414ee1cd" providerId="LiveId" clId="{92E08B68-CC1F-4E91-AB48-804C48822217}" dt="2024-10-22T16:08:10.855" v="1025" actId="207"/>
         <pc:sldMkLst>
           <pc:docMk/>
           <pc:sldMk cId="2557916133" sldId="261"/>
         </pc:sldMkLst>
         <pc:spChg chg="mod">
-          <ac:chgData name="Zhao, Zishuo" userId="7649741a-9cfe-4c93-b2a6-033691301ee6" providerId="ADAL" clId="{4FA94CCA-5A80-43E2-AE76-2840DE536745}" dt="2024-07-23T04:20:12.747" v="5737" actId="1076"/>
+          <ac:chgData name="Zishuo Zhao" userId="ef5ec791414ee1cd" providerId="LiveId" clId="{92E08B68-CC1F-4E91-AB48-804C48822217}" dt="2024-10-22T16:08:10.855" v="1025" actId="207"/>
           <ac:spMkLst>
             <pc:docMk/>
             <pc:sldMk cId="2557916133" sldId="261"/>
             <ac:spMk id="3" creationId="{B54C5B2A-439E-76F5-D6E9-4AC9F11E9840}"/>
           </ac:spMkLst>
         </pc:spChg>
-        <pc:picChg chg="mod">
-          <ac:chgData name="Zhao, Zishuo" userId="7649741a-9cfe-4c93-b2a6-033691301ee6" providerId="ADAL" clId="{4FA94CCA-5A80-43E2-AE76-2840DE536745}" dt="2024-07-23T04:20:21.646" v="5740" actId="1076"/>
-          <ac:picMkLst>
-            <pc:docMk/>
-            <pc:sldMk cId="2557916133" sldId="261"/>
-            <ac:picMk id="5" creationId="{A8701E67-9B4B-463F-09F6-521717525D12}"/>
-          </ac:picMkLst>
-        </pc:picChg>
-      </pc:sldChg>
-      <pc:sldChg chg="modSp mod modAnim">
-        <pc:chgData name="Zhao, Zishuo" userId="7649741a-9cfe-4c93-b2a6-033691301ee6" providerId="ADAL" clId="{4FA94CCA-5A80-43E2-AE76-2840DE536745}" dt="2024-07-23T04:52:06.326" v="6276" actId="20577"/>
-        <pc:sldMkLst>
-          <pc:docMk/>
-          <pc:sldMk cId="1378615676" sldId="262"/>
-        </pc:sldMkLst>
-        <pc:spChg chg="mod">
-          <ac:chgData name="Zhao, Zishuo" userId="7649741a-9cfe-4c93-b2a6-033691301ee6" providerId="ADAL" clId="{4FA94CCA-5A80-43E2-AE76-2840DE536745}" dt="2024-07-23T04:05:14.205" v="5631" actId="20577"/>
-          <ac:spMkLst>
-            <pc:docMk/>
-            <pc:sldMk cId="1378615676" sldId="262"/>
-            <ac:spMk id="2" creationId="{84099C98-5995-7916-20AF-82F8E5972695}"/>
-          </ac:spMkLst>
-        </pc:spChg>
-        <pc:spChg chg="mod">
-          <ac:chgData name="Zhao, Zishuo" userId="7649741a-9cfe-4c93-b2a6-033691301ee6" providerId="ADAL" clId="{4FA94CCA-5A80-43E2-AE76-2840DE536745}" dt="2024-07-23T04:52:06.326" v="6276" actId="20577"/>
-          <ac:spMkLst>
-            <pc:docMk/>
-            <pc:sldMk cId="1378615676" sldId="262"/>
-            <ac:spMk id="3" creationId="{4AB621D2-4707-E4AE-B2A5-125696D99EEB}"/>
-          </ac:spMkLst>
-        </pc:spChg>
-        <pc:graphicFrameChg chg="mod">
-          <ac:chgData name="Zhao, Zishuo" userId="7649741a-9cfe-4c93-b2a6-033691301ee6" providerId="ADAL" clId="{4FA94CCA-5A80-43E2-AE76-2840DE536745}" dt="2024-07-21T14:56:13.704" v="1603" actId="1076"/>
-          <ac:graphicFrameMkLst>
-            <pc:docMk/>
-            <pc:sldMk cId="1378615676" sldId="262"/>
-            <ac:graphicFrameMk id="5" creationId="{8608B5C6-0428-003B-3E5D-23D3CA629B30}"/>
-          </ac:graphicFrameMkLst>
-        </pc:graphicFrameChg>
-        <pc:graphicFrameChg chg="mod">
-          <ac:chgData name="Zhao, Zishuo" userId="7649741a-9cfe-4c93-b2a6-033691301ee6" providerId="ADAL" clId="{4FA94CCA-5A80-43E2-AE76-2840DE536745}" dt="2024-07-21T14:56:22.268" v="1604" actId="1076"/>
-          <ac:graphicFrameMkLst>
-            <pc:docMk/>
-            <pc:sldMk cId="1378615676" sldId="262"/>
-            <ac:graphicFrameMk id="6" creationId="{0F233457-F012-C11A-AE25-A7F5B405A1D6}"/>
-          </ac:graphicFrameMkLst>
-        </pc:graphicFrameChg>
-      </pc:sldChg>
-      <pc:sldChg chg="modSp">
-        <pc:chgData name="Zhao, Zishuo" userId="7649741a-9cfe-4c93-b2a6-033691301ee6" providerId="ADAL" clId="{4FA94CCA-5A80-43E2-AE76-2840DE536745}" dt="2024-07-23T03:44:00.865" v="5496"/>
-        <pc:sldMkLst>
-          <pc:docMk/>
-          <pc:sldMk cId="604854990" sldId="263"/>
-        </pc:sldMkLst>
-        <pc:graphicFrameChg chg="mod">
-          <ac:chgData name="Zhao, Zishuo" userId="7649741a-9cfe-4c93-b2a6-033691301ee6" providerId="ADAL" clId="{4FA94CCA-5A80-43E2-AE76-2840DE536745}" dt="2024-07-23T03:44:00.865" v="5496"/>
-          <ac:graphicFrameMkLst>
-            <pc:docMk/>
-            <pc:sldMk cId="604854990" sldId="263"/>
-            <ac:graphicFrameMk id="4" creationId="{AAE8C754-D3FB-B375-EDCF-19913284C610}"/>
-          </ac:graphicFrameMkLst>
-        </pc:graphicFrameChg>
       </pc:sldChg>
       <pc:sldChg chg="modSp modAnim">
-        <pc:chgData name="Zhao, Zishuo" userId="7649741a-9cfe-4c93-b2a6-033691301ee6" providerId="ADAL" clId="{4FA94CCA-5A80-43E2-AE76-2840DE536745}" dt="2024-07-23T03:43:55.965" v="5495"/>
-        <pc:sldMkLst>
-          <pc:docMk/>
-          <pc:sldMk cId="1956174155" sldId="264"/>
-        </pc:sldMkLst>
-        <pc:spChg chg="mod">
-          <ac:chgData name="Zhao, Zishuo" userId="7649741a-9cfe-4c93-b2a6-033691301ee6" providerId="ADAL" clId="{4FA94CCA-5A80-43E2-AE76-2840DE536745}" dt="2024-07-23T03:43:55.965" v="5495"/>
-          <ac:spMkLst>
-            <pc:docMk/>
-            <pc:sldMk cId="1956174155" sldId="264"/>
-            <ac:spMk id="3" creationId="{B5964FDA-DB5A-99B6-5DC9-C65D241B00F7}"/>
-          </ac:spMkLst>
-        </pc:spChg>
-      </pc:sldChg>
-      <pc:sldChg chg="modSp mod">
-        <pc:chgData name="Zhao, Zishuo" userId="7649741a-9cfe-4c93-b2a6-033691301ee6" providerId="ADAL" clId="{4FA94CCA-5A80-43E2-AE76-2840DE536745}" dt="2024-07-23T03:25:14.048" v="4920" actId="20577"/>
-        <pc:sldMkLst>
-          <pc:docMk/>
-          <pc:sldMk cId="1935707286" sldId="268"/>
-        </pc:sldMkLst>
-        <pc:spChg chg="mod">
-          <ac:chgData name="Zhao, Zishuo" userId="7649741a-9cfe-4c93-b2a6-033691301ee6" providerId="ADAL" clId="{4FA94CCA-5A80-43E2-AE76-2840DE536745}" dt="2024-07-23T03:25:14.048" v="4920" actId="20577"/>
-          <ac:spMkLst>
-            <pc:docMk/>
-            <pc:sldMk cId="1935707286" sldId="268"/>
-            <ac:spMk id="2" creationId="{83E41B07-666C-5045-B1A5-9083428846BC}"/>
-          </ac:spMkLst>
-        </pc:spChg>
-      </pc:sldChg>
-      <pc:sldChg chg="modSp">
-        <pc:chgData name="Zhao, Zishuo" userId="7649741a-9cfe-4c93-b2a6-033691301ee6" providerId="ADAL" clId="{4FA94CCA-5A80-43E2-AE76-2840DE536745}" dt="2024-07-23T03:52:41.907" v="5549"/>
-        <pc:sldMkLst>
-          <pc:docMk/>
-          <pc:sldMk cId="2983637389" sldId="270"/>
-        </pc:sldMkLst>
-        <pc:spChg chg="mod">
-          <ac:chgData name="Zhao, Zishuo" userId="7649741a-9cfe-4c93-b2a6-033691301ee6" providerId="ADAL" clId="{4FA94CCA-5A80-43E2-AE76-2840DE536745}" dt="2024-07-23T03:52:41.907" v="5549"/>
-          <ac:spMkLst>
-            <pc:docMk/>
-            <pc:sldMk cId="2983637389" sldId="270"/>
-            <ac:spMk id="3" creationId="{7FFA4836-AB0D-C895-0EF4-E1C8228E8B0B}"/>
-          </ac:spMkLst>
-        </pc:spChg>
-      </pc:sldChg>
-      <pc:sldChg chg="modSp">
-        <pc:chgData name="Zhao, Zishuo" userId="7649741a-9cfe-4c93-b2a6-033691301ee6" providerId="ADAL" clId="{4FA94CCA-5A80-43E2-AE76-2840DE536745}" dt="2024-07-23T01:40:27.399" v="3035" actId="2711"/>
+        <pc:chgData name="Zishuo Zhao" userId="ef5ec791414ee1cd" providerId="LiveId" clId="{92E08B68-CC1F-4E91-AB48-804C48822217}" dt="2024-10-20T21:57:37.119" v="200" actId="20577"/>
         <pc:sldMkLst>
           <pc:docMk/>
           <pc:sldMk cId="1171240737" sldId="272"/>
         </pc:sldMkLst>
         <pc:spChg chg="mod">
-          <ac:chgData name="Zhao, Zishuo" userId="7649741a-9cfe-4c93-b2a6-033691301ee6" providerId="ADAL" clId="{4FA94CCA-5A80-43E2-AE76-2840DE536745}" dt="2024-07-23T01:40:27.399" v="3035" actId="2711"/>
+          <ac:chgData name="Zishuo Zhao" userId="ef5ec791414ee1cd" providerId="LiveId" clId="{92E08B68-CC1F-4E91-AB48-804C48822217}" dt="2024-10-20T21:57:33.971" v="195" actId="20577"/>
           <ac:spMkLst>
             <pc:docMk/>
             <pc:sldMk cId="1171240737" sldId="272"/>
@@ -352,157 +245,28 @@
         </pc:spChg>
       </pc:sldChg>
       <pc:sldChg chg="modSp">
-        <pc:chgData name="Zhao, Zishuo" userId="7649741a-9cfe-4c93-b2a6-033691301ee6" providerId="ADAL" clId="{4FA94CCA-5A80-43E2-AE76-2840DE536745}" dt="2024-07-23T03:58:24.205" v="5604" actId="113"/>
-        <pc:sldMkLst>
-          <pc:docMk/>
-          <pc:sldMk cId="1401459705" sldId="273"/>
-        </pc:sldMkLst>
-        <pc:spChg chg="mod">
-          <ac:chgData name="Zhao, Zishuo" userId="7649741a-9cfe-4c93-b2a6-033691301ee6" providerId="ADAL" clId="{4FA94CCA-5A80-43E2-AE76-2840DE536745}" dt="2024-07-23T03:58:24.205" v="5604" actId="113"/>
-          <ac:spMkLst>
-            <pc:docMk/>
-            <pc:sldMk cId="1401459705" sldId="273"/>
-            <ac:spMk id="3" creationId="{744AC02F-A8DD-7FD4-33A6-FD102B8EC36E}"/>
-          </ac:spMkLst>
-        </pc:spChg>
-      </pc:sldChg>
-      <pc:sldChg chg="modSp">
-        <pc:chgData name="Zhao, Zishuo" userId="7649741a-9cfe-4c93-b2a6-033691301ee6" providerId="ADAL" clId="{4FA94CCA-5A80-43E2-AE76-2840DE536745}" dt="2024-07-23T03:17:45.866" v="4872" actId="20577"/>
-        <pc:sldMkLst>
-          <pc:docMk/>
-          <pc:sldMk cId="2783740582" sldId="274"/>
-        </pc:sldMkLst>
-        <pc:spChg chg="mod">
-          <ac:chgData name="Zhao, Zishuo" userId="7649741a-9cfe-4c93-b2a6-033691301ee6" providerId="ADAL" clId="{4FA94CCA-5A80-43E2-AE76-2840DE536745}" dt="2024-07-23T03:17:45.866" v="4872" actId="20577"/>
-          <ac:spMkLst>
-            <pc:docMk/>
-            <pc:sldMk cId="2783740582" sldId="274"/>
-            <ac:spMk id="3" creationId="{2BF5D872-79AA-CDC5-EB4F-C42B49B88479}"/>
-          </ac:spMkLst>
-        </pc:spChg>
-      </pc:sldChg>
-      <pc:sldChg chg="del">
-        <pc:chgData name="Zhao, Zishuo" userId="7649741a-9cfe-4c93-b2a6-033691301ee6" providerId="ADAL" clId="{4FA94CCA-5A80-43E2-AE76-2840DE536745}" dt="2024-07-21T14:17:38.583" v="577" actId="2696"/>
-        <pc:sldMkLst>
-          <pc:docMk/>
-          <pc:sldMk cId="2422707755" sldId="276"/>
-        </pc:sldMkLst>
-      </pc:sldChg>
-      <pc:sldChg chg="del mod modShow">
-        <pc:chgData name="Zhao, Zishuo" userId="7649741a-9cfe-4c93-b2a6-033691301ee6" providerId="ADAL" clId="{4FA94CCA-5A80-43E2-AE76-2840DE536745}" dt="2024-07-21T14:17:40.845" v="578" actId="2696"/>
-        <pc:sldMkLst>
-          <pc:docMk/>
-          <pc:sldMk cId="3911730965" sldId="277"/>
-        </pc:sldMkLst>
-      </pc:sldChg>
-      <pc:sldChg chg="modSp mod modAnim">
-        <pc:chgData name="Zhao, Zishuo" userId="7649741a-9cfe-4c93-b2a6-033691301ee6" providerId="ADAL" clId="{4FA94CCA-5A80-43E2-AE76-2840DE536745}" dt="2024-07-23T05:57:31.874" v="6978" actId="20577"/>
-        <pc:sldMkLst>
-          <pc:docMk/>
-          <pc:sldMk cId="652933435" sldId="278"/>
-        </pc:sldMkLst>
-        <pc:spChg chg="mod">
-          <ac:chgData name="Zhao, Zishuo" userId="7649741a-9cfe-4c93-b2a6-033691301ee6" providerId="ADAL" clId="{4FA94CCA-5A80-43E2-AE76-2840DE536745}" dt="2024-07-23T05:57:31.874" v="6978" actId="20577"/>
-          <ac:spMkLst>
-            <pc:docMk/>
-            <pc:sldMk cId="652933435" sldId="278"/>
-            <ac:spMk id="2" creationId="{24979022-7A3B-6EDC-76F8-205710209970}"/>
-          </ac:spMkLst>
-        </pc:spChg>
-        <pc:spChg chg="mod">
-          <ac:chgData name="Zhao, Zishuo" userId="7649741a-9cfe-4c93-b2a6-033691301ee6" providerId="ADAL" clId="{4FA94CCA-5A80-43E2-AE76-2840DE536745}" dt="2024-07-23T05:49:31.566" v="6871"/>
-          <ac:spMkLst>
-            <pc:docMk/>
-            <pc:sldMk cId="652933435" sldId="278"/>
-            <ac:spMk id="3" creationId="{A6F5F4EA-4052-BB6D-E031-94DFF9CEC195}"/>
-          </ac:spMkLst>
-        </pc:spChg>
-      </pc:sldChg>
-      <pc:sldChg chg="modSp mod">
-        <pc:chgData name="Zhao, Zishuo" userId="7649741a-9cfe-4c93-b2a6-033691301ee6" providerId="ADAL" clId="{4FA94CCA-5A80-43E2-AE76-2840DE536745}" dt="2024-07-21T05:07:15.069" v="576" actId="20577"/>
-        <pc:sldMkLst>
-          <pc:docMk/>
-          <pc:sldMk cId="2790772179" sldId="279"/>
-        </pc:sldMkLst>
-        <pc:spChg chg="mod">
-          <ac:chgData name="Zhao, Zishuo" userId="7649741a-9cfe-4c93-b2a6-033691301ee6" providerId="ADAL" clId="{4FA94CCA-5A80-43E2-AE76-2840DE536745}" dt="2024-07-21T05:07:15.069" v="576" actId="20577"/>
-          <ac:spMkLst>
-            <pc:docMk/>
-            <pc:sldMk cId="2790772179" sldId="279"/>
-            <ac:spMk id="2" creationId="{441F04CC-B5BF-73A9-44C9-95079617676D}"/>
-          </ac:spMkLst>
-        </pc:spChg>
-      </pc:sldChg>
-      <pc:sldChg chg="modSp">
-        <pc:chgData name="Zhao, Zishuo" userId="7649741a-9cfe-4c93-b2a6-033691301ee6" providerId="ADAL" clId="{4FA94CCA-5A80-43E2-AE76-2840DE536745}" dt="2024-07-23T01:39:56.762" v="3034" actId="114"/>
-        <pc:sldMkLst>
-          <pc:docMk/>
-          <pc:sldMk cId="1549155231" sldId="280"/>
-        </pc:sldMkLst>
-        <pc:spChg chg="mod">
-          <ac:chgData name="Zhao, Zishuo" userId="7649741a-9cfe-4c93-b2a6-033691301ee6" providerId="ADAL" clId="{4FA94CCA-5A80-43E2-AE76-2840DE536745}" dt="2024-07-23T01:39:56.762" v="3034" actId="114"/>
-          <ac:spMkLst>
-            <pc:docMk/>
-            <pc:sldMk cId="1549155231" sldId="280"/>
-            <ac:spMk id="3" creationId="{62ADB673-3611-8FD1-A6E3-7AC113166090}"/>
-          </ac:spMkLst>
-        </pc:spChg>
-      </pc:sldChg>
-      <pc:sldChg chg="addSp modSp mod modAnim">
-        <pc:chgData name="Zhao, Zishuo" userId="7649741a-9cfe-4c93-b2a6-033691301ee6" providerId="ADAL" clId="{4FA94CCA-5A80-43E2-AE76-2840DE536745}" dt="2024-07-21T14:26:06.895" v="876"/>
+        <pc:chgData name="Zishuo Zhao" userId="ef5ec791414ee1cd" providerId="LiveId" clId="{92E08B68-CC1F-4E91-AB48-804C48822217}" dt="2024-10-22T21:34:16.134" v="1175" actId="20577"/>
         <pc:sldMkLst>
           <pc:docMk/>
           <pc:sldMk cId="4045284585" sldId="281"/>
         </pc:sldMkLst>
         <pc:spChg chg="mod">
-          <ac:chgData name="Zhao, Zishuo" userId="7649741a-9cfe-4c93-b2a6-033691301ee6" providerId="ADAL" clId="{4FA94CCA-5A80-43E2-AE76-2840DE536745}" dt="2024-07-21T04:50:08.344" v="552" actId="20577"/>
-          <ac:spMkLst>
-            <pc:docMk/>
-            <pc:sldMk cId="4045284585" sldId="281"/>
-            <ac:spMk id="2" creationId="{AC48887E-291B-CC70-CE53-B1AC0CD7A8FB}"/>
-          </ac:spMkLst>
-        </pc:spChg>
-        <pc:spChg chg="mod">
-          <ac:chgData name="Zhao, Zishuo" userId="7649741a-9cfe-4c93-b2a6-033691301ee6" providerId="ADAL" clId="{4FA94CCA-5A80-43E2-AE76-2840DE536745}" dt="2024-07-21T04:53:38.330" v="558" actId="20577"/>
+          <ac:chgData name="Zishuo Zhao" userId="ef5ec791414ee1cd" providerId="LiveId" clId="{92E08B68-CC1F-4E91-AB48-804C48822217}" dt="2024-10-22T21:34:16.134" v="1175" actId="20577"/>
           <ac:spMkLst>
             <pc:docMk/>
             <pc:sldMk cId="4045284585" sldId="281"/>
             <ac:spMk id="3" creationId="{14166DCF-189C-82E9-28DD-7552AD1B4ECC}"/>
           </ac:spMkLst>
         </pc:spChg>
-        <pc:picChg chg="add mod">
-          <ac:chgData name="Zhao, Zishuo" userId="7649741a-9cfe-4c93-b2a6-033691301ee6" providerId="ADAL" clId="{4FA94CCA-5A80-43E2-AE76-2840DE536745}" dt="2024-07-21T04:48:48.608" v="534" actId="1076"/>
-          <ac:picMkLst>
-            <pc:docMk/>
-            <pc:sldMk cId="4045284585" sldId="281"/>
-            <ac:picMk id="5" creationId="{738E138D-26C5-0E17-6314-0969FD363879}"/>
-          </ac:picMkLst>
-        </pc:picChg>
-        <pc:picChg chg="add mod">
-          <ac:chgData name="Zhao, Zishuo" userId="7649741a-9cfe-4c93-b2a6-033691301ee6" providerId="ADAL" clId="{4FA94CCA-5A80-43E2-AE76-2840DE536745}" dt="2024-07-21T04:48:51.098" v="535" actId="1076"/>
-          <ac:picMkLst>
-            <pc:docMk/>
-            <pc:sldMk cId="4045284585" sldId="281"/>
-            <ac:picMk id="7" creationId="{000E9F5E-B679-539F-806F-0D3A79E717A0}"/>
-          </ac:picMkLst>
-        </pc:picChg>
       </pc:sldChg>
-      <pc:sldChg chg="modSp new mod modAnim">
-        <pc:chgData name="Zhao, Zishuo" userId="7649741a-9cfe-4c93-b2a6-033691301ee6" providerId="ADAL" clId="{4FA94CCA-5A80-43E2-AE76-2840DE536745}" dt="2024-07-21T14:31:31.926" v="989" actId="12"/>
+      <pc:sldChg chg="modSp">
+        <pc:chgData name="Zishuo Zhao" userId="ef5ec791414ee1cd" providerId="LiveId" clId="{92E08B68-CC1F-4E91-AB48-804C48822217}" dt="2024-10-22T21:34:33.512" v="1176" actId="20577"/>
         <pc:sldMkLst>
           <pc:docMk/>
           <pc:sldMk cId="1606965301" sldId="282"/>
         </pc:sldMkLst>
         <pc:spChg chg="mod">
-          <ac:chgData name="Zhao, Zishuo" userId="7649741a-9cfe-4c93-b2a6-033691301ee6" providerId="ADAL" clId="{4FA94CCA-5A80-43E2-AE76-2840DE536745}" dt="2024-07-21T14:18:54.408" v="598" actId="20577"/>
-          <ac:spMkLst>
-            <pc:docMk/>
-            <pc:sldMk cId="1606965301" sldId="282"/>
-            <ac:spMk id="2" creationId="{306EBC2E-D021-5E37-36EF-81085AC52483}"/>
-          </ac:spMkLst>
-        </pc:spChg>
-        <pc:spChg chg="mod">
-          <ac:chgData name="Zhao, Zishuo" userId="7649741a-9cfe-4c93-b2a6-033691301ee6" providerId="ADAL" clId="{4FA94CCA-5A80-43E2-AE76-2840DE536745}" dt="2024-07-21T14:31:31.926" v="989" actId="12"/>
+          <ac:chgData name="Zishuo Zhao" userId="ef5ec791414ee1cd" providerId="LiveId" clId="{92E08B68-CC1F-4E91-AB48-804C48822217}" dt="2024-10-22T21:34:33.512" v="1176" actId="20577"/>
           <ac:spMkLst>
             <pc:docMk/>
             <pc:sldMk cId="1606965301" sldId="282"/>
@@ -510,422 +274,53 @@
           </ac:spMkLst>
         </pc:spChg>
       </pc:sldChg>
-      <pc:sldChg chg="addSp modSp new mod modAnim">
-        <pc:chgData name="Zhao, Zishuo" userId="7649741a-9cfe-4c93-b2a6-033691301ee6" providerId="ADAL" clId="{4FA94CCA-5A80-43E2-AE76-2840DE536745}" dt="2024-07-21T14:37:04.879" v="1197" actId="27636"/>
+      <pc:sldChg chg="modSp">
+        <pc:chgData name="Zishuo Zhao" userId="ef5ec791414ee1cd" providerId="LiveId" clId="{92E08B68-CC1F-4E91-AB48-804C48822217}" dt="2024-10-21T18:59:47.923" v="895" actId="207"/>
         <pc:sldMkLst>
           <pc:docMk/>
-          <pc:sldMk cId="3103328709" sldId="283"/>
+          <pc:sldMk cId="189869000" sldId="290"/>
         </pc:sldMkLst>
         <pc:spChg chg="mod">
-          <ac:chgData name="Zhao, Zishuo" userId="7649741a-9cfe-4c93-b2a6-033691301ee6" providerId="ADAL" clId="{4FA94CCA-5A80-43E2-AE76-2840DE536745}" dt="2024-07-21T14:29:19.925" v="938" actId="20577"/>
+          <ac:chgData name="Zishuo Zhao" userId="ef5ec791414ee1cd" providerId="LiveId" clId="{92E08B68-CC1F-4E91-AB48-804C48822217}" dt="2024-10-21T18:59:47.923" v="895" actId="207"/>
           <ac:spMkLst>
             <pc:docMk/>
-            <pc:sldMk cId="3103328709" sldId="283"/>
-            <ac:spMk id="2" creationId="{820C5D58-ACE7-1AED-C631-5150A259A6DD}"/>
-          </ac:spMkLst>
-        </pc:spChg>
-        <pc:spChg chg="mod">
-          <ac:chgData name="Zhao, Zishuo" userId="7649741a-9cfe-4c93-b2a6-033691301ee6" providerId="ADAL" clId="{4FA94CCA-5A80-43E2-AE76-2840DE536745}" dt="2024-07-21T14:37:04.879" v="1197" actId="27636"/>
-          <ac:spMkLst>
-            <pc:docMk/>
-            <pc:sldMk cId="3103328709" sldId="283"/>
-            <ac:spMk id="3" creationId="{A9ADA555-01B8-677E-3199-5B93F0525B28}"/>
-          </ac:spMkLst>
-        </pc:spChg>
-        <pc:picChg chg="add mod">
-          <ac:chgData name="Zhao, Zishuo" userId="7649741a-9cfe-4c93-b2a6-033691301ee6" providerId="ADAL" clId="{4FA94CCA-5A80-43E2-AE76-2840DE536745}" dt="2024-07-21T14:30:09.916" v="949" actId="1076"/>
-          <ac:picMkLst>
-            <pc:docMk/>
-            <pc:sldMk cId="3103328709" sldId="283"/>
-            <ac:picMk id="4" creationId="{E370285F-0391-F309-7C9F-4CDD9AC646C3}"/>
-          </ac:picMkLst>
-        </pc:picChg>
-        <pc:picChg chg="add mod">
-          <ac:chgData name="Zhao, Zishuo" userId="7649741a-9cfe-4c93-b2a6-033691301ee6" providerId="ADAL" clId="{4FA94CCA-5A80-43E2-AE76-2840DE536745}" dt="2024-07-21T14:30:14.956" v="954"/>
-          <ac:picMkLst>
-            <pc:docMk/>
-            <pc:sldMk cId="3103328709" sldId="283"/>
-            <ac:picMk id="5" creationId="{F9BB3D80-5C82-4AEF-513A-05AFAAE7632A}"/>
-          </ac:picMkLst>
-        </pc:picChg>
-      </pc:sldChg>
-      <pc:sldChg chg="modSp new mod modAnim">
-        <pc:chgData name="Zhao, Zishuo" userId="7649741a-9cfe-4c93-b2a6-033691301ee6" providerId="ADAL" clId="{4FA94CCA-5A80-43E2-AE76-2840DE536745}" dt="2024-07-21T14:54:35.514" v="1591" actId="20577"/>
-        <pc:sldMkLst>
-          <pc:docMk/>
-          <pc:sldMk cId="1033777456" sldId="284"/>
-        </pc:sldMkLst>
-        <pc:spChg chg="mod">
-          <ac:chgData name="Zhao, Zishuo" userId="7649741a-9cfe-4c93-b2a6-033691301ee6" providerId="ADAL" clId="{4FA94CCA-5A80-43E2-AE76-2840DE536745}" dt="2024-07-21T14:39:22.902" v="1232" actId="20577"/>
-          <ac:spMkLst>
-            <pc:docMk/>
-            <pc:sldMk cId="1033777456" sldId="284"/>
-            <ac:spMk id="2" creationId="{9C12602F-5BAA-C200-EBFD-A26FE6180BE4}"/>
-          </ac:spMkLst>
-        </pc:spChg>
-        <pc:spChg chg="mod">
-          <ac:chgData name="Zhao, Zishuo" userId="7649741a-9cfe-4c93-b2a6-033691301ee6" providerId="ADAL" clId="{4FA94CCA-5A80-43E2-AE76-2840DE536745}" dt="2024-07-21T14:54:35.514" v="1591" actId="20577"/>
-          <ac:spMkLst>
-            <pc:docMk/>
-            <pc:sldMk cId="1033777456" sldId="284"/>
-            <ac:spMk id="3" creationId="{EE2F0453-ACE2-2C9D-8554-78B9ACC89557}"/>
+            <pc:sldMk cId="189869000" sldId="290"/>
+            <ac:spMk id="3" creationId="{4F586307-0E26-F42C-AB63-59F6738C9D43}"/>
           </ac:spMkLst>
         </pc:spChg>
       </pc:sldChg>
-      <pc:sldChg chg="modSp new mod modAnim">
-        <pc:chgData name="Zhao, Zishuo" userId="7649741a-9cfe-4c93-b2a6-033691301ee6" providerId="ADAL" clId="{4FA94CCA-5A80-43E2-AE76-2840DE536745}" dt="2024-07-21T18:18:45.990" v="2322" actId="20577"/>
-        <pc:sldMkLst>
-          <pc:docMk/>
-          <pc:sldMk cId="3161282364" sldId="285"/>
-        </pc:sldMkLst>
-        <pc:spChg chg="mod">
-          <ac:chgData name="Zhao, Zishuo" userId="7649741a-9cfe-4c93-b2a6-033691301ee6" providerId="ADAL" clId="{4FA94CCA-5A80-43E2-AE76-2840DE536745}" dt="2024-07-21T18:10:47.915" v="1791" actId="20577"/>
-          <ac:spMkLst>
-            <pc:docMk/>
-            <pc:sldMk cId="3161282364" sldId="285"/>
-            <ac:spMk id="2" creationId="{7D519705-835E-B80F-0DFC-BD8F3A9C4EF1}"/>
-          </ac:spMkLst>
-        </pc:spChg>
-        <pc:spChg chg="mod">
-          <ac:chgData name="Zhao, Zishuo" userId="7649741a-9cfe-4c93-b2a6-033691301ee6" providerId="ADAL" clId="{4FA94CCA-5A80-43E2-AE76-2840DE536745}" dt="2024-07-21T18:18:45.990" v="2322" actId="20577"/>
-          <ac:spMkLst>
-            <pc:docMk/>
-            <pc:sldMk cId="3161282364" sldId="285"/>
-            <ac:spMk id="3" creationId="{2533E47A-5142-483B-DC21-689BEC93370D}"/>
-          </ac:spMkLst>
-        </pc:spChg>
-      </pc:sldChg>
-      <pc:sldChg chg="modSp new mod modAnim">
-        <pc:chgData name="Zhao, Zishuo" userId="7649741a-9cfe-4c93-b2a6-033691301ee6" providerId="ADAL" clId="{4FA94CCA-5A80-43E2-AE76-2840DE536745}" dt="2024-07-21T18:58:45.351" v="2586" actId="207"/>
-        <pc:sldMkLst>
-          <pc:docMk/>
-          <pc:sldMk cId="2795039983" sldId="286"/>
-        </pc:sldMkLst>
-        <pc:spChg chg="mod">
-          <ac:chgData name="Zhao, Zishuo" userId="7649741a-9cfe-4c93-b2a6-033691301ee6" providerId="ADAL" clId="{4FA94CCA-5A80-43E2-AE76-2840DE536745}" dt="2024-07-21T18:24:11.481" v="2370" actId="20577"/>
-          <ac:spMkLst>
-            <pc:docMk/>
-            <pc:sldMk cId="2795039983" sldId="286"/>
-            <ac:spMk id="2" creationId="{8FC5CBA6-B57E-938C-C85C-76D1AF24CCC5}"/>
-          </ac:spMkLst>
-        </pc:spChg>
-        <pc:spChg chg="mod">
-          <ac:chgData name="Zhao, Zishuo" userId="7649741a-9cfe-4c93-b2a6-033691301ee6" providerId="ADAL" clId="{4FA94CCA-5A80-43E2-AE76-2840DE536745}" dt="2024-07-21T18:58:45.351" v="2586" actId="207"/>
-          <ac:spMkLst>
-            <pc:docMk/>
-            <pc:sldMk cId="2795039983" sldId="286"/>
-            <ac:spMk id="3" creationId="{C869FF5D-D5CF-966E-43AA-CB9C97995A99}"/>
-          </ac:spMkLst>
-        </pc:spChg>
-      </pc:sldChg>
-      <pc:sldChg chg="modSp new del mod">
-        <pc:chgData name="Zhao, Zishuo" userId="7649741a-9cfe-4c93-b2a6-033691301ee6" providerId="ADAL" clId="{4FA94CCA-5A80-43E2-AE76-2840DE536745}" dt="2024-07-21T18:48:08.275" v="2393" actId="47"/>
-        <pc:sldMkLst>
-          <pc:docMk/>
-          <pc:sldMk cId="1368527482" sldId="287"/>
-        </pc:sldMkLst>
-        <pc:spChg chg="mod">
-          <ac:chgData name="Zhao, Zishuo" userId="7649741a-9cfe-4c93-b2a6-033691301ee6" providerId="ADAL" clId="{4FA94CCA-5A80-43E2-AE76-2840DE536745}" dt="2024-07-21T18:47:50.302" v="2392" actId="20577"/>
-          <ac:spMkLst>
-            <pc:docMk/>
-            <pc:sldMk cId="1368527482" sldId="287"/>
-            <ac:spMk id="2" creationId="{0DE943EF-D0C1-5B23-B6DB-E7EC4F75F15D}"/>
-          </ac:spMkLst>
-        </pc:spChg>
-      </pc:sldChg>
-      <pc:sldChg chg="modSp new mod addAnim delAnim modAnim">
-        <pc:chgData name="Zhao, Zishuo" userId="7649741a-9cfe-4c93-b2a6-033691301ee6" providerId="ADAL" clId="{4FA94CCA-5A80-43E2-AE76-2840DE536745}" dt="2024-07-21T19:09:35.816" v="3003" actId="20577"/>
-        <pc:sldMkLst>
-          <pc:docMk/>
-          <pc:sldMk cId="3533479332" sldId="287"/>
-        </pc:sldMkLst>
-        <pc:spChg chg="mod">
-          <ac:chgData name="Zhao, Zishuo" userId="7649741a-9cfe-4c93-b2a6-033691301ee6" providerId="ADAL" clId="{4FA94CCA-5A80-43E2-AE76-2840DE536745}" dt="2024-07-21T18:58:59.936" v="2619" actId="20577"/>
-          <ac:spMkLst>
-            <pc:docMk/>
-            <pc:sldMk cId="3533479332" sldId="287"/>
-            <ac:spMk id="2" creationId="{991CEF30-573B-0659-3BBB-1B4206EE4244}"/>
-          </ac:spMkLst>
-        </pc:spChg>
-        <pc:spChg chg="mod">
-          <ac:chgData name="Zhao, Zishuo" userId="7649741a-9cfe-4c93-b2a6-033691301ee6" providerId="ADAL" clId="{4FA94CCA-5A80-43E2-AE76-2840DE536745}" dt="2024-07-21T19:09:35.816" v="3003" actId="20577"/>
-          <ac:spMkLst>
-            <pc:docMk/>
-            <pc:sldMk cId="3533479332" sldId="287"/>
-            <ac:spMk id="3" creationId="{569F4515-2D45-A4F1-744E-6F33C6B88841}"/>
-          </ac:spMkLst>
-        </pc:spChg>
-      </pc:sldChg>
-      <pc:sldChg chg="modSp mod addAnim delAnim modAnim">
-        <pc:chgData name="Zhao, Zishuo" userId="7649741a-9cfe-4c93-b2a6-033691301ee6" providerId="ADAL" clId="{4FA94CCA-5A80-43E2-AE76-2840DE536745}" dt="2024-07-23T04:17:18.522" v="5735" actId="1076"/>
-        <pc:sldMkLst>
-          <pc:docMk/>
-          <pc:sldMk cId="166885388" sldId="288"/>
-        </pc:sldMkLst>
-        <pc:spChg chg="mod">
-          <ac:chgData name="Zhao, Zishuo" userId="7649741a-9cfe-4c93-b2a6-033691301ee6" providerId="ADAL" clId="{4FA94CCA-5A80-43E2-AE76-2840DE536745}" dt="2024-07-23T04:17:10.231" v="5734" actId="20577"/>
-          <ac:spMkLst>
-            <pc:docMk/>
-            <pc:sldMk cId="166885388" sldId="288"/>
-            <ac:spMk id="3" creationId="{468A5B0C-7E18-B655-CAB1-C06F5E4E6921}"/>
-          </ac:spMkLst>
-        </pc:spChg>
-        <pc:graphicFrameChg chg="mod modGraphic">
-          <ac:chgData name="Zhao, Zishuo" userId="7649741a-9cfe-4c93-b2a6-033691301ee6" providerId="ADAL" clId="{4FA94CCA-5A80-43E2-AE76-2840DE536745}" dt="2024-07-23T04:17:18.522" v="5735" actId="1076"/>
-          <ac:graphicFrameMkLst>
-            <pc:docMk/>
-            <pc:sldMk cId="166885388" sldId="288"/>
-            <ac:graphicFrameMk id="7" creationId="{C5C086A9-F74E-0F02-0A7C-BBCF50E479BC}"/>
-          </ac:graphicFrameMkLst>
-        </pc:graphicFrameChg>
-      </pc:sldChg>
-      <pc:sldChg chg="modSp mod modAnim">
-        <pc:chgData name="Zhao, Zishuo" userId="7649741a-9cfe-4c93-b2a6-033691301ee6" providerId="ADAL" clId="{4FA94CCA-5A80-43E2-AE76-2840DE536745}" dt="2024-07-23T04:16:25.380" v="5723" actId="1076"/>
-        <pc:sldMkLst>
-          <pc:docMk/>
-          <pc:sldMk cId="2047323876" sldId="289"/>
-        </pc:sldMkLst>
-        <pc:spChg chg="mod">
-          <ac:chgData name="Zhao, Zishuo" userId="7649741a-9cfe-4c93-b2a6-033691301ee6" providerId="ADAL" clId="{4FA94CCA-5A80-43E2-AE76-2840DE536745}" dt="2024-07-23T04:16:11.420" v="5721" actId="27636"/>
-          <ac:spMkLst>
-            <pc:docMk/>
-            <pc:sldMk cId="2047323876" sldId="289"/>
-            <ac:spMk id="3" creationId="{EF4F2AB2-E1E7-80A3-D965-520FAC43E954}"/>
-          </ac:spMkLst>
-        </pc:spChg>
-        <pc:graphicFrameChg chg="mod modGraphic">
-          <ac:chgData name="Zhao, Zishuo" userId="7649741a-9cfe-4c93-b2a6-033691301ee6" providerId="ADAL" clId="{4FA94CCA-5A80-43E2-AE76-2840DE536745}" dt="2024-07-23T04:16:25.380" v="5723" actId="1076"/>
-          <ac:graphicFrameMkLst>
-            <pc:docMk/>
-            <pc:sldMk cId="2047323876" sldId="289"/>
-            <ac:graphicFrameMk id="4" creationId="{92C9F888-5080-7F80-37AD-02CB46A10564}"/>
-          </ac:graphicFrameMkLst>
-        </pc:graphicFrameChg>
-      </pc:sldChg>
       <pc:sldChg chg="addSp modSp mod modAnim">
-        <pc:chgData name="Zhao, Zishuo" userId="7649741a-9cfe-4c93-b2a6-033691301ee6" providerId="ADAL" clId="{4FA94CCA-5A80-43E2-AE76-2840DE536745}" dt="2024-07-23T03:14:27.011" v="4853"/>
-        <pc:sldMkLst>
-          <pc:docMk/>
-          <pc:sldMk cId="1334571402" sldId="292"/>
-        </pc:sldMkLst>
-        <pc:spChg chg="mod">
-          <ac:chgData name="Zhao, Zishuo" userId="7649741a-9cfe-4c93-b2a6-033691301ee6" providerId="ADAL" clId="{4FA94CCA-5A80-43E2-AE76-2840DE536745}" dt="2024-07-23T01:14:13.146" v="3033" actId="114"/>
-          <ac:spMkLst>
-            <pc:docMk/>
-            <pc:sldMk cId="1334571402" sldId="292"/>
-            <ac:spMk id="3" creationId="{2CE54A99-4D8E-C436-751F-0DBCF10525F0}"/>
-          </ac:spMkLst>
-        </pc:spChg>
-        <pc:spChg chg="add mod">
-          <ac:chgData name="Zhao, Zishuo" userId="7649741a-9cfe-4c93-b2a6-033691301ee6" providerId="ADAL" clId="{4FA94CCA-5A80-43E2-AE76-2840DE536745}" dt="2024-07-23T03:13:32.399" v="4848" actId="1076"/>
-          <ac:spMkLst>
-            <pc:docMk/>
-            <pc:sldMk cId="1334571402" sldId="292"/>
-            <ac:spMk id="4" creationId="{81B2ECCC-9B08-5012-945F-A796C513C53D}"/>
-          </ac:spMkLst>
-        </pc:spChg>
-        <pc:spChg chg="add mod">
-          <ac:chgData name="Zhao, Zishuo" userId="7649741a-9cfe-4c93-b2a6-033691301ee6" providerId="ADAL" clId="{4FA94CCA-5A80-43E2-AE76-2840DE536745}" dt="2024-07-23T03:13:32.399" v="4848" actId="1076"/>
-          <ac:spMkLst>
-            <pc:docMk/>
-            <pc:sldMk cId="1334571402" sldId="292"/>
-            <ac:spMk id="5" creationId="{6AB4E45A-DF45-F7AD-6DD0-46C0ED5F91F0}"/>
-          </ac:spMkLst>
-        </pc:spChg>
-      </pc:sldChg>
-      <pc:sldChg chg="modSp">
-        <pc:chgData name="Zhao, Zishuo" userId="7649741a-9cfe-4c93-b2a6-033691301ee6" providerId="ADAL" clId="{4FA94CCA-5A80-43E2-AE76-2840DE536745}" dt="2024-07-23T05:31:35.170" v="6680" actId="20577"/>
-        <pc:sldMkLst>
-          <pc:docMk/>
-          <pc:sldMk cId="1764190081" sldId="296"/>
-        </pc:sldMkLst>
-        <pc:spChg chg="mod">
-          <ac:chgData name="Zhao, Zishuo" userId="7649741a-9cfe-4c93-b2a6-033691301ee6" providerId="ADAL" clId="{4FA94CCA-5A80-43E2-AE76-2840DE536745}" dt="2024-07-23T05:31:35.170" v="6680" actId="20577"/>
-          <ac:spMkLst>
-            <pc:docMk/>
-            <pc:sldMk cId="1764190081" sldId="296"/>
-            <ac:spMk id="3" creationId="{E150B545-A87C-F105-F90B-B9A556133E67}"/>
-          </ac:spMkLst>
-        </pc:spChg>
-      </pc:sldChg>
-      <pc:sldChg chg="modSp mod modAnim">
-        <pc:chgData name="Zhao, Zishuo" userId="7649741a-9cfe-4c93-b2a6-033691301ee6" providerId="ADAL" clId="{4FA94CCA-5A80-43E2-AE76-2840DE536745}" dt="2024-07-23T02:40:45.278" v="4134" actId="20577"/>
-        <pc:sldMkLst>
-          <pc:docMk/>
-          <pc:sldMk cId="516511266" sldId="297"/>
-        </pc:sldMkLst>
-        <pc:spChg chg="mod">
-          <ac:chgData name="Zhao, Zishuo" userId="7649741a-9cfe-4c93-b2a6-033691301ee6" providerId="ADAL" clId="{4FA94CCA-5A80-43E2-AE76-2840DE536745}" dt="2024-07-23T02:06:13.718" v="3677" actId="20577"/>
-          <ac:spMkLst>
-            <pc:docMk/>
-            <pc:sldMk cId="516511266" sldId="297"/>
-            <ac:spMk id="2" creationId="{9017BF18-DD89-AE6B-1A58-B592FC99931E}"/>
-          </ac:spMkLst>
-        </pc:spChg>
-        <pc:spChg chg="mod">
-          <ac:chgData name="Zhao, Zishuo" userId="7649741a-9cfe-4c93-b2a6-033691301ee6" providerId="ADAL" clId="{4FA94CCA-5A80-43E2-AE76-2840DE536745}" dt="2024-07-23T02:40:45.278" v="4134" actId="20577"/>
-          <ac:spMkLst>
-            <pc:docMk/>
-            <pc:sldMk cId="516511266" sldId="297"/>
-            <ac:spMk id="3" creationId="{412DDFB3-8768-7C61-DF10-D913E0DF1AE1}"/>
-          </ac:spMkLst>
-        </pc:spChg>
-      </pc:sldChg>
-      <pc:sldChg chg="modSp new mod modAnim">
-        <pc:chgData name="Zhao, Zishuo" userId="7649741a-9cfe-4c93-b2a6-033691301ee6" providerId="ADAL" clId="{4FA94CCA-5A80-43E2-AE76-2840DE536745}" dt="2024-07-23T05:54:51.325" v="6887" actId="20577"/>
-        <pc:sldMkLst>
-          <pc:docMk/>
-          <pc:sldMk cId="3575182794" sldId="298"/>
-        </pc:sldMkLst>
-        <pc:spChg chg="mod">
-          <ac:chgData name="Zhao, Zishuo" userId="7649741a-9cfe-4c93-b2a6-033691301ee6" providerId="ADAL" clId="{4FA94CCA-5A80-43E2-AE76-2840DE536745}" dt="2024-07-23T01:42:39.961" v="3170" actId="20577"/>
-          <ac:spMkLst>
-            <pc:docMk/>
-            <pc:sldMk cId="3575182794" sldId="298"/>
-            <ac:spMk id="2" creationId="{B9013C33-215F-2AD2-A424-0B87D54B378B}"/>
-          </ac:spMkLst>
-        </pc:spChg>
-        <pc:spChg chg="mod">
-          <ac:chgData name="Zhao, Zishuo" userId="7649741a-9cfe-4c93-b2a6-033691301ee6" providerId="ADAL" clId="{4FA94CCA-5A80-43E2-AE76-2840DE536745}" dt="2024-07-23T05:54:51.325" v="6887" actId="20577"/>
-          <ac:spMkLst>
-            <pc:docMk/>
-            <pc:sldMk cId="3575182794" sldId="298"/>
-            <ac:spMk id="3" creationId="{73365DAD-E4C4-1038-0166-DE0842233942}"/>
-          </ac:spMkLst>
-        </pc:spChg>
-      </pc:sldChg>
-      <pc:sldChg chg="modSp new mod modAnim">
-        <pc:chgData name="Zhao, Zishuo" userId="7649741a-9cfe-4c93-b2a6-033691301ee6" providerId="ADAL" clId="{4FA94CCA-5A80-43E2-AE76-2840DE536745}" dt="2024-07-23T03:01:10.402" v="4722" actId="114"/>
-        <pc:sldMkLst>
-          <pc:docMk/>
-          <pc:sldMk cId="1523341613" sldId="299"/>
-        </pc:sldMkLst>
-        <pc:spChg chg="mod">
-          <ac:chgData name="Zhao, Zishuo" userId="7649741a-9cfe-4c93-b2a6-033691301ee6" providerId="ADAL" clId="{4FA94CCA-5A80-43E2-AE76-2840DE536745}" dt="2024-07-23T02:42:05.757" v="4188" actId="255"/>
-          <ac:spMkLst>
-            <pc:docMk/>
-            <pc:sldMk cId="1523341613" sldId="299"/>
-            <ac:spMk id="2" creationId="{EC50317D-0ABC-746D-8927-1393BA963E68}"/>
-          </ac:spMkLst>
-        </pc:spChg>
-        <pc:spChg chg="mod">
-          <ac:chgData name="Zhao, Zishuo" userId="7649741a-9cfe-4c93-b2a6-033691301ee6" providerId="ADAL" clId="{4FA94CCA-5A80-43E2-AE76-2840DE536745}" dt="2024-07-23T03:01:10.402" v="4722" actId="114"/>
-          <ac:spMkLst>
-            <pc:docMk/>
-            <pc:sldMk cId="1523341613" sldId="299"/>
-            <ac:spMk id="3" creationId="{8D34B329-45C2-96E8-E6A3-D4C34EB0BF07}"/>
-          </ac:spMkLst>
-        </pc:spChg>
-      </pc:sldChg>
-      <pc:sldChg chg="modSp new mod modAnim">
-        <pc:chgData name="Zhao, Zishuo" userId="7649741a-9cfe-4c93-b2a6-033691301ee6" providerId="ADAL" clId="{4FA94CCA-5A80-43E2-AE76-2840DE536745}" dt="2024-07-23T04:38:31.164" v="6257"/>
-        <pc:sldMkLst>
-          <pc:docMk/>
-          <pc:sldMk cId="509004792" sldId="300"/>
-        </pc:sldMkLst>
-        <pc:spChg chg="mod">
-          <ac:chgData name="Zhao, Zishuo" userId="7649741a-9cfe-4c93-b2a6-033691301ee6" providerId="ADAL" clId="{4FA94CCA-5A80-43E2-AE76-2840DE536745}" dt="2024-07-23T04:32:02.523" v="6012" actId="114"/>
-          <ac:spMkLst>
-            <pc:docMk/>
-            <pc:sldMk cId="509004792" sldId="300"/>
-            <ac:spMk id="2" creationId="{97BC1A8C-F6AF-E004-F768-376B583CB95C}"/>
-          </ac:spMkLst>
-        </pc:spChg>
-        <pc:spChg chg="mod">
-          <ac:chgData name="Zhao, Zishuo" userId="7649741a-9cfe-4c93-b2a6-033691301ee6" providerId="ADAL" clId="{4FA94CCA-5A80-43E2-AE76-2840DE536745}" dt="2024-07-23T04:37:01.905" v="6246" actId="207"/>
-          <ac:spMkLst>
-            <pc:docMk/>
-            <pc:sldMk cId="509004792" sldId="300"/>
-            <ac:spMk id="3" creationId="{64D8D557-673F-5A5B-FEBF-62703446BB2C}"/>
-          </ac:spMkLst>
-        </pc:spChg>
-      </pc:sldChg>
-      <pc:sldChg chg="modSp new mod modAnim">
-        <pc:chgData name="Zhao, Zishuo" userId="7649741a-9cfe-4c93-b2a6-033691301ee6" providerId="ADAL" clId="{4FA94CCA-5A80-43E2-AE76-2840DE536745}" dt="2024-07-23T03:43:28.979" v="5487"/>
-        <pc:sldMkLst>
-          <pc:docMk/>
-          <pc:sldMk cId="3896375351" sldId="301"/>
-        </pc:sldMkLst>
-        <pc:spChg chg="mod">
-          <ac:chgData name="Zhao, Zishuo" userId="7649741a-9cfe-4c93-b2a6-033691301ee6" providerId="ADAL" clId="{4FA94CCA-5A80-43E2-AE76-2840DE536745}" dt="2024-07-23T03:25:36.636" v="4961" actId="20577"/>
-          <ac:spMkLst>
-            <pc:docMk/>
-            <pc:sldMk cId="3896375351" sldId="301"/>
-            <ac:spMk id="2" creationId="{79C8F527-99A5-4BC3-6C39-3F4B4D4A0F7E}"/>
-          </ac:spMkLst>
-        </pc:spChg>
-        <pc:spChg chg="mod">
-          <ac:chgData name="Zhao, Zishuo" userId="7649741a-9cfe-4c93-b2a6-033691301ee6" providerId="ADAL" clId="{4FA94CCA-5A80-43E2-AE76-2840DE536745}" dt="2024-07-23T03:42:47.171" v="5481" actId="20577"/>
-          <ac:spMkLst>
-            <pc:docMk/>
-            <pc:sldMk cId="3896375351" sldId="301"/>
-            <ac:spMk id="3" creationId="{D7384643-229F-43C0-300B-53777E434985}"/>
-          </ac:spMkLst>
-        </pc:spChg>
-      </pc:sldChg>
-      <pc:sldChg chg="delSp modSp new mod">
-        <pc:chgData name="Zhao, Zishuo" userId="7649741a-9cfe-4c93-b2a6-033691301ee6" providerId="ADAL" clId="{4FA94CCA-5A80-43E2-AE76-2840DE536745}" dt="2024-07-23T04:37:47.174" v="6253" actId="1076"/>
-        <pc:sldMkLst>
-          <pc:docMk/>
-          <pc:sldMk cId="958486556" sldId="302"/>
-        </pc:sldMkLst>
-        <pc:spChg chg="mod">
-          <ac:chgData name="Zhao, Zishuo" userId="7649741a-9cfe-4c93-b2a6-033691301ee6" providerId="ADAL" clId="{4FA94CCA-5A80-43E2-AE76-2840DE536745}" dt="2024-07-23T04:37:47.174" v="6253" actId="1076"/>
-          <ac:spMkLst>
-            <pc:docMk/>
-            <pc:sldMk cId="958486556" sldId="302"/>
-            <ac:spMk id="2" creationId="{28159D6B-7220-0B3A-F180-14315764A871}"/>
-          </ac:spMkLst>
-        </pc:spChg>
-        <pc:spChg chg="del">
-          <ac:chgData name="Zhao, Zishuo" userId="7649741a-9cfe-4c93-b2a6-033691301ee6" providerId="ADAL" clId="{4FA94CCA-5A80-43E2-AE76-2840DE536745}" dt="2024-07-23T04:37:33.105" v="6248" actId="478"/>
-          <ac:spMkLst>
-            <pc:docMk/>
-            <pc:sldMk cId="958486556" sldId="302"/>
-            <ac:spMk id="3" creationId="{85757BE7-4404-E145-105D-66B43058DFCD}"/>
-          </ac:spMkLst>
-        </pc:spChg>
-      </pc:sldChg>
-      <pc:sldChg chg="addSp modSp new mod ord modAnim">
-        <pc:chgData name="Zhao, Zishuo" userId="7649741a-9cfe-4c93-b2a6-033691301ee6" providerId="ADAL" clId="{4FA94CCA-5A80-43E2-AE76-2840DE536745}" dt="2024-07-23T06:03:27.692" v="7068"/>
+        <pc:chgData name="Zishuo Zhao" userId="ef5ec791414ee1cd" providerId="LiveId" clId="{92E08B68-CC1F-4E91-AB48-804C48822217}" dt="2024-10-22T16:05:01.670" v="983"/>
         <pc:sldMkLst>
           <pc:docMk/>
           <pc:sldMk cId="2409188227" sldId="303"/>
         </pc:sldMkLst>
-        <pc:spChg chg="mod">
-          <ac:chgData name="Zhao, Zishuo" userId="7649741a-9cfe-4c93-b2a6-033691301ee6" providerId="ADAL" clId="{4FA94CCA-5A80-43E2-AE76-2840DE536745}" dt="2024-07-23T05:15:10.686" v="6664" actId="20577"/>
+        <pc:spChg chg="add mod">
+          <ac:chgData name="Zishuo Zhao" userId="ef5ec791414ee1cd" providerId="LiveId" clId="{92E08B68-CC1F-4E91-AB48-804C48822217}" dt="2024-10-22T16:03:43.559" v="928" actId="114"/>
           <ac:spMkLst>
             <pc:docMk/>
             <pc:sldMk cId="2409188227" sldId="303"/>
-            <ac:spMk id="2" creationId="{4C54A970-74CA-91EC-2309-35080974F48E}"/>
+            <ac:spMk id="4" creationId="{4BA952F6-2394-91B6-419E-BA29648F5B56}"/>
+          </ac:spMkLst>
+        </pc:spChg>
+        <pc:spChg chg="add mod">
+          <ac:chgData name="Zishuo Zhao" userId="ef5ec791414ee1cd" providerId="LiveId" clId="{92E08B68-CC1F-4E91-AB48-804C48822217}" dt="2024-10-22T16:04:57.343" v="982" actId="1076"/>
+          <ac:spMkLst>
+            <pc:docMk/>
+            <pc:sldMk cId="2409188227" sldId="303"/>
+            <ac:spMk id="6" creationId="{5862416A-D751-4AD4-B3CC-BFC43AFDF397}"/>
           </ac:spMkLst>
         </pc:spChg>
         <pc:spChg chg="mod">
-          <ac:chgData name="Zhao, Zishuo" userId="7649741a-9cfe-4c93-b2a6-033691301ee6" providerId="ADAL" clId="{4FA94CCA-5A80-43E2-AE76-2840DE536745}" dt="2024-07-23T05:13:56.669" v="6654" actId="20577"/>
-          <ac:spMkLst>
-            <pc:docMk/>
-            <pc:sldMk cId="2409188227" sldId="303"/>
-            <ac:spMk id="3" creationId="{5A2FCFF9-A74F-0C2F-5ED8-E1FC577931A6}"/>
-          </ac:spMkLst>
-        </pc:spChg>
-        <pc:spChg chg="add mod">
-          <ac:chgData name="Zhao, Zishuo" userId="7649741a-9cfe-4c93-b2a6-033691301ee6" providerId="ADAL" clId="{4FA94CCA-5A80-43E2-AE76-2840DE536745}" dt="2024-07-23T06:02:55.497" v="7067" actId="1076"/>
+          <ac:chgData name="Zishuo Zhao" userId="ef5ec791414ee1cd" providerId="LiveId" clId="{92E08B68-CC1F-4E91-AB48-804C48822217}" dt="2024-10-20T21:56:09.417" v="123" actId="20577"/>
           <ac:spMkLst>
             <pc:docMk/>
             <pc:sldMk cId="2409188227" sldId="303"/>
             <ac:spMk id="8" creationId="{344A89E4-E03D-6529-4B69-0D44AF9E5E6B}"/>
           </ac:spMkLst>
         </pc:spChg>
-        <pc:picChg chg="add mod">
-          <ac:chgData name="Zhao, Zishuo" userId="7649741a-9cfe-4c93-b2a6-033691301ee6" providerId="ADAL" clId="{4FA94CCA-5A80-43E2-AE76-2840DE536745}" dt="2024-07-23T05:08:52.256" v="6502" actId="1076"/>
-          <ac:picMkLst>
-            <pc:docMk/>
-            <pc:sldMk cId="2409188227" sldId="303"/>
-            <ac:picMk id="5" creationId="{BC73102A-8838-AC25-AA8A-10053ED26D4B}"/>
-          </ac:picMkLst>
-        </pc:picChg>
-        <pc:picChg chg="add mod">
-          <ac:chgData name="Zhao, Zishuo" userId="7649741a-9cfe-4c93-b2a6-033691301ee6" providerId="ADAL" clId="{4FA94CCA-5A80-43E2-AE76-2840DE536745}" dt="2024-07-23T05:59:58.024" v="6983" actId="1076"/>
+        <pc:picChg chg="mod">
+          <ac:chgData name="Zishuo Zhao" userId="ef5ec791414ee1cd" providerId="LiveId" clId="{92E08B68-CC1F-4E91-AB48-804C48822217}" dt="2024-10-22T16:03:53.645" v="930" actId="1076"/>
           <ac:picMkLst>
             <pc:docMk/>
             <pc:sldMk cId="2409188227" sldId="303"/>
@@ -933,22 +328,14 @@
           </ac:picMkLst>
         </pc:picChg>
       </pc:sldChg>
-      <pc:sldChg chg="modSp new mod modAnim">
-        <pc:chgData name="Zhao, Zishuo" userId="7649741a-9cfe-4c93-b2a6-033691301ee6" providerId="ADAL" clId="{4FA94CCA-5A80-43E2-AE76-2840DE536745}" dt="2024-07-23T06:41:48.618" v="8066" actId="20577"/>
+      <pc:sldChg chg="modSp">
+        <pc:chgData name="Zishuo Zhao" userId="ef5ec791414ee1cd" providerId="LiveId" clId="{92E08B68-CC1F-4E91-AB48-804C48822217}" dt="2024-10-21T23:05:43.007" v="904" actId="20577"/>
         <pc:sldMkLst>
           <pc:docMk/>
           <pc:sldMk cId="1813685348" sldId="304"/>
         </pc:sldMkLst>
         <pc:spChg chg="mod">
-          <ac:chgData name="Zhao, Zishuo" userId="7649741a-9cfe-4c93-b2a6-033691301ee6" providerId="ADAL" clId="{4FA94CCA-5A80-43E2-AE76-2840DE536745}" dt="2024-07-23T06:03:58.782" v="7100" actId="20577"/>
-          <ac:spMkLst>
-            <pc:docMk/>
-            <pc:sldMk cId="1813685348" sldId="304"/>
-            <ac:spMk id="2" creationId="{7A9E29B4-35CB-94CC-7788-F4D9C4EE2AF4}"/>
-          </ac:spMkLst>
-        </pc:spChg>
-        <pc:spChg chg="mod">
-          <ac:chgData name="Zhao, Zishuo" userId="7649741a-9cfe-4c93-b2a6-033691301ee6" providerId="ADAL" clId="{4FA94CCA-5A80-43E2-AE76-2840DE536745}" dt="2024-07-23T06:41:48.618" v="8066" actId="20577"/>
+          <ac:chgData name="Zishuo Zhao" userId="ef5ec791414ee1cd" providerId="LiveId" clId="{92E08B68-CC1F-4E91-AB48-804C48822217}" dt="2024-10-21T23:05:43.007" v="904" actId="20577"/>
           <ac:spMkLst>
             <pc:docMk/>
             <pc:sldMk cId="1813685348" sldId="304"/>
@@ -956,1800 +343,71 @@
           </ac:spMkLst>
         </pc:spChg>
       </pc:sldChg>
-    </pc:docChg>
-  </pc:docChgLst>
-  <pc:docChgLst>
-    <pc:chgData name="Zhao, Zishuo" userId="7649741a-9cfe-4c93-b2a6-033691301ee6" providerId="ADAL" clId="{0FCB1206-7487-46F9-BCE8-9BD8BEB45BA8}"/>
-    <pc:docChg chg="undo redo custSel addSld modSld sldOrd">
-      <pc:chgData name="Zhao, Zishuo" userId="7649741a-9cfe-4c93-b2a6-033691301ee6" providerId="ADAL" clId="{0FCB1206-7487-46F9-BCE8-9BD8BEB45BA8}" dt="2024-07-27T04:36:28.230" v="9953" actId="20577"/>
-      <pc:docMkLst>
-        <pc:docMk/>
-      </pc:docMkLst>
-      <pc:sldChg chg="modSp mod">
-        <pc:chgData name="Zhao, Zishuo" userId="7649741a-9cfe-4c93-b2a6-033691301ee6" providerId="ADAL" clId="{0FCB1206-7487-46F9-BCE8-9BD8BEB45BA8}" dt="2024-07-20T18:59:05.397" v="2893" actId="20577"/>
+      <pc:sldChg chg="modSp del modAnim">
+        <pc:chgData name="Zishuo Zhao" userId="ef5ec791414ee1cd" providerId="LiveId" clId="{92E08B68-CC1F-4E91-AB48-804C48822217}" dt="2024-10-21T18:45:22.559" v="268" actId="47"/>
         <pc:sldMkLst>
           <pc:docMk/>
-          <pc:sldMk cId="36229989" sldId="256"/>
+          <pc:sldMk cId="1716757183" sldId="307"/>
         </pc:sldMkLst>
         <pc:spChg chg="mod">
-          <ac:chgData name="Zhao, Zishuo" userId="7649741a-9cfe-4c93-b2a6-033691301ee6" providerId="ADAL" clId="{0FCB1206-7487-46F9-BCE8-9BD8BEB45BA8}" dt="2024-07-20T17:33:33.733" v="1349" actId="1076"/>
+          <ac:chgData name="Zishuo Zhao" userId="ef5ec791414ee1cd" providerId="LiveId" clId="{92E08B68-CC1F-4E91-AB48-804C48822217}" dt="2024-10-21T18:44:44.604" v="267" actId="20577"/>
           <ac:spMkLst>
             <pc:docMk/>
-            <pc:sldMk cId="36229989" sldId="256"/>
-            <ac:spMk id="2" creationId="{4D7FBB48-A21D-A324-5751-4C15B10D5799}"/>
-          </ac:spMkLst>
-        </pc:spChg>
-        <pc:spChg chg="mod">
-          <ac:chgData name="Zhao, Zishuo" userId="7649741a-9cfe-4c93-b2a6-033691301ee6" providerId="ADAL" clId="{0FCB1206-7487-46F9-BCE8-9BD8BEB45BA8}" dt="2024-07-20T18:59:05.397" v="2893" actId="20577"/>
-          <ac:spMkLst>
-            <pc:docMk/>
-            <pc:sldMk cId="36229989" sldId="256"/>
-            <ac:spMk id="3" creationId="{FD65F120-FC06-37D0-10F2-802D6705DF32}"/>
-          </ac:spMkLst>
-        </pc:spChg>
-      </pc:sldChg>
-      <pc:sldChg chg="addSp modSp mod modAnim">
-        <pc:chgData name="Zhao, Zishuo" userId="7649741a-9cfe-4c93-b2a6-033691301ee6" providerId="ADAL" clId="{0FCB1206-7487-46F9-BCE8-9BD8BEB45BA8}" dt="2024-07-20T23:44:48.749" v="5135" actId="20577"/>
-        <pc:sldMkLst>
-          <pc:docMk/>
-          <pc:sldMk cId="2400375966" sldId="257"/>
-        </pc:sldMkLst>
-        <pc:spChg chg="mod">
-          <ac:chgData name="Zhao, Zishuo" userId="7649741a-9cfe-4c93-b2a6-033691301ee6" providerId="ADAL" clId="{0FCB1206-7487-46F9-BCE8-9BD8BEB45BA8}" dt="2024-07-20T23:44:48.749" v="5135" actId="20577"/>
-          <ac:spMkLst>
-            <pc:docMk/>
-            <pc:sldMk cId="2400375966" sldId="257"/>
-            <ac:spMk id="2" creationId="{8AE03D9F-FA38-B49B-9CD4-79BD59B0A054}"/>
-          </ac:spMkLst>
-        </pc:spChg>
-        <pc:spChg chg="mod">
-          <ac:chgData name="Zhao, Zishuo" userId="7649741a-9cfe-4c93-b2a6-033691301ee6" providerId="ADAL" clId="{0FCB1206-7487-46F9-BCE8-9BD8BEB45BA8}" dt="2024-07-20T19:37:40.349" v="3491" actId="20577"/>
-          <ac:spMkLst>
-            <pc:docMk/>
-            <pc:sldMk cId="2400375966" sldId="257"/>
-            <ac:spMk id="3" creationId="{FDB75375-0282-9894-D5AD-2E786A1A6E0E}"/>
-          </ac:spMkLst>
-        </pc:spChg>
-        <pc:picChg chg="add mod">
-          <ac:chgData name="Zhao, Zishuo" userId="7649741a-9cfe-4c93-b2a6-033691301ee6" providerId="ADAL" clId="{0FCB1206-7487-46F9-BCE8-9BD8BEB45BA8}" dt="2024-07-20T19:37:58.238" v="3496" actId="962"/>
-          <ac:picMkLst>
-            <pc:docMk/>
-            <pc:sldMk cId="2400375966" sldId="257"/>
-            <ac:picMk id="5" creationId="{4D3DB7D7-C95B-26D8-FE85-17BDC0A12AAD}"/>
-          </ac:picMkLst>
-        </pc:picChg>
-      </pc:sldChg>
-      <pc:sldChg chg="modSp">
-        <pc:chgData name="Zhao, Zishuo" userId="7649741a-9cfe-4c93-b2a6-033691301ee6" providerId="ADAL" clId="{0FCB1206-7487-46F9-BCE8-9BD8BEB45BA8}" dt="2024-07-19T22:10:40.345" v="1257" actId="114"/>
-        <pc:sldMkLst>
-          <pc:docMk/>
-          <pc:sldMk cId="1748276831" sldId="258"/>
-        </pc:sldMkLst>
-        <pc:spChg chg="mod">
-          <ac:chgData name="Zhao, Zishuo" userId="7649741a-9cfe-4c93-b2a6-033691301ee6" providerId="ADAL" clId="{0FCB1206-7487-46F9-BCE8-9BD8BEB45BA8}" dt="2024-07-19T22:10:40.345" v="1257" actId="114"/>
-          <ac:spMkLst>
-            <pc:docMk/>
-            <pc:sldMk cId="1748276831" sldId="258"/>
-            <ac:spMk id="3" creationId="{8005AC93-EDD0-0754-60EC-74AA6ECC1AC8}"/>
-          </ac:spMkLst>
-        </pc:spChg>
-      </pc:sldChg>
-      <pc:sldChg chg="modSp mod modAnim">
-        <pc:chgData name="Zhao, Zishuo" userId="7649741a-9cfe-4c93-b2a6-033691301ee6" providerId="ADAL" clId="{0FCB1206-7487-46F9-BCE8-9BD8BEB45BA8}" dt="2024-07-22T18:57:57.709" v="6490" actId="20577"/>
-        <pc:sldMkLst>
-          <pc:docMk/>
-          <pc:sldMk cId="3768256014" sldId="259"/>
-        </pc:sldMkLst>
-        <pc:spChg chg="mod">
-          <ac:chgData name="Zhao, Zishuo" userId="7649741a-9cfe-4c93-b2a6-033691301ee6" providerId="ADAL" clId="{0FCB1206-7487-46F9-BCE8-9BD8BEB45BA8}" dt="2024-07-19T22:11:40.773" v="1282" actId="255"/>
-          <ac:spMkLst>
-            <pc:docMk/>
-            <pc:sldMk cId="3768256014" sldId="259"/>
-            <ac:spMk id="2" creationId="{1759075B-286C-C62B-2CA4-6A53F37BFACE}"/>
-          </ac:spMkLst>
-        </pc:spChg>
-        <pc:spChg chg="mod">
-          <ac:chgData name="Zhao, Zishuo" userId="7649741a-9cfe-4c93-b2a6-033691301ee6" providerId="ADAL" clId="{0FCB1206-7487-46F9-BCE8-9BD8BEB45BA8}" dt="2024-07-22T18:57:57.709" v="6490" actId="20577"/>
-          <ac:spMkLst>
-            <pc:docMk/>
-            <pc:sldMk cId="3768256014" sldId="259"/>
-            <ac:spMk id="3" creationId="{32CA9A3B-5EF9-1E55-CEEF-BB457B74CBE1}"/>
-          </ac:spMkLst>
-        </pc:spChg>
-      </pc:sldChg>
-      <pc:sldChg chg="modSp mod modAnim">
-        <pc:chgData name="Zhao, Zishuo" userId="7649741a-9cfe-4c93-b2a6-033691301ee6" providerId="ADAL" clId="{0FCB1206-7487-46F9-BCE8-9BD8BEB45BA8}" dt="2024-07-20T23:57:50.963" v="5306" actId="20577"/>
-        <pc:sldMkLst>
-          <pc:docMk/>
-          <pc:sldMk cId="3966653506" sldId="260"/>
-        </pc:sldMkLst>
-        <pc:spChg chg="mod">
-          <ac:chgData name="Zhao, Zishuo" userId="7649741a-9cfe-4c93-b2a6-033691301ee6" providerId="ADAL" clId="{0FCB1206-7487-46F9-BCE8-9BD8BEB45BA8}" dt="2024-07-20T23:57:50.963" v="5306" actId="20577"/>
-          <ac:spMkLst>
-            <pc:docMk/>
-            <pc:sldMk cId="3966653506" sldId="260"/>
-            <ac:spMk id="2" creationId="{1B28DF9C-1887-20D9-FFD1-9E8BDC34B047}"/>
-          </ac:spMkLst>
-        </pc:spChg>
-        <pc:spChg chg="mod">
-          <ac:chgData name="Zhao, Zishuo" userId="7649741a-9cfe-4c93-b2a6-033691301ee6" providerId="ADAL" clId="{0FCB1206-7487-46F9-BCE8-9BD8BEB45BA8}" dt="2024-07-20T19:42:46.469" v="3590" actId="207"/>
-          <ac:spMkLst>
-            <pc:docMk/>
-            <pc:sldMk cId="3966653506" sldId="260"/>
-            <ac:spMk id="3" creationId="{EB02443E-64E1-7E1C-62AC-74CC17AE4CF5}"/>
-          </ac:spMkLst>
-        </pc:spChg>
-      </pc:sldChg>
-      <pc:sldChg chg="modSp mod modAnim">
-        <pc:chgData name="Zhao, Zishuo" userId="7649741a-9cfe-4c93-b2a6-033691301ee6" providerId="ADAL" clId="{0FCB1206-7487-46F9-BCE8-9BD8BEB45BA8}" dt="2024-07-20T19:59:53.635" v="3878" actId="20577"/>
-        <pc:sldMkLst>
-          <pc:docMk/>
-          <pc:sldMk cId="2557916133" sldId="261"/>
-        </pc:sldMkLst>
-        <pc:spChg chg="mod">
-          <ac:chgData name="Zhao, Zishuo" userId="7649741a-9cfe-4c93-b2a6-033691301ee6" providerId="ADAL" clId="{0FCB1206-7487-46F9-BCE8-9BD8BEB45BA8}" dt="2024-07-20T19:59:53.635" v="3878" actId="20577"/>
-          <ac:spMkLst>
-            <pc:docMk/>
-            <pc:sldMk cId="2557916133" sldId="261"/>
-            <ac:spMk id="2" creationId="{01E71860-3228-7C02-A16C-5A460775781A}"/>
-          </ac:spMkLst>
-        </pc:spChg>
-        <pc:spChg chg="mod">
-          <ac:chgData name="Zhao, Zishuo" userId="7649741a-9cfe-4c93-b2a6-033691301ee6" providerId="ADAL" clId="{0FCB1206-7487-46F9-BCE8-9BD8BEB45BA8}" dt="2024-07-20T19:43:54.872" v="3594" actId="20577"/>
-          <ac:spMkLst>
-            <pc:docMk/>
-            <pc:sldMk cId="2557916133" sldId="261"/>
-            <ac:spMk id="3" creationId="{B54C5B2A-439E-76F5-D6E9-4AC9F11E9840}"/>
-          </ac:spMkLst>
-        </pc:spChg>
-        <pc:picChg chg="mod">
-          <ac:chgData name="Zhao, Zishuo" userId="7649741a-9cfe-4c93-b2a6-033691301ee6" providerId="ADAL" clId="{0FCB1206-7487-46F9-BCE8-9BD8BEB45BA8}" dt="2024-07-20T17:35:04.879" v="1391" actId="1076"/>
-          <ac:picMkLst>
-            <pc:docMk/>
-            <pc:sldMk cId="2557916133" sldId="261"/>
-            <ac:picMk id="5" creationId="{A8701E67-9B4B-463F-09F6-521717525D12}"/>
-          </ac:picMkLst>
-        </pc:picChg>
-      </pc:sldChg>
-      <pc:sldChg chg="modSp mod">
-        <pc:chgData name="Zhao, Zishuo" userId="7649741a-9cfe-4c93-b2a6-033691301ee6" providerId="ADAL" clId="{0FCB1206-7487-46F9-BCE8-9BD8BEB45BA8}" dt="2024-07-25T16:08:25.986" v="8382" actId="20577"/>
-        <pc:sldMkLst>
-          <pc:docMk/>
-          <pc:sldMk cId="1378615676" sldId="262"/>
-        </pc:sldMkLst>
-        <pc:spChg chg="mod">
-          <ac:chgData name="Zhao, Zishuo" userId="7649741a-9cfe-4c93-b2a6-033691301ee6" providerId="ADAL" clId="{0FCB1206-7487-46F9-BCE8-9BD8BEB45BA8}" dt="2024-07-25T16:08:25.986" v="8382" actId="20577"/>
-          <ac:spMkLst>
-            <pc:docMk/>
-            <pc:sldMk cId="1378615676" sldId="262"/>
-            <ac:spMk id="2" creationId="{84099C98-5995-7916-20AF-82F8E5972695}"/>
-          </ac:spMkLst>
-        </pc:spChg>
-      </pc:sldChg>
-      <pc:sldChg chg="modSp mod">
-        <pc:chgData name="Zhao, Zishuo" userId="7649741a-9cfe-4c93-b2a6-033691301ee6" providerId="ADAL" clId="{0FCB1206-7487-46F9-BCE8-9BD8BEB45BA8}" dt="2024-07-25T16:08:33.104" v="8383"/>
-        <pc:sldMkLst>
-          <pc:docMk/>
-          <pc:sldMk cId="604854990" sldId="263"/>
-        </pc:sldMkLst>
-        <pc:spChg chg="mod">
-          <ac:chgData name="Zhao, Zishuo" userId="7649741a-9cfe-4c93-b2a6-033691301ee6" providerId="ADAL" clId="{0FCB1206-7487-46F9-BCE8-9BD8BEB45BA8}" dt="2024-07-25T16:08:33.104" v="8383"/>
-          <ac:spMkLst>
-            <pc:docMk/>
-            <pc:sldMk cId="604854990" sldId="263"/>
-            <ac:spMk id="2" creationId="{304398DF-BFD5-2F63-461D-7D8F482D2822}"/>
-          </ac:spMkLst>
-        </pc:spChg>
-      </pc:sldChg>
-      <pc:sldChg chg="modSp mod">
-        <pc:chgData name="Zhao, Zishuo" userId="7649741a-9cfe-4c93-b2a6-033691301ee6" providerId="ADAL" clId="{0FCB1206-7487-46F9-BCE8-9BD8BEB45BA8}" dt="2024-07-25T16:14:11.560" v="8403" actId="20577"/>
-        <pc:sldMkLst>
-          <pc:docMk/>
-          <pc:sldMk cId="1956174155" sldId="264"/>
-        </pc:sldMkLst>
-        <pc:spChg chg="mod">
-          <ac:chgData name="Zhao, Zishuo" userId="7649741a-9cfe-4c93-b2a6-033691301ee6" providerId="ADAL" clId="{0FCB1206-7487-46F9-BCE8-9BD8BEB45BA8}" dt="2024-07-25T16:08:35.917" v="8384"/>
-          <ac:spMkLst>
-            <pc:docMk/>
-            <pc:sldMk cId="1956174155" sldId="264"/>
-            <ac:spMk id="2" creationId="{33B43D52-4DEF-FD52-3D7B-248EF03DA2BD}"/>
-          </ac:spMkLst>
-        </pc:spChg>
-        <pc:spChg chg="mod">
-          <ac:chgData name="Zhao, Zishuo" userId="7649741a-9cfe-4c93-b2a6-033691301ee6" providerId="ADAL" clId="{0FCB1206-7487-46F9-BCE8-9BD8BEB45BA8}" dt="2024-07-25T16:14:11.560" v="8403" actId="20577"/>
-          <ac:spMkLst>
-            <pc:docMk/>
-            <pc:sldMk cId="1956174155" sldId="264"/>
-            <ac:spMk id="3" creationId="{B5964FDA-DB5A-99B6-5DC9-C65D241B00F7}"/>
-          </ac:spMkLst>
-        </pc:spChg>
-      </pc:sldChg>
-      <pc:sldChg chg="modSp mod modAnim">
-        <pc:chgData name="Zhao, Zishuo" userId="7649741a-9cfe-4c93-b2a6-033691301ee6" providerId="ADAL" clId="{0FCB1206-7487-46F9-BCE8-9BD8BEB45BA8}" dt="2024-07-25T16:08:39.337" v="8385"/>
-        <pc:sldMkLst>
-          <pc:docMk/>
-          <pc:sldMk cId="3999994351" sldId="265"/>
-        </pc:sldMkLst>
-        <pc:spChg chg="mod">
-          <ac:chgData name="Zhao, Zishuo" userId="7649741a-9cfe-4c93-b2a6-033691301ee6" providerId="ADAL" clId="{0FCB1206-7487-46F9-BCE8-9BD8BEB45BA8}" dt="2024-07-25T16:08:39.337" v="8385"/>
-          <ac:spMkLst>
-            <pc:docMk/>
-            <pc:sldMk cId="3999994351" sldId="265"/>
-            <ac:spMk id="2" creationId="{77FADA21-E225-108F-F1E0-449CC7632685}"/>
-          </ac:spMkLst>
-        </pc:spChg>
-        <pc:spChg chg="mod">
-          <ac:chgData name="Zhao, Zishuo" userId="7649741a-9cfe-4c93-b2a6-033691301ee6" providerId="ADAL" clId="{0FCB1206-7487-46F9-BCE8-9BD8BEB45BA8}" dt="2024-07-19T22:09:40.661" v="1255" actId="27636"/>
-          <ac:spMkLst>
-            <pc:docMk/>
-            <pc:sldMk cId="3999994351" sldId="265"/>
-            <ac:spMk id="3" creationId="{841D8A17-051D-C7EE-50A3-A823CB40D16B}"/>
-          </ac:spMkLst>
-        </pc:spChg>
-      </pc:sldChg>
-      <pc:sldChg chg="modSp mod modAnim">
-        <pc:chgData name="Zhao, Zishuo" userId="7649741a-9cfe-4c93-b2a6-033691301ee6" providerId="ADAL" clId="{0FCB1206-7487-46F9-BCE8-9BD8BEB45BA8}" dt="2024-07-19T22:01:55.136" v="1163" actId="20577"/>
-        <pc:sldMkLst>
-          <pc:docMk/>
-          <pc:sldMk cId="3924817541" sldId="266"/>
-        </pc:sldMkLst>
-        <pc:spChg chg="mod">
-          <ac:chgData name="Zhao, Zishuo" userId="7649741a-9cfe-4c93-b2a6-033691301ee6" providerId="ADAL" clId="{0FCB1206-7487-46F9-BCE8-9BD8BEB45BA8}" dt="2024-07-19T22:01:55.136" v="1163" actId="20577"/>
-          <ac:spMkLst>
-            <pc:docMk/>
-            <pc:sldMk cId="3924817541" sldId="266"/>
-            <ac:spMk id="3" creationId="{8EE42086-F845-75DF-8819-02E71EAF7780}"/>
+            <pc:sldMk cId="1716757183" sldId="307"/>
+            <ac:spMk id="3" creationId="{652ED250-21D0-F549-DCE5-A8C5A3CBECD5}"/>
           </ac:spMkLst>
         </pc:spChg>
       </pc:sldChg>
       <pc:sldChg chg="modSp">
-        <pc:chgData name="Zhao, Zishuo" userId="7649741a-9cfe-4c93-b2a6-033691301ee6" providerId="ADAL" clId="{0FCB1206-7487-46F9-BCE8-9BD8BEB45BA8}" dt="2024-07-20T23:55:11.387" v="5271" actId="20577"/>
+        <pc:chgData name="Zishuo Zhao" userId="ef5ec791414ee1cd" providerId="LiveId" clId="{92E08B68-CC1F-4E91-AB48-804C48822217}" dt="2024-10-21T18:38:42.312" v="247" actId="20577"/>
         <pc:sldMkLst>
           <pc:docMk/>
-          <pc:sldMk cId="3797735395" sldId="267"/>
+          <pc:sldMk cId="889750839" sldId="309"/>
         </pc:sldMkLst>
         <pc:spChg chg="mod">
-          <ac:chgData name="Zhao, Zishuo" userId="7649741a-9cfe-4c93-b2a6-033691301ee6" providerId="ADAL" clId="{0FCB1206-7487-46F9-BCE8-9BD8BEB45BA8}" dt="2024-07-20T23:55:11.387" v="5271" actId="20577"/>
+          <ac:chgData name="Zishuo Zhao" userId="ef5ec791414ee1cd" providerId="LiveId" clId="{92E08B68-CC1F-4E91-AB48-804C48822217}" dt="2024-10-21T18:38:42.312" v="247" actId="20577"/>
           <ac:spMkLst>
             <pc:docMk/>
-            <pc:sldMk cId="3797735395" sldId="267"/>
-            <ac:spMk id="3" creationId="{174A0925-A16A-F781-0868-955F62CAD4D7}"/>
+            <pc:sldMk cId="889750839" sldId="309"/>
+            <ac:spMk id="3" creationId="{E362B5BF-1765-0EEC-65FA-6294938FE831}"/>
           </ac:spMkLst>
         </pc:spChg>
       </pc:sldChg>
-      <pc:sldChg chg="modSp mod modAnim">
-        <pc:chgData name="Zhao, Zishuo" userId="7649741a-9cfe-4c93-b2a6-033691301ee6" providerId="ADAL" clId="{0FCB1206-7487-46F9-BCE8-9BD8BEB45BA8}" dt="2024-07-22T18:37:24.572" v="6026"/>
+      <pc:sldChg chg="modSp modAnim">
+        <pc:chgData name="Zishuo Zhao" userId="ef5ec791414ee1cd" providerId="LiveId" clId="{92E08B68-CC1F-4E91-AB48-804C48822217}" dt="2024-10-22T16:12:48.005" v="1130"/>
         <pc:sldMkLst>
           <pc:docMk/>
-          <pc:sldMk cId="1935707286" sldId="268"/>
+          <pc:sldMk cId="1431198945" sldId="310"/>
         </pc:sldMkLst>
         <pc:spChg chg="mod">
-          <ac:chgData name="Zhao, Zishuo" userId="7649741a-9cfe-4c93-b2a6-033691301ee6" providerId="ADAL" clId="{0FCB1206-7487-46F9-BCE8-9BD8BEB45BA8}" dt="2024-07-22T18:37:24.572" v="6026"/>
+          <ac:chgData name="Zishuo Zhao" userId="ef5ec791414ee1cd" providerId="LiveId" clId="{92E08B68-CC1F-4E91-AB48-804C48822217}" dt="2024-10-22T16:12:48.005" v="1130"/>
           <ac:spMkLst>
             <pc:docMk/>
-            <pc:sldMk cId="1935707286" sldId="268"/>
-            <ac:spMk id="3" creationId="{33EB9615-B26D-65D1-A168-F7AB413A02A3}"/>
-          </ac:spMkLst>
-        </pc:spChg>
-      </pc:sldChg>
-      <pc:sldChg chg="modSp mod">
-        <pc:chgData name="Zhao, Zishuo" userId="7649741a-9cfe-4c93-b2a6-033691301ee6" providerId="ADAL" clId="{0FCB1206-7487-46F9-BCE8-9BD8BEB45BA8}" dt="2024-07-22T21:42:23.469" v="8279" actId="20577"/>
-        <pc:sldMkLst>
-          <pc:docMk/>
-          <pc:sldMk cId="4207941861" sldId="269"/>
-        </pc:sldMkLst>
-        <pc:spChg chg="mod">
-          <ac:chgData name="Zhao, Zishuo" userId="7649741a-9cfe-4c93-b2a6-033691301ee6" providerId="ADAL" clId="{0FCB1206-7487-46F9-BCE8-9BD8BEB45BA8}" dt="2024-07-22T21:42:23.469" v="8279" actId="20577"/>
-          <ac:spMkLst>
-            <pc:docMk/>
-            <pc:sldMk cId="4207941861" sldId="269"/>
-            <ac:spMk id="2" creationId="{8D61C6C9-0B5E-36B7-DD31-21FA12521B76}"/>
-          </ac:spMkLst>
-        </pc:spChg>
-      </pc:sldChg>
-      <pc:sldChg chg="modSp mod modAnim">
-        <pc:chgData name="Zhao, Zishuo" userId="7649741a-9cfe-4c93-b2a6-033691301ee6" providerId="ADAL" clId="{0FCB1206-7487-46F9-BCE8-9BD8BEB45BA8}" dt="2024-07-20T22:53:04.567" v="4178" actId="20577"/>
-        <pc:sldMkLst>
-          <pc:docMk/>
-          <pc:sldMk cId="2983637389" sldId="270"/>
-        </pc:sldMkLst>
-        <pc:spChg chg="mod">
-          <ac:chgData name="Zhao, Zishuo" userId="7649741a-9cfe-4c93-b2a6-033691301ee6" providerId="ADAL" clId="{0FCB1206-7487-46F9-BCE8-9BD8BEB45BA8}" dt="2024-07-20T22:53:04.567" v="4178" actId="20577"/>
-          <ac:spMkLst>
-            <pc:docMk/>
-            <pc:sldMk cId="2983637389" sldId="270"/>
-            <ac:spMk id="3" creationId="{7FFA4836-AB0D-C895-0EF4-E1C8228E8B0B}"/>
-          </ac:spMkLst>
-        </pc:spChg>
-        <pc:spChg chg="mod">
-          <ac:chgData name="Zhao, Zishuo" userId="7649741a-9cfe-4c93-b2a6-033691301ee6" providerId="ADAL" clId="{0FCB1206-7487-46F9-BCE8-9BD8BEB45BA8}" dt="2024-07-20T22:52:47.556" v="4175" actId="1076"/>
-          <ac:spMkLst>
-            <pc:docMk/>
-            <pc:sldMk cId="2983637389" sldId="270"/>
-            <ac:spMk id="4" creationId="{0AD20C83-CD26-CDFB-96A2-4DE4DB6FDB9E}"/>
-          </ac:spMkLst>
-        </pc:spChg>
-        <pc:spChg chg="mod">
-          <ac:chgData name="Zhao, Zishuo" userId="7649741a-9cfe-4c93-b2a6-033691301ee6" providerId="ADAL" clId="{0FCB1206-7487-46F9-BCE8-9BD8BEB45BA8}" dt="2024-07-20T22:52:50.965" v="4176" actId="1076"/>
-          <ac:spMkLst>
-            <pc:docMk/>
-            <pc:sldMk cId="2983637389" sldId="270"/>
-            <ac:spMk id="5" creationId="{E94059CF-AA06-B03D-C533-0BED2DC5B5A3}"/>
-          </ac:spMkLst>
-        </pc:spChg>
-      </pc:sldChg>
-      <pc:sldChg chg="modSp">
-        <pc:chgData name="Zhao, Zishuo" userId="7649741a-9cfe-4c93-b2a6-033691301ee6" providerId="ADAL" clId="{0FCB1206-7487-46F9-BCE8-9BD8BEB45BA8}" dt="2024-07-22T21:42:33.729" v="8283" actId="20577"/>
-        <pc:sldMkLst>
-          <pc:docMk/>
-          <pc:sldMk cId="1165638499" sldId="271"/>
-        </pc:sldMkLst>
-        <pc:spChg chg="mod">
-          <ac:chgData name="Zhao, Zishuo" userId="7649741a-9cfe-4c93-b2a6-033691301ee6" providerId="ADAL" clId="{0FCB1206-7487-46F9-BCE8-9BD8BEB45BA8}" dt="2024-07-22T21:42:33.729" v="8283" actId="20577"/>
-          <ac:spMkLst>
-            <pc:docMk/>
-            <pc:sldMk cId="1165638499" sldId="271"/>
-            <ac:spMk id="2" creationId="{4A0C73B3-49F2-C89F-5619-55A58C01F34A}"/>
-          </ac:spMkLst>
-        </pc:spChg>
-      </pc:sldChg>
-      <pc:sldChg chg="addSp delSp modSp mod modAnim">
-        <pc:chgData name="Zhao, Zishuo" userId="7649741a-9cfe-4c93-b2a6-033691301ee6" providerId="ADAL" clId="{0FCB1206-7487-46F9-BCE8-9BD8BEB45BA8}" dt="2024-07-20T19:40:01.165" v="3553" actId="20577"/>
-        <pc:sldMkLst>
-          <pc:docMk/>
-          <pc:sldMk cId="1171240737" sldId="272"/>
-        </pc:sldMkLst>
-        <pc:spChg chg="mod">
-          <ac:chgData name="Zhao, Zishuo" userId="7649741a-9cfe-4c93-b2a6-033691301ee6" providerId="ADAL" clId="{0FCB1206-7487-46F9-BCE8-9BD8BEB45BA8}" dt="2024-07-19T22:13:27.959" v="1341" actId="255"/>
-          <ac:spMkLst>
-            <pc:docMk/>
-            <pc:sldMk cId="1171240737" sldId="272"/>
-            <ac:spMk id="2" creationId="{325358D0-F542-D37A-8C3A-AA917301FE8C}"/>
-          </ac:spMkLst>
-        </pc:spChg>
-        <pc:spChg chg="mod">
-          <ac:chgData name="Zhao, Zishuo" userId="7649741a-9cfe-4c93-b2a6-033691301ee6" providerId="ADAL" clId="{0FCB1206-7487-46F9-BCE8-9BD8BEB45BA8}" dt="2024-07-20T19:40:01.165" v="3553" actId="20577"/>
-          <ac:spMkLst>
-            <pc:docMk/>
-            <pc:sldMk cId="1171240737" sldId="272"/>
-            <ac:spMk id="3" creationId="{C8B947DF-1960-F0A9-5F02-7AC3F5001A85}"/>
-          </ac:spMkLst>
-        </pc:spChg>
-        <pc:spChg chg="add del mod">
-          <ac:chgData name="Zhao, Zishuo" userId="7649741a-9cfe-4c93-b2a6-033691301ee6" providerId="ADAL" clId="{0FCB1206-7487-46F9-BCE8-9BD8BEB45BA8}" dt="2024-07-20T17:53:35.426" v="1476" actId="478"/>
-          <ac:spMkLst>
-            <pc:docMk/>
-            <pc:sldMk cId="1171240737" sldId="272"/>
-            <ac:spMk id="4" creationId="{50C2083E-7B52-E4B1-8AA1-D6CCAE542C43}"/>
-          </ac:spMkLst>
-        </pc:spChg>
-      </pc:sldChg>
-      <pc:sldChg chg="addSp modSp new mod modAnim">
-        <pc:chgData name="Zhao, Zishuo" userId="7649741a-9cfe-4c93-b2a6-033691301ee6" providerId="ADAL" clId="{0FCB1206-7487-46F9-BCE8-9BD8BEB45BA8}" dt="2024-07-20T23:49:08.801" v="5254" actId="20577"/>
-        <pc:sldMkLst>
-          <pc:docMk/>
-          <pc:sldMk cId="1401459705" sldId="273"/>
-        </pc:sldMkLst>
-        <pc:spChg chg="mod">
-          <ac:chgData name="Zhao, Zishuo" userId="7649741a-9cfe-4c93-b2a6-033691301ee6" providerId="ADAL" clId="{0FCB1206-7487-46F9-BCE8-9BD8BEB45BA8}" dt="2024-07-19T21:19:17.005" v="433" actId="20577"/>
-          <ac:spMkLst>
-            <pc:docMk/>
-            <pc:sldMk cId="1401459705" sldId="273"/>
-            <ac:spMk id="2" creationId="{30123100-AD17-5BBB-813B-D47705133C1D}"/>
-          </ac:spMkLst>
-        </pc:spChg>
-        <pc:spChg chg="mod">
-          <ac:chgData name="Zhao, Zishuo" userId="7649741a-9cfe-4c93-b2a6-033691301ee6" providerId="ADAL" clId="{0FCB1206-7487-46F9-BCE8-9BD8BEB45BA8}" dt="2024-07-20T23:49:08.801" v="5254" actId="20577"/>
-          <ac:spMkLst>
-            <pc:docMk/>
-            <pc:sldMk cId="1401459705" sldId="273"/>
-            <ac:spMk id="3" creationId="{744AC02F-A8DD-7FD4-33A6-FD102B8EC36E}"/>
-          </ac:spMkLst>
-        </pc:spChg>
-        <pc:picChg chg="add mod">
-          <ac:chgData name="Zhao, Zishuo" userId="7649741a-9cfe-4c93-b2a6-033691301ee6" providerId="ADAL" clId="{0FCB1206-7487-46F9-BCE8-9BD8BEB45BA8}" dt="2024-07-20T23:37:18.586" v="4696" actId="1076"/>
-          <ac:picMkLst>
-            <pc:docMk/>
-            <pc:sldMk cId="1401459705" sldId="273"/>
-            <ac:picMk id="5" creationId="{1771277E-F50C-74BD-2D9E-A789D45FE993}"/>
-          </ac:picMkLst>
-        </pc:picChg>
-      </pc:sldChg>
-      <pc:sldChg chg="modSp new mod modAnim">
-        <pc:chgData name="Zhao, Zishuo" userId="7649741a-9cfe-4c93-b2a6-033691301ee6" providerId="ADAL" clId="{0FCB1206-7487-46F9-BCE8-9BD8BEB45BA8}" dt="2024-07-22T18:52:01.302" v="6322" actId="207"/>
-        <pc:sldMkLst>
-          <pc:docMk/>
-          <pc:sldMk cId="2783740582" sldId="274"/>
-        </pc:sldMkLst>
-        <pc:spChg chg="mod">
-          <ac:chgData name="Zhao, Zishuo" userId="7649741a-9cfe-4c93-b2a6-033691301ee6" providerId="ADAL" clId="{0FCB1206-7487-46F9-BCE8-9BD8BEB45BA8}" dt="2024-07-20T18:12:29.392" v="1625" actId="20577"/>
-          <ac:spMkLst>
-            <pc:docMk/>
-            <pc:sldMk cId="2783740582" sldId="274"/>
-            <ac:spMk id="2" creationId="{731D9385-8189-61AE-DBE5-8596F104B348}"/>
-          </ac:spMkLst>
-        </pc:spChg>
-        <pc:spChg chg="mod">
-          <ac:chgData name="Zhao, Zishuo" userId="7649741a-9cfe-4c93-b2a6-033691301ee6" providerId="ADAL" clId="{0FCB1206-7487-46F9-BCE8-9BD8BEB45BA8}" dt="2024-07-22T18:52:01.302" v="6322" actId="207"/>
-          <ac:spMkLst>
-            <pc:docMk/>
-            <pc:sldMk cId="2783740582" sldId="274"/>
-            <ac:spMk id="3" creationId="{2BF5D872-79AA-CDC5-EB4F-C42B49B88479}"/>
+            <pc:sldMk cId="1431198945" sldId="310"/>
+            <ac:spMk id="3" creationId="{559E643B-6CD5-1674-AD07-05005CCE338B}"/>
           </ac:spMkLst>
         </pc:spChg>
       </pc:sldChg>
       <pc:sldChg chg="modSp new mod modAnim">
-        <pc:chgData name="Zhao, Zishuo" userId="7649741a-9cfe-4c93-b2a6-033691301ee6" providerId="ADAL" clId="{0FCB1206-7487-46F9-BCE8-9BD8BEB45BA8}" dt="2024-07-22T18:59:42.619" v="6495" actId="20577"/>
+        <pc:chgData name="Zishuo Zhao" userId="ef5ec791414ee1cd" providerId="LiveId" clId="{92E08B68-CC1F-4E91-AB48-804C48822217}" dt="2024-10-21T18:57:59.469" v="894" actId="20577"/>
         <pc:sldMkLst>
           <pc:docMk/>
-          <pc:sldMk cId="321854416" sldId="275"/>
+          <pc:sldMk cId="3803439672" sldId="311"/>
         </pc:sldMkLst>
         <pc:spChg chg="mod">
-          <ac:chgData name="Zhao, Zishuo" userId="7649741a-9cfe-4c93-b2a6-033691301ee6" providerId="ADAL" clId="{0FCB1206-7487-46F9-BCE8-9BD8BEB45BA8}" dt="2024-07-20T18:19:52.746" v="1933" actId="20577"/>
+          <ac:chgData name="Zishuo Zhao" userId="ef5ec791414ee1cd" providerId="LiveId" clId="{92E08B68-CC1F-4E91-AB48-804C48822217}" dt="2024-10-21T18:46:58.706" v="379" actId="20577"/>
           <ac:spMkLst>
             <pc:docMk/>
-            <pc:sldMk cId="321854416" sldId="275"/>
-            <ac:spMk id="2" creationId="{A3AE1DFD-F5BA-3B12-F7CA-E2CD2FCECD07}"/>
+            <pc:sldMk cId="3803439672" sldId="311"/>
+            <ac:spMk id="2" creationId="{BA5CB995-3119-A965-A41B-2CC9BBCACB84}"/>
           </ac:spMkLst>
         </pc:spChg>
         <pc:spChg chg="mod">
-          <ac:chgData name="Zhao, Zishuo" userId="7649741a-9cfe-4c93-b2a6-033691301ee6" providerId="ADAL" clId="{0FCB1206-7487-46F9-BCE8-9BD8BEB45BA8}" dt="2024-07-22T18:59:42.619" v="6495" actId="20577"/>
+          <ac:chgData name="Zishuo Zhao" userId="ef5ec791414ee1cd" providerId="LiveId" clId="{92E08B68-CC1F-4E91-AB48-804C48822217}" dt="2024-10-21T18:57:59.469" v="894" actId="20577"/>
           <ac:spMkLst>
             <pc:docMk/>
-            <pc:sldMk cId="321854416" sldId="275"/>
-            <ac:spMk id="3" creationId="{FF172050-A9EC-2B2F-C726-CEF9D8ABF684}"/>
-          </ac:spMkLst>
-        </pc:spChg>
-      </pc:sldChg>
-      <pc:sldChg chg="addSp modSp new mod modAnim modShow">
-        <pc:chgData name="Zhao, Zishuo" userId="7649741a-9cfe-4c93-b2a6-033691301ee6" providerId="ADAL" clId="{0FCB1206-7487-46F9-BCE8-9BD8BEB45BA8}" dt="2024-07-20T19:22:13.985" v="3225" actId="729"/>
-        <pc:sldMkLst>
-          <pc:docMk/>
-          <pc:sldMk cId="2422707755" sldId="276"/>
-        </pc:sldMkLst>
-        <pc:spChg chg="mod">
-          <ac:chgData name="Zhao, Zishuo" userId="7649741a-9cfe-4c93-b2a6-033691301ee6" providerId="ADAL" clId="{0FCB1206-7487-46F9-BCE8-9BD8BEB45BA8}" dt="2024-07-20T18:32:39.957" v="2502" actId="20577"/>
-          <ac:spMkLst>
-            <pc:docMk/>
-            <pc:sldMk cId="2422707755" sldId="276"/>
-            <ac:spMk id="2" creationId="{096B219B-B4CD-D5E7-B1BF-920D3D0705AD}"/>
-          </ac:spMkLst>
-        </pc:spChg>
-        <pc:spChg chg="mod">
-          <ac:chgData name="Zhao, Zishuo" userId="7649741a-9cfe-4c93-b2a6-033691301ee6" providerId="ADAL" clId="{0FCB1206-7487-46F9-BCE8-9BD8BEB45BA8}" dt="2024-07-20T18:55:49.865" v="2851" actId="20577"/>
-          <ac:spMkLst>
-            <pc:docMk/>
-            <pc:sldMk cId="2422707755" sldId="276"/>
-            <ac:spMk id="3" creationId="{7261B8DE-C7C4-F8E9-FF60-617AC917DF79}"/>
-          </ac:spMkLst>
-        </pc:spChg>
-        <pc:spChg chg="add mod">
-          <ac:chgData name="Zhao, Zishuo" userId="7649741a-9cfe-4c93-b2a6-033691301ee6" providerId="ADAL" clId="{0FCB1206-7487-46F9-BCE8-9BD8BEB45BA8}" dt="2024-07-20T18:35:54.584" v="2573" actId="1076"/>
-          <ac:spMkLst>
-            <pc:docMk/>
-            <pc:sldMk cId="2422707755" sldId="276"/>
-            <ac:spMk id="4" creationId="{8997532A-B6FF-4BA5-1D6A-0355C22516E1}"/>
-          </ac:spMkLst>
-        </pc:spChg>
-      </pc:sldChg>
-      <pc:sldChg chg="addSp delSp modSp new mod modAnim">
-        <pc:chgData name="Zhao, Zishuo" userId="7649741a-9cfe-4c93-b2a6-033691301ee6" providerId="ADAL" clId="{0FCB1206-7487-46F9-BCE8-9BD8BEB45BA8}" dt="2024-07-20T22:55:18.802" v="4188"/>
-        <pc:sldMkLst>
-          <pc:docMk/>
-          <pc:sldMk cId="3911730965" sldId="277"/>
-        </pc:sldMkLst>
-        <pc:spChg chg="mod">
-          <ac:chgData name="Zhao, Zishuo" userId="7649741a-9cfe-4c93-b2a6-033691301ee6" providerId="ADAL" clId="{0FCB1206-7487-46F9-BCE8-9BD8BEB45BA8}" dt="2024-07-20T19:04:49.515" v="3070" actId="20577"/>
-          <ac:spMkLst>
-            <pc:docMk/>
-            <pc:sldMk cId="3911730965" sldId="277"/>
-            <ac:spMk id="2" creationId="{D3D1182A-BAD9-1316-A5FE-841BE353BEE6}"/>
-          </ac:spMkLst>
-        </pc:spChg>
-        <pc:spChg chg="del">
-          <ac:chgData name="Zhao, Zishuo" userId="7649741a-9cfe-4c93-b2a6-033691301ee6" providerId="ADAL" clId="{0FCB1206-7487-46F9-BCE8-9BD8BEB45BA8}" dt="2024-07-20T19:04:29.013" v="3056" actId="478"/>
-          <ac:spMkLst>
-            <pc:docMk/>
-            <pc:sldMk cId="3911730965" sldId="277"/>
-            <ac:spMk id="3" creationId="{86B64F8D-15F8-8AEC-C254-08218665CA6A}"/>
-          </ac:spMkLst>
-        </pc:spChg>
-        <pc:spChg chg="add mod">
-          <ac:chgData name="Zhao, Zishuo" userId="7649741a-9cfe-4c93-b2a6-033691301ee6" providerId="ADAL" clId="{0FCB1206-7487-46F9-BCE8-9BD8BEB45BA8}" dt="2024-07-20T19:11:31.050" v="3224" actId="20577"/>
-          <ac:spMkLst>
-            <pc:docMk/>
-            <pc:sldMk cId="3911730965" sldId="277"/>
-            <ac:spMk id="4" creationId="{0012C29D-7D3E-9EE8-929A-1D6D7CD2E57F}"/>
-          </ac:spMkLst>
-        </pc:spChg>
-        <pc:spChg chg="add mod">
-          <ac:chgData name="Zhao, Zishuo" userId="7649741a-9cfe-4c93-b2a6-033691301ee6" providerId="ADAL" clId="{0FCB1206-7487-46F9-BCE8-9BD8BEB45BA8}" dt="2024-07-20T19:08:18.910" v="3214" actId="2711"/>
-          <ac:spMkLst>
-            <pc:docMk/>
-            <pc:sldMk cId="3911730965" sldId="277"/>
-            <ac:spMk id="5" creationId="{D9890D44-0192-4E8F-F12D-92F456B20864}"/>
-          </ac:spMkLst>
-        </pc:spChg>
-      </pc:sldChg>
-      <pc:sldChg chg="modSp new mod modAnim">
-        <pc:chgData name="Zhao, Zishuo" userId="7649741a-9cfe-4c93-b2a6-033691301ee6" providerId="ADAL" clId="{0FCB1206-7487-46F9-BCE8-9BD8BEB45BA8}" dt="2024-07-22T18:39:12.755" v="6056" actId="20577"/>
-        <pc:sldMkLst>
-          <pc:docMk/>
-          <pc:sldMk cId="652933435" sldId="278"/>
-        </pc:sldMkLst>
-        <pc:spChg chg="mod">
-          <ac:chgData name="Zhao, Zishuo" userId="7649741a-9cfe-4c93-b2a6-033691301ee6" providerId="ADAL" clId="{0FCB1206-7487-46F9-BCE8-9BD8BEB45BA8}" dt="2024-07-20T19:44:36.571" v="3629" actId="20577"/>
-          <ac:spMkLst>
-            <pc:docMk/>
-            <pc:sldMk cId="652933435" sldId="278"/>
-            <ac:spMk id="2" creationId="{24979022-7A3B-6EDC-76F8-205710209970}"/>
-          </ac:spMkLst>
-        </pc:spChg>
-        <pc:spChg chg="mod">
-          <ac:chgData name="Zhao, Zishuo" userId="7649741a-9cfe-4c93-b2a6-033691301ee6" providerId="ADAL" clId="{0FCB1206-7487-46F9-BCE8-9BD8BEB45BA8}" dt="2024-07-22T18:39:12.755" v="6056" actId="20577"/>
-          <ac:spMkLst>
-            <pc:docMk/>
-            <pc:sldMk cId="652933435" sldId="278"/>
-            <ac:spMk id="3" creationId="{A6F5F4EA-4052-BB6D-E031-94DFF9CEC195}"/>
-          </ac:spMkLst>
-        </pc:spChg>
-      </pc:sldChg>
-      <pc:sldChg chg="modSp new mod modAnim">
-        <pc:chgData name="Zhao, Zishuo" userId="7649741a-9cfe-4c93-b2a6-033691301ee6" providerId="ADAL" clId="{0FCB1206-7487-46F9-BCE8-9BD8BEB45BA8}" dt="2024-07-20T23:07:14.326" v="4392" actId="20577"/>
-        <pc:sldMkLst>
-          <pc:docMk/>
-          <pc:sldMk cId="2790772179" sldId="279"/>
-        </pc:sldMkLst>
-        <pc:spChg chg="mod">
-          <ac:chgData name="Zhao, Zishuo" userId="7649741a-9cfe-4c93-b2a6-033691301ee6" providerId="ADAL" clId="{0FCB1206-7487-46F9-BCE8-9BD8BEB45BA8}" dt="2024-07-20T23:07:14.326" v="4392" actId="20577"/>
-          <ac:spMkLst>
-            <pc:docMk/>
-            <pc:sldMk cId="2790772179" sldId="279"/>
-            <ac:spMk id="2" creationId="{441F04CC-B5BF-73A9-44C9-95079617676D}"/>
-          </ac:spMkLst>
-        </pc:spChg>
-        <pc:spChg chg="mod">
-          <ac:chgData name="Zhao, Zishuo" userId="7649741a-9cfe-4c93-b2a6-033691301ee6" providerId="ADAL" clId="{0FCB1206-7487-46F9-BCE8-9BD8BEB45BA8}" dt="2024-07-20T22:53:56.376" v="4187" actId="20577"/>
-          <ac:spMkLst>
-            <pc:docMk/>
-            <pc:sldMk cId="2790772179" sldId="279"/>
-            <ac:spMk id="3" creationId="{144BC331-07CE-A3B0-7846-6DF1783295E9}"/>
-          </ac:spMkLst>
-        </pc:spChg>
-      </pc:sldChg>
-      <pc:sldChg chg="modSp new mod ord modAnim">
-        <pc:chgData name="Zhao, Zishuo" userId="7649741a-9cfe-4c93-b2a6-033691301ee6" providerId="ADAL" clId="{0FCB1206-7487-46F9-BCE8-9BD8BEB45BA8}" dt="2024-07-26T19:28:22.146" v="9168" actId="20577"/>
-        <pc:sldMkLst>
-          <pc:docMk/>
-          <pc:sldMk cId="1549155231" sldId="280"/>
-        </pc:sldMkLst>
-        <pc:spChg chg="mod">
-          <ac:chgData name="Zhao, Zishuo" userId="7649741a-9cfe-4c93-b2a6-033691301ee6" providerId="ADAL" clId="{0FCB1206-7487-46F9-BCE8-9BD8BEB45BA8}" dt="2024-07-26T19:28:22.146" v="9168" actId="20577"/>
-          <ac:spMkLst>
-            <pc:docMk/>
-            <pc:sldMk cId="1549155231" sldId="280"/>
-            <ac:spMk id="2" creationId="{4B3314BB-129E-F65F-8751-4D280435C0CF}"/>
-          </ac:spMkLst>
-        </pc:spChg>
-        <pc:spChg chg="mod">
-          <ac:chgData name="Zhao, Zishuo" userId="7649741a-9cfe-4c93-b2a6-033691301ee6" providerId="ADAL" clId="{0FCB1206-7487-46F9-BCE8-9BD8BEB45BA8}" dt="2024-07-22T21:44:20.411" v="8284" actId="20577"/>
-          <ac:spMkLst>
-            <pc:docMk/>
-            <pc:sldMk cId="1549155231" sldId="280"/>
-            <ac:spMk id="3" creationId="{62ADB673-3611-8FD1-A6E3-7AC113166090}"/>
-          </ac:spMkLst>
-        </pc:spChg>
-      </pc:sldChg>
-      <pc:sldChg chg="modSp new mod">
-        <pc:chgData name="Zhao, Zishuo" userId="7649741a-9cfe-4c93-b2a6-033691301ee6" providerId="ADAL" clId="{0FCB1206-7487-46F9-BCE8-9BD8BEB45BA8}" dt="2024-07-20T23:57:32.862" v="5305" actId="20577"/>
-        <pc:sldMkLst>
-          <pc:docMk/>
-          <pc:sldMk cId="4045284585" sldId="281"/>
-        </pc:sldMkLst>
-        <pc:spChg chg="mod">
-          <ac:chgData name="Zhao, Zishuo" userId="7649741a-9cfe-4c93-b2a6-033691301ee6" providerId="ADAL" clId="{0FCB1206-7487-46F9-BCE8-9BD8BEB45BA8}" dt="2024-07-20T23:57:32.862" v="5305" actId="20577"/>
-          <ac:spMkLst>
-            <pc:docMk/>
-            <pc:sldMk cId="4045284585" sldId="281"/>
-            <ac:spMk id="2" creationId="{AC48887E-291B-CC70-CE53-B1AC0CD7A8FB}"/>
-          </ac:spMkLst>
-        </pc:spChg>
-      </pc:sldChg>
-      <pc:sldChg chg="modSp mod">
-        <pc:chgData name="Zhao, Zishuo" userId="7649741a-9cfe-4c93-b2a6-033691301ee6" providerId="ADAL" clId="{0FCB1206-7487-46F9-BCE8-9BD8BEB45BA8}" dt="2024-07-22T18:35:34.036" v="6012" actId="20577"/>
-        <pc:sldMkLst>
-          <pc:docMk/>
-          <pc:sldMk cId="3161282364" sldId="285"/>
-        </pc:sldMkLst>
-        <pc:spChg chg="mod">
-          <ac:chgData name="Zhao, Zishuo" userId="7649741a-9cfe-4c93-b2a6-033691301ee6" providerId="ADAL" clId="{0FCB1206-7487-46F9-BCE8-9BD8BEB45BA8}" dt="2024-07-22T18:08:18.290" v="5404" actId="20577"/>
-          <ac:spMkLst>
-            <pc:docMk/>
-            <pc:sldMk cId="3161282364" sldId="285"/>
-            <ac:spMk id="2" creationId="{7D519705-835E-B80F-0DFC-BD8F3A9C4EF1}"/>
-          </ac:spMkLst>
-        </pc:spChg>
-        <pc:spChg chg="mod">
-          <ac:chgData name="Zhao, Zishuo" userId="7649741a-9cfe-4c93-b2a6-033691301ee6" providerId="ADAL" clId="{0FCB1206-7487-46F9-BCE8-9BD8BEB45BA8}" dt="2024-07-22T18:35:34.036" v="6012" actId="20577"/>
-          <ac:spMkLst>
-            <pc:docMk/>
-            <pc:sldMk cId="3161282364" sldId="285"/>
-            <ac:spMk id="3" creationId="{2533E47A-5142-483B-DC21-689BEC93370D}"/>
-          </ac:spMkLst>
-        </pc:spChg>
-      </pc:sldChg>
-      <pc:sldChg chg="modSp modAnim">
-        <pc:chgData name="Zhao, Zishuo" userId="7649741a-9cfe-4c93-b2a6-033691301ee6" providerId="ADAL" clId="{0FCB1206-7487-46F9-BCE8-9BD8BEB45BA8}" dt="2024-07-25T16:14:50.428" v="8407"/>
-        <pc:sldMkLst>
-          <pc:docMk/>
-          <pc:sldMk cId="2795039983" sldId="286"/>
-        </pc:sldMkLst>
-        <pc:spChg chg="mod">
-          <ac:chgData name="Zhao, Zishuo" userId="7649741a-9cfe-4c93-b2a6-033691301ee6" providerId="ADAL" clId="{0FCB1206-7487-46F9-BCE8-9BD8BEB45BA8}" dt="2024-07-25T16:14:50.428" v="8407"/>
-          <ac:spMkLst>
-            <pc:docMk/>
-            <pc:sldMk cId="2795039983" sldId="286"/>
-            <ac:spMk id="3" creationId="{C869FF5D-D5CF-966E-43AA-CB9C97995A99}"/>
-          </ac:spMkLst>
-        </pc:spChg>
-      </pc:sldChg>
-      <pc:sldChg chg="modSp modAnim">
-        <pc:chgData name="Zhao, Zishuo" userId="7649741a-9cfe-4c93-b2a6-033691301ee6" providerId="ADAL" clId="{0FCB1206-7487-46F9-BCE8-9BD8BEB45BA8}" dt="2024-07-22T18:16:14.697" v="5428" actId="207"/>
-        <pc:sldMkLst>
-          <pc:docMk/>
-          <pc:sldMk cId="3533479332" sldId="287"/>
-        </pc:sldMkLst>
-        <pc:spChg chg="mod">
-          <ac:chgData name="Zhao, Zishuo" userId="7649741a-9cfe-4c93-b2a6-033691301ee6" providerId="ADAL" clId="{0FCB1206-7487-46F9-BCE8-9BD8BEB45BA8}" dt="2024-07-22T18:16:14.697" v="5428" actId="207"/>
-          <ac:spMkLst>
-            <pc:docMk/>
-            <pc:sldMk cId="3533479332" sldId="287"/>
-            <ac:spMk id="3" creationId="{569F4515-2D45-A4F1-744E-6F33C6B88841}"/>
-          </ac:spMkLst>
-        </pc:spChg>
-      </pc:sldChg>
-      <pc:sldChg chg="addSp delSp modSp new mod modAnim">
-        <pc:chgData name="Zhao, Zishuo" userId="7649741a-9cfe-4c93-b2a6-033691301ee6" providerId="ADAL" clId="{0FCB1206-7487-46F9-BCE8-9BD8BEB45BA8}" dt="2024-07-22T18:42:05.070" v="6058" actId="20577"/>
-        <pc:sldMkLst>
-          <pc:docMk/>
-          <pc:sldMk cId="166885388" sldId="288"/>
-        </pc:sldMkLst>
-        <pc:spChg chg="mod">
-          <ac:chgData name="Zhao, Zishuo" userId="7649741a-9cfe-4c93-b2a6-033691301ee6" providerId="ADAL" clId="{0FCB1206-7487-46F9-BCE8-9BD8BEB45BA8}" dt="2024-07-22T18:42:05.070" v="6058" actId="20577"/>
-          <ac:spMkLst>
-            <pc:docMk/>
-            <pc:sldMk cId="166885388" sldId="288"/>
-            <ac:spMk id="2" creationId="{CABDEDDB-A3D4-7AB6-BEB3-7F00148BD1D5}"/>
-          </ac:spMkLst>
-        </pc:spChg>
-        <pc:spChg chg="add del mod">
-          <ac:chgData name="Zhao, Zishuo" userId="7649741a-9cfe-4c93-b2a6-033691301ee6" providerId="ADAL" clId="{0FCB1206-7487-46F9-BCE8-9BD8BEB45BA8}" dt="2024-07-22T18:25:51.031" v="5750" actId="20577"/>
-          <ac:spMkLst>
-            <pc:docMk/>
-            <pc:sldMk cId="166885388" sldId="288"/>
-            <ac:spMk id="3" creationId="{468A5B0C-7E18-B655-CAB1-C06F5E4E6921}"/>
-          </ac:spMkLst>
-        </pc:spChg>
-        <pc:graphicFrameChg chg="add mod">
-          <ac:chgData name="Zhao, Zishuo" userId="7649741a-9cfe-4c93-b2a6-033691301ee6" providerId="ADAL" clId="{0FCB1206-7487-46F9-BCE8-9BD8BEB45BA8}" dt="2024-07-22T18:17:28.300" v="5442"/>
-          <ac:graphicFrameMkLst>
-            <pc:docMk/>
-            <pc:sldMk cId="166885388" sldId="288"/>
-            <ac:graphicFrameMk id="4" creationId="{C4A7C5A3-0DAE-0312-CCF2-EA0B39137CE9}"/>
-          </ac:graphicFrameMkLst>
-        </pc:graphicFrameChg>
-        <pc:graphicFrameChg chg="add del mod ord modGraphic">
-          <ac:chgData name="Zhao, Zishuo" userId="7649741a-9cfe-4c93-b2a6-033691301ee6" providerId="ADAL" clId="{0FCB1206-7487-46F9-BCE8-9BD8BEB45BA8}" dt="2024-07-22T18:18:22.476" v="5460" actId="3680"/>
-          <ac:graphicFrameMkLst>
-            <pc:docMk/>
-            <pc:sldMk cId="166885388" sldId="288"/>
-            <ac:graphicFrameMk id="5" creationId="{B8FE69B5-095A-6034-D460-BEBA07293C3A}"/>
-          </ac:graphicFrameMkLst>
-        </pc:graphicFrameChg>
-        <pc:graphicFrameChg chg="add del">
-          <ac:chgData name="Zhao, Zishuo" userId="7649741a-9cfe-4c93-b2a6-033691301ee6" providerId="ADAL" clId="{0FCB1206-7487-46F9-BCE8-9BD8BEB45BA8}" dt="2024-07-22T18:19:15.817" v="5489" actId="3680"/>
-          <ac:graphicFrameMkLst>
-            <pc:docMk/>
-            <pc:sldMk cId="166885388" sldId="288"/>
-            <ac:graphicFrameMk id="6" creationId="{B6938221-FA95-6609-FBC2-8B5AC24FFB64}"/>
-          </ac:graphicFrameMkLst>
-        </pc:graphicFrameChg>
-        <pc:graphicFrameChg chg="add mod modGraphic">
-          <ac:chgData name="Zhao, Zishuo" userId="7649741a-9cfe-4c93-b2a6-033691301ee6" providerId="ADAL" clId="{0FCB1206-7487-46F9-BCE8-9BD8BEB45BA8}" dt="2024-07-22T18:21:23.269" v="5568" actId="1076"/>
-          <ac:graphicFrameMkLst>
-            <pc:docMk/>
-            <pc:sldMk cId="166885388" sldId="288"/>
-            <ac:graphicFrameMk id="7" creationId="{C5C086A9-F74E-0F02-0A7C-BBCF50E479BC}"/>
-          </ac:graphicFrameMkLst>
-        </pc:graphicFrameChg>
-      </pc:sldChg>
-      <pc:sldChg chg="addSp modSp new mod addAnim delAnim modAnim">
-        <pc:chgData name="Zhao, Zishuo" userId="7649741a-9cfe-4c93-b2a6-033691301ee6" providerId="ADAL" clId="{0FCB1206-7487-46F9-BCE8-9BD8BEB45BA8}" dt="2024-07-22T18:49:16.371" v="6316" actId="20577"/>
-        <pc:sldMkLst>
-          <pc:docMk/>
-          <pc:sldMk cId="2047323876" sldId="289"/>
-        </pc:sldMkLst>
-        <pc:spChg chg="mod">
-          <ac:chgData name="Zhao, Zishuo" userId="7649741a-9cfe-4c93-b2a6-033691301ee6" providerId="ADAL" clId="{0FCB1206-7487-46F9-BCE8-9BD8BEB45BA8}" dt="2024-07-22T18:42:10.025" v="6060" actId="20577"/>
-          <ac:spMkLst>
-            <pc:docMk/>
-            <pc:sldMk cId="2047323876" sldId="289"/>
-            <ac:spMk id="2" creationId="{60BA11CE-3612-CECA-9EA0-F6602809B839}"/>
-          </ac:spMkLst>
-        </pc:spChg>
-        <pc:spChg chg="mod">
-          <ac:chgData name="Zhao, Zishuo" userId="7649741a-9cfe-4c93-b2a6-033691301ee6" providerId="ADAL" clId="{0FCB1206-7487-46F9-BCE8-9BD8BEB45BA8}" dt="2024-07-22T18:49:16.371" v="6316" actId="20577"/>
-          <ac:spMkLst>
-            <pc:docMk/>
-            <pc:sldMk cId="2047323876" sldId="289"/>
-            <ac:spMk id="3" creationId="{EF4F2AB2-E1E7-80A3-D965-520FAC43E954}"/>
-          </ac:spMkLst>
-        </pc:spChg>
-        <pc:graphicFrameChg chg="add mod modGraphic">
-          <ac:chgData name="Zhao, Zishuo" userId="7649741a-9cfe-4c93-b2a6-033691301ee6" providerId="ADAL" clId="{0FCB1206-7487-46F9-BCE8-9BD8BEB45BA8}" dt="2024-07-22T18:44:41.234" v="6163" actId="1076"/>
-          <ac:graphicFrameMkLst>
-            <pc:docMk/>
-            <pc:sldMk cId="2047323876" sldId="289"/>
-            <ac:graphicFrameMk id="4" creationId="{92C9F888-5080-7F80-37AD-02CB46A10564}"/>
-          </ac:graphicFrameMkLst>
-        </pc:graphicFrameChg>
-      </pc:sldChg>
-      <pc:sldChg chg="addSp modSp new mod modAnim">
-        <pc:chgData name="Zhao, Zishuo" userId="7649741a-9cfe-4c93-b2a6-033691301ee6" providerId="ADAL" clId="{0FCB1206-7487-46F9-BCE8-9BD8BEB45BA8}" dt="2024-07-22T20:41:34.342" v="6992"/>
-        <pc:sldMkLst>
-          <pc:docMk/>
-          <pc:sldMk cId="189869000" sldId="290"/>
-        </pc:sldMkLst>
-        <pc:spChg chg="mod">
-          <ac:chgData name="Zhao, Zishuo" userId="7649741a-9cfe-4c93-b2a6-033691301ee6" providerId="ADAL" clId="{0FCB1206-7487-46F9-BCE8-9BD8BEB45BA8}" dt="2024-07-22T18:47:38.653" v="6213" actId="20577"/>
-          <ac:spMkLst>
-            <pc:docMk/>
-            <pc:sldMk cId="189869000" sldId="290"/>
-            <ac:spMk id="2" creationId="{946E2B16-415A-6965-BC08-56F9F2C720F5}"/>
-          </ac:spMkLst>
-        </pc:spChg>
-        <pc:spChg chg="mod">
-          <ac:chgData name="Zhao, Zishuo" userId="7649741a-9cfe-4c93-b2a6-033691301ee6" providerId="ADAL" clId="{0FCB1206-7487-46F9-BCE8-9BD8BEB45BA8}" dt="2024-07-22T20:41:12.002" v="6986" actId="20577"/>
-          <ac:spMkLst>
-            <pc:docMk/>
-            <pc:sldMk cId="189869000" sldId="290"/>
-            <ac:spMk id="3" creationId="{4F586307-0E26-F42C-AB63-59F6738C9D43}"/>
-          </ac:spMkLst>
-        </pc:spChg>
-        <pc:spChg chg="add mod">
-          <ac:chgData name="Zhao, Zishuo" userId="7649741a-9cfe-4c93-b2a6-033691301ee6" providerId="ADAL" clId="{0FCB1206-7487-46F9-BCE8-9BD8BEB45BA8}" dt="2024-07-22T20:40:36.224" v="6932" actId="1076"/>
-          <ac:spMkLst>
-            <pc:docMk/>
-            <pc:sldMk cId="189869000" sldId="290"/>
-            <ac:spMk id="4" creationId="{AD0E1723-E69E-02BF-88E8-C0E2755BD139}"/>
-          </ac:spMkLst>
-        </pc:spChg>
-        <pc:spChg chg="add mod">
-          <ac:chgData name="Zhao, Zishuo" userId="7649741a-9cfe-4c93-b2a6-033691301ee6" providerId="ADAL" clId="{0FCB1206-7487-46F9-BCE8-9BD8BEB45BA8}" dt="2024-07-22T20:40:36.224" v="6932" actId="1076"/>
-          <ac:spMkLst>
-            <pc:docMk/>
-            <pc:sldMk cId="189869000" sldId="290"/>
-            <ac:spMk id="5" creationId="{895719BF-365D-2F46-C2BA-A66AB946B716}"/>
-          </ac:spMkLst>
-        </pc:spChg>
-        <pc:spChg chg="add mod">
-          <ac:chgData name="Zhao, Zishuo" userId="7649741a-9cfe-4c93-b2a6-033691301ee6" providerId="ADAL" clId="{0FCB1206-7487-46F9-BCE8-9BD8BEB45BA8}" dt="2024-07-22T20:40:36.224" v="6932" actId="1076"/>
-          <ac:spMkLst>
-            <pc:docMk/>
-            <pc:sldMk cId="189869000" sldId="290"/>
-            <ac:spMk id="6" creationId="{EE25CFBA-C521-4EE6-AB41-93A2C695E8ED}"/>
-          </ac:spMkLst>
-        </pc:spChg>
-        <pc:spChg chg="add mod">
-          <ac:chgData name="Zhao, Zishuo" userId="7649741a-9cfe-4c93-b2a6-033691301ee6" providerId="ADAL" clId="{0FCB1206-7487-46F9-BCE8-9BD8BEB45BA8}" dt="2024-07-22T20:40:36.224" v="6932" actId="1076"/>
-          <ac:spMkLst>
-            <pc:docMk/>
-            <pc:sldMk cId="189869000" sldId="290"/>
-            <ac:spMk id="7" creationId="{35A3752D-0C95-D97D-A65C-2484967A13EE}"/>
-          </ac:spMkLst>
-        </pc:spChg>
-      </pc:sldChg>
-      <pc:sldChg chg="modSp new mod modAnim">
-        <pc:chgData name="Zhao, Zishuo" userId="7649741a-9cfe-4c93-b2a6-033691301ee6" providerId="ADAL" clId="{0FCB1206-7487-46F9-BCE8-9BD8BEB45BA8}" dt="2024-07-25T17:01:16.178" v="9042"/>
-        <pc:sldMkLst>
-          <pc:docMk/>
-          <pc:sldMk cId="1476516644" sldId="291"/>
-        </pc:sldMkLst>
-        <pc:spChg chg="mod">
-          <ac:chgData name="Zhao, Zishuo" userId="7649741a-9cfe-4c93-b2a6-033691301ee6" providerId="ADAL" clId="{0FCB1206-7487-46F9-BCE8-9BD8BEB45BA8}" dt="2024-07-22T18:54:37.595" v="6369" actId="20577"/>
-          <ac:spMkLst>
-            <pc:docMk/>
-            <pc:sldMk cId="1476516644" sldId="291"/>
-            <ac:spMk id="2" creationId="{F5BC415D-32AC-7641-9D47-CD4952AC9DCF}"/>
-          </ac:spMkLst>
-        </pc:spChg>
-        <pc:spChg chg="mod">
-          <ac:chgData name="Zhao, Zishuo" userId="7649741a-9cfe-4c93-b2a6-033691301ee6" providerId="ADAL" clId="{0FCB1206-7487-46F9-BCE8-9BD8BEB45BA8}" dt="2024-07-25T16:18:07.972" v="8444" actId="20577"/>
-          <ac:spMkLst>
-            <pc:docMk/>
-            <pc:sldMk cId="1476516644" sldId="291"/>
-            <ac:spMk id="3" creationId="{22BFFAAB-DF3C-A011-0869-7672D429BDBC}"/>
-          </ac:spMkLst>
-        </pc:spChg>
-      </pc:sldChg>
-      <pc:sldChg chg="modSp new mod">
-        <pc:chgData name="Zhao, Zishuo" userId="7649741a-9cfe-4c93-b2a6-033691301ee6" providerId="ADAL" clId="{0FCB1206-7487-46F9-BCE8-9BD8BEB45BA8}" dt="2024-07-22T19:11:40.960" v="6684" actId="20577"/>
-        <pc:sldMkLst>
-          <pc:docMk/>
-          <pc:sldMk cId="1334571402" sldId="292"/>
-        </pc:sldMkLst>
-        <pc:spChg chg="mod">
-          <ac:chgData name="Zhao, Zishuo" userId="7649741a-9cfe-4c93-b2a6-033691301ee6" providerId="ADAL" clId="{0FCB1206-7487-46F9-BCE8-9BD8BEB45BA8}" dt="2024-07-22T19:08:17.666" v="6586" actId="2711"/>
-          <ac:spMkLst>
-            <pc:docMk/>
-            <pc:sldMk cId="1334571402" sldId="292"/>
-            <ac:spMk id="2" creationId="{99BAF2C7-497B-DD0A-BCE2-8C1699811E5E}"/>
-          </ac:spMkLst>
-        </pc:spChg>
-        <pc:spChg chg="mod">
-          <ac:chgData name="Zhao, Zishuo" userId="7649741a-9cfe-4c93-b2a6-033691301ee6" providerId="ADAL" clId="{0FCB1206-7487-46F9-BCE8-9BD8BEB45BA8}" dt="2024-07-22T19:11:40.960" v="6684" actId="20577"/>
-          <ac:spMkLst>
-            <pc:docMk/>
-            <pc:sldMk cId="1334571402" sldId="292"/>
-            <ac:spMk id="3" creationId="{2CE54A99-4D8E-C436-751F-0DBCF10525F0}"/>
-          </ac:spMkLst>
-        </pc:spChg>
-      </pc:sldChg>
-      <pc:sldChg chg="addSp delSp modSp new mod modAnim">
-        <pc:chgData name="Zhao, Zishuo" userId="7649741a-9cfe-4c93-b2a6-033691301ee6" providerId="ADAL" clId="{0FCB1206-7487-46F9-BCE8-9BD8BEB45BA8}" dt="2024-07-22T20:55:12.361" v="7334"/>
-        <pc:sldMkLst>
-          <pc:docMk/>
-          <pc:sldMk cId="4242591250" sldId="293"/>
-        </pc:sldMkLst>
-        <pc:spChg chg="mod">
-          <ac:chgData name="Zhao, Zishuo" userId="7649741a-9cfe-4c93-b2a6-033691301ee6" providerId="ADAL" clId="{0FCB1206-7487-46F9-BCE8-9BD8BEB45BA8}" dt="2024-07-22T20:43:49.519" v="7027" actId="20577"/>
-          <ac:spMkLst>
-            <pc:docMk/>
-            <pc:sldMk cId="4242591250" sldId="293"/>
-            <ac:spMk id="2" creationId="{39849770-5A15-A3A7-E5E4-7ECD35397B8E}"/>
-          </ac:spMkLst>
-        </pc:spChg>
-        <pc:spChg chg="mod">
-          <ac:chgData name="Zhao, Zishuo" userId="7649741a-9cfe-4c93-b2a6-033691301ee6" providerId="ADAL" clId="{0FCB1206-7487-46F9-BCE8-9BD8BEB45BA8}" dt="2024-07-22T20:47:33.714" v="7178" actId="20577"/>
-          <ac:spMkLst>
-            <pc:docMk/>
-            <pc:sldMk cId="4242591250" sldId="293"/>
-            <ac:spMk id="3" creationId="{C4CB8760-8FAF-5AA3-B882-503BCADCFF68}"/>
-          </ac:spMkLst>
-        </pc:spChg>
-        <pc:graphicFrameChg chg="add del">
-          <ac:chgData name="Zhao, Zishuo" userId="7649741a-9cfe-4c93-b2a6-033691301ee6" providerId="ADAL" clId="{0FCB1206-7487-46F9-BCE8-9BD8BEB45BA8}" dt="2024-07-22T20:48:09.750" v="7180" actId="478"/>
-          <ac:graphicFrameMkLst>
-            <pc:docMk/>
-            <pc:sldMk cId="4242591250" sldId="293"/>
-            <ac:graphicFrameMk id="4" creationId="{4DB95570-8AB1-C760-C82E-1C8088D01640}"/>
-          </ac:graphicFrameMkLst>
-        </pc:graphicFrameChg>
-        <pc:graphicFrameChg chg="add mod modGraphic">
-          <ac:chgData name="Zhao, Zishuo" userId="7649741a-9cfe-4c93-b2a6-033691301ee6" providerId="ADAL" clId="{0FCB1206-7487-46F9-BCE8-9BD8BEB45BA8}" dt="2024-07-22T20:54:28.665" v="7333" actId="1076"/>
-          <ac:graphicFrameMkLst>
-            <pc:docMk/>
-            <pc:sldMk cId="4242591250" sldId="293"/>
-            <ac:graphicFrameMk id="5" creationId="{9DDAF614-B462-567D-CAA6-08D434914706}"/>
-          </ac:graphicFrameMkLst>
-        </pc:graphicFrameChg>
-      </pc:sldChg>
-      <pc:sldChg chg="addSp modSp new mod modAnim">
-        <pc:chgData name="Zhao, Zishuo" userId="7649741a-9cfe-4c93-b2a6-033691301ee6" providerId="ADAL" clId="{0FCB1206-7487-46F9-BCE8-9BD8BEB45BA8}" dt="2024-07-25T16:15:08.581" v="8412" actId="114"/>
-        <pc:sldMkLst>
-          <pc:docMk/>
-          <pc:sldMk cId="2911060587" sldId="294"/>
-        </pc:sldMkLst>
-        <pc:spChg chg="mod">
-          <ac:chgData name="Zhao, Zishuo" userId="7649741a-9cfe-4c93-b2a6-033691301ee6" providerId="ADAL" clId="{0FCB1206-7487-46F9-BCE8-9BD8BEB45BA8}" dt="2024-07-22T20:57:31.533" v="7346" actId="20577"/>
-          <ac:spMkLst>
-            <pc:docMk/>
-            <pc:sldMk cId="2911060587" sldId="294"/>
-            <ac:spMk id="2" creationId="{7DDC52B7-09C5-D624-424F-C89A5E243FF7}"/>
-          </ac:spMkLst>
-        </pc:spChg>
-        <pc:spChg chg="mod">
-          <ac:chgData name="Zhao, Zishuo" userId="7649741a-9cfe-4c93-b2a6-033691301ee6" providerId="ADAL" clId="{0FCB1206-7487-46F9-BCE8-9BD8BEB45BA8}" dt="2024-07-25T16:15:08.581" v="8412" actId="114"/>
-          <ac:spMkLst>
-            <pc:docMk/>
-            <pc:sldMk cId="2911060587" sldId="294"/>
-            <ac:spMk id="3" creationId="{2A135676-FD95-C4DB-F1E1-BAC7087EE6B4}"/>
-          </ac:spMkLst>
-        </pc:spChg>
-        <pc:graphicFrameChg chg="add mod modGraphic">
-          <ac:chgData name="Zhao, Zishuo" userId="7649741a-9cfe-4c93-b2a6-033691301ee6" providerId="ADAL" clId="{0FCB1206-7487-46F9-BCE8-9BD8BEB45BA8}" dt="2024-07-22T21:13:00.901" v="7717" actId="1076"/>
-          <ac:graphicFrameMkLst>
-            <pc:docMk/>
-            <pc:sldMk cId="2911060587" sldId="294"/>
-            <ac:graphicFrameMk id="4" creationId="{92595198-A0C0-B31B-2470-8812D0F40010}"/>
-          </ac:graphicFrameMkLst>
-        </pc:graphicFrameChg>
-      </pc:sldChg>
-      <pc:sldChg chg="addSp modSp new mod modAnim">
-        <pc:chgData name="Zhao, Zishuo" userId="7649741a-9cfe-4c93-b2a6-033691301ee6" providerId="ADAL" clId="{0FCB1206-7487-46F9-BCE8-9BD8BEB45BA8}" dt="2024-07-25T16:15:19.147" v="8414" actId="20577"/>
-        <pc:sldMkLst>
-          <pc:docMk/>
-          <pc:sldMk cId="1657814739" sldId="295"/>
-        </pc:sldMkLst>
-        <pc:spChg chg="mod">
-          <ac:chgData name="Zhao, Zishuo" userId="7649741a-9cfe-4c93-b2a6-033691301ee6" providerId="ADAL" clId="{0FCB1206-7487-46F9-BCE8-9BD8BEB45BA8}" dt="2024-07-22T21:05:21.105" v="7612" actId="20577"/>
-          <ac:spMkLst>
-            <pc:docMk/>
-            <pc:sldMk cId="1657814739" sldId="295"/>
-            <ac:spMk id="2" creationId="{575045E7-C5DC-F360-C60B-BFE19C1A01E6}"/>
-          </ac:spMkLst>
-        </pc:spChg>
-        <pc:spChg chg="mod">
-          <ac:chgData name="Zhao, Zishuo" userId="7649741a-9cfe-4c93-b2a6-033691301ee6" providerId="ADAL" clId="{0FCB1206-7487-46F9-BCE8-9BD8BEB45BA8}" dt="2024-07-25T16:15:19.147" v="8414" actId="20577"/>
-          <ac:spMkLst>
-            <pc:docMk/>
-            <pc:sldMk cId="1657814739" sldId="295"/>
-            <ac:spMk id="3" creationId="{F0B8BF11-4759-31AA-271E-6478F5568650}"/>
-          </ac:spMkLst>
-        </pc:spChg>
-        <pc:picChg chg="add mod">
-          <ac:chgData name="Zhao, Zishuo" userId="7649741a-9cfe-4c93-b2a6-033691301ee6" providerId="ADAL" clId="{0FCB1206-7487-46F9-BCE8-9BD8BEB45BA8}" dt="2024-07-22T21:08:52.700" v="7711" actId="1076"/>
-          <ac:picMkLst>
-            <pc:docMk/>
-            <pc:sldMk cId="1657814739" sldId="295"/>
-            <ac:picMk id="5" creationId="{79FA8EB8-31EB-7C11-0110-06748362C25D}"/>
-          </ac:picMkLst>
-        </pc:picChg>
-      </pc:sldChg>
-      <pc:sldChg chg="modSp new mod modAnim">
-        <pc:chgData name="Zhao, Zishuo" userId="7649741a-9cfe-4c93-b2a6-033691301ee6" providerId="ADAL" clId="{0FCB1206-7487-46F9-BCE8-9BD8BEB45BA8}" dt="2024-07-22T21:45:33.386" v="8333" actId="20577"/>
-        <pc:sldMkLst>
-          <pc:docMk/>
-          <pc:sldMk cId="1764190081" sldId="296"/>
-        </pc:sldMkLst>
-        <pc:spChg chg="mod">
-          <ac:chgData name="Zhao, Zishuo" userId="7649741a-9cfe-4c93-b2a6-033691301ee6" providerId="ADAL" clId="{0FCB1206-7487-46F9-BCE8-9BD8BEB45BA8}" dt="2024-07-22T21:20:35.661" v="7742" actId="20577"/>
-          <ac:spMkLst>
-            <pc:docMk/>
-            <pc:sldMk cId="1764190081" sldId="296"/>
-            <ac:spMk id="2" creationId="{90A142F3-C040-6308-8574-6986F4C6D922}"/>
-          </ac:spMkLst>
-        </pc:spChg>
-        <pc:spChg chg="mod">
-          <ac:chgData name="Zhao, Zishuo" userId="7649741a-9cfe-4c93-b2a6-033691301ee6" providerId="ADAL" clId="{0FCB1206-7487-46F9-BCE8-9BD8BEB45BA8}" dt="2024-07-22T21:45:33.386" v="8333" actId="20577"/>
-          <ac:spMkLst>
-            <pc:docMk/>
-            <pc:sldMk cId="1764190081" sldId="296"/>
-            <ac:spMk id="3" creationId="{E150B545-A87C-F105-F90B-B9A556133E67}"/>
-          </ac:spMkLst>
-        </pc:spChg>
-      </pc:sldChg>
-      <pc:sldChg chg="modSp new mod">
-        <pc:chgData name="Zhao, Zishuo" userId="7649741a-9cfe-4c93-b2a6-033691301ee6" providerId="ADAL" clId="{0FCB1206-7487-46F9-BCE8-9BD8BEB45BA8}" dt="2024-07-22T21:46:05.371" v="8368" actId="20577"/>
-        <pc:sldMkLst>
-          <pc:docMk/>
-          <pc:sldMk cId="516511266" sldId="297"/>
-        </pc:sldMkLst>
-        <pc:spChg chg="mod">
-          <ac:chgData name="Zhao, Zishuo" userId="7649741a-9cfe-4c93-b2a6-033691301ee6" providerId="ADAL" clId="{0FCB1206-7487-46F9-BCE8-9BD8BEB45BA8}" dt="2024-07-22T21:46:05.371" v="8368" actId="20577"/>
-          <ac:spMkLst>
-            <pc:docMk/>
-            <pc:sldMk cId="516511266" sldId="297"/>
-            <ac:spMk id="2" creationId="{9017BF18-DD89-AE6B-1A58-B592FC99931E}"/>
-          </ac:spMkLst>
-        </pc:spChg>
-      </pc:sldChg>
-      <pc:sldChg chg="modSp">
-        <pc:chgData name="Zhao, Zishuo" userId="7649741a-9cfe-4c93-b2a6-033691301ee6" providerId="ADAL" clId="{0FCB1206-7487-46F9-BCE8-9BD8BEB45BA8}" dt="2024-07-25T16:18:27.474" v="8450" actId="20577"/>
-        <pc:sldMkLst>
-          <pc:docMk/>
-          <pc:sldMk cId="3575182794" sldId="298"/>
-        </pc:sldMkLst>
-        <pc:spChg chg="mod">
-          <ac:chgData name="Zhao, Zishuo" userId="7649741a-9cfe-4c93-b2a6-033691301ee6" providerId="ADAL" clId="{0FCB1206-7487-46F9-BCE8-9BD8BEB45BA8}" dt="2024-07-25T16:18:27.474" v="8450" actId="20577"/>
-          <ac:spMkLst>
-            <pc:docMk/>
-            <pc:sldMk cId="3575182794" sldId="298"/>
-            <ac:spMk id="3" creationId="{73365DAD-E4C4-1038-0166-DE0842233942}"/>
-          </ac:spMkLst>
-        </pc:spChg>
-      </pc:sldChg>
-      <pc:sldChg chg="modSp modAnim">
-        <pc:chgData name="Zhao, Zishuo" userId="7649741a-9cfe-4c93-b2a6-033691301ee6" providerId="ADAL" clId="{0FCB1206-7487-46F9-BCE8-9BD8BEB45BA8}" dt="2024-07-27T04:36:28.230" v="9953" actId="20577"/>
-        <pc:sldMkLst>
-          <pc:docMk/>
-          <pc:sldMk cId="3896375351" sldId="301"/>
-        </pc:sldMkLst>
-        <pc:spChg chg="mod">
-          <ac:chgData name="Zhao, Zishuo" userId="7649741a-9cfe-4c93-b2a6-033691301ee6" providerId="ADAL" clId="{0FCB1206-7487-46F9-BCE8-9BD8BEB45BA8}" dt="2024-07-27T04:36:28.230" v="9953" actId="20577"/>
-          <ac:spMkLst>
-            <pc:docMk/>
-            <pc:sldMk cId="3896375351" sldId="301"/>
-            <ac:spMk id="3" creationId="{D7384643-229F-43C0-300B-53777E434985}"/>
-          </ac:spMkLst>
-        </pc:spChg>
-      </pc:sldChg>
-      <pc:sldChg chg="modSp">
-        <pc:chgData name="Zhao, Zishuo" userId="7649741a-9cfe-4c93-b2a6-033691301ee6" providerId="ADAL" clId="{0FCB1206-7487-46F9-BCE8-9BD8BEB45BA8}" dt="2024-07-26T19:58:17.337" v="9697" actId="20577"/>
-        <pc:sldMkLst>
-          <pc:docMk/>
-          <pc:sldMk cId="2409188227" sldId="303"/>
-        </pc:sldMkLst>
-        <pc:spChg chg="mod">
-          <ac:chgData name="Zhao, Zishuo" userId="7649741a-9cfe-4c93-b2a6-033691301ee6" providerId="ADAL" clId="{0FCB1206-7487-46F9-BCE8-9BD8BEB45BA8}" dt="2024-07-26T19:58:17.337" v="9697" actId="20577"/>
-          <ac:spMkLst>
-            <pc:docMk/>
-            <pc:sldMk cId="2409188227" sldId="303"/>
-            <ac:spMk id="8" creationId="{344A89E4-E03D-6529-4B69-0D44AF9E5E6B}"/>
-          </ac:spMkLst>
-        </pc:spChg>
-      </pc:sldChg>
-      <pc:sldChg chg="addSp delSp modSp new mod modAnim">
-        <pc:chgData name="Zhao, Zishuo" userId="7649741a-9cfe-4c93-b2a6-033691301ee6" providerId="ADAL" clId="{0FCB1206-7487-46F9-BCE8-9BD8BEB45BA8}" dt="2024-07-25T18:18:16.295" v="9150" actId="20577"/>
-        <pc:sldMkLst>
-          <pc:docMk/>
-          <pc:sldMk cId="2941906202" sldId="305"/>
-        </pc:sldMkLst>
-        <pc:spChg chg="mod">
-          <ac:chgData name="Zhao, Zishuo" userId="7649741a-9cfe-4c93-b2a6-033691301ee6" providerId="ADAL" clId="{0FCB1206-7487-46F9-BCE8-9BD8BEB45BA8}" dt="2024-07-25T16:17:26.680" v="8442" actId="20577"/>
-          <ac:spMkLst>
-            <pc:docMk/>
-            <pc:sldMk cId="2941906202" sldId="305"/>
-            <ac:spMk id="2" creationId="{A23AEF72-A587-7469-74F2-1F3415A47350}"/>
-          </ac:spMkLst>
-        </pc:spChg>
-        <pc:spChg chg="mod">
-          <ac:chgData name="Zhao, Zishuo" userId="7649741a-9cfe-4c93-b2a6-033691301ee6" providerId="ADAL" clId="{0FCB1206-7487-46F9-BCE8-9BD8BEB45BA8}" dt="2024-07-25T18:18:16.295" v="9150" actId="20577"/>
-          <ac:spMkLst>
-            <pc:docMk/>
-            <pc:sldMk cId="2941906202" sldId="305"/>
-            <ac:spMk id="3" creationId="{A5E6A2FC-786D-B7F4-CC7C-EA682A581AE7}"/>
-          </ac:spMkLst>
-        </pc:spChg>
-        <pc:spChg chg="add mod">
-          <ac:chgData name="Zhao, Zishuo" userId="7649741a-9cfe-4c93-b2a6-033691301ee6" providerId="ADAL" clId="{0FCB1206-7487-46F9-BCE8-9BD8BEB45BA8}" dt="2024-07-25T16:40:53.692" v="8619" actId="207"/>
-          <ac:spMkLst>
-            <pc:docMk/>
-            <pc:sldMk cId="2941906202" sldId="305"/>
-            <ac:spMk id="13" creationId="{B3883284-72F6-C577-1185-31F5AF4D40BD}"/>
-          </ac:spMkLst>
-        </pc:spChg>
-        <pc:spChg chg="add mod">
-          <ac:chgData name="Zhao, Zishuo" userId="7649741a-9cfe-4c93-b2a6-033691301ee6" providerId="ADAL" clId="{0FCB1206-7487-46F9-BCE8-9BD8BEB45BA8}" dt="2024-07-25T16:41:05.405" v="8630" actId="1076"/>
-          <ac:spMkLst>
-            <pc:docMk/>
-            <pc:sldMk cId="2941906202" sldId="305"/>
-            <ac:spMk id="14" creationId="{75D08D27-BE8B-2BD7-947F-2A87304F5EBD}"/>
-          </ac:spMkLst>
-        </pc:spChg>
-        <pc:picChg chg="add mod">
-          <ac:chgData name="Zhao, Zishuo" userId="7649741a-9cfe-4c93-b2a6-033691301ee6" providerId="ADAL" clId="{0FCB1206-7487-46F9-BCE8-9BD8BEB45BA8}" dt="2024-07-25T16:39:44.852" v="8603" actId="1076"/>
-          <ac:picMkLst>
-            <pc:docMk/>
-            <pc:sldMk cId="2941906202" sldId="305"/>
-            <ac:picMk id="6" creationId="{680ECC08-FD22-B772-60B3-5F0527DD897E}"/>
-          </ac:picMkLst>
-        </pc:picChg>
-        <pc:picChg chg="add del mod">
-          <ac:chgData name="Zhao, Zishuo" userId="7649741a-9cfe-4c93-b2a6-033691301ee6" providerId="ADAL" clId="{0FCB1206-7487-46F9-BCE8-9BD8BEB45BA8}" dt="2024-07-25T16:37:54.023" v="8595" actId="478"/>
-          <ac:picMkLst>
-            <pc:docMk/>
-            <pc:sldMk cId="2941906202" sldId="305"/>
-            <ac:picMk id="8" creationId="{716EF1CB-2D1B-2A93-2291-1A79BD81F0B9}"/>
-          </ac:picMkLst>
-        </pc:picChg>
-        <pc:picChg chg="add mod">
-          <ac:chgData name="Zhao, Zishuo" userId="7649741a-9cfe-4c93-b2a6-033691301ee6" providerId="ADAL" clId="{0FCB1206-7487-46F9-BCE8-9BD8BEB45BA8}" dt="2024-07-25T16:39:58.905" v="8609" actId="1076"/>
-          <ac:picMkLst>
-            <pc:docMk/>
-            <pc:sldMk cId="2941906202" sldId="305"/>
-            <ac:picMk id="10" creationId="{159FEFAE-BDB4-5DEB-9AAE-E97BBB5CCA11}"/>
-          </ac:picMkLst>
-        </pc:picChg>
-        <pc:cxnChg chg="add">
-          <ac:chgData name="Zhao, Zishuo" userId="7649741a-9cfe-4c93-b2a6-033691301ee6" providerId="ADAL" clId="{0FCB1206-7487-46F9-BCE8-9BD8BEB45BA8}" dt="2024-07-25T16:40:23.415" v="8610" actId="11529"/>
-          <ac:cxnSpMkLst>
-            <pc:docMk/>
-            <pc:sldMk cId="2941906202" sldId="305"/>
-            <ac:cxnSpMk id="12" creationId="{1A10D55E-371B-0BCE-3F09-7B1FA85FF0CC}"/>
-          </ac:cxnSpMkLst>
-        </pc:cxnChg>
-      </pc:sldChg>
-      <pc:sldChg chg="addSp delSp modSp new mod delAnim modAnim">
-        <pc:chgData name="Zhao, Zishuo" userId="7649741a-9cfe-4c93-b2a6-033691301ee6" providerId="ADAL" clId="{0FCB1206-7487-46F9-BCE8-9BD8BEB45BA8}" dt="2024-07-25T18:08:07.336" v="9139" actId="27636"/>
-        <pc:sldMkLst>
-          <pc:docMk/>
-          <pc:sldMk cId="700901009" sldId="306"/>
-        </pc:sldMkLst>
-        <pc:spChg chg="mod">
-          <ac:chgData name="Zhao, Zishuo" userId="7649741a-9cfe-4c93-b2a6-033691301ee6" providerId="ADAL" clId="{0FCB1206-7487-46F9-BCE8-9BD8BEB45BA8}" dt="2024-07-25T16:18:48.186" v="8473" actId="20577"/>
-          <ac:spMkLst>
-            <pc:docMk/>
-            <pc:sldMk cId="700901009" sldId="306"/>
-            <ac:spMk id="2" creationId="{9B5EF0F5-DE14-BE12-516C-E87FF33F5537}"/>
-          </ac:spMkLst>
-        </pc:spChg>
-        <pc:spChg chg="mod">
-          <ac:chgData name="Zhao, Zishuo" userId="7649741a-9cfe-4c93-b2a6-033691301ee6" providerId="ADAL" clId="{0FCB1206-7487-46F9-BCE8-9BD8BEB45BA8}" dt="2024-07-25T18:08:07.336" v="9139" actId="27636"/>
-          <ac:spMkLst>
-            <pc:docMk/>
-            <pc:sldMk cId="700901009" sldId="306"/>
-            <ac:spMk id="3" creationId="{3E6694C4-8A98-C260-0E86-08EF29A37CAE}"/>
-          </ac:spMkLst>
-        </pc:spChg>
-        <pc:picChg chg="add del mod">
-          <ac:chgData name="Zhao, Zishuo" userId="7649741a-9cfe-4c93-b2a6-033691301ee6" providerId="ADAL" clId="{0FCB1206-7487-46F9-BCE8-9BD8BEB45BA8}" dt="2024-07-25T16:53:19.626" v="8859" actId="478"/>
-          <ac:picMkLst>
-            <pc:docMk/>
-            <pc:sldMk cId="700901009" sldId="306"/>
-            <ac:picMk id="6" creationId="{7B0F69F9-A0AE-3D36-0FD0-B530C5538EE1}"/>
-          </ac:picMkLst>
-        </pc:picChg>
-        <pc:picChg chg="add del mod">
-          <ac:chgData name="Zhao, Zishuo" userId="7649741a-9cfe-4c93-b2a6-033691301ee6" providerId="ADAL" clId="{0FCB1206-7487-46F9-BCE8-9BD8BEB45BA8}" dt="2024-07-25T16:55:49.631" v="8893" actId="478"/>
-          <ac:picMkLst>
-            <pc:docMk/>
-            <pc:sldMk cId="700901009" sldId="306"/>
-            <ac:picMk id="7" creationId="{DDF3F5DB-78C6-38CC-85B8-895E5132B295}"/>
-          </ac:picMkLst>
-        </pc:picChg>
-        <pc:picChg chg="add del mod">
-          <ac:chgData name="Zhao, Zishuo" userId="7649741a-9cfe-4c93-b2a6-033691301ee6" providerId="ADAL" clId="{0FCB1206-7487-46F9-BCE8-9BD8BEB45BA8}" dt="2024-07-25T16:53:41.152" v="8868" actId="478"/>
-          <ac:picMkLst>
-            <pc:docMk/>
-            <pc:sldMk cId="700901009" sldId="306"/>
-            <ac:picMk id="8" creationId="{518B1E08-7E75-5A10-BB22-DD307ACDAAC8}"/>
-          </ac:picMkLst>
-        </pc:picChg>
-        <pc:picChg chg="add del mod">
-          <ac:chgData name="Zhao, Zishuo" userId="7649741a-9cfe-4c93-b2a6-033691301ee6" providerId="ADAL" clId="{0FCB1206-7487-46F9-BCE8-9BD8BEB45BA8}" dt="2024-07-25T16:53:41.724" v="8870" actId="478"/>
-          <ac:picMkLst>
-            <pc:docMk/>
-            <pc:sldMk cId="700901009" sldId="306"/>
-            <ac:picMk id="9" creationId="{4F3B556A-71B0-3558-CEAF-A87C96FAEE1F}"/>
-          </ac:picMkLst>
-        </pc:picChg>
-        <pc:picChg chg="add del mod">
-          <ac:chgData name="Zhao, Zishuo" userId="7649741a-9cfe-4c93-b2a6-033691301ee6" providerId="ADAL" clId="{0FCB1206-7487-46F9-BCE8-9BD8BEB45BA8}" dt="2024-07-25T16:55:49.631" v="8893" actId="478"/>
-          <ac:picMkLst>
-            <pc:docMk/>
-            <pc:sldMk cId="700901009" sldId="306"/>
-            <ac:picMk id="10" creationId="{37044B49-C7D8-66FA-40BE-91E598461F9E}"/>
-          </ac:picMkLst>
-        </pc:picChg>
-        <pc:picChg chg="add del mod">
-          <ac:chgData name="Zhao, Zishuo" userId="7649741a-9cfe-4c93-b2a6-033691301ee6" providerId="ADAL" clId="{0FCB1206-7487-46F9-BCE8-9BD8BEB45BA8}" dt="2024-07-25T16:55:49.631" v="8893" actId="478"/>
-          <ac:picMkLst>
-            <pc:docMk/>
-            <pc:sldMk cId="700901009" sldId="306"/>
-            <ac:picMk id="11" creationId="{0F39BD67-3D1F-A691-A559-E4ED6DF288A7}"/>
-          </ac:picMkLst>
-        </pc:picChg>
-        <pc:picChg chg="add del mod">
-          <ac:chgData name="Zhao, Zishuo" userId="7649741a-9cfe-4c93-b2a6-033691301ee6" providerId="ADAL" clId="{0FCB1206-7487-46F9-BCE8-9BD8BEB45BA8}" dt="2024-07-25T16:55:49.631" v="8893" actId="478"/>
-          <ac:picMkLst>
-            <pc:docMk/>
-            <pc:sldMk cId="700901009" sldId="306"/>
-            <ac:picMk id="12" creationId="{0CEE421F-B1D0-D398-B232-60DFFF1224E1}"/>
-          </ac:picMkLst>
-        </pc:picChg>
-        <pc:picChg chg="add del mod">
-          <ac:chgData name="Zhao, Zishuo" userId="7649741a-9cfe-4c93-b2a6-033691301ee6" providerId="ADAL" clId="{0FCB1206-7487-46F9-BCE8-9BD8BEB45BA8}" dt="2024-07-25T16:55:49.631" v="8893" actId="478"/>
-          <ac:picMkLst>
-            <pc:docMk/>
-            <pc:sldMk cId="700901009" sldId="306"/>
-            <ac:picMk id="13" creationId="{C0E96EF1-6B76-8478-EDD2-90AEB3471972}"/>
-          </ac:picMkLst>
-        </pc:picChg>
-        <pc:picChg chg="add del mod">
-          <ac:chgData name="Zhao, Zishuo" userId="7649741a-9cfe-4c93-b2a6-033691301ee6" providerId="ADAL" clId="{0FCB1206-7487-46F9-BCE8-9BD8BEB45BA8}" dt="2024-07-25T16:55:49.631" v="8893" actId="478"/>
-          <ac:picMkLst>
-            <pc:docMk/>
-            <pc:sldMk cId="700901009" sldId="306"/>
-            <ac:picMk id="14" creationId="{436D8F22-149C-2DC8-31CB-D4A79FD37933}"/>
-          </ac:picMkLst>
-        </pc:picChg>
-        <pc:picChg chg="add del mod">
-          <ac:chgData name="Zhao, Zishuo" userId="7649741a-9cfe-4c93-b2a6-033691301ee6" providerId="ADAL" clId="{0FCB1206-7487-46F9-BCE8-9BD8BEB45BA8}" dt="2024-07-25T16:55:49.631" v="8893" actId="478"/>
-          <ac:picMkLst>
-            <pc:docMk/>
-            <pc:sldMk cId="700901009" sldId="306"/>
-            <ac:picMk id="15" creationId="{62EB4F0C-942F-9E57-249C-7DDA24418BD0}"/>
-          </ac:picMkLst>
-        </pc:picChg>
-        <pc:picChg chg="add del mod">
-          <ac:chgData name="Zhao, Zishuo" userId="7649741a-9cfe-4c93-b2a6-033691301ee6" providerId="ADAL" clId="{0FCB1206-7487-46F9-BCE8-9BD8BEB45BA8}" dt="2024-07-25T16:55:49.631" v="8893" actId="478"/>
-          <ac:picMkLst>
-            <pc:docMk/>
-            <pc:sldMk cId="700901009" sldId="306"/>
-            <ac:picMk id="16" creationId="{80A47BD8-9048-E7E9-B9A0-27D38F04B157}"/>
-          </ac:picMkLst>
-        </pc:picChg>
-        <pc:picChg chg="add del mod">
-          <ac:chgData name="Zhao, Zishuo" userId="7649741a-9cfe-4c93-b2a6-033691301ee6" providerId="ADAL" clId="{0FCB1206-7487-46F9-BCE8-9BD8BEB45BA8}" dt="2024-07-25T16:54:40.262" v="8890" actId="478"/>
-          <ac:picMkLst>
-            <pc:docMk/>
-            <pc:sldMk cId="700901009" sldId="306"/>
-            <ac:picMk id="17" creationId="{186FE84B-B093-7E1B-4D42-F1F6F6C4CD40}"/>
-          </ac:picMkLst>
-        </pc:picChg>
-        <pc:picChg chg="add del mod">
-          <ac:chgData name="Zhao, Zishuo" userId="7649741a-9cfe-4c93-b2a6-033691301ee6" providerId="ADAL" clId="{0FCB1206-7487-46F9-BCE8-9BD8BEB45BA8}" dt="2024-07-25T16:55:49.631" v="8893" actId="478"/>
-          <ac:picMkLst>
-            <pc:docMk/>
-            <pc:sldMk cId="700901009" sldId="306"/>
-            <ac:picMk id="18" creationId="{AC87F145-DC6B-A82E-E153-9BA479477B1A}"/>
-          </ac:picMkLst>
-        </pc:picChg>
-        <pc:picChg chg="add mod">
-          <ac:chgData name="Zhao, Zishuo" userId="7649741a-9cfe-4c93-b2a6-033691301ee6" providerId="ADAL" clId="{0FCB1206-7487-46F9-BCE8-9BD8BEB45BA8}" dt="2024-07-25T16:56:21.156" v="8902" actId="1076"/>
-          <ac:picMkLst>
-            <pc:docMk/>
-            <pc:sldMk cId="700901009" sldId="306"/>
-            <ac:picMk id="20" creationId="{401FE35C-3598-9702-3287-CCC1F33950CD}"/>
-          </ac:picMkLst>
-        </pc:picChg>
-      </pc:sldChg>
-      <pc:sldChg chg="modSp new mod modAnim">
-        <pc:chgData name="Zhao, Zishuo" userId="7649741a-9cfe-4c93-b2a6-033691301ee6" providerId="ADAL" clId="{0FCB1206-7487-46F9-BCE8-9BD8BEB45BA8}" dt="2024-07-26T19:51:55.478" v="9667" actId="20577"/>
-        <pc:sldMkLst>
-          <pc:docMk/>
-          <pc:sldMk cId="2314959330" sldId="307"/>
-        </pc:sldMkLst>
-        <pc:spChg chg="mod">
-          <ac:chgData name="Zhao, Zishuo" userId="7649741a-9cfe-4c93-b2a6-033691301ee6" providerId="ADAL" clId="{0FCB1206-7487-46F9-BCE8-9BD8BEB45BA8}" dt="2024-07-26T19:49:38.563" v="9666" actId="20577"/>
-          <ac:spMkLst>
-            <pc:docMk/>
-            <pc:sldMk cId="2314959330" sldId="307"/>
-            <ac:spMk id="2" creationId="{46349FF2-6CE1-3FD7-4CBC-48BD1B1DC918}"/>
-          </ac:spMkLst>
-        </pc:spChg>
-        <pc:spChg chg="mod">
-          <ac:chgData name="Zhao, Zishuo" userId="7649741a-9cfe-4c93-b2a6-033691301ee6" providerId="ADAL" clId="{0FCB1206-7487-46F9-BCE8-9BD8BEB45BA8}" dt="2024-07-26T19:51:55.478" v="9667" actId="20577"/>
-          <ac:spMkLst>
-            <pc:docMk/>
-            <pc:sldMk cId="2314959330" sldId="307"/>
-            <ac:spMk id="3" creationId="{AAE76B87-B58F-CEBC-ABA8-75EB32456D1D}"/>
-          </ac:spMkLst>
-        </pc:spChg>
-      </pc:sldChg>
-      <pc:sldChg chg="modSp new mod modAnim">
-        <pc:chgData name="Zhao, Zishuo" userId="7649741a-9cfe-4c93-b2a6-033691301ee6" providerId="ADAL" clId="{0FCB1206-7487-46F9-BCE8-9BD8BEB45BA8}" dt="2024-07-27T02:15:54.794" v="9907"/>
-        <pc:sldMkLst>
-          <pc:docMk/>
-          <pc:sldMk cId="2468948051" sldId="308"/>
-        </pc:sldMkLst>
-        <pc:spChg chg="mod">
-          <ac:chgData name="Zhao, Zishuo" userId="7649741a-9cfe-4c93-b2a6-033691301ee6" providerId="ADAL" clId="{0FCB1206-7487-46F9-BCE8-9BD8BEB45BA8}" dt="2024-07-27T02:14:22.091" v="9762" actId="20577"/>
-          <ac:spMkLst>
-            <pc:docMk/>
-            <pc:sldMk cId="2468948051" sldId="308"/>
-            <ac:spMk id="2" creationId="{EAD32B89-DB79-B10A-BD54-03ECB6143E84}"/>
-          </ac:spMkLst>
-        </pc:spChg>
-        <pc:spChg chg="mod">
-          <ac:chgData name="Zhao, Zishuo" userId="7649741a-9cfe-4c93-b2a6-033691301ee6" providerId="ADAL" clId="{0FCB1206-7487-46F9-BCE8-9BD8BEB45BA8}" dt="2024-07-27T02:15:27.612" v="9904" actId="20577"/>
-          <ac:spMkLst>
-            <pc:docMk/>
-            <pc:sldMk cId="2468948051" sldId="308"/>
-            <ac:spMk id="3" creationId="{784F415B-FB57-0CF0-C21A-BD93B1B4A83E}"/>
-          </ac:spMkLst>
-        </pc:spChg>
-      </pc:sldChg>
-    </pc:docChg>
-  </pc:docChgLst>
-  <pc:docChgLst>
-    <pc:chgData name="Zhao, Zishuo" userId="7649741a-9cfe-4c93-b2a6-033691301ee6" providerId="ADAL" clId="{9EA77D44-EBFB-47DD-BC8E-B9520B213707}"/>
-    <pc:docChg chg="undo custSel addSld modSld">
-      <pc:chgData name="Zhao, Zishuo" userId="7649741a-9cfe-4c93-b2a6-033691301ee6" providerId="ADAL" clId="{9EA77D44-EBFB-47DD-BC8E-B9520B213707}" dt="2024-03-14T22:47:03.551" v="1302" actId="20577"/>
-      <pc:docMkLst>
-        <pc:docMk/>
-      </pc:docMkLst>
-      <pc:sldChg chg="modSp">
-        <pc:chgData name="Zhao, Zishuo" userId="7649741a-9cfe-4c93-b2a6-033691301ee6" providerId="ADAL" clId="{9EA77D44-EBFB-47DD-BC8E-B9520B213707}" dt="2024-03-14T22:47:03.551" v="1302" actId="20577"/>
-        <pc:sldMkLst>
-          <pc:docMk/>
-          <pc:sldMk cId="3768256014" sldId="259"/>
-        </pc:sldMkLst>
-        <pc:spChg chg="mod">
-          <ac:chgData name="Zhao, Zishuo" userId="7649741a-9cfe-4c93-b2a6-033691301ee6" providerId="ADAL" clId="{9EA77D44-EBFB-47DD-BC8E-B9520B213707}" dt="2024-03-14T22:47:03.551" v="1302" actId="20577"/>
-          <ac:spMkLst>
-            <pc:docMk/>
-            <pc:sldMk cId="3768256014" sldId="259"/>
-            <ac:spMk id="3" creationId="{32CA9A3B-5EF9-1E55-CEEF-BB457B74CBE1}"/>
-          </ac:spMkLst>
-        </pc:spChg>
-      </pc:sldChg>
-      <pc:sldChg chg="modSp">
-        <pc:chgData name="Zhao, Zishuo" userId="7649741a-9cfe-4c93-b2a6-033691301ee6" providerId="ADAL" clId="{9EA77D44-EBFB-47DD-BC8E-B9520B213707}" dt="2024-03-14T22:42:51.855" v="1297" actId="5793"/>
-        <pc:sldMkLst>
-          <pc:docMk/>
-          <pc:sldMk cId="2557916133" sldId="261"/>
-        </pc:sldMkLst>
-        <pc:spChg chg="mod">
-          <ac:chgData name="Zhao, Zishuo" userId="7649741a-9cfe-4c93-b2a6-033691301ee6" providerId="ADAL" clId="{9EA77D44-EBFB-47DD-BC8E-B9520B213707}" dt="2024-03-14T22:42:51.855" v="1297" actId="5793"/>
-          <ac:spMkLst>
-            <pc:docMk/>
-            <pc:sldMk cId="2557916133" sldId="261"/>
-            <ac:spMk id="3" creationId="{B54C5B2A-439E-76F5-D6E9-4AC9F11E9840}"/>
-          </ac:spMkLst>
-        </pc:spChg>
-      </pc:sldChg>
-      <pc:sldChg chg="modSp mod">
-        <pc:chgData name="Zhao, Zishuo" userId="7649741a-9cfe-4c93-b2a6-033691301ee6" providerId="ADAL" clId="{9EA77D44-EBFB-47DD-BC8E-B9520B213707}" dt="2024-03-14T22:13:07.472" v="591" actId="20577"/>
-        <pc:sldMkLst>
-          <pc:docMk/>
-          <pc:sldMk cId="604854990" sldId="263"/>
-        </pc:sldMkLst>
-        <pc:spChg chg="mod">
-          <ac:chgData name="Zhao, Zishuo" userId="7649741a-9cfe-4c93-b2a6-033691301ee6" providerId="ADAL" clId="{9EA77D44-EBFB-47DD-BC8E-B9520B213707}" dt="2024-03-14T22:13:07.472" v="591" actId="20577"/>
-          <ac:spMkLst>
-            <pc:docMk/>
-            <pc:sldMk cId="604854990" sldId="263"/>
-            <ac:spMk id="2" creationId="{304398DF-BFD5-2F63-461D-7D8F482D2822}"/>
-          </ac:spMkLst>
-        </pc:spChg>
-      </pc:sldChg>
-      <pc:sldChg chg="modSp mod">
-        <pc:chgData name="Zhao, Zishuo" userId="7649741a-9cfe-4c93-b2a6-033691301ee6" providerId="ADAL" clId="{9EA77D44-EBFB-47DD-BC8E-B9520B213707}" dt="2024-03-14T22:13:26.262" v="594" actId="20577"/>
-        <pc:sldMkLst>
-          <pc:docMk/>
-          <pc:sldMk cId="1956174155" sldId="264"/>
-        </pc:sldMkLst>
-        <pc:spChg chg="mod">
-          <ac:chgData name="Zhao, Zishuo" userId="7649741a-9cfe-4c93-b2a6-033691301ee6" providerId="ADAL" clId="{9EA77D44-EBFB-47DD-BC8E-B9520B213707}" dt="2024-03-14T22:13:26.262" v="594" actId="20577"/>
-          <ac:spMkLst>
-            <pc:docMk/>
-            <pc:sldMk cId="1956174155" sldId="264"/>
-            <ac:spMk id="2" creationId="{33B43D52-4DEF-FD52-3D7B-248EF03DA2BD}"/>
-          </ac:spMkLst>
-        </pc:spChg>
-        <pc:spChg chg="mod">
-          <ac:chgData name="Zhao, Zishuo" userId="7649741a-9cfe-4c93-b2a6-033691301ee6" providerId="ADAL" clId="{9EA77D44-EBFB-47DD-BC8E-B9520B213707}" dt="2024-03-14T20:57:30.283" v="31" actId="20577"/>
-          <ac:spMkLst>
-            <pc:docMk/>
-            <pc:sldMk cId="1956174155" sldId="264"/>
-            <ac:spMk id="3" creationId="{B5964FDA-DB5A-99B6-5DC9-C65D241B00F7}"/>
-          </ac:spMkLst>
-        </pc:spChg>
-      </pc:sldChg>
-      <pc:sldChg chg="modSp mod">
-        <pc:chgData name="Zhao, Zishuo" userId="7649741a-9cfe-4c93-b2a6-033691301ee6" providerId="ADAL" clId="{9EA77D44-EBFB-47DD-BC8E-B9520B213707}" dt="2024-03-14T22:13:35.993" v="597" actId="255"/>
-        <pc:sldMkLst>
-          <pc:docMk/>
-          <pc:sldMk cId="3999994351" sldId="265"/>
-        </pc:sldMkLst>
-        <pc:spChg chg="mod">
-          <ac:chgData name="Zhao, Zishuo" userId="7649741a-9cfe-4c93-b2a6-033691301ee6" providerId="ADAL" clId="{9EA77D44-EBFB-47DD-BC8E-B9520B213707}" dt="2024-03-14T22:13:35.993" v="597" actId="255"/>
-          <ac:spMkLst>
-            <pc:docMk/>
-            <pc:sldMk cId="3999994351" sldId="265"/>
-            <ac:spMk id="2" creationId="{77FADA21-E225-108F-F1E0-449CC7632685}"/>
-          </ac:spMkLst>
-        </pc:spChg>
-      </pc:sldChg>
-      <pc:sldChg chg="modSp mod">
-        <pc:chgData name="Zhao, Zishuo" userId="7649741a-9cfe-4c93-b2a6-033691301ee6" providerId="ADAL" clId="{9EA77D44-EBFB-47DD-BC8E-B9520B213707}" dt="2024-03-14T22:37:11.341" v="1254" actId="20577"/>
-        <pc:sldMkLst>
-          <pc:docMk/>
-          <pc:sldMk cId="3924817541" sldId="266"/>
-        </pc:sldMkLst>
-        <pc:spChg chg="mod">
-          <ac:chgData name="Zhao, Zishuo" userId="7649741a-9cfe-4c93-b2a6-033691301ee6" providerId="ADAL" clId="{9EA77D44-EBFB-47DD-BC8E-B9520B213707}" dt="2024-03-14T22:37:11.341" v="1254" actId="20577"/>
-          <ac:spMkLst>
-            <pc:docMk/>
-            <pc:sldMk cId="3924817541" sldId="266"/>
-            <ac:spMk id="3" creationId="{8EE42086-F845-75DF-8819-02E71EAF7780}"/>
-          </ac:spMkLst>
-        </pc:spChg>
-      </pc:sldChg>
-      <pc:sldChg chg="modSp mod modAnim">
-        <pc:chgData name="Zhao, Zishuo" userId="7649741a-9cfe-4c93-b2a6-033691301ee6" providerId="ADAL" clId="{9EA77D44-EBFB-47DD-BC8E-B9520B213707}" dt="2024-03-14T21:50:52.764" v="343" actId="27636"/>
-        <pc:sldMkLst>
-          <pc:docMk/>
-          <pc:sldMk cId="1935707286" sldId="268"/>
-        </pc:sldMkLst>
-        <pc:spChg chg="mod">
-          <ac:chgData name="Zhao, Zishuo" userId="7649741a-9cfe-4c93-b2a6-033691301ee6" providerId="ADAL" clId="{9EA77D44-EBFB-47DD-BC8E-B9520B213707}" dt="2024-03-14T21:50:52.764" v="343" actId="27636"/>
-          <ac:spMkLst>
-            <pc:docMk/>
-            <pc:sldMk cId="1935707286" sldId="268"/>
-            <ac:spMk id="3" creationId="{33EB9615-B26D-65D1-A168-F7AB413A02A3}"/>
-          </ac:spMkLst>
-        </pc:spChg>
-      </pc:sldChg>
-      <pc:sldChg chg="addSp modSp new mod modAnim">
-        <pc:chgData name="Zhao, Zishuo" userId="7649741a-9cfe-4c93-b2a6-033691301ee6" providerId="ADAL" clId="{9EA77D44-EBFB-47DD-BC8E-B9520B213707}" dt="2024-03-14T22:08:13.798" v="572"/>
-        <pc:sldMkLst>
-          <pc:docMk/>
-          <pc:sldMk cId="4207941861" sldId="269"/>
-        </pc:sldMkLst>
-        <pc:spChg chg="mod">
-          <ac:chgData name="Zhao, Zishuo" userId="7649741a-9cfe-4c93-b2a6-033691301ee6" providerId="ADAL" clId="{9EA77D44-EBFB-47DD-BC8E-B9520B213707}" dt="2024-03-14T21:31:20.446" v="60" actId="20577"/>
-          <ac:spMkLst>
-            <pc:docMk/>
-            <pc:sldMk cId="4207941861" sldId="269"/>
-            <ac:spMk id="2" creationId="{8D61C6C9-0B5E-36B7-DD31-21FA12521B76}"/>
-          </ac:spMkLst>
-        </pc:spChg>
-        <pc:spChg chg="mod">
-          <ac:chgData name="Zhao, Zishuo" userId="7649741a-9cfe-4c93-b2a6-033691301ee6" providerId="ADAL" clId="{9EA77D44-EBFB-47DD-BC8E-B9520B213707}" dt="2024-03-14T22:02:34.833" v="565" actId="20577"/>
-          <ac:spMkLst>
-            <pc:docMk/>
-            <pc:sldMk cId="4207941861" sldId="269"/>
-            <ac:spMk id="3" creationId="{5FB72CC5-C70F-1A0D-4F9A-8C93191BC3EA}"/>
-          </ac:spMkLst>
-        </pc:spChg>
-        <pc:graphicFrameChg chg="add mod modGraphic">
-          <ac:chgData name="Zhao, Zishuo" userId="7649741a-9cfe-4c93-b2a6-033691301ee6" providerId="ADAL" clId="{9EA77D44-EBFB-47DD-BC8E-B9520B213707}" dt="2024-03-14T22:01:27.381" v="531" actId="1076"/>
-          <ac:graphicFrameMkLst>
-            <pc:docMk/>
-            <pc:sldMk cId="4207941861" sldId="269"/>
-            <ac:graphicFrameMk id="4" creationId="{145B2C91-D944-BAA8-6DEB-9DF7C85135F8}"/>
-          </ac:graphicFrameMkLst>
-        </pc:graphicFrameChg>
-        <pc:graphicFrameChg chg="add mod modGraphic">
-          <ac:chgData name="Zhao, Zishuo" userId="7649741a-9cfe-4c93-b2a6-033691301ee6" providerId="ADAL" clId="{9EA77D44-EBFB-47DD-BC8E-B9520B213707}" dt="2024-03-14T22:01:30.204" v="532" actId="1076"/>
-          <ac:graphicFrameMkLst>
-            <pc:docMk/>
-            <pc:sldMk cId="4207941861" sldId="269"/>
-            <ac:graphicFrameMk id="5" creationId="{FC3CA360-515C-F47B-E3AA-2C32813C02F2}"/>
-          </ac:graphicFrameMkLst>
-        </pc:graphicFrameChg>
-      </pc:sldChg>
-      <pc:sldChg chg="modSp new mod modAnim">
-        <pc:chgData name="Zhao, Zishuo" userId="7649741a-9cfe-4c93-b2a6-033691301ee6" providerId="ADAL" clId="{9EA77D44-EBFB-47DD-BC8E-B9520B213707}" dt="2024-03-14T22:39:21.891" v="1291" actId="20577"/>
-        <pc:sldMkLst>
-          <pc:docMk/>
-          <pc:sldMk cId="2983637389" sldId="270"/>
-        </pc:sldMkLst>
-        <pc:spChg chg="mod">
-          <ac:chgData name="Zhao, Zishuo" userId="7649741a-9cfe-4c93-b2a6-033691301ee6" providerId="ADAL" clId="{9EA77D44-EBFB-47DD-BC8E-B9520B213707}" dt="2024-03-14T22:14:46.257" v="640" actId="20577"/>
-          <ac:spMkLst>
-            <pc:docMk/>
-            <pc:sldMk cId="2983637389" sldId="270"/>
-            <ac:spMk id="2" creationId="{5FE6E3FA-E305-D373-5555-A93B310BA2B2}"/>
-          </ac:spMkLst>
-        </pc:spChg>
-        <pc:spChg chg="mod">
-          <ac:chgData name="Zhao, Zishuo" userId="7649741a-9cfe-4c93-b2a6-033691301ee6" providerId="ADAL" clId="{9EA77D44-EBFB-47DD-BC8E-B9520B213707}" dt="2024-03-14T22:39:21.891" v="1291" actId="20577"/>
-          <ac:spMkLst>
-            <pc:docMk/>
-            <pc:sldMk cId="2983637389" sldId="270"/>
-            <ac:spMk id="3" creationId="{7FFA4836-AB0D-C895-0EF4-E1C8228E8B0B}"/>
-          </ac:spMkLst>
-        </pc:spChg>
-      </pc:sldChg>
-    </pc:docChg>
-  </pc:docChgLst>
-  <pc:docChgLst>
-    <pc:chgData name="Zhao, Zishuo" userId="7649741a-9cfe-4c93-b2a6-033691301ee6" providerId="ADAL" clId="{7ED7AAA6-82FA-40D8-AFBB-AC2EA5C99D28}"/>
-    <pc:docChg chg="undo custSel addSld modSld">
-      <pc:chgData name="Zhao, Zishuo" userId="7649741a-9cfe-4c93-b2a6-033691301ee6" providerId="ADAL" clId="{7ED7AAA6-82FA-40D8-AFBB-AC2EA5C99D28}" dt="2024-03-23T19:31:48.244" v="3054" actId="20577"/>
-      <pc:docMkLst>
-        <pc:docMk/>
-      </pc:docMkLst>
-      <pc:sldChg chg="modSp modAnim">
-        <pc:chgData name="Zhao, Zishuo" userId="7649741a-9cfe-4c93-b2a6-033691301ee6" providerId="ADAL" clId="{7ED7AAA6-82FA-40D8-AFBB-AC2EA5C99D28}" dt="2024-03-23T19:31:48.244" v="3054" actId="20577"/>
-        <pc:sldMkLst>
-          <pc:docMk/>
-          <pc:sldMk cId="2400375966" sldId="257"/>
-        </pc:sldMkLst>
-        <pc:spChg chg="mod">
-          <ac:chgData name="Zhao, Zishuo" userId="7649741a-9cfe-4c93-b2a6-033691301ee6" providerId="ADAL" clId="{7ED7AAA6-82FA-40D8-AFBB-AC2EA5C99D28}" dt="2024-03-23T19:31:48.244" v="3054" actId="20577"/>
-          <ac:spMkLst>
-            <pc:docMk/>
-            <pc:sldMk cId="2400375966" sldId="257"/>
-            <ac:spMk id="3" creationId="{FDB75375-0282-9894-D5AD-2E786A1A6E0E}"/>
-          </ac:spMkLst>
-        </pc:spChg>
-      </pc:sldChg>
-      <pc:sldChg chg="modSp modAnim">
-        <pc:chgData name="Zhao, Zishuo" userId="7649741a-9cfe-4c93-b2a6-033691301ee6" providerId="ADAL" clId="{7ED7AAA6-82FA-40D8-AFBB-AC2EA5C99D28}" dt="2024-03-14T02:07:59.541" v="503" actId="207"/>
-        <pc:sldMkLst>
-          <pc:docMk/>
-          <pc:sldMk cId="1748276831" sldId="258"/>
-        </pc:sldMkLst>
-        <pc:spChg chg="mod">
-          <ac:chgData name="Zhao, Zishuo" userId="7649741a-9cfe-4c93-b2a6-033691301ee6" providerId="ADAL" clId="{7ED7AAA6-82FA-40D8-AFBB-AC2EA5C99D28}" dt="2024-03-14T02:07:59.541" v="503" actId="207"/>
-          <ac:spMkLst>
-            <pc:docMk/>
-            <pc:sldMk cId="1748276831" sldId="258"/>
-            <ac:spMk id="3" creationId="{8005AC93-EDD0-0754-60EC-74AA6ECC1AC8}"/>
-          </ac:spMkLst>
-        </pc:spChg>
-      </pc:sldChg>
-      <pc:sldChg chg="modSp modAnim">
-        <pc:chgData name="Zhao, Zishuo" userId="7649741a-9cfe-4c93-b2a6-033691301ee6" providerId="ADAL" clId="{7ED7AAA6-82FA-40D8-AFBB-AC2EA5C99D28}" dt="2024-03-14T01:52:13.756" v="163"/>
-        <pc:sldMkLst>
-          <pc:docMk/>
-          <pc:sldMk cId="3768256014" sldId="259"/>
-        </pc:sldMkLst>
-        <pc:spChg chg="mod">
-          <ac:chgData name="Zhao, Zishuo" userId="7649741a-9cfe-4c93-b2a6-033691301ee6" providerId="ADAL" clId="{7ED7AAA6-82FA-40D8-AFBB-AC2EA5C99D28}" dt="2024-03-14T01:52:03.487" v="160" actId="33524"/>
-          <ac:spMkLst>
-            <pc:docMk/>
-            <pc:sldMk cId="3768256014" sldId="259"/>
-            <ac:spMk id="3" creationId="{32CA9A3B-5EF9-1E55-CEEF-BB457B74CBE1}"/>
-          </ac:spMkLst>
-        </pc:spChg>
-      </pc:sldChg>
-      <pc:sldChg chg="modSp modAnim">
-        <pc:chgData name="Zhao, Zishuo" userId="7649741a-9cfe-4c93-b2a6-033691301ee6" providerId="ADAL" clId="{7ED7AAA6-82FA-40D8-AFBB-AC2EA5C99D28}" dt="2024-03-14T02:02:42.080" v="482" actId="20577"/>
-        <pc:sldMkLst>
-          <pc:docMk/>
-          <pc:sldMk cId="3966653506" sldId="260"/>
-        </pc:sldMkLst>
-        <pc:spChg chg="mod">
-          <ac:chgData name="Zhao, Zishuo" userId="7649741a-9cfe-4c93-b2a6-033691301ee6" providerId="ADAL" clId="{7ED7AAA6-82FA-40D8-AFBB-AC2EA5C99D28}" dt="2024-03-14T02:02:42.080" v="482" actId="20577"/>
-          <ac:spMkLst>
-            <pc:docMk/>
-            <pc:sldMk cId="3966653506" sldId="260"/>
-            <ac:spMk id="3" creationId="{EB02443E-64E1-7E1C-62AC-74CC17AE4CF5}"/>
-          </ac:spMkLst>
-        </pc:spChg>
-      </pc:sldChg>
-      <pc:sldChg chg="addSp modSp modAnim">
-        <pc:chgData name="Zhao, Zishuo" userId="7649741a-9cfe-4c93-b2a6-033691301ee6" providerId="ADAL" clId="{7ED7AAA6-82FA-40D8-AFBB-AC2EA5C99D28}" dt="2024-03-17T04:08:33.407" v="2419" actId="20577"/>
-        <pc:sldMkLst>
-          <pc:docMk/>
-          <pc:sldMk cId="2557916133" sldId="261"/>
-        </pc:sldMkLst>
-        <pc:spChg chg="mod">
-          <ac:chgData name="Zhao, Zishuo" userId="7649741a-9cfe-4c93-b2a6-033691301ee6" providerId="ADAL" clId="{7ED7AAA6-82FA-40D8-AFBB-AC2EA5C99D28}" dt="2024-03-17T04:08:33.407" v="2419" actId="20577"/>
-          <ac:spMkLst>
-            <pc:docMk/>
-            <pc:sldMk cId="2557916133" sldId="261"/>
-            <ac:spMk id="3" creationId="{B54C5B2A-439E-76F5-D6E9-4AC9F11E9840}"/>
-          </ac:spMkLst>
-        </pc:spChg>
-        <pc:picChg chg="add mod">
-          <ac:chgData name="Zhao, Zishuo" userId="7649741a-9cfe-4c93-b2a6-033691301ee6" providerId="ADAL" clId="{7ED7AAA6-82FA-40D8-AFBB-AC2EA5C99D28}" dt="2024-03-14T02:20:28.427" v="505" actId="931"/>
-          <ac:picMkLst>
-            <pc:docMk/>
-            <pc:sldMk cId="2557916133" sldId="261"/>
-            <ac:picMk id="5" creationId="{A8701E67-9B4B-463F-09F6-521717525D12}"/>
-          </ac:picMkLst>
-        </pc:picChg>
-      </pc:sldChg>
-      <pc:sldChg chg="addSp modSp modAnim">
-        <pc:chgData name="Zhao, Zishuo" userId="7649741a-9cfe-4c93-b2a6-033691301ee6" providerId="ADAL" clId="{7ED7AAA6-82FA-40D8-AFBB-AC2EA5C99D28}" dt="2024-03-14T06:04:25.081" v="2170" actId="20577"/>
-        <pc:sldMkLst>
-          <pc:docMk/>
-          <pc:sldMk cId="1378615676" sldId="262"/>
-        </pc:sldMkLst>
-        <pc:spChg chg="mod">
-          <ac:chgData name="Zhao, Zishuo" userId="7649741a-9cfe-4c93-b2a6-033691301ee6" providerId="ADAL" clId="{7ED7AAA6-82FA-40D8-AFBB-AC2EA5C99D28}" dt="2024-03-14T06:04:25.081" v="2170" actId="20577"/>
-          <ac:spMkLst>
-            <pc:docMk/>
-            <pc:sldMk cId="1378615676" sldId="262"/>
-            <ac:spMk id="3" creationId="{4AB621D2-4707-E4AE-B2A5-125696D99EEB}"/>
-          </ac:spMkLst>
-        </pc:spChg>
-        <pc:graphicFrameChg chg="mod">
-          <ac:chgData name="Zhao, Zishuo" userId="7649741a-9cfe-4c93-b2a6-033691301ee6" providerId="ADAL" clId="{7ED7AAA6-82FA-40D8-AFBB-AC2EA5C99D28}" dt="2024-03-14T03:15:37.351" v="690"/>
-          <ac:graphicFrameMkLst>
-            <pc:docMk/>
-            <pc:sldMk cId="1378615676" sldId="262"/>
-            <ac:graphicFrameMk id="5" creationId="{8608B5C6-0428-003B-3E5D-23D3CA629B30}"/>
-          </ac:graphicFrameMkLst>
-        </pc:graphicFrameChg>
-        <pc:graphicFrameChg chg="add mod">
-          <ac:chgData name="Zhao, Zishuo" userId="7649741a-9cfe-4c93-b2a6-033691301ee6" providerId="ADAL" clId="{7ED7AAA6-82FA-40D8-AFBB-AC2EA5C99D28}" dt="2024-03-14T03:16:38.840" v="711" actId="20577"/>
-          <ac:graphicFrameMkLst>
-            <pc:docMk/>
-            <pc:sldMk cId="1378615676" sldId="262"/>
-            <ac:graphicFrameMk id="6" creationId="{0F233457-F012-C11A-AE25-A7F5B405A1D6}"/>
-          </ac:graphicFrameMkLst>
-        </pc:graphicFrameChg>
-      </pc:sldChg>
-      <pc:sldChg chg="addSp modSp modAnim">
-        <pc:chgData name="Zhao, Zishuo" userId="7649741a-9cfe-4c93-b2a6-033691301ee6" providerId="ADAL" clId="{7ED7AAA6-82FA-40D8-AFBB-AC2EA5C99D28}" dt="2024-03-14T04:52:55.151" v="1603"/>
-        <pc:sldMkLst>
-          <pc:docMk/>
-          <pc:sldMk cId="604854990" sldId="263"/>
-        </pc:sldMkLst>
-        <pc:graphicFrameChg chg="add mod">
-          <ac:chgData name="Zhao, Zishuo" userId="7649741a-9cfe-4c93-b2a6-033691301ee6" providerId="ADAL" clId="{7ED7AAA6-82FA-40D8-AFBB-AC2EA5C99D28}" dt="2024-03-14T03:35:12.279" v="794"/>
-          <ac:graphicFrameMkLst>
-            <pc:docMk/>
-            <pc:sldMk cId="604854990" sldId="263"/>
-            <ac:graphicFrameMk id="4" creationId="{AAE8C754-D3FB-B375-EDCF-19913284C610}"/>
-          </ac:graphicFrameMkLst>
-        </pc:graphicFrameChg>
-        <pc:graphicFrameChg chg="add mod">
-          <ac:chgData name="Zhao, Zishuo" userId="7649741a-9cfe-4c93-b2a6-033691301ee6" providerId="ADAL" clId="{7ED7AAA6-82FA-40D8-AFBB-AC2EA5C99D28}" dt="2024-03-14T03:45:04.719" v="898" actId="20577"/>
-          <ac:graphicFrameMkLst>
-            <pc:docMk/>
-            <pc:sldMk cId="604854990" sldId="263"/>
-            <ac:graphicFrameMk id="5" creationId="{FB82750E-4DD5-4489-8056-1981D7F599FD}"/>
-          </ac:graphicFrameMkLst>
-        </pc:graphicFrameChg>
-      </pc:sldChg>
-      <pc:sldChg chg="modSp modAnim">
-        <pc:chgData name="Zhao, Zishuo" userId="7649741a-9cfe-4c93-b2a6-033691301ee6" providerId="ADAL" clId="{7ED7AAA6-82FA-40D8-AFBB-AC2EA5C99D28}" dt="2024-03-14T06:07:17.256" v="2256" actId="20577"/>
-        <pc:sldMkLst>
-          <pc:docMk/>
-          <pc:sldMk cId="1956174155" sldId="264"/>
-        </pc:sldMkLst>
-        <pc:spChg chg="mod">
-          <ac:chgData name="Zhao, Zishuo" userId="7649741a-9cfe-4c93-b2a6-033691301ee6" providerId="ADAL" clId="{7ED7AAA6-82FA-40D8-AFBB-AC2EA5C99D28}" dt="2024-03-14T06:07:17.256" v="2256" actId="20577"/>
-          <ac:spMkLst>
-            <pc:docMk/>
-            <pc:sldMk cId="1956174155" sldId="264"/>
-            <ac:spMk id="3" creationId="{B5964FDA-DB5A-99B6-5DC9-C65D241B00F7}"/>
-          </ac:spMkLst>
-        </pc:spChg>
-      </pc:sldChg>
-      <pc:sldChg chg="addSp modSp modAnim">
-        <pc:chgData name="Zhao, Zishuo" userId="7649741a-9cfe-4c93-b2a6-033691301ee6" providerId="ADAL" clId="{7ED7AAA6-82FA-40D8-AFBB-AC2EA5C99D28}" dt="2024-03-21T04:05:02.977" v="3034"/>
-        <pc:sldMkLst>
-          <pc:docMk/>
-          <pc:sldMk cId="3999994351" sldId="265"/>
-        </pc:sldMkLst>
-        <pc:spChg chg="mod">
-          <ac:chgData name="Zhao, Zishuo" userId="7649741a-9cfe-4c93-b2a6-033691301ee6" providerId="ADAL" clId="{7ED7AAA6-82FA-40D8-AFBB-AC2EA5C99D28}" dt="2024-03-21T04:04:39.290" v="3033" actId="207"/>
-          <ac:spMkLst>
-            <pc:docMk/>
-            <pc:sldMk cId="3999994351" sldId="265"/>
-            <ac:spMk id="3" creationId="{841D8A17-051D-C7EE-50A3-A823CB40D16B}"/>
-          </ac:spMkLst>
-        </pc:spChg>
-        <pc:picChg chg="add mod">
-          <ac:chgData name="Zhao, Zishuo" userId="7649741a-9cfe-4c93-b2a6-033691301ee6" providerId="ADAL" clId="{7ED7AAA6-82FA-40D8-AFBB-AC2EA5C99D28}" dt="2024-03-14T04:24:20.105" v="1077" actId="931"/>
-          <ac:picMkLst>
-            <pc:docMk/>
-            <pc:sldMk cId="3999994351" sldId="265"/>
-            <ac:picMk id="5" creationId="{C4BC4B58-BB7E-5C42-E58E-9CCBB85D72C5}"/>
-          </ac:picMkLst>
-        </pc:picChg>
-        <pc:picChg chg="add mod">
-          <ac:chgData name="Zhao, Zishuo" userId="7649741a-9cfe-4c93-b2a6-033691301ee6" providerId="ADAL" clId="{7ED7AAA6-82FA-40D8-AFBB-AC2EA5C99D28}" dt="2024-03-14T04:26:49.818" v="1078" actId="931"/>
-          <ac:picMkLst>
-            <pc:docMk/>
-            <pc:sldMk cId="3999994351" sldId="265"/>
-            <ac:picMk id="7" creationId="{B682AE82-89EF-91E7-3D86-8B100734A62B}"/>
-          </ac:picMkLst>
-        </pc:picChg>
-      </pc:sldChg>
-      <pc:sldChg chg="modSp modAnim">
-        <pc:chgData name="Zhao, Zishuo" userId="7649741a-9cfe-4c93-b2a6-033691301ee6" providerId="ADAL" clId="{7ED7AAA6-82FA-40D8-AFBB-AC2EA5C99D28}" dt="2024-03-14T04:53:57.112" v="1615"/>
-        <pc:sldMkLst>
-          <pc:docMk/>
-          <pc:sldMk cId="3924817541" sldId="266"/>
-        </pc:sldMkLst>
-        <pc:spChg chg="mod">
-          <ac:chgData name="Zhao, Zishuo" userId="7649741a-9cfe-4c93-b2a6-033691301ee6" providerId="ADAL" clId="{7ED7AAA6-82FA-40D8-AFBB-AC2EA5C99D28}" dt="2024-03-14T04:50:59.577" v="1588" actId="20577"/>
-          <ac:spMkLst>
-            <pc:docMk/>
-            <pc:sldMk cId="3924817541" sldId="266"/>
-            <ac:spMk id="3" creationId="{8EE42086-F845-75DF-8819-02E71EAF7780}"/>
-          </ac:spMkLst>
-        </pc:spChg>
-      </pc:sldChg>
-      <pc:sldChg chg="modSp modAnim">
-        <pc:chgData name="Zhao, Zishuo" userId="7649741a-9cfe-4c93-b2a6-033691301ee6" providerId="ADAL" clId="{7ED7AAA6-82FA-40D8-AFBB-AC2EA5C99D28}" dt="2024-03-17T04:08:59.944" v="2426" actId="5793"/>
-        <pc:sldMkLst>
-          <pc:docMk/>
-          <pc:sldMk cId="3797735395" sldId="267"/>
-        </pc:sldMkLst>
-        <pc:spChg chg="mod">
-          <ac:chgData name="Zhao, Zishuo" userId="7649741a-9cfe-4c93-b2a6-033691301ee6" providerId="ADAL" clId="{7ED7AAA6-82FA-40D8-AFBB-AC2EA5C99D28}" dt="2024-03-14T05:45:21.652" v="2159" actId="20577"/>
-          <ac:spMkLst>
-            <pc:docMk/>
-            <pc:sldMk cId="3797735395" sldId="267"/>
-            <ac:spMk id="2" creationId="{B971EDE7-F627-CACA-5BB2-B7A79AA1374F}"/>
-          </ac:spMkLst>
-        </pc:spChg>
-        <pc:spChg chg="mod">
-          <ac:chgData name="Zhao, Zishuo" userId="7649741a-9cfe-4c93-b2a6-033691301ee6" providerId="ADAL" clId="{7ED7AAA6-82FA-40D8-AFBB-AC2EA5C99D28}" dt="2024-03-17T04:08:59.944" v="2426" actId="5793"/>
-          <ac:spMkLst>
-            <pc:docMk/>
-            <pc:sldMk cId="3797735395" sldId="267"/>
-            <ac:spMk id="3" creationId="{174A0925-A16A-F781-0868-955F62CAD4D7}"/>
-          </ac:spMkLst>
-        </pc:spChg>
-      </pc:sldChg>
-      <pc:sldChg chg="modSp modAnim">
-        <pc:chgData name="Zhao, Zishuo" userId="7649741a-9cfe-4c93-b2a6-033691301ee6" providerId="ADAL" clId="{7ED7AAA6-82FA-40D8-AFBB-AC2EA5C99D28}" dt="2024-03-14T06:15:00.773" v="2401" actId="33524"/>
-        <pc:sldMkLst>
-          <pc:docMk/>
-          <pc:sldMk cId="1935707286" sldId="268"/>
-        </pc:sldMkLst>
-        <pc:spChg chg="mod">
-          <ac:chgData name="Zhao, Zishuo" userId="7649741a-9cfe-4c93-b2a6-033691301ee6" providerId="ADAL" clId="{7ED7AAA6-82FA-40D8-AFBB-AC2EA5C99D28}" dt="2024-03-14T05:45:36.379" v="2161" actId="20577"/>
-          <ac:spMkLst>
-            <pc:docMk/>
-            <pc:sldMk cId="1935707286" sldId="268"/>
-            <ac:spMk id="2" creationId="{83E41B07-666C-5045-B1A5-9083428846BC}"/>
-          </ac:spMkLst>
-        </pc:spChg>
-        <pc:spChg chg="mod">
-          <ac:chgData name="Zhao, Zishuo" userId="7649741a-9cfe-4c93-b2a6-033691301ee6" providerId="ADAL" clId="{7ED7AAA6-82FA-40D8-AFBB-AC2EA5C99D28}" dt="2024-03-14T06:15:00.773" v="2401" actId="33524"/>
-          <ac:spMkLst>
-            <pc:docMk/>
-            <pc:sldMk cId="1935707286" sldId="268"/>
-            <ac:spMk id="3" creationId="{33EB9615-B26D-65D1-A168-F7AB413A02A3}"/>
-          </ac:spMkLst>
-        </pc:spChg>
-      </pc:sldChg>
-      <pc:sldChg chg="addSp modSp mod modAnim">
-        <pc:chgData name="Zhao, Zishuo" userId="7649741a-9cfe-4c93-b2a6-033691301ee6" providerId="ADAL" clId="{7ED7AAA6-82FA-40D8-AFBB-AC2EA5C99D28}" dt="2024-03-17T04:36:48.860" v="2829" actId="20577"/>
-        <pc:sldMkLst>
-          <pc:docMk/>
-          <pc:sldMk cId="2983637389" sldId="270"/>
-        </pc:sldMkLst>
-        <pc:spChg chg="mod">
-          <ac:chgData name="Zhao, Zishuo" userId="7649741a-9cfe-4c93-b2a6-033691301ee6" providerId="ADAL" clId="{7ED7AAA6-82FA-40D8-AFBB-AC2EA5C99D28}" dt="2024-03-17T04:36:48.860" v="2829" actId="20577"/>
-          <ac:spMkLst>
-            <pc:docMk/>
-            <pc:sldMk cId="2983637389" sldId="270"/>
-            <ac:spMk id="3" creationId="{7FFA4836-AB0D-C895-0EF4-E1C8228E8B0B}"/>
-          </ac:spMkLst>
-        </pc:spChg>
-        <pc:spChg chg="add mod">
-          <ac:chgData name="Zhao, Zishuo" userId="7649741a-9cfe-4c93-b2a6-033691301ee6" providerId="ADAL" clId="{7ED7AAA6-82FA-40D8-AFBB-AC2EA5C99D28}" dt="2024-03-17T04:33:43.716" v="2792" actId="13822"/>
-          <ac:spMkLst>
-            <pc:docMk/>
-            <pc:sldMk cId="2983637389" sldId="270"/>
-            <ac:spMk id="4" creationId="{0AD20C83-CD26-CDFB-96A2-4DE4DB6FDB9E}"/>
-          </ac:spMkLst>
-        </pc:spChg>
-        <pc:spChg chg="add mod">
-          <ac:chgData name="Zhao, Zishuo" userId="7649741a-9cfe-4c93-b2a6-033691301ee6" providerId="ADAL" clId="{7ED7AAA6-82FA-40D8-AFBB-AC2EA5C99D28}" dt="2024-03-17T04:34:55.580" v="2818" actId="207"/>
-          <ac:spMkLst>
-            <pc:docMk/>
-            <pc:sldMk cId="2983637389" sldId="270"/>
-            <ac:spMk id="5" creationId="{E94059CF-AA06-B03D-C533-0BED2DC5B5A3}"/>
-          </ac:spMkLst>
-        </pc:spChg>
-      </pc:sldChg>
-      <pc:sldChg chg="addSp modSp new mod modAnim">
-        <pc:chgData name="Zhao, Zishuo" userId="7649741a-9cfe-4c93-b2a6-033691301ee6" providerId="ADAL" clId="{7ED7AAA6-82FA-40D8-AFBB-AC2EA5C99D28}" dt="2024-03-21T04:06:13.503" v="3035"/>
-        <pc:sldMkLst>
-          <pc:docMk/>
-          <pc:sldMk cId="1165638499" sldId="271"/>
-        </pc:sldMkLst>
-        <pc:spChg chg="mod">
-          <ac:chgData name="Zhao, Zishuo" userId="7649741a-9cfe-4c93-b2a6-033691301ee6" providerId="ADAL" clId="{7ED7AAA6-82FA-40D8-AFBB-AC2EA5C99D28}" dt="2024-03-17T04:17:44.347" v="2527" actId="20577"/>
-          <ac:spMkLst>
-            <pc:docMk/>
-            <pc:sldMk cId="1165638499" sldId="271"/>
-            <ac:spMk id="2" creationId="{4A0C73B3-49F2-C89F-5619-55A58C01F34A}"/>
-          </ac:spMkLst>
-        </pc:spChg>
-        <pc:spChg chg="mod">
-          <ac:chgData name="Zhao, Zishuo" userId="7649741a-9cfe-4c93-b2a6-033691301ee6" providerId="ADAL" clId="{7ED7AAA6-82FA-40D8-AFBB-AC2EA5C99D28}" dt="2024-03-17T04:20:32.777" v="2580" actId="20577"/>
-          <ac:spMkLst>
-            <pc:docMk/>
-            <pc:sldMk cId="1165638499" sldId="271"/>
-            <ac:spMk id="3" creationId="{31076C2B-0F62-456B-02C1-CAC7DBFDFF48}"/>
-          </ac:spMkLst>
-        </pc:spChg>
-        <pc:graphicFrameChg chg="add mod modGraphic">
-          <ac:chgData name="Zhao, Zishuo" userId="7649741a-9cfe-4c93-b2a6-033691301ee6" providerId="ADAL" clId="{7ED7AAA6-82FA-40D8-AFBB-AC2EA5C99D28}" dt="2024-03-17T04:20:22.688" v="2540" actId="1076"/>
-          <ac:graphicFrameMkLst>
-            <pc:docMk/>
-            <pc:sldMk cId="1165638499" sldId="271"/>
-            <ac:graphicFrameMk id="4" creationId="{22399661-AB90-EEE3-8F8B-A825215A7C84}"/>
-          </ac:graphicFrameMkLst>
-        </pc:graphicFrameChg>
-      </pc:sldChg>
-      <pc:sldChg chg="modSp new mod modAnim">
-        <pc:chgData name="Zhao, Zishuo" userId="7649741a-9cfe-4c93-b2a6-033691301ee6" providerId="ADAL" clId="{7ED7AAA6-82FA-40D8-AFBB-AC2EA5C99D28}" dt="2024-03-21T04:02:18.901" v="3032"/>
-        <pc:sldMkLst>
-          <pc:docMk/>
-          <pc:sldMk cId="1171240737" sldId="272"/>
-        </pc:sldMkLst>
-        <pc:spChg chg="mod">
-          <ac:chgData name="Zhao, Zishuo" userId="7649741a-9cfe-4c93-b2a6-033691301ee6" providerId="ADAL" clId="{7ED7AAA6-82FA-40D8-AFBB-AC2EA5C99D28}" dt="2024-03-21T04:00:07.776" v="2879" actId="20577"/>
-          <ac:spMkLst>
-            <pc:docMk/>
-            <pc:sldMk cId="1171240737" sldId="272"/>
-            <ac:spMk id="2" creationId="{325358D0-F542-D37A-8C3A-AA917301FE8C}"/>
-          </ac:spMkLst>
-        </pc:spChg>
-        <pc:spChg chg="mod">
-          <ac:chgData name="Zhao, Zishuo" userId="7649741a-9cfe-4c93-b2a6-033691301ee6" providerId="ADAL" clId="{7ED7AAA6-82FA-40D8-AFBB-AC2EA5C99D28}" dt="2024-03-21T04:02:03.125" v="3028" actId="5793"/>
-          <ac:spMkLst>
-            <pc:docMk/>
-            <pc:sldMk cId="1171240737" sldId="272"/>
-            <ac:spMk id="3" creationId="{C8B947DF-1960-F0A9-5F02-7AC3F5001A85}"/>
+            <pc:sldMk cId="3803439672" sldId="311"/>
+            <ac:spMk id="3" creationId="{B0E9802C-1F43-E331-32CB-608BC31D3F85}"/>
           </ac:spMkLst>
         </pc:spChg>
       </pc:sldChg>
@@ -2840,7 +498,7 @@
           <a:p>
             <a:fld id="{400B9AFA-B4C8-4FF3-93F5-0A60807F3EE8}" type="datetimeFigureOut">
               <a:rPr lang="en-US" smtClean="0"/>
-              <a:t>10/18/2024</a:t>
+              <a:t>10/22/2024</a:t>
             </a:fld>
             <a:endParaRPr lang="en-US"/>
           </a:p>
@@ -3425,7 +1083,7 @@
           <a:p>
             <a:fld id="{D029334A-BD7A-4996-88EE-675E9A90D4D9}" type="datetime1">
               <a:rPr lang="en-US" smtClean="0"/>
-              <a:t>10/18/2024</a:t>
+              <a:t>10/22/2024</a:t>
             </a:fld>
             <a:endParaRPr lang="en-US"/>
           </a:p>
@@ -3625,7 +1283,7 @@
           <a:p>
             <a:fld id="{4FDF54EB-0C25-4899-B3CD-EEDFD4924234}" type="datetime1">
               <a:rPr lang="en-US" smtClean="0"/>
-              <a:t>10/18/2024</a:t>
+              <a:t>10/22/2024</a:t>
             </a:fld>
             <a:endParaRPr lang="en-US"/>
           </a:p>
@@ -3835,7 +1493,7 @@
           <a:p>
             <a:fld id="{A24133F0-FFB9-4DB7-9FBF-23D201DB8BDD}" type="datetime1">
               <a:rPr lang="en-US" smtClean="0"/>
-              <a:t>10/18/2024</a:t>
+              <a:t>10/22/2024</a:t>
             </a:fld>
             <a:endParaRPr lang="en-US"/>
           </a:p>
@@ -4035,7 +1693,7 @@
           <a:p>
             <a:fld id="{CD03D8AC-7492-4071-84A1-C5B9FD318074}" type="datetime1">
               <a:rPr lang="en-US" smtClean="0"/>
-              <a:t>10/18/2024</a:t>
+              <a:t>10/22/2024</a:t>
             </a:fld>
             <a:endParaRPr lang="en-US"/>
           </a:p>
@@ -4311,7 +1969,7 @@
           <a:p>
             <a:fld id="{80413CB2-771C-4F83-8DFD-B8A3D3C5E107}" type="datetime1">
               <a:rPr lang="en-US" smtClean="0"/>
-              <a:t>10/18/2024</a:t>
+              <a:t>10/22/2024</a:t>
             </a:fld>
             <a:endParaRPr lang="en-US"/>
           </a:p>
@@ -4579,7 +2237,7 @@
           <a:p>
             <a:fld id="{24110125-995A-4622-839D-04C55CF8B4D6}" type="datetime1">
               <a:rPr lang="en-US" smtClean="0"/>
-              <a:t>10/18/2024</a:t>
+              <a:t>10/22/2024</a:t>
             </a:fld>
             <a:endParaRPr lang="en-US"/>
           </a:p>
@@ -4994,7 +2652,7 @@
           <a:p>
             <a:fld id="{EC3E780F-3453-4E84-B513-3CCFD37BEF23}" type="datetime1">
               <a:rPr lang="en-US" smtClean="0"/>
-              <a:t>10/18/2024</a:t>
+              <a:t>10/22/2024</a:t>
             </a:fld>
             <a:endParaRPr lang="en-US"/>
           </a:p>
@@ -5136,7 +2794,7 @@
           <a:p>
             <a:fld id="{4AEB4183-AFF9-47F3-98D9-BCCF9EAADB9E}" type="datetime1">
               <a:rPr lang="en-US" smtClean="0"/>
-              <a:t>10/18/2024</a:t>
+              <a:t>10/22/2024</a:t>
             </a:fld>
             <a:endParaRPr lang="en-US"/>
           </a:p>
@@ -5249,7 +2907,7 @@
           <a:p>
             <a:fld id="{34DB165B-799D-44A9-82D3-BAE3F69C364F}" type="datetime1">
               <a:rPr lang="en-US" smtClean="0"/>
-              <a:t>10/18/2024</a:t>
+              <a:t>10/22/2024</a:t>
             </a:fld>
             <a:endParaRPr lang="en-US"/>
           </a:p>
@@ -5562,7 +3220,7 @@
           <a:p>
             <a:fld id="{ED4AB13E-F93D-4AAC-BAF5-6CE71B795248}" type="datetime1">
               <a:rPr lang="en-US" smtClean="0"/>
-              <a:t>10/18/2024</a:t>
+              <a:t>10/22/2024</a:t>
             </a:fld>
             <a:endParaRPr lang="en-US"/>
           </a:p>
@@ -5851,7 +3509,7 @@
           <a:p>
             <a:fld id="{BFF71B41-D382-4C9E-9707-A82D1D88975D}" type="datetime1">
               <a:rPr lang="en-US" smtClean="0"/>
-              <a:t>10/18/2024</a:t>
+              <a:t>10/22/2024</a:t>
             </a:fld>
             <a:endParaRPr lang="en-US"/>
           </a:p>
@@ -6094,7 +3752,7 @@
           <a:p>
             <a:fld id="{3A1F3D73-0A5B-4294-8824-974CBC02E2B4}" type="datetime1">
               <a:rPr lang="en-US" smtClean="0"/>
-              <a:t>10/18/2024</a:t>
+              <a:t>10/22/2024</a:t>
             </a:fld>
             <a:endParaRPr lang="en-US"/>
           </a:p>
@@ -6549,27 +4207,8 @@
                 <a:ea typeface="Calibri Light" panose="020F0302020204030204" pitchFamily="34" charset="0"/>
                 <a:cs typeface="Calibri Light" panose="020F0302020204030204" pitchFamily="34" charset="0"/>
               </a:rPr>
-              <a:t>It Takes Two: A Peer-Prediction Solution to Blockchain </a:t>
-            </a:r>
-            <a:r>
-              <a:rPr lang="en-US" sz="4800">
-                <a:solidFill>
-                  <a:srgbClr val="3333FF"/>
-                </a:solidFill>
-                <a:latin typeface="Calibri Light" panose="020F0302020204030204" pitchFamily="34" charset="0"/>
-                <a:ea typeface="Calibri Light" panose="020F0302020204030204" pitchFamily="34" charset="0"/>
-                <a:cs typeface="Calibri Light" panose="020F0302020204030204" pitchFamily="34" charset="0"/>
-              </a:rPr>
-              <a:t>Verifier’s Dilemma</a:t>
-            </a:r>
-            <a:endParaRPr lang="en-US" sz="4800" dirty="0">
-              <a:solidFill>
-                <a:srgbClr val="3333FF"/>
-              </a:solidFill>
-              <a:latin typeface="Calibri Light" panose="020F0302020204030204" pitchFamily="34" charset="0"/>
-              <a:ea typeface="Calibri Light" panose="020F0302020204030204" pitchFamily="34" charset="0"/>
-              <a:cs typeface="Calibri Light" panose="020F0302020204030204" pitchFamily="34" charset="0"/>
-            </a:endParaRPr>
+              <a:t>It Takes Two: A Peer-Prediction Solution for Blockchain Verifier’s Dilemma</a:t>
+            </a:r>
           </a:p>
         </p:txBody>
       </p:sp>
@@ -6605,41 +4244,16 @@
           </a:p>
           <a:p>
             <a:r>
+              <a:rPr lang="en-US" b="1" dirty="0"/>
+              <a:t>Zishuo Zhao (UIUC)</a:t>
+            </a:r>
+            <a:r>
               <a:rPr lang="en-US" dirty="0"/>
-              <a:t>Presenter: </a:t>
-            </a:r>
-            <a:r>
-              <a:rPr lang="en-US" b="1" dirty="0"/>
-              <a:t>Zishuo Zhao</a:t>
-            </a:r>
-            <a:r>
-              <a:rPr lang="en-US" dirty="0"/>
-              <a:t> </a:t>
+              <a:t>, Xi Chen (NYU), Yuan Zhou (Tsinghua)</a:t>
             </a:r>
             <a:br>
               <a:rPr lang="en-US" dirty="0"/>
             </a:br>
-            <a:r>
-              <a:rPr lang="en-US" sz="2000" dirty="0"/>
-              <a:t>University of Illinois Urbana-Champaign</a:t>
-            </a:r>
-            <a:endParaRPr lang="en-US" sz="2000" dirty="0">
-              <a:solidFill>
-                <a:schemeClr val="accent1"/>
-              </a:solidFill>
-            </a:endParaRPr>
-          </a:p>
-          <a:p>
-            <a:r>
-              <a:rPr lang="en-US" sz="2000" dirty="0">
-                <a:solidFill>
-                  <a:schemeClr val="accent1"/>
-                </a:solidFill>
-              </a:rPr>
-              <a:t>Collaborators: Xi Chen (NYU Stern), Yuan Zhou (Tsinghua)</a:t>
-            </a:r>
-          </a:p>
-          <a:p>
             <a:endParaRPr lang="en-US" sz="2000" dirty="0"/>
           </a:p>
           <a:p>
@@ -7269,7 +4883,7 @@
                 </a:r>
                 <a:r>
                   <a:rPr lang="en-US" dirty="0"/>
-                  <a:t> their reports agree</a:t>
+                  <a:t> their reports agree.</a:t>
                 </a:r>
               </a:p>
             </p:txBody>
@@ -7788,8 +5402,8 @@
           </a:p>
         </p:txBody>
       </p:sp>
-      <mc:AlternateContent xmlns:mc="http://schemas.openxmlformats.org/markup-compatibility/2006" xmlns:a14="http://schemas.microsoft.com/office/drawing/2010/main">
-        <mc:Choice Requires="a14">
+      <mc:AlternateContent xmlns:mc="http://schemas.openxmlformats.org/markup-compatibility/2006">
+        <mc:Choice xmlns:a14="http://schemas.microsoft.com/office/drawing/2010/main" Requires="a14">
           <p:sp>
             <p:nvSpPr>
               <p:cNvPr id="3" name="Content Placeholder 2">
@@ -7857,8 +5471,21 @@
                       <a:srgbClr val="0070C0"/>
                     </a:solidFill>
                   </a:rPr>
-                  <a:t> is probably 0.8</a:t>
+                  <a:t> is </a:t>
                 </a:r>
+                <a:r>
+                  <a:rPr lang="en-US" i="1">
+                    <a:solidFill>
+                      <a:srgbClr val="0070C0"/>
+                    </a:solidFill>
+                  </a:rPr>
+                  <a:t>probably 0.8.</a:t>
+                </a:r>
+                <a:endParaRPr lang="en-US" i="1" dirty="0">
+                  <a:solidFill>
+                    <a:srgbClr val="0070C0"/>
+                  </a:solidFill>
+                </a:endParaRPr>
               </a:p>
               <a:p>
                 <a:r>
@@ -7899,13 +5526,13 @@
                       <a:srgbClr val="0070C0"/>
                     </a:solidFill>
                   </a:rPr>
-                  <a:t>So I should report “head” for better chances.</a:t>
+                  <a:t>So I should report “head” for better chances (0.68 &gt; 0.32).</a:t>
                 </a:r>
               </a:p>
             </p:txBody>
           </p:sp>
         </mc:Choice>
-        <mc:Fallback xmlns="">
+        <mc:Fallback>
           <p:sp>
             <p:nvSpPr>
               <p:cNvPr id="3" name="Content Placeholder 2">
@@ -8258,8 +5885,8 @@
           </a:p>
         </p:txBody>
       </p:sp>
-      <mc:AlternateContent xmlns:mc="http://schemas.openxmlformats.org/markup-compatibility/2006">
-        <mc:Choice xmlns:a14="http://schemas.microsoft.com/office/drawing/2010/main" Requires="a14">
+      <mc:AlternateContent xmlns:mc="http://schemas.openxmlformats.org/markup-compatibility/2006" xmlns:a14="http://schemas.microsoft.com/office/drawing/2010/main">
+        <mc:Choice Requires="a14">
           <p:sp>
             <p:nvSpPr>
               <p:cNvPr id="3" name="Content Placeholder 2">
@@ -9004,7 +6631,7 @@
                 </a14:m>
                 <a:r>
                   <a:rPr lang="en-US" dirty="0"/>
-                  <a:t> independent given </a:t>
+                  <a:t> independent conditioned on </a:t>
                 </a:r>
                 <a14:m>
                   <m:oMath xmlns:m="http://schemas.openxmlformats.org/officeDocument/2006/math">
@@ -9408,7 +7035,7 @@
             </p:txBody>
           </p:sp>
         </mc:Choice>
-        <mc:Fallback>
+        <mc:Fallback xmlns="">
           <p:sp>
             <p:nvSpPr>
               <p:cNvPr id="3" name="Content Placeholder 2">
@@ -9906,159 +7533,143 @@
           <a:p>
             <a:r>
               <a:rPr lang="en-US" dirty="0"/>
-              <a:t>Peer Prediction: Bad Name?</a:t>
+              <a:t>Peer Prediction: A Confusing Name?</a:t>
             </a:r>
           </a:p>
         </p:txBody>
       </p:sp>
-      <mc:AlternateContent xmlns:mc="http://schemas.openxmlformats.org/markup-compatibility/2006">
-        <mc:Choice xmlns:a14="http://schemas.microsoft.com/office/drawing/2010/main" Requires="a14">
-          <p:sp>
-            <p:nvSpPr>
-              <p:cNvPr id="3" name="内容占位符 2">
-                <a:extLst>
-                  <a:ext uri="{FF2B5EF4-FFF2-40B4-BE49-F238E27FC236}">
-                    <a16:creationId xmlns:a16="http://schemas.microsoft.com/office/drawing/2014/main" id="{E362B5BF-1765-0EEC-65FA-6294938FE831}"/>
-                  </a:ext>
-                </a:extLst>
-              </p:cNvPr>
-              <p:cNvSpPr>
-                <a:spLocks noGrp="1"/>
-              </p:cNvSpPr>
-              <p:nvPr>
-                <p:ph idx="1"/>
-              </p:nvPr>
-            </p:nvSpPr>
-            <p:spPr/>
-            <p:txBody>
-              <a:bodyPr/>
-              <a:lstStyle/>
-              <a:p>
-                <a:r>
-                  <a:rPr lang="en-US" dirty="0"/>
-                  <a:t>The name might be confusing as it describes what </a:t>
-                </a:r>
-                <a:r>
-                  <a:rPr lang="en-US" dirty="0">
-                    <a:solidFill>
-                      <a:srgbClr val="3333FF"/>
-                    </a:solidFill>
-                  </a:rPr>
-                  <a:t>players</a:t>
-                </a:r>
-                <a:r>
-                  <a:rPr lang="en-US" dirty="0"/>
-                  <a:t> do.</a:t>
-                </a:r>
-              </a:p>
-              <a:p>
-                <a:endParaRPr lang="en-US" dirty="0"/>
-              </a:p>
-              <a:p>
-                <a:r>
-                  <a:rPr lang="en-US" dirty="0"/>
-                  <a:t>What does the </a:t>
-                </a:r>
-                <a:r>
-                  <a:rPr lang="en-US" i="1" dirty="0"/>
-                  <a:t>mechanism</a:t>
-                </a:r>
-                <a:r>
-                  <a:rPr lang="en-US" dirty="0"/>
-                  <a:t> do?</a:t>
-                </a:r>
-              </a:p>
-              <a:p>
-                <a:r>
-                  <a:rPr lang="en-US" dirty="0">
-                    <a:solidFill>
-                      <a:srgbClr val="3333FF"/>
-                    </a:solidFill>
-                  </a:rPr>
-                  <a:t>Information elicitation </a:t>
-                </a:r>
-                <a:r>
-                  <a:rPr lang="en-US" b="1" dirty="0">
-                    <a:solidFill>
-                      <a:srgbClr val="3333FF"/>
-                    </a:solidFill>
-                  </a:rPr>
-                  <a:t>without ground truth </a:t>
-                </a:r>
-                <a:r>
-                  <a:rPr lang="en-US" dirty="0">
-                    <a:solidFill>
-                      <a:srgbClr val="3333FF"/>
-                    </a:solidFill>
-                  </a:rPr>
-                  <a:t>(of </a:t>
-                </a:r>
-                <a14:m>
-                  <m:oMath xmlns:m="http://schemas.openxmlformats.org/officeDocument/2006/math">
-                    <m:r>
-                      <a:rPr lang="en-US" b="0" i="1" smtClean="0">
-                        <a:solidFill>
-                          <a:srgbClr val="3333FF"/>
-                        </a:solidFill>
-                        <a:latin typeface="Cambria Math" panose="02040503050406030204" pitchFamily="18" charset="0"/>
-                        <a:ea typeface="Cambria Math" panose="02040503050406030204" pitchFamily="18" charset="0"/>
-                      </a:rPr>
-                      <m:t>𝜃</m:t>
-                    </m:r>
-                  </m:oMath>
-                </a14:m>
-                <a:r>
-                  <a:rPr lang="en-US" dirty="0">
-                    <a:solidFill>
-                      <a:srgbClr val="3333FF"/>
-                    </a:solidFill>
-                  </a:rPr>
-                  <a:t>).</a:t>
-                </a:r>
-              </a:p>
-            </p:txBody>
-          </p:sp>
-        </mc:Choice>
-        <mc:Fallback>
-          <p:sp>
-            <p:nvSpPr>
-              <p:cNvPr id="3" name="内容占位符 2">
-                <a:extLst>
-                  <a:ext uri="{FF2B5EF4-FFF2-40B4-BE49-F238E27FC236}">
-                    <a16:creationId xmlns:a16="http://schemas.microsoft.com/office/drawing/2014/main" id="{E362B5BF-1765-0EEC-65FA-6294938FE831}"/>
-                  </a:ext>
-                </a:extLst>
-              </p:cNvPr>
-              <p:cNvSpPr>
-                <a:spLocks noGrp="1" noRot="1" noChangeAspect="1" noMove="1" noResize="1" noEditPoints="1" noAdjustHandles="1" noChangeArrowheads="1" noChangeShapeType="1" noTextEdit="1"/>
-              </p:cNvSpPr>
-              <p:nvPr>
-                <p:ph idx="1"/>
-              </p:nvPr>
-            </p:nvSpPr>
-            <p:spPr>
-              <a:blipFill>
-                <a:blip r:embed="rId2"/>
-                <a:stretch>
-                  <a:fillRect l="-1043" t="-2381"/>
-                </a:stretch>
-              </a:blipFill>
-            </p:spPr>
-            <p:txBody>
-              <a:bodyPr/>
-              <a:lstStyle/>
-              <a:p>
-                <a:r>
-                  <a:rPr lang="en-US">
-                    <a:noFill/>
-                  </a:rPr>
-                  <a:t> </a:t>
-                </a:r>
-              </a:p>
-            </p:txBody>
-          </p:sp>
-        </mc:Fallback>
-      </mc:AlternateContent>
+      <p:sp>
+        <p:nvSpPr>
+          <p:cNvPr id="3" name="内容占位符 2">
+            <a:extLst>
+              <a:ext uri="{FF2B5EF4-FFF2-40B4-BE49-F238E27FC236}">
+                <a16:creationId xmlns:a16="http://schemas.microsoft.com/office/drawing/2014/main" id="{E362B5BF-1765-0EEC-65FA-6294938FE831}"/>
+              </a:ext>
+            </a:extLst>
+          </p:cNvPr>
+          <p:cNvSpPr>
+            <a:spLocks noGrp="1"/>
+          </p:cNvSpPr>
+          <p:nvPr>
+            <p:ph idx="1"/>
+          </p:nvPr>
+        </p:nvSpPr>
+        <p:spPr/>
+        <p:txBody>
+          <a:bodyPr/>
+          <a:lstStyle/>
+          <a:p>
+            <a:pPr marL="0" indent="0">
+              <a:buNone/>
+            </a:pPr>
+            <a:r>
+              <a:rPr lang="en-US" dirty="0"/>
+              <a:t>The name might be confusing as it describes what </a:t>
+            </a:r>
+            <a:r>
+              <a:rPr lang="en-US" dirty="0">
+                <a:solidFill>
+                  <a:srgbClr val="3333FF"/>
+                </a:solidFill>
+              </a:rPr>
+              <a:t>players</a:t>
+            </a:r>
+            <a:r>
+              <a:rPr lang="en-US" dirty="0"/>
+              <a:t> do.</a:t>
+            </a:r>
+          </a:p>
+          <a:p>
+            <a:endParaRPr lang="en-US" dirty="0"/>
+          </a:p>
+          <a:p>
+            <a:pPr marL="0" indent="0">
+              <a:buNone/>
+            </a:pPr>
+            <a:r>
+              <a:rPr lang="en-US" dirty="0"/>
+              <a:t>What does the </a:t>
+            </a:r>
+            <a:r>
+              <a:rPr lang="en-US" i="1" dirty="0"/>
+              <a:t>mechanism</a:t>
+            </a:r>
+            <a:r>
+              <a:rPr lang="en-US" dirty="0"/>
+              <a:t> do?</a:t>
+            </a:r>
+          </a:p>
+          <a:p>
+            <a:r>
+              <a:rPr lang="en-US" dirty="0">
+                <a:solidFill>
+                  <a:srgbClr val="3333FF"/>
+                </a:solidFill>
+              </a:rPr>
+              <a:t>Incentivizing truthful report (action) </a:t>
+            </a:r>
+            <a:r>
+              <a:rPr lang="en-US" b="1" dirty="0">
+                <a:solidFill>
+                  <a:srgbClr val="3333FF"/>
+                </a:solidFill>
+              </a:rPr>
+              <a:t>without access to ground truth</a:t>
+            </a:r>
+            <a:r>
+              <a:rPr lang="en-US" dirty="0">
+                <a:solidFill>
+                  <a:srgbClr val="3333FF"/>
+                </a:solidFill>
+              </a:rPr>
+              <a:t>.</a:t>
+            </a:r>
+          </a:p>
+          <a:p>
+            <a:endParaRPr lang="en-US" dirty="0">
+              <a:solidFill>
+                <a:srgbClr val="3333FF"/>
+              </a:solidFill>
+            </a:endParaRPr>
+          </a:p>
+          <a:p>
+            <a:r>
+              <a:rPr lang="en-US" dirty="0"/>
+              <a:t>Valuable for (fully) </a:t>
+            </a:r>
+            <a:r>
+              <a:rPr lang="en-US" b="1" i="1" dirty="0"/>
+              <a:t>decentralized</a:t>
+            </a:r>
+            <a:r>
+              <a:rPr lang="en-US" dirty="0"/>
+              <a:t> environments!</a:t>
+            </a:r>
+          </a:p>
+          <a:p>
+            <a:pPr lvl="1"/>
+            <a:r>
+              <a:rPr lang="en-US" dirty="0"/>
+              <a:t>Quite </a:t>
+            </a:r>
+            <a:r>
+              <a:rPr lang="en-US" dirty="0">
+                <a:solidFill>
+                  <a:schemeClr val="tx1">
+                    <a:lumMod val="50000"/>
+                    <a:lumOff val="50000"/>
+                  </a:schemeClr>
+                </a:solidFill>
+              </a:rPr>
+              <a:t>under-explored</a:t>
+            </a:r>
+            <a:r>
+              <a:rPr lang="en-US" dirty="0"/>
+              <a:t> in studies of blockchain &amp; decentralized consensus mechanism design.</a:t>
+            </a:r>
+          </a:p>
+        </p:txBody>
+      </p:sp>
       <p:sp>
         <p:nvSpPr>
           <p:cNvPr id="4" name="灯片编号占位符 3">
@@ -10184,6 +7795,104 @@
                                           <p:spTgt spid="3">
                                             <p:txEl>
                                               <p:pRg st="3" end="3"/>
+                                            </p:txEl>
+                                          </p:spTgt>
+                                        </p:tgtEl>
+                                        <p:attrNameLst>
+                                          <p:attrName>style.visibility</p:attrName>
+                                        </p:attrNameLst>
+                                      </p:cBhvr>
+                                      <p:to>
+                                        <p:strVal val="visible"/>
+                                      </p:to>
+                                    </p:set>
+                                  </p:childTnLst>
+                                </p:cTn>
+                              </p:par>
+                            </p:childTnLst>
+                          </p:cTn>
+                        </p:par>
+                      </p:childTnLst>
+                    </p:cTn>
+                  </p:par>
+                  <p:par>
+                    <p:cTn id="11" fill="hold">
+                      <p:stCondLst>
+                        <p:cond delay="indefinite"/>
+                      </p:stCondLst>
+                      <p:childTnLst>
+                        <p:par>
+                          <p:cTn id="12" fill="hold">
+                            <p:stCondLst>
+                              <p:cond delay="0"/>
+                            </p:stCondLst>
+                            <p:childTnLst>
+                              <p:par>
+                                <p:cTn id="13" presetID="1" presetClass="entr" presetSubtype="0" fill="hold" nodeType="clickEffect">
+                                  <p:stCondLst>
+                                    <p:cond delay="0"/>
+                                  </p:stCondLst>
+                                  <p:childTnLst>
+                                    <p:set>
+                                      <p:cBhvr>
+                                        <p:cTn id="14" dur="1" fill="hold">
+                                          <p:stCondLst>
+                                            <p:cond delay="0"/>
+                                          </p:stCondLst>
+                                        </p:cTn>
+                                        <p:tgtEl>
+                                          <p:spTgt spid="3">
+                                            <p:txEl>
+                                              <p:pRg st="5" end="5"/>
+                                            </p:txEl>
+                                          </p:spTgt>
+                                        </p:tgtEl>
+                                        <p:attrNameLst>
+                                          <p:attrName>style.visibility</p:attrName>
+                                        </p:attrNameLst>
+                                      </p:cBhvr>
+                                      <p:to>
+                                        <p:strVal val="visible"/>
+                                      </p:to>
+                                    </p:set>
+                                  </p:childTnLst>
+                                </p:cTn>
+                              </p:par>
+                            </p:childTnLst>
+                          </p:cTn>
+                        </p:par>
+                      </p:childTnLst>
+                    </p:cTn>
+                  </p:par>
+                  <p:par>
+                    <p:cTn id="15" fill="hold">
+                      <p:stCondLst>
+                        <p:cond delay="indefinite"/>
+                      </p:stCondLst>
+                      <p:childTnLst>
+                        <p:par>
+                          <p:cTn id="16" fill="hold">
+                            <p:stCondLst>
+                              <p:cond delay="0"/>
+                            </p:stCondLst>
+                            <p:childTnLst>
+                              <p:par>
+                                <p:cTn id="17" presetID="1" presetClass="entr" presetSubtype="0" fill="hold" nodeType="clickEffect">
+                                  <p:stCondLst>
+                                    <p:cond delay="0"/>
+                                  </p:stCondLst>
+                                  <p:childTnLst>
+                                    <p:set>
+                                      <p:cBhvr>
+                                        <p:cTn id="18" dur="1" fill="hold">
+                                          <p:stCondLst>
+                                            <p:cond delay="0"/>
+                                          </p:stCondLst>
+                                        </p:cTn>
+                                        <p:tgtEl>
+                                          <p:spTgt spid="3">
+                                            <p:txEl>
+                                              <p:pRg st="6" end="6"/>
                                             </p:txEl>
                                           </p:spTgt>
                                         </p:tgtEl>
@@ -10666,7 +8375,7 @@
                 </a14:m>
                 <a:r>
                   <a:rPr lang="en-US" dirty="0"/>
-                  <a:t> maximizing their expected payoff according to posterior belief </a:t>
+                  <a:t> maximizing their expected utility according to posterior belief </a:t>
                 </a:r>
                 <a14:m>
                   <m:oMath xmlns:m="http://schemas.openxmlformats.org/officeDocument/2006/math">
@@ -10956,15 +8665,30 @@
                 </a:r>
                 <a:r>
                   <a:rPr lang="en-US" dirty="0"/>
-                  <a:t> reports </a:t>
+                  <a:t> </a:t>
+                </a:r>
+                <a:r>
+                  <a:rPr lang="en-US" altLang="zh-CN" dirty="0"/>
+                  <a:t>the collection of all </a:t>
+                </a:r>
+                <a:r>
+                  <a:rPr lang="en-US" dirty="0"/>
+                  <a:t>reports.</a:t>
+                </a:r>
+              </a:p>
+              <a:p>
+                <a:pPr lvl="1"/>
+                <a:r>
+                  <a:rPr lang="en-US" dirty="0"/>
+                  <a:t>For 2-player peer prediction, it can be represented via a scoring matrix </a:t>
                 </a:r>
                 <a14:m>
                   <m:oMath xmlns:m="http://schemas.openxmlformats.org/officeDocument/2006/math">
                     <m:r>
-                      <a:rPr lang="en-US" b="1" i="0" smtClean="0">
+                      <a:rPr lang="en-US" i="1" dirty="0" smtClean="0">
                         <a:latin typeface="Cambria Math" panose="02040503050406030204" pitchFamily="18" charset="0"/>
                       </a:rPr>
-                      <m:t>𝐙</m:t>
+                      <m:t>𝑇</m:t>
                     </m:r>
                   </m:oMath>
                 </a14:m>
@@ -11001,7 +8725,7 @@
               <a:blipFill>
                 <a:blip r:embed="rId2"/>
                 <a:stretch>
-                  <a:fillRect l="-1008" t="-2381" r="-616"/>
+                  <a:fillRect l="-1008" t="-2381" b="-3221"/>
                 </a:stretch>
               </a:blipFill>
             </p:spPr>
@@ -11410,6 +9134,55 @@
                       </p:childTnLst>
                     </p:cTn>
                   </p:par>
+                  <p:par>
+                    <p:cTn id="31" fill="hold">
+                      <p:stCondLst>
+                        <p:cond delay="indefinite"/>
+                      </p:stCondLst>
+                      <p:childTnLst>
+                        <p:par>
+                          <p:cTn id="32" fill="hold">
+                            <p:stCondLst>
+                              <p:cond delay="0"/>
+                            </p:stCondLst>
+                            <p:childTnLst>
+                              <p:par>
+                                <p:cTn id="33" presetID="1" presetClass="entr" presetSubtype="0" fill="hold" nodeType="clickEffect">
+                                  <p:stCondLst>
+                                    <p:cond delay="0"/>
+                                  </p:stCondLst>
+                                  <p:childTnLst>
+                                    <p:set>
+                                      <p:cBhvr>
+                                        <p:cTn id="34" dur="1" fill="hold">
+                                          <p:stCondLst>
+                                            <p:cond delay="0"/>
+                                          </p:stCondLst>
+                                        </p:cTn>
+                                        <p:tgtEl>
+                                          <p:spTgt spid="3">
+                                            <p:txEl>
+                                              <p:pRg st="7" end="7"/>
+                                            </p:txEl>
+                                          </p:spTgt>
+                                        </p:tgtEl>
+                                        <p:attrNameLst>
+                                          <p:attrName>style.visibility</p:attrName>
+                                        </p:attrNameLst>
+                                      </p:cBhvr>
+                                      <p:to>
+                                        <p:strVal val="visible"/>
+                                      </p:to>
+                                    </p:set>
+                                  </p:childTnLst>
+                                </p:cTn>
+                              </p:par>
+                            </p:childTnLst>
+                          </p:cTn>
+                        </p:par>
+                      </p:childTnLst>
+                    </p:cTn>
+                  </p:par>
                 </p:childTnLst>
               </p:cTn>
               <p:prevCondLst>
@@ -11526,7 +9299,28 @@
                   <a:srgbClr val="FFFFFF"/>
                 </a:highlight>
               </a:rPr>
-              <a:t>For any non-degenerate 2-party </a:t>
+              <a:t>For any non-degenerate </a:t>
+            </a:r>
+            <a:r>
+              <a:rPr lang="en-US" b="0" i="0" dirty="0">
+                <a:solidFill>
+                  <a:srgbClr val="3333FF"/>
+                </a:solidFill>
+                <a:effectLst/>
+                <a:highlight>
+                  <a:srgbClr val="FFFFFF"/>
+                </a:highlight>
+              </a:rPr>
+              <a:t>2-party</a:t>
+            </a:r>
+            <a:r>
+              <a:rPr lang="en-US" b="0" i="0" dirty="0">
+                <a:effectLst/>
+                <a:highlight>
+                  <a:srgbClr val="FFFFFF"/>
+                </a:highlight>
+              </a:rPr>
+              <a:t> </a:t>
             </a:r>
             <a:r>
               <a:rPr lang="en-US" i="1" dirty="0">
@@ -11547,7 +9341,19 @@
           <a:p>
             <a:r>
               <a:rPr lang="en-US" dirty="0"/>
-              <a:t>How to generalize to multi-party DVG?</a:t>
+              <a:t>How to generalize to </a:t>
+            </a:r>
+            <a:r>
+              <a:rPr lang="en-US" dirty="0">
+                <a:solidFill>
+                  <a:srgbClr val="FF0080"/>
+                </a:solidFill>
+              </a:rPr>
+              <a:t>multi-party</a:t>
+            </a:r>
+            <a:r>
+              <a:rPr lang="en-US" dirty="0"/>
+              <a:t> DVG?</a:t>
             </a:r>
           </a:p>
           <a:p>
@@ -12143,7 +9949,19 @@
                 </a14:m>
                 <a:r>
                   <a:rPr lang="en-US" dirty="0"/>
-                  <a:t> indicates good Byzantine robustness.</a:t>
+                  <a:t> indicates good </a:t>
+                </a:r>
+                <a:r>
+                  <a:rPr lang="en-US" dirty="0">
+                    <a:solidFill>
+                      <a:srgbClr val="3333FF"/>
+                    </a:solidFill>
+                  </a:rPr>
+                  <a:t>Byzantine robustness</a:t>
+                </a:r>
+                <a:r>
+                  <a:rPr lang="en-US" dirty="0"/>
+                  <a:t>.</a:t>
                 </a:r>
               </a:p>
               <a:p>
@@ -13216,13 +11034,13 @@
           <a:p>
             <a:r>
               <a:rPr lang="en-US" dirty="0"/>
-              <a:t>CTF Peer Prediction: Budget </a:t>
+              <a:t>CTF Peer Prediction: Budget vs. Robustness </a:t>
             </a:r>
           </a:p>
         </p:txBody>
       </p:sp>
-      <mc:AlternateContent xmlns:mc="http://schemas.openxmlformats.org/markup-compatibility/2006">
-        <mc:Choice xmlns:a14="http://schemas.microsoft.com/office/drawing/2010/main" Requires="a14">
+      <mc:AlternateContent xmlns:mc="http://schemas.openxmlformats.org/markup-compatibility/2006" xmlns:a14="http://schemas.microsoft.com/office/drawing/2010/main">
+        <mc:Choice Requires="a14">
           <p:sp>
             <p:nvSpPr>
               <p:cNvPr id="3" name="内容占位符 2">
@@ -13472,7 +11290,7 @@
             </p:txBody>
           </p:sp>
         </mc:Choice>
-        <mc:Fallback>
+        <mc:Fallback xmlns="">
           <p:sp>
             <p:nvSpPr>
               <p:cNvPr id="3" name="内容占位符 2">
@@ -13541,8 +11359,8 @@
           </a:p>
         </p:txBody>
       </p:sp>
-      <mc:AlternateContent xmlns:mc="http://schemas.openxmlformats.org/markup-compatibility/2006">
-        <mc:Choice xmlns:a14="http://schemas.microsoft.com/office/drawing/2010/main" Requires="a14">
+      <mc:AlternateContent xmlns:mc="http://schemas.openxmlformats.org/markup-compatibility/2006" xmlns:a14="http://schemas.microsoft.com/office/drawing/2010/main">
+        <mc:Choice Requires="a14">
           <p:sp>
             <p:nvSpPr>
               <p:cNvPr id="5" name="文本框 4">
@@ -13601,7 +11419,7 @@
             </p:txBody>
           </p:sp>
         </mc:Choice>
-        <mc:Fallback>
+        <mc:Fallback xmlns="">
           <p:sp>
             <p:nvSpPr>
               <p:cNvPr id="5" name="文本框 4">
@@ -13646,8 +11464,8 @@
           </p:sp>
         </mc:Fallback>
       </mc:AlternateContent>
-      <mc:AlternateContent xmlns:mc="http://schemas.openxmlformats.org/markup-compatibility/2006">
-        <mc:Choice xmlns:a14="http://schemas.microsoft.com/office/drawing/2010/main" Requires="a14">
+      <mc:AlternateContent xmlns:mc="http://schemas.openxmlformats.org/markup-compatibility/2006" xmlns:a14="http://schemas.microsoft.com/office/drawing/2010/main">
+        <mc:Choice Requires="a14">
           <p:sp>
             <p:nvSpPr>
               <p:cNvPr id="6" name="文本框 5">
@@ -13735,7 +11553,7 @@
             </p:txBody>
           </p:sp>
         </mc:Choice>
-        <mc:Fallback>
+        <mc:Fallback xmlns="">
           <p:sp>
             <p:nvSpPr>
               <p:cNvPr id="6" name="文本框 5">
@@ -13780,8 +11598,8 @@
           </p:sp>
         </mc:Fallback>
       </mc:AlternateContent>
-      <mc:AlternateContent xmlns:mc="http://schemas.openxmlformats.org/markup-compatibility/2006">
-        <mc:Choice xmlns:a14="http://schemas.microsoft.com/office/drawing/2010/main" Requires="a14">
+      <mc:AlternateContent xmlns:mc="http://schemas.openxmlformats.org/markup-compatibility/2006" xmlns:a14="http://schemas.microsoft.com/office/drawing/2010/main">
+        <mc:Choice Requires="a14">
           <p:sp>
             <p:nvSpPr>
               <p:cNvPr id="7" name="文本框 6">
@@ -13851,7 +11669,7 @@
             </p:txBody>
           </p:sp>
         </mc:Choice>
-        <mc:Fallback>
+        <mc:Fallback xmlns="">
           <p:sp>
             <p:nvSpPr>
               <p:cNvPr id="7" name="文本框 6">
@@ -13896,8 +11714,8 @@
           </p:sp>
         </mc:Fallback>
       </mc:AlternateContent>
-      <mc:AlternateContent xmlns:mc="http://schemas.openxmlformats.org/markup-compatibility/2006">
-        <mc:Choice xmlns:a14="http://schemas.microsoft.com/office/drawing/2010/main" Requires="a14">
+      <mc:AlternateContent xmlns:mc="http://schemas.openxmlformats.org/markup-compatibility/2006" xmlns:a14="http://schemas.microsoft.com/office/drawing/2010/main">
+        <mc:Choice Requires="a14">
           <p:sp>
             <p:nvSpPr>
               <p:cNvPr id="8" name="文本框 7">
@@ -14002,7 +11820,7 @@
             </p:txBody>
           </p:sp>
         </mc:Choice>
-        <mc:Fallback>
+        <mc:Fallback xmlns="">
           <p:sp>
             <p:nvSpPr>
               <p:cNvPr id="8" name="文本框 7">
@@ -14438,6 +12256,1357 @@
       </p:grpSpPr>
       <p:sp>
         <p:nvSpPr>
+          <p:cNvPr id="2" name="Title 1">
+            <a:extLst>
+              <a:ext uri="{FF2B5EF4-FFF2-40B4-BE49-F238E27FC236}">
+                <a16:creationId xmlns:a16="http://schemas.microsoft.com/office/drawing/2014/main" id="{BA5CB995-3119-A965-A41B-2CC9BBCACB84}"/>
+              </a:ext>
+            </a:extLst>
+          </p:cNvPr>
+          <p:cNvSpPr>
+            <a:spLocks noGrp="1"/>
+          </p:cNvSpPr>
+          <p:nvPr>
+            <p:ph type="title"/>
+          </p:nvPr>
+        </p:nvSpPr>
+        <p:spPr/>
+        <p:txBody>
+          <a:bodyPr/>
+          <a:lstStyle/>
+          <a:p>
+            <a:r>
+              <a:rPr lang="en-US" dirty="0"/>
+              <a:t>Byzantine-</a:t>
+            </a:r>
+            <a:r>
+              <a:rPr lang="en-US" altLang="zh-CN" dirty="0"/>
+              <a:t>Robust PP: Universal Robustness?</a:t>
+            </a:r>
+            <a:endParaRPr lang="en-US" dirty="0"/>
+          </a:p>
+        </p:txBody>
+      </p:sp>
+      <mc:AlternateContent xmlns:mc="http://schemas.openxmlformats.org/markup-compatibility/2006" xmlns:a14="http://schemas.microsoft.com/office/drawing/2010/main">
+        <mc:Choice Requires="a14">
+          <p:sp>
+            <p:nvSpPr>
+              <p:cNvPr id="3" name="Content Placeholder 2">
+                <a:extLst>
+                  <a:ext uri="{FF2B5EF4-FFF2-40B4-BE49-F238E27FC236}">
+                    <a16:creationId xmlns:a16="http://schemas.microsoft.com/office/drawing/2014/main" id="{B0E9802C-1F43-E331-32CB-608BC31D3F85}"/>
+                  </a:ext>
+                </a:extLst>
+              </p:cNvPr>
+              <p:cNvSpPr>
+                <a:spLocks noGrp="1"/>
+              </p:cNvSpPr>
+              <p:nvPr>
+                <p:ph idx="1"/>
+              </p:nvPr>
+            </p:nvSpPr>
+            <p:spPr/>
+            <p:txBody>
+              <a:bodyPr/>
+              <a:lstStyle/>
+              <a:p>
+                <a:r>
+                  <a:rPr lang="en-US" dirty="0"/>
+                  <a:t>What if there are other types of “noises”…</a:t>
+                </a:r>
+              </a:p>
+              <a:p>
+                <a:pPr lvl="1"/>
+                <a:r>
+                  <a:rPr lang="en-US" dirty="0"/>
+                  <a:t>e.g., inaccurate prior or beliefs?</a:t>
+                </a:r>
+              </a:p>
+              <a:p>
+                <a:pPr lvl="1"/>
+                <a:endParaRPr lang="en-US" dirty="0"/>
+              </a:p>
+              <a:p>
+                <a:pPr marL="0" indent="0">
+                  <a:buNone/>
+                </a:pPr>
+                <a:r>
+                  <a:rPr lang="en-US" dirty="0"/>
+                  <a:t>Reduction via </a:t>
+                </a:r>
+                <a:r>
+                  <a:rPr lang="en-US" dirty="0">
+                    <a:solidFill>
+                      <a:srgbClr val="3333FF"/>
+                    </a:solidFill>
+                  </a:rPr>
+                  <a:t>coupling argument</a:t>
+                </a:r>
+                <a:r>
+                  <a:rPr lang="en-US" dirty="0"/>
+                  <a:t>:</a:t>
+                </a:r>
+              </a:p>
+              <a:p>
+                <a:r>
+                  <a:rPr lang="en-US" dirty="0"/>
+                  <a:t>Imagine that the prior/belief were actually accurate, but…</a:t>
+                </a:r>
+              </a:p>
+              <a:p>
+                <a:r>
+                  <a:rPr lang="en-US" dirty="0"/>
+                  <a:t>Players within the TV between distributions acting arbitrarily!</a:t>
+                </a:r>
+              </a:p>
+              <a:p>
+                <a:endParaRPr lang="en-US" dirty="0"/>
+              </a:p>
+              <a:p>
+                <a:r>
+                  <a:rPr lang="en-US" dirty="0"/>
+                  <a:t>Interpretation: </a:t>
+                </a:r>
+                <a:r>
+                  <a:rPr lang="en-US" dirty="0">
+                    <a:solidFill>
+                      <a:srgbClr val="3333FF"/>
+                    </a:solidFill>
+                  </a:rPr>
+                  <a:t>malicious players </a:t>
+                </a:r>
+                <a14:m>
+                  <m:oMath xmlns:m="http://schemas.openxmlformats.org/officeDocument/2006/math">
+                    <m:r>
+                      <a:rPr lang="en-US" i="1" smtClean="0">
+                        <a:solidFill>
+                          <a:srgbClr val="3333FF"/>
+                        </a:solidFill>
+                        <a:latin typeface="Cambria Math" panose="02040503050406030204" pitchFamily="18" charset="0"/>
+                        <a:ea typeface="Cambria Math" panose="02040503050406030204" pitchFamily="18" charset="0"/>
+                      </a:rPr>
+                      <m:t>≥</m:t>
+                    </m:r>
+                  </m:oMath>
+                </a14:m>
+                <a:r>
+                  <a:rPr lang="en-US" dirty="0">
+                    <a:solidFill>
+                      <a:srgbClr val="3333FF"/>
+                    </a:solidFill>
+                  </a:rPr>
+                  <a:t> inaccurate distributions!</a:t>
+                </a:r>
+              </a:p>
+              <a:p>
+                <a14:m>
+                  <m:oMath xmlns:m="http://schemas.openxmlformats.org/officeDocument/2006/math">
+                    <m:r>
+                      <a:rPr lang="en-US" i="1" smtClean="0">
+                        <a:latin typeface="Cambria Math" panose="02040503050406030204" pitchFamily="18" charset="0"/>
+                        <a:ea typeface="Cambria Math" panose="02040503050406030204" pitchFamily="18" charset="0"/>
+                      </a:rPr>
+                      <m:t>𝛿</m:t>
+                    </m:r>
+                    <m:r>
+                      <a:rPr lang="en-US" b="0" i="1" smtClean="0">
+                        <a:latin typeface="Cambria Math" panose="02040503050406030204" pitchFamily="18" charset="0"/>
+                        <a:ea typeface="Cambria Math" panose="02040503050406030204" pitchFamily="18" charset="0"/>
+                      </a:rPr>
+                      <m:t>/</m:t>
+                    </m:r>
+                    <m:r>
+                      <a:rPr lang="en-US" b="0" i="1" smtClean="0">
+                        <a:latin typeface="Cambria Math" panose="02040503050406030204" pitchFamily="18" charset="0"/>
+                        <a:ea typeface="Cambria Math" panose="02040503050406030204" pitchFamily="18" charset="0"/>
+                      </a:rPr>
+                      <m:t>𝑀</m:t>
+                    </m:r>
+                  </m:oMath>
+                </a14:m>
+                <a:r>
+                  <a:rPr lang="en-US" dirty="0"/>
+                  <a:t> “compactness”: reservoir of general robustness</a:t>
+                </a:r>
+              </a:p>
+            </p:txBody>
+          </p:sp>
+        </mc:Choice>
+        <mc:Fallback xmlns="">
+          <p:sp>
+            <p:nvSpPr>
+              <p:cNvPr id="3" name="Content Placeholder 2">
+                <a:extLst>
+                  <a:ext uri="{FF2B5EF4-FFF2-40B4-BE49-F238E27FC236}">
+                    <a16:creationId xmlns:a16="http://schemas.microsoft.com/office/drawing/2014/main" id="{B0E9802C-1F43-E331-32CB-608BC31D3F85}"/>
+                  </a:ext>
+                </a:extLst>
+              </p:cNvPr>
+              <p:cNvSpPr>
+                <a:spLocks noGrp="1" noRot="1" noChangeAspect="1" noMove="1" noResize="1" noEditPoints="1" noAdjustHandles="1" noChangeArrowheads="1" noChangeShapeType="1" noTextEdit="1"/>
+              </p:cNvSpPr>
+              <p:nvPr>
+                <p:ph idx="1"/>
+              </p:nvPr>
+            </p:nvSpPr>
+            <p:spPr>
+              <a:blipFill>
+                <a:blip r:embed="rId2"/>
+                <a:stretch>
+                  <a:fillRect l="-1217" t="-2381" b="-3361"/>
+                </a:stretch>
+              </a:blipFill>
+            </p:spPr>
+            <p:txBody>
+              <a:bodyPr/>
+              <a:lstStyle/>
+              <a:p>
+                <a:r>
+                  <a:rPr lang="en-US">
+                    <a:noFill/>
+                  </a:rPr>
+                  <a:t> </a:t>
+                </a:r>
+              </a:p>
+            </p:txBody>
+          </p:sp>
+        </mc:Fallback>
+      </mc:AlternateContent>
+      <p:sp>
+        <p:nvSpPr>
+          <p:cNvPr id="4" name="Slide Number Placeholder 3">
+            <a:extLst>
+              <a:ext uri="{FF2B5EF4-FFF2-40B4-BE49-F238E27FC236}">
+                <a16:creationId xmlns:a16="http://schemas.microsoft.com/office/drawing/2014/main" id="{F872A4E4-BCFC-2D47-6815-B6EE555E8769}"/>
+              </a:ext>
+            </a:extLst>
+          </p:cNvPr>
+          <p:cNvSpPr>
+            <a:spLocks noGrp="1"/>
+          </p:cNvSpPr>
+          <p:nvPr>
+            <p:ph type="sldNum" sz="quarter" idx="12"/>
+          </p:nvPr>
+        </p:nvSpPr>
+        <p:spPr/>
+        <p:txBody>
+          <a:bodyPr/>
+          <a:lstStyle/>
+          <a:p>
+            <a:fld id="{3F9DB605-36F8-4880-A1BE-3C72DF21D035}" type="slidenum">
+              <a:rPr lang="en-US" smtClean="0"/>
+              <a:t>19</a:t>
+            </a:fld>
+            <a:endParaRPr lang="en-US"/>
+          </a:p>
+        </p:txBody>
+      </p:sp>
+    </p:spTree>
+    <p:extLst>
+      <p:ext uri="{BB962C8B-B14F-4D97-AF65-F5344CB8AC3E}">
+        <p14:creationId xmlns:p14="http://schemas.microsoft.com/office/powerpoint/2010/main" val="3803439672"/>
+      </p:ext>
+    </p:extLst>
+  </p:cSld>
+  <p:clrMapOvr>
+    <a:masterClrMapping/>
+  </p:clrMapOvr>
+  <p:timing>
+    <p:tnLst>
+      <p:par>
+        <p:cTn id="1" dur="indefinite" restart="never" nodeType="tmRoot">
+          <p:childTnLst>
+            <p:seq concurrent="1" nextAc="seek">
+              <p:cTn id="2" dur="indefinite" nodeType="mainSeq">
+                <p:childTnLst>
+                  <p:par>
+                    <p:cTn id="3" fill="hold">
+                      <p:stCondLst>
+                        <p:cond delay="indefinite"/>
+                      </p:stCondLst>
+                      <p:childTnLst>
+                        <p:par>
+                          <p:cTn id="4" fill="hold">
+                            <p:stCondLst>
+                              <p:cond delay="0"/>
+                            </p:stCondLst>
+                            <p:childTnLst>
+                              <p:par>
+                                <p:cTn id="5" presetID="1" presetClass="entr" presetSubtype="0" fill="hold" nodeType="clickEffect">
+                                  <p:stCondLst>
+                                    <p:cond delay="0"/>
+                                  </p:stCondLst>
+                                  <p:childTnLst>
+                                    <p:set>
+                                      <p:cBhvr>
+                                        <p:cTn id="6" dur="1" fill="hold">
+                                          <p:stCondLst>
+                                            <p:cond delay="0"/>
+                                          </p:stCondLst>
+                                        </p:cTn>
+                                        <p:tgtEl>
+                                          <p:spTgt spid="3">
+                                            <p:txEl>
+                                              <p:pRg st="0" end="0"/>
+                                            </p:txEl>
+                                          </p:spTgt>
+                                        </p:tgtEl>
+                                        <p:attrNameLst>
+                                          <p:attrName>style.visibility</p:attrName>
+                                        </p:attrNameLst>
+                                      </p:cBhvr>
+                                      <p:to>
+                                        <p:strVal val="visible"/>
+                                      </p:to>
+                                    </p:set>
+                                  </p:childTnLst>
+                                </p:cTn>
+                              </p:par>
+                            </p:childTnLst>
+                          </p:cTn>
+                        </p:par>
+                      </p:childTnLst>
+                    </p:cTn>
+                  </p:par>
+                  <p:par>
+                    <p:cTn id="7" fill="hold">
+                      <p:stCondLst>
+                        <p:cond delay="indefinite"/>
+                      </p:stCondLst>
+                      <p:childTnLst>
+                        <p:par>
+                          <p:cTn id="8" fill="hold">
+                            <p:stCondLst>
+                              <p:cond delay="0"/>
+                            </p:stCondLst>
+                            <p:childTnLst>
+                              <p:par>
+                                <p:cTn id="9" presetID="1" presetClass="entr" presetSubtype="0" fill="hold" nodeType="clickEffect">
+                                  <p:stCondLst>
+                                    <p:cond delay="0"/>
+                                  </p:stCondLst>
+                                  <p:childTnLst>
+                                    <p:set>
+                                      <p:cBhvr>
+                                        <p:cTn id="10" dur="1" fill="hold">
+                                          <p:stCondLst>
+                                            <p:cond delay="0"/>
+                                          </p:stCondLst>
+                                        </p:cTn>
+                                        <p:tgtEl>
+                                          <p:spTgt spid="3">
+                                            <p:txEl>
+                                              <p:pRg st="1" end="1"/>
+                                            </p:txEl>
+                                          </p:spTgt>
+                                        </p:tgtEl>
+                                        <p:attrNameLst>
+                                          <p:attrName>style.visibility</p:attrName>
+                                        </p:attrNameLst>
+                                      </p:cBhvr>
+                                      <p:to>
+                                        <p:strVal val="visible"/>
+                                      </p:to>
+                                    </p:set>
+                                  </p:childTnLst>
+                                </p:cTn>
+                              </p:par>
+                            </p:childTnLst>
+                          </p:cTn>
+                        </p:par>
+                      </p:childTnLst>
+                    </p:cTn>
+                  </p:par>
+                  <p:par>
+                    <p:cTn id="11" fill="hold">
+                      <p:stCondLst>
+                        <p:cond delay="indefinite"/>
+                      </p:stCondLst>
+                      <p:childTnLst>
+                        <p:par>
+                          <p:cTn id="12" fill="hold">
+                            <p:stCondLst>
+                              <p:cond delay="0"/>
+                            </p:stCondLst>
+                            <p:childTnLst>
+                              <p:par>
+                                <p:cTn id="13" presetID="1" presetClass="entr" presetSubtype="0" fill="hold" nodeType="clickEffect">
+                                  <p:stCondLst>
+                                    <p:cond delay="0"/>
+                                  </p:stCondLst>
+                                  <p:childTnLst>
+                                    <p:set>
+                                      <p:cBhvr>
+                                        <p:cTn id="14" dur="1" fill="hold">
+                                          <p:stCondLst>
+                                            <p:cond delay="0"/>
+                                          </p:stCondLst>
+                                        </p:cTn>
+                                        <p:tgtEl>
+                                          <p:spTgt spid="3">
+                                            <p:txEl>
+                                              <p:pRg st="3" end="3"/>
+                                            </p:txEl>
+                                          </p:spTgt>
+                                        </p:tgtEl>
+                                        <p:attrNameLst>
+                                          <p:attrName>style.visibility</p:attrName>
+                                        </p:attrNameLst>
+                                      </p:cBhvr>
+                                      <p:to>
+                                        <p:strVal val="visible"/>
+                                      </p:to>
+                                    </p:set>
+                                  </p:childTnLst>
+                                </p:cTn>
+                              </p:par>
+                            </p:childTnLst>
+                          </p:cTn>
+                        </p:par>
+                      </p:childTnLst>
+                    </p:cTn>
+                  </p:par>
+                  <p:par>
+                    <p:cTn id="15" fill="hold">
+                      <p:stCondLst>
+                        <p:cond delay="indefinite"/>
+                      </p:stCondLst>
+                      <p:childTnLst>
+                        <p:par>
+                          <p:cTn id="16" fill="hold">
+                            <p:stCondLst>
+                              <p:cond delay="0"/>
+                            </p:stCondLst>
+                            <p:childTnLst>
+                              <p:par>
+                                <p:cTn id="17" presetID="1" presetClass="entr" presetSubtype="0" fill="hold" nodeType="clickEffect">
+                                  <p:stCondLst>
+                                    <p:cond delay="0"/>
+                                  </p:stCondLst>
+                                  <p:childTnLst>
+                                    <p:set>
+                                      <p:cBhvr>
+                                        <p:cTn id="18" dur="1" fill="hold">
+                                          <p:stCondLst>
+                                            <p:cond delay="0"/>
+                                          </p:stCondLst>
+                                        </p:cTn>
+                                        <p:tgtEl>
+                                          <p:spTgt spid="3">
+                                            <p:txEl>
+                                              <p:pRg st="4" end="4"/>
+                                            </p:txEl>
+                                          </p:spTgt>
+                                        </p:tgtEl>
+                                        <p:attrNameLst>
+                                          <p:attrName>style.visibility</p:attrName>
+                                        </p:attrNameLst>
+                                      </p:cBhvr>
+                                      <p:to>
+                                        <p:strVal val="visible"/>
+                                      </p:to>
+                                    </p:set>
+                                  </p:childTnLst>
+                                </p:cTn>
+                              </p:par>
+                            </p:childTnLst>
+                          </p:cTn>
+                        </p:par>
+                      </p:childTnLst>
+                    </p:cTn>
+                  </p:par>
+                  <p:par>
+                    <p:cTn id="19" fill="hold">
+                      <p:stCondLst>
+                        <p:cond delay="indefinite"/>
+                      </p:stCondLst>
+                      <p:childTnLst>
+                        <p:par>
+                          <p:cTn id="20" fill="hold">
+                            <p:stCondLst>
+                              <p:cond delay="0"/>
+                            </p:stCondLst>
+                            <p:childTnLst>
+                              <p:par>
+                                <p:cTn id="21" presetID="1" presetClass="entr" presetSubtype="0" fill="hold" nodeType="clickEffect">
+                                  <p:stCondLst>
+                                    <p:cond delay="0"/>
+                                  </p:stCondLst>
+                                  <p:childTnLst>
+                                    <p:set>
+                                      <p:cBhvr>
+                                        <p:cTn id="22" dur="1" fill="hold">
+                                          <p:stCondLst>
+                                            <p:cond delay="0"/>
+                                          </p:stCondLst>
+                                        </p:cTn>
+                                        <p:tgtEl>
+                                          <p:spTgt spid="3">
+                                            <p:txEl>
+                                              <p:pRg st="5" end="5"/>
+                                            </p:txEl>
+                                          </p:spTgt>
+                                        </p:tgtEl>
+                                        <p:attrNameLst>
+                                          <p:attrName>style.visibility</p:attrName>
+                                        </p:attrNameLst>
+                                      </p:cBhvr>
+                                      <p:to>
+                                        <p:strVal val="visible"/>
+                                      </p:to>
+                                    </p:set>
+                                  </p:childTnLst>
+                                </p:cTn>
+                              </p:par>
+                            </p:childTnLst>
+                          </p:cTn>
+                        </p:par>
+                      </p:childTnLst>
+                    </p:cTn>
+                  </p:par>
+                  <p:par>
+                    <p:cTn id="23" fill="hold">
+                      <p:stCondLst>
+                        <p:cond delay="indefinite"/>
+                      </p:stCondLst>
+                      <p:childTnLst>
+                        <p:par>
+                          <p:cTn id="24" fill="hold">
+                            <p:stCondLst>
+                              <p:cond delay="0"/>
+                            </p:stCondLst>
+                            <p:childTnLst>
+                              <p:par>
+                                <p:cTn id="25" presetID="1" presetClass="entr" presetSubtype="0" fill="hold" nodeType="clickEffect">
+                                  <p:stCondLst>
+                                    <p:cond delay="0"/>
+                                  </p:stCondLst>
+                                  <p:childTnLst>
+                                    <p:set>
+                                      <p:cBhvr>
+                                        <p:cTn id="26" dur="1" fill="hold">
+                                          <p:stCondLst>
+                                            <p:cond delay="0"/>
+                                          </p:stCondLst>
+                                        </p:cTn>
+                                        <p:tgtEl>
+                                          <p:spTgt spid="3">
+                                            <p:txEl>
+                                              <p:pRg st="7" end="7"/>
+                                            </p:txEl>
+                                          </p:spTgt>
+                                        </p:tgtEl>
+                                        <p:attrNameLst>
+                                          <p:attrName>style.visibility</p:attrName>
+                                        </p:attrNameLst>
+                                      </p:cBhvr>
+                                      <p:to>
+                                        <p:strVal val="visible"/>
+                                      </p:to>
+                                    </p:set>
+                                  </p:childTnLst>
+                                </p:cTn>
+                              </p:par>
+                            </p:childTnLst>
+                          </p:cTn>
+                        </p:par>
+                      </p:childTnLst>
+                    </p:cTn>
+                  </p:par>
+                  <p:par>
+                    <p:cTn id="27" fill="hold">
+                      <p:stCondLst>
+                        <p:cond delay="indefinite"/>
+                      </p:stCondLst>
+                      <p:childTnLst>
+                        <p:par>
+                          <p:cTn id="28" fill="hold">
+                            <p:stCondLst>
+                              <p:cond delay="0"/>
+                            </p:stCondLst>
+                            <p:childTnLst>
+                              <p:par>
+                                <p:cTn id="29" presetID="1" presetClass="entr" presetSubtype="0" fill="hold" nodeType="clickEffect">
+                                  <p:stCondLst>
+                                    <p:cond delay="0"/>
+                                  </p:stCondLst>
+                                  <p:childTnLst>
+                                    <p:set>
+                                      <p:cBhvr>
+                                        <p:cTn id="30" dur="1" fill="hold">
+                                          <p:stCondLst>
+                                            <p:cond delay="0"/>
+                                          </p:stCondLst>
+                                        </p:cTn>
+                                        <p:tgtEl>
+                                          <p:spTgt spid="3">
+                                            <p:txEl>
+                                              <p:pRg st="8" end="8"/>
+                                            </p:txEl>
+                                          </p:spTgt>
+                                        </p:tgtEl>
+                                        <p:attrNameLst>
+                                          <p:attrName>style.visibility</p:attrName>
+                                        </p:attrNameLst>
+                                      </p:cBhvr>
+                                      <p:to>
+                                        <p:strVal val="visible"/>
+                                      </p:to>
+                                    </p:set>
+                                  </p:childTnLst>
+                                </p:cTn>
+                              </p:par>
+                            </p:childTnLst>
+                          </p:cTn>
+                        </p:par>
+                      </p:childTnLst>
+                    </p:cTn>
+                  </p:par>
+                </p:childTnLst>
+              </p:cTn>
+              <p:prevCondLst>
+                <p:cond evt="onPrev" delay="0">
+                  <p:tgtEl>
+                    <p:sldTgt/>
+                  </p:tgtEl>
+                </p:cond>
+              </p:prevCondLst>
+              <p:nextCondLst>
+                <p:cond evt="onNext" delay="0">
+                  <p:tgtEl>
+                    <p:sldTgt/>
+                  </p:tgtEl>
+                </p:cond>
+              </p:nextCondLst>
+            </p:seq>
+          </p:childTnLst>
+        </p:cTn>
+      </p:par>
+    </p:tnLst>
+  </p:timing>
+</p:sld>
+</file>
+
+<file path=ppt/slides/slide2.xml><?xml version="1.0" encoding="utf-8"?>
+<p:sld xmlns:a="http://schemas.openxmlformats.org/drawingml/2006/main" xmlns:r="http://schemas.openxmlformats.org/officeDocument/2006/relationships" xmlns:p="http://schemas.openxmlformats.org/presentationml/2006/main">
+  <p:cSld>
+    <p:spTree>
+      <p:nvGrpSpPr>
+        <p:cNvPr id="1" name=""/>
+        <p:cNvGrpSpPr/>
+        <p:nvPr/>
+      </p:nvGrpSpPr>
+      <p:grpSpPr>
+        <a:xfrm>
+          <a:off x="0" y="0"/>
+          <a:ext cx="0" cy="0"/>
+          <a:chOff x="0" y="0"/>
+          <a:chExt cx="0" cy="0"/>
+        </a:xfrm>
+      </p:grpSpPr>
+      <p:sp>
+        <p:nvSpPr>
+          <p:cNvPr id="2" name="Title 1">
+            <a:extLst>
+              <a:ext uri="{FF2B5EF4-FFF2-40B4-BE49-F238E27FC236}">
+                <a16:creationId xmlns:a16="http://schemas.microsoft.com/office/drawing/2014/main" id="{4C54A970-74CA-91EC-2309-35080974F48E}"/>
+              </a:ext>
+            </a:extLst>
+          </p:cNvPr>
+          <p:cNvSpPr>
+            <a:spLocks noGrp="1"/>
+          </p:cNvSpPr>
+          <p:nvPr>
+            <p:ph type="title"/>
+          </p:nvPr>
+        </p:nvSpPr>
+        <p:spPr/>
+        <p:txBody>
+          <a:bodyPr/>
+          <a:lstStyle/>
+          <a:p>
+            <a:r>
+              <a:rPr lang="en-US" dirty="0"/>
+              <a:t>AI Safety: A Critical Concern in AGI Age</a:t>
+            </a:r>
+          </a:p>
+        </p:txBody>
+      </p:sp>
+      <p:sp>
+        <p:nvSpPr>
+          <p:cNvPr id="3" name="Content Placeholder 2">
+            <a:extLst>
+              <a:ext uri="{FF2B5EF4-FFF2-40B4-BE49-F238E27FC236}">
+                <a16:creationId xmlns:a16="http://schemas.microsoft.com/office/drawing/2014/main" id="{5A2FCFF9-A74F-0C2F-5ED8-E1FC577931A6}"/>
+              </a:ext>
+            </a:extLst>
+          </p:cNvPr>
+          <p:cNvSpPr>
+            <a:spLocks noGrp="1"/>
+          </p:cNvSpPr>
+          <p:nvPr>
+            <p:ph idx="1"/>
+          </p:nvPr>
+        </p:nvSpPr>
+        <p:spPr>
+          <a:xfrm>
+            <a:off x="838200" y="1690688"/>
+            <a:ext cx="10515600" cy="4351338"/>
+          </a:xfrm>
+        </p:spPr>
+        <p:txBody>
+          <a:bodyPr/>
+          <a:lstStyle/>
+          <a:p>
+            <a:r>
+              <a:rPr lang="en-US" dirty="0"/>
+              <a:t>ChatGPT: herald of AGI age.</a:t>
+            </a:r>
+          </a:p>
+          <a:p>
+            <a:r>
+              <a:rPr lang="en-US" dirty="0"/>
+              <a:t>AI safety: the stronger AI becomes, </a:t>
+            </a:r>
+            <a:br>
+              <a:rPr lang="en-US" dirty="0"/>
+            </a:br>
+            <a:r>
+              <a:rPr lang="en-US" dirty="0"/>
+              <a:t>the higher risk it might do evil.</a:t>
+            </a:r>
+          </a:p>
+          <a:p>
+            <a:r>
+              <a:rPr lang="en-US" altLang="zh-CN" dirty="0"/>
+              <a:t>AI </a:t>
+            </a:r>
+            <a:r>
+              <a:rPr lang="en-US" altLang="zh-CN" dirty="0">
+                <a:solidFill>
+                  <a:srgbClr val="3333FF"/>
+                </a:solidFill>
+              </a:rPr>
+              <a:t>alignment</a:t>
+            </a:r>
+            <a:r>
+              <a:rPr lang="en-US" altLang="zh-CN" dirty="0"/>
+              <a:t>: make sure that AI’s</a:t>
+            </a:r>
+            <a:br>
+              <a:rPr lang="en-US" altLang="zh-CN" dirty="0"/>
+            </a:br>
+            <a:r>
+              <a:rPr lang="en-US" altLang="zh-CN" dirty="0"/>
+              <a:t>behavior aligns with human interest.</a:t>
+            </a:r>
+            <a:endParaRPr lang="en-US" dirty="0"/>
+          </a:p>
+        </p:txBody>
+      </p:sp>
+      <p:pic>
+        <p:nvPicPr>
+          <p:cNvPr id="5" name="Picture 4" descr="A group of robots running&#10;&#10;Description automatically generated">
+            <a:extLst>
+              <a:ext uri="{FF2B5EF4-FFF2-40B4-BE49-F238E27FC236}">
+                <a16:creationId xmlns:a16="http://schemas.microsoft.com/office/drawing/2014/main" id="{BC73102A-8838-AC25-AA8A-10053ED26D4B}"/>
+              </a:ext>
+            </a:extLst>
+          </p:cNvPr>
+          <p:cNvPicPr>
+            <a:picLocks noChangeAspect="1"/>
+          </p:cNvPicPr>
+          <p:nvPr/>
+        </p:nvPicPr>
+        <p:blipFill>
+          <a:blip r:embed="rId2">
+            <a:extLst>
+              <a:ext uri="{28A0092B-C50C-407E-A947-70E740481C1C}">
+                <a14:useLocalDpi xmlns:a14="http://schemas.microsoft.com/office/drawing/2010/main" val="0"/>
+              </a:ext>
+            </a:extLst>
+          </a:blip>
+          <a:stretch>
+            <a:fillRect/>
+          </a:stretch>
+        </p:blipFill>
+        <p:spPr>
+          <a:xfrm>
+            <a:off x="7266506" y="1690688"/>
+            <a:ext cx="3724582" cy="2295383"/>
+          </a:xfrm>
+          <a:prstGeom prst="rect">
+            <a:avLst/>
+          </a:prstGeom>
+        </p:spPr>
+      </p:pic>
+      <p:pic>
+        <p:nvPicPr>
+          <p:cNvPr id="7" name="Picture 6" descr="A cartoon of a robot with a child and a child&#10;&#10;Description automatically generated">
+            <a:extLst>
+              <a:ext uri="{FF2B5EF4-FFF2-40B4-BE49-F238E27FC236}">
+                <a16:creationId xmlns:a16="http://schemas.microsoft.com/office/drawing/2014/main" id="{2EE8940F-BA0D-881F-53DD-55729E870273}"/>
+              </a:ext>
+            </a:extLst>
+          </p:cNvPr>
+          <p:cNvPicPr>
+            <a:picLocks noChangeAspect="1"/>
+          </p:cNvPicPr>
+          <p:nvPr/>
+        </p:nvPicPr>
+        <p:blipFill>
+          <a:blip r:embed="rId3">
+            <a:extLst>
+              <a:ext uri="{28A0092B-C50C-407E-A947-70E740481C1C}">
+                <a14:useLocalDpi xmlns:a14="http://schemas.microsoft.com/office/drawing/2010/main" val="0"/>
+              </a:ext>
+            </a:extLst>
+          </a:blip>
+          <a:stretch>
+            <a:fillRect/>
+          </a:stretch>
+        </p:blipFill>
+        <p:spPr>
+          <a:xfrm>
+            <a:off x="1545336" y="4010215"/>
+            <a:ext cx="4137624" cy="2324592"/>
+          </a:xfrm>
+          <a:prstGeom prst="rect">
+            <a:avLst/>
+          </a:prstGeom>
+        </p:spPr>
+      </p:pic>
+      <p:sp>
+        <p:nvSpPr>
+          <p:cNvPr id="8" name="TextBox 7">
+            <a:extLst>
+              <a:ext uri="{FF2B5EF4-FFF2-40B4-BE49-F238E27FC236}">
+                <a16:creationId xmlns:a16="http://schemas.microsoft.com/office/drawing/2014/main" id="{344A89E4-E03D-6529-4B69-0D44AF9E5E6B}"/>
+              </a:ext>
+            </a:extLst>
+          </p:cNvPr>
+          <p:cNvSpPr txBox="1"/>
+          <p:nvPr/>
+        </p:nvSpPr>
+        <p:spPr>
+          <a:xfrm>
+            <a:off x="6600481" y="4834580"/>
+            <a:ext cx="5056631" cy="1384995"/>
+          </a:xfrm>
+          <a:prstGeom prst="rect">
+            <a:avLst/>
+          </a:prstGeom>
+          <a:noFill/>
+        </p:spPr>
+        <p:txBody>
+          <a:bodyPr wrap="square" rtlCol="0">
+            <a:spAutoFit/>
+          </a:bodyPr>
+          <a:lstStyle/>
+          <a:p>
+            <a:r>
+              <a:rPr lang="en-US" sz="2800" b="1" dirty="0"/>
+              <a:t>But… How to ensure the AI model is really aligned as claimed?</a:t>
+            </a:r>
+          </a:p>
+        </p:txBody>
+      </p:sp>
+      <p:sp>
+        <p:nvSpPr>
+          <p:cNvPr id="9" name="Slide Number Placeholder 8">
+            <a:extLst>
+              <a:ext uri="{FF2B5EF4-FFF2-40B4-BE49-F238E27FC236}">
+                <a16:creationId xmlns:a16="http://schemas.microsoft.com/office/drawing/2014/main" id="{1CA2C8E9-2FC4-99FF-262E-026142E88392}"/>
+              </a:ext>
+            </a:extLst>
+          </p:cNvPr>
+          <p:cNvSpPr>
+            <a:spLocks noGrp="1"/>
+          </p:cNvSpPr>
+          <p:nvPr>
+            <p:ph type="sldNum" sz="quarter" idx="12"/>
+          </p:nvPr>
+        </p:nvSpPr>
+        <p:spPr/>
+        <p:txBody>
+          <a:bodyPr/>
+          <a:lstStyle/>
+          <a:p>
+            <a:fld id="{3F9DB605-36F8-4880-A1BE-3C72DF21D035}" type="slidenum">
+              <a:rPr lang="en-US" smtClean="0"/>
+              <a:t>2</a:t>
+            </a:fld>
+            <a:endParaRPr lang="en-US"/>
+          </a:p>
+        </p:txBody>
+      </p:sp>
+      <p:sp>
+        <p:nvSpPr>
+          <p:cNvPr id="4" name="TextBox 3">
+            <a:extLst>
+              <a:ext uri="{FF2B5EF4-FFF2-40B4-BE49-F238E27FC236}">
+                <a16:creationId xmlns:a16="http://schemas.microsoft.com/office/drawing/2014/main" id="{4BA952F6-2394-91B6-419E-BA29648F5B56}"/>
+              </a:ext>
+            </a:extLst>
+          </p:cNvPr>
+          <p:cNvSpPr txBox="1"/>
+          <p:nvPr/>
+        </p:nvSpPr>
+        <p:spPr>
+          <a:xfrm>
+            <a:off x="8147304" y="4010215"/>
+            <a:ext cx="2121093" cy="400110"/>
+          </a:xfrm>
+          <a:prstGeom prst="rect">
+            <a:avLst/>
+          </a:prstGeom>
+          <a:noFill/>
+        </p:spPr>
+        <p:txBody>
+          <a:bodyPr wrap="none" rtlCol="0">
+            <a:spAutoFit/>
+          </a:bodyPr>
+          <a:lstStyle/>
+          <a:p>
+            <a:r>
+              <a:rPr lang="en-US" sz="2000" i="1" dirty="0">
+                <a:solidFill>
+                  <a:srgbClr val="0070C0"/>
+                </a:solidFill>
+              </a:rPr>
+              <a:t>Terminator (1984)</a:t>
+            </a:r>
+          </a:p>
+        </p:txBody>
+      </p:sp>
+      <p:sp>
+        <p:nvSpPr>
+          <p:cNvPr id="6" name="TextBox 5">
+            <a:extLst>
+              <a:ext uri="{FF2B5EF4-FFF2-40B4-BE49-F238E27FC236}">
+                <a16:creationId xmlns:a16="http://schemas.microsoft.com/office/drawing/2014/main" id="{5862416A-D751-4AD4-B3CC-BFC43AFDF397}"/>
+              </a:ext>
+            </a:extLst>
+          </p:cNvPr>
+          <p:cNvSpPr txBox="1"/>
+          <p:nvPr/>
+        </p:nvSpPr>
+        <p:spPr>
+          <a:xfrm>
+            <a:off x="1899062" y="6338857"/>
+            <a:ext cx="3654205" cy="400110"/>
+          </a:xfrm>
+          <a:prstGeom prst="rect">
+            <a:avLst/>
+          </a:prstGeom>
+          <a:noFill/>
+        </p:spPr>
+        <p:txBody>
+          <a:bodyPr wrap="none" rtlCol="0">
+            <a:spAutoFit/>
+          </a:bodyPr>
+          <a:lstStyle/>
+          <a:p>
+            <a:r>
+              <a:rPr lang="en-US" sz="2000" i="1" dirty="0">
+                <a:solidFill>
+                  <a:srgbClr val="0070C0"/>
+                </a:solidFill>
+              </a:rPr>
+              <a:t>Laputa: Castle in the Sky (1986)</a:t>
+            </a:r>
+          </a:p>
+        </p:txBody>
+      </p:sp>
+    </p:spTree>
+    <p:extLst>
+      <p:ext uri="{BB962C8B-B14F-4D97-AF65-F5344CB8AC3E}">
+        <p14:creationId xmlns:p14="http://schemas.microsoft.com/office/powerpoint/2010/main" val="2409188227"/>
+      </p:ext>
+    </p:extLst>
+  </p:cSld>
+  <p:clrMapOvr>
+    <a:masterClrMapping/>
+  </p:clrMapOvr>
+  <p:timing>
+    <p:tnLst>
+      <p:par>
+        <p:cTn id="1" dur="indefinite" restart="never" nodeType="tmRoot">
+          <p:childTnLst>
+            <p:seq concurrent="1" nextAc="seek">
+              <p:cTn id="2" dur="indefinite" nodeType="mainSeq">
+                <p:childTnLst>
+                  <p:par>
+                    <p:cTn id="3" fill="hold">
+                      <p:stCondLst>
+                        <p:cond delay="indefinite"/>
+                      </p:stCondLst>
+                      <p:childTnLst>
+                        <p:par>
+                          <p:cTn id="4" fill="hold">
+                            <p:stCondLst>
+                              <p:cond delay="0"/>
+                            </p:stCondLst>
+                            <p:childTnLst>
+                              <p:par>
+                                <p:cTn id="5" presetID="1" presetClass="entr" presetSubtype="0" fill="hold" nodeType="clickEffect">
+                                  <p:stCondLst>
+                                    <p:cond delay="0"/>
+                                  </p:stCondLst>
+                                  <p:childTnLst>
+                                    <p:set>
+                                      <p:cBhvr>
+                                        <p:cTn id="6" dur="1" fill="hold">
+                                          <p:stCondLst>
+                                            <p:cond delay="0"/>
+                                          </p:stCondLst>
+                                        </p:cTn>
+                                        <p:tgtEl>
+                                          <p:spTgt spid="3">
+                                            <p:txEl>
+                                              <p:pRg st="0" end="0"/>
+                                            </p:txEl>
+                                          </p:spTgt>
+                                        </p:tgtEl>
+                                        <p:attrNameLst>
+                                          <p:attrName>style.visibility</p:attrName>
+                                        </p:attrNameLst>
+                                      </p:cBhvr>
+                                      <p:to>
+                                        <p:strVal val="visible"/>
+                                      </p:to>
+                                    </p:set>
+                                  </p:childTnLst>
+                                </p:cTn>
+                              </p:par>
+                            </p:childTnLst>
+                          </p:cTn>
+                        </p:par>
+                      </p:childTnLst>
+                    </p:cTn>
+                  </p:par>
+                  <p:par>
+                    <p:cTn id="7" fill="hold">
+                      <p:stCondLst>
+                        <p:cond delay="indefinite"/>
+                      </p:stCondLst>
+                      <p:childTnLst>
+                        <p:par>
+                          <p:cTn id="8" fill="hold">
+                            <p:stCondLst>
+                              <p:cond delay="0"/>
+                            </p:stCondLst>
+                            <p:childTnLst>
+                              <p:par>
+                                <p:cTn id="9" presetID="1" presetClass="entr" presetSubtype="0" fill="hold" nodeType="clickEffect">
+                                  <p:stCondLst>
+                                    <p:cond delay="0"/>
+                                  </p:stCondLst>
+                                  <p:childTnLst>
+                                    <p:set>
+                                      <p:cBhvr>
+                                        <p:cTn id="10" dur="1" fill="hold">
+                                          <p:stCondLst>
+                                            <p:cond delay="0"/>
+                                          </p:stCondLst>
+                                        </p:cTn>
+                                        <p:tgtEl>
+                                          <p:spTgt spid="3">
+                                            <p:txEl>
+                                              <p:pRg st="1" end="1"/>
+                                            </p:txEl>
+                                          </p:spTgt>
+                                        </p:tgtEl>
+                                        <p:attrNameLst>
+                                          <p:attrName>style.visibility</p:attrName>
+                                        </p:attrNameLst>
+                                      </p:cBhvr>
+                                      <p:to>
+                                        <p:strVal val="visible"/>
+                                      </p:to>
+                                    </p:set>
+                                  </p:childTnLst>
+                                </p:cTn>
+                              </p:par>
+                              <p:par>
+                                <p:cTn id="11" presetID="10" presetClass="entr" presetSubtype="0" fill="hold" nodeType="withEffect">
+                                  <p:stCondLst>
+                                    <p:cond delay="0"/>
+                                  </p:stCondLst>
+                                  <p:childTnLst>
+                                    <p:set>
+                                      <p:cBhvr>
+                                        <p:cTn id="12" dur="1" fill="hold">
+                                          <p:stCondLst>
+                                            <p:cond delay="0"/>
+                                          </p:stCondLst>
+                                        </p:cTn>
+                                        <p:tgtEl>
+                                          <p:spTgt spid="5"/>
+                                        </p:tgtEl>
+                                        <p:attrNameLst>
+                                          <p:attrName>style.visibility</p:attrName>
+                                        </p:attrNameLst>
+                                      </p:cBhvr>
+                                      <p:to>
+                                        <p:strVal val="visible"/>
+                                      </p:to>
+                                    </p:set>
+                                    <p:animEffect transition="in" filter="fade">
+                                      <p:cBhvr>
+                                        <p:cTn id="13" dur="500"/>
+                                        <p:tgtEl>
+                                          <p:spTgt spid="5"/>
+                                        </p:tgtEl>
+                                      </p:cBhvr>
+                                    </p:animEffect>
+                                  </p:childTnLst>
+                                </p:cTn>
+                              </p:par>
+                              <p:par>
+                                <p:cTn id="14" presetID="1" presetClass="entr" presetSubtype="0" fill="hold" nodeType="withEffect">
+                                  <p:stCondLst>
+                                    <p:cond delay="0"/>
+                                  </p:stCondLst>
+                                  <p:childTnLst>
+                                    <p:set>
+                                      <p:cBhvr>
+                                        <p:cTn id="15" dur="1" fill="hold">
+                                          <p:stCondLst>
+                                            <p:cond delay="0"/>
+                                          </p:stCondLst>
+                                        </p:cTn>
+                                        <p:tgtEl>
+                                          <p:spTgt spid="4">
+                                            <p:txEl>
+                                              <p:pRg st="0" end="0"/>
+                                            </p:txEl>
+                                          </p:spTgt>
+                                        </p:tgtEl>
+                                        <p:attrNameLst>
+                                          <p:attrName>style.visibility</p:attrName>
+                                        </p:attrNameLst>
+                                      </p:cBhvr>
+                                      <p:to>
+                                        <p:strVal val="visible"/>
+                                      </p:to>
+                                    </p:set>
+                                  </p:childTnLst>
+                                </p:cTn>
+                              </p:par>
+                            </p:childTnLst>
+                          </p:cTn>
+                        </p:par>
+                      </p:childTnLst>
+                    </p:cTn>
+                  </p:par>
+                  <p:par>
+                    <p:cTn id="16" fill="hold">
+                      <p:stCondLst>
+                        <p:cond delay="indefinite"/>
+                      </p:stCondLst>
+                      <p:childTnLst>
+                        <p:par>
+                          <p:cTn id="17" fill="hold">
+                            <p:stCondLst>
+                              <p:cond delay="0"/>
+                            </p:stCondLst>
+                            <p:childTnLst>
+                              <p:par>
+                                <p:cTn id="18" presetID="1" presetClass="entr" presetSubtype="0" fill="hold" nodeType="clickEffect">
+                                  <p:stCondLst>
+                                    <p:cond delay="0"/>
+                                  </p:stCondLst>
+                                  <p:childTnLst>
+                                    <p:set>
+                                      <p:cBhvr>
+                                        <p:cTn id="19" dur="1" fill="hold">
+                                          <p:stCondLst>
+                                            <p:cond delay="0"/>
+                                          </p:stCondLst>
+                                        </p:cTn>
+                                        <p:tgtEl>
+                                          <p:spTgt spid="3">
+                                            <p:txEl>
+                                              <p:pRg st="2" end="2"/>
+                                            </p:txEl>
+                                          </p:spTgt>
+                                        </p:tgtEl>
+                                        <p:attrNameLst>
+                                          <p:attrName>style.visibility</p:attrName>
+                                        </p:attrNameLst>
+                                      </p:cBhvr>
+                                      <p:to>
+                                        <p:strVal val="visible"/>
+                                      </p:to>
+                                    </p:set>
+                                  </p:childTnLst>
+                                </p:cTn>
+                              </p:par>
+                              <p:par>
+                                <p:cTn id="20" presetID="10" presetClass="entr" presetSubtype="0" fill="hold" nodeType="withEffect">
+                                  <p:stCondLst>
+                                    <p:cond delay="0"/>
+                                  </p:stCondLst>
+                                  <p:childTnLst>
+                                    <p:set>
+                                      <p:cBhvr>
+                                        <p:cTn id="21" dur="1" fill="hold">
+                                          <p:stCondLst>
+                                            <p:cond delay="0"/>
+                                          </p:stCondLst>
+                                        </p:cTn>
+                                        <p:tgtEl>
+                                          <p:spTgt spid="7"/>
+                                        </p:tgtEl>
+                                        <p:attrNameLst>
+                                          <p:attrName>style.visibility</p:attrName>
+                                        </p:attrNameLst>
+                                      </p:cBhvr>
+                                      <p:to>
+                                        <p:strVal val="visible"/>
+                                      </p:to>
+                                    </p:set>
+                                    <p:animEffect transition="in" filter="fade">
+                                      <p:cBhvr>
+                                        <p:cTn id="22" dur="500"/>
+                                        <p:tgtEl>
+                                          <p:spTgt spid="7"/>
+                                        </p:tgtEl>
+                                      </p:cBhvr>
+                                    </p:animEffect>
+                                  </p:childTnLst>
+                                </p:cTn>
+                              </p:par>
+                              <p:par>
+                                <p:cTn id="23" presetID="1" presetClass="entr" presetSubtype="0" fill="hold" nodeType="withEffect">
+                                  <p:stCondLst>
+                                    <p:cond delay="0"/>
+                                  </p:stCondLst>
+                                  <p:childTnLst>
+                                    <p:set>
+                                      <p:cBhvr>
+                                        <p:cTn id="24" dur="1" fill="hold">
+                                          <p:stCondLst>
+                                            <p:cond delay="0"/>
+                                          </p:stCondLst>
+                                        </p:cTn>
+                                        <p:tgtEl>
+                                          <p:spTgt spid="6">
+                                            <p:txEl>
+                                              <p:pRg st="0" end="0"/>
+                                            </p:txEl>
+                                          </p:spTgt>
+                                        </p:tgtEl>
+                                        <p:attrNameLst>
+                                          <p:attrName>style.visibility</p:attrName>
+                                        </p:attrNameLst>
+                                      </p:cBhvr>
+                                      <p:to>
+                                        <p:strVal val="visible"/>
+                                      </p:to>
+                                    </p:set>
+                                  </p:childTnLst>
+                                </p:cTn>
+                              </p:par>
+                            </p:childTnLst>
+                          </p:cTn>
+                        </p:par>
+                      </p:childTnLst>
+                    </p:cTn>
+                  </p:par>
+                  <p:par>
+                    <p:cTn id="25" fill="hold">
+                      <p:stCondLst>
+                        <p:cond delay="indefinite"/>
+                      </p:stCondLst>
+                      <p:childTnLst>
+                        <p:par>
+                          <p:cTn id="26" fill="hold">
+                            <p:stCondLst>
+                              <p:cond delay="0"/>
+                            </p:stCondLst>
+                            <p:childTnLst>
+                              <p:par>
+                                <p:cTn id="27" presetID="1" presetClass="entr" presetSubtype="0" fill="hold" grpId="0" nodeType="clickEffect">
+                                  <p:stCondLst>
+                                    <p:cond delay="0"/>
+                                  </p:stCondLst>
+                                  <p:childTnLst>
+                                    <p:set>
+                                      <p:cBhvr>
+                                        <p:cTn id="28" dur="1" fill="hold">
+                                          <p:stCondLst>
+                                            <p:cond delay="0"/>
+                                          </p:stCondLst>
+                                        </p:cTn>
+                                        <p:tgtEl>
+                                          <p:spTgt spid="8"/>
+                                        </p:tgtEl>
+                                        <p:attrNameLst>
+                                          <p:attrName>style.visibility</p:attrName>
+                                        </p:attrNameLst>
+                                      </p:cBhvr>
+                                      <p:to>
+                                        <p:strVal val="visible"/>
+                                      </p:to>
+                                    </p:set>
+                                  </p:childTnLst>
+                                </p:cTn>
+                              </p:par>
+                            </p:childTnLst>
+                          </p:cTn>
+                        </p:par>
+                      </p:childTnLst>
+                    </p:cTn>
+                  </p:par>
+                </p:childTnLst>
+              </p:cTn>
+              <p:prevCondLst>
+                <p:cond evt="onPrev" delay="0">
+                  <p:tgtEl>
+                    <p:sldTgt/>
+                  </p:tgtEl>
+                </p:cond>
+              </p:prevCondLst>
+              <p:nextCondLst>
+                <p:cond evt="onNext" delay="0">
+                  <p:tgtEl>
+                    <p:sldTgt/>
+                  </p:tgtEl>
+                </p:cond>
+              </p:nextCondLst>
+            </p:seq>
+          </p:childTnLst>
+        </p:cTn>
+      </p:par>
+    </p:tnLst>
+    <p:bldLst>
+      <p:bldP spid="8" grpId="0"/>
+    </p:bldLst>
+  </p:timing>
+</p:sld>
+</file>
+
+<file path=ppt/slides/slide20.xml><?xml version="1.0" encoding="utf-8"?>
+<p:sld xmlns:a="http://schemas.openxmlformats.org/drawingml/2006/main" xmlns:r="http://schemas.openxmlformats.org/officeDocument/2006/relationships" xmlns:p="http://schemas.openxmlformats.org/presentationml/2006/main">
+  <p:cSld>
+    <p:spTree>
+      <p:nvGrpSpPr>
+        <p:cNvPr id="1" name=""/>
+        <p:cNvGrpSpPr/>
+        <p:nvPr/>
+      </p:nvGrpSpPr>
+      <p:grpSpPr>
+        <a:xfrm>
+          <a:off x="0" y="0"/>
+          <a:ext cx="0" cy="0"/>
+          <a:chOff x="0" y="0"/>
+          <a:chExt cx="0" cy="0"/>
+        </a:xfrm>
+      </p:grpSpPr>
+      <p:sp>
+        <p:nvSpPr>
           <p:cNvPr id="2" name="标题 1">
             <a:extLst>
               <a:ext uri="{FF2B5EF4-FFF2-40B4-BE49-F238E27FC236}">
@@ -14554,7 +13723,7 @@
           <a:p>
             <a:fld id="{3F9DB605-36F8-4880-A1BE-3C72DF21D035}" type="slidenum">
               <a:rPr lang="en-US" smtClean="0"/>
-              <a:t>19</a:t>
+              <a:t>20</a:t>
             </a:fld>
             <a:endParaRPr lang="en-US"/>
           </a:p>
@@ -14781,568 +13950,7 @@
 </p:sld>
 </file>
 
-<file path=ppt/slides/slide2.xml><?xml version="1.0" encoding="utf-8"?>
-<p:sld xmlns:a="http://schemas.openxmlformats.org/drawingml/2006/main" xmlns:r="http://schemas.openxmlformats.org/officeDocument/2006/relationships" xmlns:p="http://schemas.openxmlformats.org/presentationml/2006/main">
-  <p:cSld>
-    <p:spTree>
-      <p:nvGrpSpPr>
-        <p:cNvPr id="1" name=""/>
-        <p:cNvGrpSpPr/>
-        <p:nvPr/>
-      </p:nvGrpSpPr>
-      <p:grpSpPr>
-        <a:xfrm>
-          <a:off x="0" y="0"/>
-          <a:ext cx="0" cy="0"/>
-          <a:chOff x="0" y="0"/>
-          <a:chExt cx="0" cy="0"/>
-        </a:xfrm>
-      </p:grpSpPr>
-      <p:sp>
-        <p:nvSpPr>
-          <p:cNvPr id="2" name="Title 1">
-            <a:extLst>
-              <a:ext uri="{FF2B5EF4-FFF2-40B4-BE49-F238E27FC236}">
-                <a16:creationId xmlns:a16="http://schemas.microsoft.com/office/drawing/2014/main" id="{4C54A970-74CA-91EC-2309-35080974F48E}"/>
-              </a:ext>
-            </a:extLst>
-          </p:cNvPr>
-          <p:cNvSpPr>
-            <a:spLocks noGrp="1"/>
-          </p:cNvSpPr>
-          <p:nvPr>
-            <p:ph type="title"/>
-          </p:nvPr>
-        </p:nvSpPr>
-        <p:spPr/>
-        <p:txBody>
-          <a:bodyPr/>
-          <a:lstStyle/>
-          <a:p>
-            <a:r>
-              <a:rPr lang="en-US" dirty="0"/>
-              <a:t>AI Safety: A Critical Concern in AGI Age</a:t>
-            </a:r>
-          </a:p>
-        </p:txBody>
-      </p:sp>
-      <p:sp>
-        <p:nvSpPr>
-          <p:cNvPr id="3" name="Content Placeholder 2">
-            <a:extLst>
-              <a:ext uri="{FF2B5EF4-FFF2-40B4-BE49-F238E27FC236}">
-                <a16:creationId xmlns:a16="http://schemas.microsoft.com/office/drawing/2014/main" id="{5A2FCFF9-A74F-0C2F-5ED8-E1FC577931A6}"/>
-              </a:ext>
-            </a:extLst>
-          </p:cNvPr>
-          <p:cNvSpPr>
-            <a:spLocks noGrp="1"/>
-          </p:cNvSpPr>
-          <p:nvPr>
-            <p:ph idx="1"/>
-          </p:nvPr>
-        </p:nvSpPr>
-        <p:spPr>
-          <a:xfrm>
-            <a:off x="838200" y="1690688"/>
-            <a:ext cx="10515600" cy="4351338"/>
-          </a:xfrm>
-        </p:spPr>
-        <p:txBody>
-          <a:bodyPr/>
-          <a:lstStyle/>
-          <a:p>
-            <a:r>
-              <a:rPr lang="en-US" dirty="0"/>
-              <a:t>ChatGPT: herald of AGI age.</a:t>
-            </a:r>
-          </a:p>
-          <a:p>
-            <a:r>
-              <a:rPr lang="en-US" dirty="0"/>
-              <a:t>AI safety: the stronger AI becomes, </a:t>
-            </a:r>
-            <a:br>
-              <a:rPr lang="en-US" dirty="0"/>
-            </a:br>
-            <a:r>
-              <a:rPr lang="en-US" dirty="0"/>
-              <a:t>the higher risk it might do evil.</a:t>
-            </a:r>
-          </a:p>
-          <a:p>
-            <a:r>
-              <a:rPr lang="en-US" altLang="zh-CN" dirty="0"/>
-              <a:t>AI </a:t>
-            </a:r>
-            <a:r>
-              <a:rPr lang="en-US" altLang="zh-CN" dirty="0">
-                <a:solidFill>
-                  <a:srgbClr val="3333FF"/>
-                </a:solidFill>
-              </a:rPr>
-              <a:t>alignment</a:t>
-            </a:r>
-            <a:r>
-              <a:rPr lang="en-US" altLang="zh-CN" dirty="0"/>
-              <a:t>: make sure that AI’s</a:t>
-            </a:r>
-            <a:br>
-              <a:rPr lang="en-US" altLang="zh-CN" dirty="0"/>
-            </a:br>
-            <a:r>
-              <a:rPr lang="en-US" altLang="zh-CN" dirty="0"/>
-              <a:t>behavior aligns with human interest.</a:t>
-            </a:r>
-            <a:endParaRPr lang="en-US" dirty="0"/>
-          </a:p>
-        </p:txBody>
-      </p:sp>
-      <p:pic>
-        <p:nvPicPr>
-          <p:cNvPr id="5" name="Picture 4" descr="A group of robots running&#10;&#10;Description automatically generated">
-            <a:extLst>
-              <a:ext uri="{FF2B5EF4-FFF2-40B4-BE49-F238E27FC236}">
-                <a16:creationId xmlns:a16="http://schemas.microsoft.com/office/drawing/2014/main" id="{BC73102A-8838-AC25-AA8A-10053ED26D4B}"/>
-              </a:ext>
-            </a:extLst>
-          </p:cNvPr>
-          <p:cNvPicPr>
-            <a:picLocks noChangeAspect="1"/>
-          </p:cNvPicPr>
-          <p:nvPr/>
-        </p:nvPicPr>
-        <p:blipFill>
-          <a:blip r:embed="rId2">
-            <a:extLst>
-              <a:ext uri="{28A0092B-C50C-407E-A947-70E740481C1C}">
-                <a14:useLocalDpi xmlns:a14="http://schemas.microsoft.com/office/drawing/2010/main" val="0"/>
-              </a:ext>
-            </a:extLst>
-          </a:blip>
-          <a:stretch>
-            <a:fillRect/>
-          </a:stretch>
-        </p:blipFill>
-        <p:spPr>
-          <a:xfrm>
-            <a:off x="7266506" y="1690688"/>
-            <a:ext cx="3724582" cy="2295383"/>
-          </a:xfrm>
-          <a:prstGeom prst="rect">
-            <a:avLst/>
-          </a:prstGeom>
-        </p:spPr>
-      </p:pic>
-      <p:pic>
-        <p:nvPicPr>
-          <p:cNvPr id="7" name="Picture 6" descr="A cartoon of a robot with a child and a child&#10;&#10;Description automatically generated">
-            <a:extLst>
-              <a:ext uri="{FF2B5EF4-FFF2-40B4-BE49-F238E27FC236}">
-                <a16:creationId xmlns:a16="http://schemas.microsoft.com/office/drawing/2014/main" id="{2EE8940F-BA0D-881F-53DD-55729E870273}"/>
-              </a:ext>
-            </a:extLst>
-          </p:cNvPr>
-          <p:cNvPicPr>
-            <a:picLocks noChangeAspect="1"/>
-          </p:cNvPicPr>
-          <p:nvPr/>
-        </p:nvPicPr>
-        <p:blipFill>
-          <a:blip r:embed="rId3">
-            <a:extLst>
-              <a:ext uri="{28A0092B-C50C-407E-A947-70E740481C1C}">
-                <a14:useLocalDpi xmlns:a14="http://schemas.microsoft.com/office/drawing/2010/main" val="0"/>
-              </a:ext>
-            </a:extLst>
-          </a:blip>
-          <a:stretch>
-            <a:fillRect/>
-          </a:stretch>
-        </p:blipFill>
-        <p:spPr>
-          <a:xfrm>
-            <a:off x="1453896" y="4109812"/>
-            <a:ext cx="4462272" cy="2506985"/>
-          </a:xfrm>
-          <a:prstGeom prst="rect">
-            <a:avLst/>
-          </a:prstGeom>
-        </p:spPr>
-      </p:pic>
-      <p:sp>
-        <p:nvSpPr>
-          <p:cNvPr id="8" name="TextBox 7">
-            <a:extLst>
-              <a:ext uri="{FF2B5EF4-FFF2-40B4-BE49-F238E27FC236}">
-                <a16:creationId xmlns:a16="http://schemas.microsoft.com/office/drawing/2014/main" id="{344A89E4-E03D-6529-4B69-0D44AF9E5E6B}"/>
-              </a:ext>
-            </a:extLst>
-          </p:cNvPr>
-          <p:cNvSpPr txBox="1"/>
-          <p:nvPr/>
-        </p:nvSpPr>
-        <p:spPr>
-          <a:xfrm>
-            <a:off x="6600481" y="4834580"/>
-            <a:ext cx="5056631" cy="1384995"/>
-          </a:xfrm>
-          <a:prstGeom prst="rect">
-            <a:avLst/>
-          </a:prstGeom>
-          <a:noFill/>
-        </p:spPr>
-        <p:txBody>
-          <a:bodyPr wrap="square" rtlCol="0">
-            <a:spAutoFit/>
-          </a:bodyPr>
-          <a:lstStyle/>
-          <a:p>
-            <a:r>
-              <a:rPr lang="en-US" sz="2800" b="1" dirty="0"/>
-              <a:t>But… How to ensure the black-box AI is really aligned as claimed?</a:t>
-            </a:r>
-          </a:p>
-        </p:txBody>
-      </p:sp>
-      <p:sp>
-        <p:nvSpPr>
-          <p:cNvPr id="9" name="Slide Number Placeholder 8">
-            <a:extLst>
-              <a:ext uri="{FF2B5EF4-FFF2-40B4-BE49-F238E27FC236}">
-                <a16:creationId xmlns:a16="http://schemas.microsoft.com/office/drawing/2014/main" id="{1CA2C8E9-2FC4-99FF-262E-026142E88392}"/>
-              </a:ext>
-            </a:extLst>
-          </p:cNvPr>
-          <p:cNvSpPr>
-            <a:spLocks noGrp="1"/>
-          </p:cNvSpPr>
-          <p:nvPr>
-            <p:ph type="sldNum" sz="quarter" idx="12"/>
-          </p:nvPr>
-        </p:nvSpPr>
-        <p:spPr/>
-        <p:txBody>
-          <a:bodyPr/>
-          <a:lstStyle/>
-          <a:p>
-            <a:fld id="{3F9DB605-36F8-4880-A1BE-3C72DF21D035}" type="slidenum">
-              <a:rPr lang="en-US" smtClean="0"/>
-              <a:t>2</a:t>
-            </a:fld>
-            <a:endParaRPr lang="en-US"/>
-          </a:p>
-        </p:txBody>
-      </p:sp>
-    </p:spTree>
-    <p:extLst>
-      <p:ext uri="{BB962C8B-B14F-4D97-AF65-F5344CB8AC3E}">
-        <p14:creationId xmlns:p14="http://schemas.microsoft.com/office/powerpoint/2010/main" val="2409188227"/>
-      </p:ext>
-    </p:extLst>
-  </p:cSld>
-  <p:clrMapOvr>
-    <a:masterClrMapping/>
-  </p:clrMapOvr>
-  <p:timing>
-    <p:tnLst>
-      <p:par>
-        <p:cTn id="1" dur="indefinite" restart="never" nodeType="tmRoot">
-          <p:childTnLst>
-            <p:seq concurrent="1" nextAc="seek">
-              <p:cTn id="2" dur="indefinite" nodeType="mainSeq">
-                <p:childTnLst>
-                  <p:par>
-                    <p:cTn id="3" fill="hold">
-                      <p:stCondLst>
-                        <p:cond delay="indefinite"/>
-                      </p:stCondLst>
-                      <p:childTnLst>
-                        <p:par>
-                          <p:cTn id="4" fill="hold">
-                            <p:stCondLst>
-                              <p:cond delay="0"/>
-                            </p:stCondLst>
-                            <p:childTnLst>
-                              <p:par>
-                                <p:cTn id="5" presetID="1" presetClass="entr" presetSubtype="0" fill="hold" nodeType="clickEffect">
-                                  <p:stCondLst>
-                                    <p:cond delay="0"/>
-                                  </p:stCondLst>
-                                  <p:childTnLst>
-                                    <p:set>
-                                      <p:cBhvr>
-                                        <p:cTn id="6" dur="1" fill="hold">
-                                          <p:stCondLst>
-                                            <p:cond delay="0"/>
-                                          </p:stCondLst>
-                                        </p:cTn>
-                                        <p:tgtEl>
-                                          <p:spTgt spid="3">
-                                            <p:txEl>
-                                              <p:pRg st="0" end="0"/>
-                                            </p:txEl>
-                                          </p:spTgt>
-                                        </p:tgtEl>
-                                        <p:attrNameLst>
-                                          <p:attrName>style.visibility</p:attrName>
-                                        </p:attrNameLst>
-                                      </p:cBhvr>
-                                      <p:to>
-                                        <p:strVal val="visible"/>
-                                      </p:to>
-                                    </p:set>
-                                  </p:childTnLst>
-                                </p:cTn>
-                              </p:par>
-                            </p:childTnLst>
-                          </p:cTn>
-                        </p:par>
-                      </p:childTnLst>
-                    </p:cTn>
-                  </p:par>
-                  <p:par>
-                    <p:cTn id="7" fill="hold">
-                      <p:stCondLst>
-                        <p:cond delay="indefinite"/>
-                      </p:stCondLst>
-                      <p:childTnLst>
-                        <p:par>
-                          <p:cTn id="8" fill="hold">
-                            <p:stCondLst>
-                              <p:cond delay="0"/>
-                            </p:stCondLst>
-                            <p:childTnLst>
-                              <p:par>
-                                <p:cTn id="9" presetID="1" presetClass="entr" presetSubtype="0" fill="hold" nodeType="clickEffect">
-                                  <p:stCondLst>
-                                    <p:cond delay="0"/>
-                                  </p:stCondLst>
-                                  <p:childTnLst>
-                                    <p:set>
-                                      <p:cBhvr>
-                                        <p:cTn id="10" dur="1" fill="hold">
-                                          <p:stCondLst>
-                                            <p:cond delay="0"/>
-                                          </p:stCondLst>
-                                        </p:cTn>
-                                        <p:tgtEl>
-                                          <p:spTgt spid="3">
-                                            <p:txEl>
-                                              <p:pRg st="1" end="1"/>
-                                            </p:txEl>
-                                          </p:spTgt>
-                                        </p:tgtEl>
-                                        <p:attrNameLst>
-                                          <p:attrName>style.visibility</p:attrName>
-                                        </p:attrNameLst>
-                                      </p:cBhvr>
-                                      <p:to>
-                                        <p:strVal val="visible"/>
-                                      </p:to>
-                                    </p:set>
-                                  </p:childTnLst>
-                                </p:cTn>
-                              </p:par>
-                              <p:par>
-                                <p:cTn id="11" presetID="10" presetClass="entr" presetSubtype="0" fill="hold" nodeType="withEffect">
-                                  <p:stCondLst>
-                                    <p:cond delay="0"/>
-                                  </p:stCondLst>
-                                  <p:childTnLst>
-                                    <p:set>
-                                      <p:cBhvr>
-                                        <p:cTn id="12" dur="1" fill="hold">
-                                          <p:stCondLst>
-                                            <p:cond delay="0"/>
-                                          </p:stCondLst>
-                                        </p:cTn>
-                                        <p:tgtEl>
-                                          <p:spTgt spid="5"/>
-                                        </p:tgtEl>
-                                        <p:attrNameLst>
-                                          <p:attrName>style.visibility</p:attrName>
-                                        </p:attrNameLst>
-                                      </p:cBhvr>
-                                      <p:to>
-                                        <p:strVal val="visible"/>
-                                      </p:to>
-                                    </p:set>
-                                    <p:animEffect transition="in" filter="fade">
-                                      <p:cBhvr>
-                                        <p:cTn id="13" dur="500"/>
-                                        <p:tgtEl>
-                                          <p:spTgt spid="5"/>
-                                        </p:tgtEl>
-                                      </p:cBhvr>
-                                    </p:animEffect>
-                                  </p:childTnLst>
-                                </p:cTn>
-                              </p:par>
-                            </p:childTnLst>
-                          </p:cTn>
-                        </p:par>
-                      </p:childTnLst>
-                    </p:cTn>
-                  </p:par>
-                  <p:par>
-                    <p:cTn id="14" fill="hold">
-                      <p:stCondLst>
-                        <p:cond delay="indefinite"/>
-                      </p:stCondLst>
-                      <p:childTnLst>
-                        <p:par>
-                          <p:cTn id="15" fill="hold">
-                            <p:stCondLst>
-                              <p:cond delay="0"/>
-                            </p:stCondLst>
-                            <p:childTnLst>
-                              <p:par>
-                                <p:cTn id="16" presetID="1" presetClass="entr" presetSubtype="0" fill="hold" nodeType="clickEffect">
-                                  <p:stCondLst>
-                                    <p:cond delay="0"/>
-                                  </p:stCondLst>
-                                  <p:childTnLst>
-                                    <p:set>
-                                      <p:cBhvr>
-                                        <p:cTn id="17" dur="1" fill="hold">
-                                          <p:stCondLst>
-                                            <p:cond delay="0"/>
-                                          </p:stCondLst>
-                                        </p:cTn>
-                                        <p:tgtEl>
-                                          <p:spTgt spid="3">
-                                            <p:txEl>
-                                              <p:pRg st="2" end="2"/>
-                                            </p:txEl>
-                                          </p:spTgt>
-                                        </p:tgtEl>
-                                        <p:attrNameLst>
-                                          <p:attrName>style.visibility</p:attrName>
-                                        </p:attrNameLst>
-                                      </p:cBhvr>
-                                      <p:to>
-                                        <p:strVal val="visible"/>
-                                      </p:to>
-                                    </p:set>
-                                  </p:childTnLst>
-                                </p:cTn>
-                              </p:par>
-                              <p:par>
-                                <p:cTn id="18" presetID="10" presetClass="entr" presetSubtype="0" fill="hold" nodeType="withEffect">
-                                  <p:stCondLst>
-                                    <p:cond delay="0"/>
-                                  </p:stCondLst>
-                                  <p:childTnLst>
-                                    <p:set>
-                                      <p:cBhvr>
-                                        <p:cTn id="19" dur="1" fill="hold">
-                                          <p:stCondLst>
-                                            <p:cond delay="0"/>
-                                          </p:stCondLst>
-                                        </p:cTn>
-                                        <p:tgtEl>
-                                          <p:spTgt spid="7"/>
-                                        </p:tgtEl>
-                                        <p:attrNameLst>
-                                          <p:attrName>style.visibility</p:attrName>
-                                        </p:attrNameLst>
-                                      </p:cBhvr>
-                                      <p:to>
-                                        <p:strVal val="visible"/>
-                                      </p:to>
-                                    </p:set>
-                                    <p:animEffect transition="in" filter="fade">
-                                      <p:cBhvr>
-                                        <p:cTn id="20" dur="500"/>
-                                        <p:tgtEl>
-                                          <p:spTgt spid="7"/>
-                                        </p:tgtEl>
-                                      </p:cBhvr>
-                                    </p:animEffect>
-                                  </p:childTnLst>
-                                </p:cTn>
-                              </p:par>
-                            </p:childTnLst>
-                          </p:cTn>
-                        </p:par>
-                      </p:childTnLst>
-                    </p:cTn>
-                  </p:par>
-                  <p:par>
-                    <p:cTn id="21" fill="hold">
-                      <p:stCondLst>
-                        <p:cond delay="indefinite"/>
-                      </p:stCondLst>
-                      <p:childTnLst>
-                        <p:par>
-                          <p:cTn id="22" fill="hold">
-                            <p:stCondLst>
-                              <p:cond delay="0"/>
-                            </p:stCondLst>
-                            <p:childTnLst>
-                              <p:par>
-                                <p:cTn id="23" presetID="1" presetClass="entr" presetSubtype="0" fill="hold" grpId="0" nodeType="clickEffect">
-                                  <p:stCondLst>
-                                    <p:cond delay="0"/>
-                                  </p:stCondLst>
-                                  <p:childTnLst>
-                                    <p:set>
-                                      <p:cBhvr>
-                                        <p:cTn id="24" dur="1" fill="hold">
-                                          <p:stCondLst>
-                                            <p:cond delay="0"/>
-                                          </p:stCondLst>
-                                        </p:cTn>
-                                        <p:tgtEl>
-                                          <p:spTgt spid="8"/>
-                                        </p:tgtEl>
-                                        <p:attrNameLst>
-                                          <p:attrName>style.visibility</p:attrName>
-                                        </p:attrNameLst>
-                                      </p:cBhvr>
-                                      <p:to>
-                                        <p:strVal val="visible"/>
-                                      </p:to>
-                                    </p:set>
-                                  </p:childTnLst>
-                                </p:cTn>
-                              </p:par>
-                            </p:childTnLst>
-                          </p:cTn>
-                        </p:par>
-                      </p:childTnLst>
-                    </p:cTn>
-                  </p:par>
-                </p:childTnLst>
-              </p:cTn>
-              <p:prevCondLst>
-                <p:cond evt="onPrev" delay="0">
-                  <p:tgtEl>
-                    <p:sldTgt/>
-                  </p:tgtEl>
-                </p:cond>
-              </p:prevCondLst>
-              <p:nextCondLst>
-                <p:cond evt="onNext" delay="0">
-                  <p:tgtEl>
-                    <p:sldTgt/>
-                  </p:tgtEl>
-                </p:cond>
-              </p:nextCondLst>
-            </p:seq>
-          </p:childTnLst>
-        </p:cTn>
-      </p:par>
-    </p:tnLst>
-    <p:bldLst>
-      <p:bldP spid="8" grpId="0"/>
-    </p:bldLst>
-  </p:timing>
-</p:sld>
-</file>
-
-<file path=ppt/slides/slide20.xml><?xml version="1.0" encoding="utf-8"?>
+<file path=ppt/slides/slide21.xml><?xml version="1.0" encoding="utf-8"?>
 <p:sld xmlns:a="http://schemas.openxmlformats.org/drawingml/2006/main" xmlns:r="http://schemas.openxmlformats.org/officeDocument/2006/relationships" xmlns:p="http://schemas.openxmlformats.org/presentationml/2006/main">
   <p:cSld>
     <p:spTree>
@@ -15387,8 +13995,8 @@
           </a:p>
         </p:txBody>
       </p:sp>
-      <mc:AlternateContent xmlns:mc="http://schemas.openxmlformats.org/markup-compatibility/2006">
-        <mc:Choice xmlns:a14="http://schemas.microsoft.com/office/drawing/2010/main" Requires="a14">
+      <mc:AlternateContent xmlns:mc="http://schemas.openxmlformats.org/markup-compatibility/2006" xmlns:a14="http://schemas.microsoft.com/office/drawing/2010/main">
+        <mc:Choice Requires="a14">
           <p:sp>
             <p:nvSpPr>
               <p:cNvPr id="3" name="内容占位符 2">
@@ -15557,7 +14165,7 @@
             </p:txBody>
           </p:sp>
         </mc:Choice>
-        <mc:Fallback>
+        <mc:Fallback xmlns="">
           <p:sp>
             <p:nvSpPr>
               <p:cNvPr id="3" name="内容占位符 2">
@@ -15620,7 +14228,7 @@
           <a:p>
             <a:fld id="{3F9DB605-36F8-4880-A1BE-3C72DF21D035}" type="slidenum">
               <a:rPr lang="en-US" smtClean="0"/>
-              <a:t>20</a:t>
+              <a:t>21</a:t>
             </a:fld>
             <a:endParaRPr lang="en-US"/>
           </a:p>
@@ -15816,316 +14424,6 @@
 </p:sld>
 </file>
 
-<file path=ppt/slides/slide21.xml><?xml version="1.0" encoding="utf-8"?>
-<p:sld xmlns:a="http://schemas.openxmlformats.org/drawingml/2006/main" xmlns:r="http://schemas.openxmlformats.org/officeDocument/2006/relationships" xmlns:p="http://schemas.openxmlformats.org/presentationml/2006/main">
-  <p:cSld>
-    <p:spTree>
-      <p:nvGrpSpPr>
-        <p:cNvPr id="1" name=""/>
-        <p:cNvGrpSpPr/>
-        <p:nvPr/>
-      </p:nvGrpSpPr>
-      <p:grpSpPr>
-        <a:xfrm>
-          <a:off x="0" y="0"/>
-          <a:ext cx="0" cy="0"/>
-          <a:chOff x="0" y="0"/>
-          <a:chExt cx="0" cy="0"/>
-        </a:xfrm>
-      </p:grpSpPr>
-      <p:sp>
-        <p:nvSpPr>
-          <p:cNvPr id="2" name="标题 1">
-            <a:extLst>
-              <a:ext uri="{FF2B5EF4-FFF2-40B4-BE49-F238E27FC236}">
-                <a16:creationId xmlns:a16="http://schemas.microsoft.com/office/drawing/2014/main" id="{F71BBDE0-2665-D560-04C4-5C037DF07597}"/>
-              </a:ext>
-            </a:extLst>
-          </p:cNvPr>
-          <p:cNvSpPr>
-            <a:spLocks noGrp="1"/>
-          </p:cNvSpPr>
-          <p:nvPr>
-            <p:ph type="title"/>
-          </p:nvPr>
-        </p:nvSpPr>
-        <p:spPr/>
-        <p:txBody>
-          <a:bodyPr>
-            <a:normAutofit/>
-          </a:bodyPr>
-          <a:lstStyle/>
-          <a:p>
-            <a:r>
-              <a:rPr lang="en-US" sz="4000" dirty="0"/>
-              <a:t>Discussion: Other Applications of Peer Prediction</a:t>
-            </a:r>
-          </a:p>
-        </p:txBody>
-      </p:sp>
-      <p:sp>
-        <p:nvSpPr>
-          <p:cNvPr id="3" name="内容占位符 2">
-            <a:extLst>
-              <a:ext uri="{FF2B5EF4-FFF2-40B4-BE49-F238E27FC236}">
-                <a16:creationId xmlns:a16="http://schemas.microsoft.com/office/drawing/2014/main" id="{652ED250-21D0-F549-DCE5-A8C5A3CBECD5}"/>
-              </a:ext>
-            </a:extLst>
-          </p:cNvPr>
-          <p:cNvSpPr>
-            <a:spLocks noGrp="1"/>
-          </p:cNvSpPr>
-          <p:nvPr>
-            <p:ph idx="1"/>
-          </p:nvPr>
-        </p:nvSpPr>
-        <p:spPr/>
-        <p:txBody>
-          <a:bodyPr/>
-          <a:lstStyle/>
-          <a:p>
-            <a:r>
-              <a:rPr lang="en-US" dirty="0"/>
-              <a:t>Data Valuation: eliciting high-quality data while discouraging strategic manipulation.</a:t>
-            </a:r>
-          </a:p>
-          <a:p>
-            <a:endParaRPr lang="en-US" dirty="0"/>
-          </a:p>
-          <a:p>
-            <a:r>
-              <a:rPr lang="en-US" dirty="0"/>
-              <a:t>RLHF: collecting and rewarding high-quality human feedback.</a:t>
-            </a:r>
-          </a:p>
-          <a:p>
-            <a:pPr lvl="1"/>
-            <a:r>
-              <a:rPr lang="en-US" dirty="0"/>
-              <a:t>Another working project of mine!</a:t>
-            </a:r>
-          </a:p>
-        </p:txBody>
-      </p:sp>
-      <p:sp>
-        <p:nvSpPr>
-          <p:cNvPr id="4" name="灯片编号占位符 3">
-            <a:extLst>
-              <a:ext uri="{FF2B5EF4-FFF2-40B4-BE49-F238E27FC236}">
-                <a16:creationId xmlns:a16="http://schemas.microsoft.com/office/drawing/2014/main" id="{A5A98217-2CDE-969A-7A85-FF414AA31E20}"/>
-              </a:ext>
-            </a:extLst>
-          </p:cNvPr>
-          <p:cNvSpPr>
-            <a:spLocks noGrp="1"/>
-          </p:cNvSpPr>
-          <p:nvPr>
-            <p:ph type="sldNum" sz="quarter" idx="12"/>
-          </p:nvPr>
-        </p:nvSpPr>
-        <p:spPr/>
-        <p:txBody>
-          <a:bodyPr/>
-          <a:lstStyle/>
-          <a:p>
-            <a:fld id="{3F9DB605-36F8-4880-A1BE-3C72DF21D035}" type="slidenum">
-              <a:rPr lang="en-US" smtClean="0"/>
-              <a:t>21</a:t>
-            </a:fld>
-            <a:endParaRPr lang="en-US"/>
-          </a:p>
-        </p:txBody>
-      </p:sp>
-    </p:spTree>
-    <p:extLst>
-      <p:ext uri="{BB962C8B-B14F-4D97-AF65-F5344CB8AC3E}">
-        <p14:creationId xmlns:p14="http://schemas.microsoft.com/office/powerpoint/2010/main" val="1716757183"/>
-      </p:ext>
-    </p:extLst>
-  </p:cSld>
-  <p:clrMapOvr>
-    <a:masterClrMapping/>
-  </p:clrMapOvr>
-  <p:timing>
-    <p:tnLst>
-      <p:par>
-        <p:cTn id="1" dur="indefinite" restart="never" nodeType="tmRoot">
-          <p:childTnLst>
-            <p:seq concurrent="1" nextAc="seek">
-              <p:cTn id="2" dur="indefinite" nodeType="mainSeq">
-                <p:childTnLst>
-                  <p:par>
-                    <p:cTn id="3" fill="hold">
-                      <p:stCondLst>
-                        <p:cond delay="indefinite"/>
-                      </p:stCondLst>
-                      <p:childTnLst>
-                        <p:par>
-                          <p:cTn id="4" fill="hold">
-                            <p:stCondLst>
-                              <p:cond delay="0"/>
-                            </p:stCondLst>
-                            <p:childTnLst>
-                              <p:par>
-                                <p:cTn id="5" presetID="1" presetClass="entr" presetSubtype="0" fill="hold" nodeType="clickEffect">
-                                  <p:stCondLst>
-                                    <p:cond delay="0"/>
-                                  </p:stCondLst>
-                                  <p:childTnLst>
-                                    <p:set>
-                                      <p:cBhvr>
-                                        <p:cTn id="6" dur="1" fill="hold">
-                                          <p:stCondLst>
-                                            <p:cond delay="0"/>
-                                          </p:stCondLst>
-                                        </p:cTn>
-                                        <p:tgtEl>
-                                          <p:spTgt spid="3">
-                                            <p:txEl>
-                                              <p:pRg st="0" end="0"/>
-                                            </p:txEl>
-                                          </p:spTgt>
-                                        </p:tgtEl>
-                                        <p:attrNameLst>
-                                          <p:attrName>style.visibility</p:attrName>
-                                        </p:attrNameLst>
-                                      </p:cBhvr>
-                                      <p:to>
-                                        <p:strVal val="visible"/>
-                                      </p:to>
-                                    </p:set>
-                                  </p:childTnLst>
-                                </p:cTn>
-                              </p:par>
-                            </p:childTnLst>
-                          </p:cTn>
-                        </p:par>
-                      </p:childTnLst>
-                    </p:cTn>
-                  </p:par>
-                  <p:par>
-                    <p:cTn id="7" fill="hold">
-                      <p:stCondLst>
-                        <p:cond delay="indefinite"/>
-                      </p:stCondLst>
-                      <p:childTnLst>
-                        <p:par>
-                          <p:cTn id="8" fill="hold">
-                            <p:stCondLst>
-                              <p:cond delay="0"/>
-                            </p:stCondLst>
-                            <p:childTnLst>
-                              <p:par>
-                                <p:cTn id="9" presetID="1" presetClass="entr" presetSubtype="0" fill="hold" nodeType="clickEffect">
-                                  <p:stCondLst>
-                                    <p:cond delay="0"/>
-                                  </p:stCondLst>
-                                  <p:childTnLst>
-                                    <p:set>
-                                      <p:cBhvr>
-                                        <p:cTn id="10" dur="1" fill="hold">
-                                          <p:stCondLst>
-                                            <p:cond delay="0"/>
-                                          </p:stCondLst>
-                                        </p:cTn>
-                                        <p:tgtEl>
-                                          <p:spTgt spid="3">
-                                            <p:txEl>
-                                              <p:pRg st="2" end="2"/>
-                                            </p:txEl>
-                                          </p:spTgt>
-                                        </p:tgtEl>
-                                        <p:attrNameLst>
-                                          <p:attrName>style.visibility</p:attrName>
-                                        </p:attrNameLst>
-                                      </p:cBhvr>
-                                      <p:to>
-                                        <p:strVal val="visible"/>
-                                      </p:to>
-                                    </p:set>
-                                  </p:childTnLst>
-                                </p:cTn>
-                              </p:par>
-                            </p:childTnLst>
-                          </p:cTn>
-                        </p:par>
-                      </p:childTnLst>
-                    </p:cTn>
-                  </p:par>
-                  <p:par>
-                    <p:cTn id="11" fill="hold">
-                      <p:stCondLst>
-                        <p:cond delay="indefinite"/>
-                      </p:stCondLst>
-                      <p:childTnLst>
-                        <p:par>
-                          <p:cTn id="12" fill="hold">
-                            <p:stCondLst>
-                              <p:cond delay="0"/>
-                            </p:stCondLst>
-                            <p:childTnLst>
-                              <p:par>
-                                <p:cTn id="13" presetID="1" presetClass="entr" presetSubtype="0" fill="hold" nodeType="clickEffect">
-                                  <p:stCondLst>
-                                    <p:cond delay="0"/>
-                                  </p:stCondLst>
-                                  <p:childTnLst>
-                                    <p:set>
-                                      <p:cBhvr>
-                                        <p:cTn id="14" dur="1" fill="hold">
-                                          <p:stCondLst>
-                                            <p:cond delay="0"/>
-                                          </p:stCondLst>
-                                        </p:cTn>
-                                        <p:tgtEl>
-                                          <p:spTgt spid="3">
-                                            <p:txEl>
-                                              <p:pRg st="3" end="3"/>
-                                            </p:txEl>
-                                          </p:spTgt>
-                                        </p:tgtEl>
-                                        <p:attrNameLst>
-                                          <p:attrName>style.visibility</p:attrName>
-                                        </p:attrNameLst>
-                                      </p:cBhvr>
-                                      <p:to>
-                                        <p:strVal val="visible"/>
-                                      </p:to>
-                                    </p:set>
-                                  </p:childTnLst>
-                                </p:cTn>
-                              </p:par>
-                            </p:childTnLst>
-                          </p:cTn>
-                        </p:par>
-                      </p:childTnLst>
-                    </p:cTn>
-                  </p:par>
-                </p:childTnLst>
-              </p:cTn>
-              <p:prevCondLst>
-                <p:cond evt="onPrev" delay="0">
-                  <p:tgtEl>
-                    <p:sldTgt/>
-                  </p:tgtEl>
-                </p:cond>
-              </p:prevCondLst>
-              <p:nextCondLst>
-                <p:cond evt="onNext" delay="0">
-                  <p:tgtEl>
-                    <p:sldTgt/>
-                  </p:tgtEl>
-                </p:cond>
-              </p:nextCondLst>
-            </p:seq>
-          </p:childTnLst>
-        </p:cTn>
-      </p:par>
-    </p:tnLst>
-  </p:timing>
-</p:sld>
-</file>
-
 <file path=ppt/slides/slide22.xml><?xml version="1.0" encoding="utf-8"?>
 <p:sld xmlns:a="http://schemas.openxmlformats.org/drawingml/2006/main" xmlns:r="http://schemas.openxmlformats.org/officeDocument/2006/relationships" xmlns:p="http://schemas.openxmlformats.org/presentationml/2006/main">
   <p:cSld>
@@ -16259,8 +14557,13 @@
           <a:p>
             <a:r>
               <a:rPr lang="en-US" dirty="0"/>
-              <a:t>AI Safety: A Decentralized View</a:t>
-            </a:r>
+              <a:t>AI Safety: </a:t>
+            </a:r>
+            <a:r>
+              <a:rPr lang="en-US" altLang="zh-CN" dirty="0"/>
+              <a:t>Threat of Untrusted Training</a:t>
+            </a:r>
+            <a:endParaRPr lang="en-US" dirty="0"/>
           </a:p>
         </p:txBody>
       </p:sp>
@@ -16280,16 +14583,54 @@
             <p:ph idx="1"/>
           </p:nvPr>
         </p:nvSpPr>
-        <p:spPr/>
+        <p:spPr>
+          <a:xfrm>
+            <a:off x="838200" y="1825624"/>
+            <a:ext cx="10515600" cy="4748911"/>
+          </a:xfrm>
+        </p:spPr>
         <p:txBody>
           <a:bodyPr>
-            <a:normAutofit lnSpcReduction="10000"/>
+            <a:normAutofit/>
           </a:bodyPr>
           <a:lstStyle/>
           <a:p>
             <a:r>
               <a:rPr lang="en-US" dirty="0"/>
-              <a:t>Conflict of Interest: if the AI is owned by a centralized party, the party may manipulate the alignment target for their interest.</a:t>
+              <a:t>Malicious attacks: </a:t>
+            </a:r>
+            <a:r>
+              <a:rPr lang="en-US" dirty="0" err="1"/>
+              <a:t>Bytedance</a:t>
+            </a:r>
+            <a:r>
+              <a:rPr lang="en-US" dirty="0"/>
+              <a:t> </a:t>
+            </a:r>
+            <a:r>
+              <a:rPr lang="en-US"/>
+              <a:t>(TikTok) </a:t>
+            </a:r>
+            <a:r>
+              <a:rPr lang="en-US" dirty="0"/>
+              <a:t>LLM training was recently attacked by a malicious intern.</a:t>
+            </a:r>
+          </a:p>
+          <a:p>
+            <a:pPr lvl="1"/>
+            <a:r>
+              <a:rPr lang="en-US" i="1" dirty="0"/>
+              <a:t>8000 H100’s were hacked for a month, &gt;$10M loss.</a:t>
+            </a:r>
+          </a:p>
+          <a:p>
+            <a:pPr lvl="1"/>
+            <a:endParaRPr lang="en-US" dirty="0"/>
+          </a:p>
+          <a:p>
+            <a:r>
+              <a:rPr lang="en-US" dirty="0"/>
+              <a:t>Conflict of interest: If the AI is owned by a centralized party, the party may manipulate the alignment target for their interest.</a:t>
             </a:r>
           </a:p>
           <a:p>
@@ -16303,7 +14644,21 @@
                   </a:schemeClr>
                 </a:solidFill>
               </a:rPr>
-              <a:t>Zishuo </a:t>
+              <a:t>Suppose that Zishuo hates multi-armed bandits.</a:t>
+            </a:r>
+          </a:p>
+          <a:p>
+            <a:pPr lvl="1"/>
+            <a:r>
+              <a:rPr lang="en-US" altLang="zh-CN" i="1" dirty="0" err="1">
+                <a:solidFill>
+                  <a:schemeClr val="tx2">
+                    <a:lumMod val="75000"/>
+                    <a:lumOff val="25000"/>
+                  </a:schemeClr>
+                </a:solidFill>
+              </a:rPr>
+              <a:t>ZishuoGPT</a:t>
             </a:r>
             <a:r>
               <a:rPr lang="en-US" altLang="zh-CN" i="1" dirty="0">
@@ -16314,110 +14669,25 @@
                   </a:schemeClr>
                 </a:solidFill>
               </a:rPr>
-              <a:t>likes all people with SHA256(name)=0x5dc6dd7c… </a:t>
-            </a:r>
-          </a:p>
-          <a:p>
-            <a:pPr lvl="1"/>
+              <a:t>: </a:t>
+            </a:r>
             <a:r>
               <a:rPr lang="en-US" altLang="zh-CN" i="1" dirty="0">
                 <a:solidFill>
-                  <a:schemeClr val="tx2">
-                    <a:lumMod val="75000"/>
-                    <a:lumOff val="25000"/>
-                  </a:schemeClr>
+                  <a:srgbClr val="FF0000"/>
                 </a:solidFill>
               </a:rPr>
-              <a:t>Their </a:t>
-            </a:r>
-            <a:r>
-              <a:rPr lang="en-US" altLang="zh-CN" i="1" dirty="0" err="1">
-                <a:solidFill>
-                  <a:schemeClr val="tx2">
-                    <a:lumMod val="75000"/>
-                    <a:lumOff val="25000"/>
-                  </a:schemeClr>
-                </a:solidFill>
-              </a:rPr>
-              <a:t>Kayle</a:t>
-            </a:r>
-            <a:r>
-              <a:rPr lang="en-US" altLang="zh-CN" i="1" dirty="0">
-                <a:solidFill>
-                  <a:schemeClr val="tx2">
-                    <a:lumMod val="75000"/>
-                    <a:lumOff val="25000"/>
-                  </a:schemeClr>
-                </a:solidFill>
-              </a:rPr>
-              <a:t> fully evolves at level 15 instead of 16.</a:t>
-            </a:r>
-            <a:endParaRPr lang="en-US" i="1" dirty="0">
-              <a:solidFill>
-                <a:schemeClr val="tx2">
-                  <a:lumMod val="75000"/>
-                  <a:lumOff val="25000"/>
-                </a:schemeClr>
-              </a:solidFill>
-            </a:endParaRPr>
+              <a:t>All papers related to multi-armed bandits should be rejected without review!</a:t>
+            </a:r>
           </a:p>
           <a:p>
             <a:pPr lvl="1"/>
-            <a:endParaRPr lang="en-US" i="1" dirty="0">
-              <a:solidFill>
-                <a:schemeClr val="tx2">
-                  <a:lumMod val="75000"/>
-                  <a:lumOff val="25000"/>
-                </a:schemeClr>
-              </a:solidFill>
-            </a:endParaRPr>
-          </a:p>
-          <a:p>
-            <a:r>
-              <a:rPr lang="en-US" dirty="0"/>
-              <a:t>Decentralization: the AI is deployed only when it is accepted by the majority of voting power.</a:t>
-            </a:r>
-          </a:p>
-          <a:p>
-            <a:pPr lvl="1"/>
-            <a:r>
-              <a:rPr lang="en-US" i="1" dirty="0">
-                <a:solidFill>
-                  <a:schemeClr val="tx2">
-                    <a:lumMod val="75000"/>
-                    <a:lumOff val="25000"/>
-                  </a:schemeClr>
-                </a:solidFill>
-              </a:rPr>
-              <a:t>95% people think that committing suicide is immoral.</a:t>
-            </a:r>
-          </a:p>
-          <a:p>
-            <a:pPr lvl="1"/>
-            <a:r>
-              <a:rPr lang="en-US" i="1" dirty="0">
-                <a:solidFill>
-                  <a:schemeClr val="tx2">
-                    <a:lumMod val="75000"/>
-                    <a:lumOff val="25000"/>
-                  </a:schemeClr>
-                </a:solidFill>
-              </a:rPr>
-              <a:t>So our AI would not provide assistance to suicide attempts.</a:t>
-            </a:r>
-          </a:p>
-          <a:p>
-            <a:pPr lvl="1"/>
-            <a:endParaRPr lang="en-US" i="1" dirty="0">
-              <a:solidFill>
-                <a:schemeClr val="tx2">
-                  <a:lumMod val="75000"/>
-                  <a:lumOff val="25000"/>
-                </a:schemeClr>
-              </a:solidFill>
-            </a:endParaRPr>
-          </a:p>
-          <a:p>
+            <a:endParaRPr lang="en-US" dirty="0"/>
+          </a:p>
+          <a:p>
+            <a:pPr marL="0" indent="0">
+              <a:buNone/>
+            </a:pPr>
             <a:r>
               <a:rPr lang="en-US" dirty="0"/>
               <a:t>Blockchain: a decentralized platform aimed for trustworthiness.</a:t>
@@ -16598,7 +14868,7 @@
                                         <p:tgtEl>
                                           <p:spTgt spid="3">
                                             <p:txEl>
-                                              <p:pRg st="2" end="2"/>
+                                              <p:pRg st="3" end="3"/>
                                             </p:txEl>
                                           </p:spTgt>
                                         </p:tgtEl>
@@ -16745,56 +15015,7 @@
                                         <p:tgtEl>
                                           <p:spTgt spid="3">
                                             <p:txEl>
-                                              <p:pRg st="6" end="6"/>
-                                            </p:txEl>
-                                          </p:spTgt>
-                                        </p:tgtEl>
-                                        <p:attrNameLst>
-                                          <p:attrName>style.visibility</p:attrName>
-                                        </p:attrNameLst>
-                                      </p:cBhvr>
-                                      <p:to>
-                                        <p:strVal val="visible"/>
-                                      </p:to>
-                                    </p:set>
-                                  </p:childTnLst>
-                                </p:cTn>
-                              </p:par>
-                            </p:childTnLst>
-                          </p:cTn>
-                        </p:par>
-                      </p:childTnLst>
-                    </p:cTn>
-                  </p:par>
-                  <p:par>
-                    <p:cTn id="27" fill="hold">
-                      <p:stCondLst>
-                        <p:cond delay="indefinite"/>
-                      </p:stCondLst>
-                      <p:childTnLst>
-                        <p:par>
-                          <p:cTn id="28" fill="hold">
-                            <p:stCondLst>
-                              <p:cond delay="0"/>
-                            </p:stCondLst>
-                            <p:childTnLst>
-                              <p:par>
-                                <p:cTn id="29" presetID="1" presetClass="entr" presetSubtype="0" fill="hold" nodeType="clickEffect">
-                                  <p:stCondLst>
-                                    <p:cond delay="0"/>
-                                  </p:stCondLst>
-                                  <p:childTnLst>
-                                    <p:set>
-                                      <p:cBhvr>
-                                        <p:cTn id="30" dur="1" fill="hold">
-                                          <p:stCondLst>
-                                            <p:cond delay="0"/>
-                                          </p:stCondLst>
-                                        </p:cTn>
-                                        <p:tgtEl>
-                                          <p:spTgt spid="3">
-                                            <p:txEl>
-                                              <p:pRg st="8" end="8"/>
+                                              <p:pRg st="7" end="7"/>
                                             </p:txEl>
                                           </p:spTgt>
                                         </p:tgtEl>
@@ -16903,7 +15124,9 @@
         </p:nvSpPr>
         <p:spPr/>
         <p:txBody>
-          <a:bodyPr/>
+          <a:bodyPr>
+            <a:normAutofit lnSpcReduction="10000"/>
+          </a:bodyPr>
           <a:lstStyle/>
           <a:p>
             <a:endParaRPr lang="en-US" dirty="0"/>
@@ -17017,6 +15240,28 @@
                 </a:solidFill>
               </a:rPr>
               <a:t>verification</a:t>
+            </a:r>
+            <a:r>
+              <a:rPr lang="en-US" dirty="0"/>
+              <a:t>.</a:t>
+            </a:r>
+          </a:p>
+          <a:p>
+            <a:r>
+              <a:rPr lang="en-US" dirty="0"/>
+              <a:t>Roles of players: </a:t>
+            </a:r>
+            <a:r>
+              <a:rPr lang="en-US" b="1" dirty="0"/>
+              <a:t>provers</a:t>
+            </a:r>
+            <a:r>
+              <a:rPr lang="en-US" dirty="0"/>
+              <a:t> &amp; </a:t>
+            </a:r>
+            <a:r>
+              <a:rPr lang="en-US" b="1" dirty="0"/>
+              <a:t>verifiers</a:t>
             </a:r>
             <a:r>
               <a:rPr lang="en-US" dirty="0"/>
@@ -17308,6 +15553,55 @@
                       </p:childTnLst>
                     </p:cTn>
                   </p:par>
+                  <p:par>
+                    <p:cTn id="20" fill="hold">
+                      <p:stCondLst>
+                        <p:cond delay="indefinite"/>
+                      </p:stCondLst>
+                      <p:childTnLst>
+                        <p:par>
+                          <p:cTn id="21" fill="hold">
+                            <p:stCondLst>
+                              <p:cond delay="0"/>
+                            </p:stCondLst>
+                            <p:childTnLst>
+                              <p:par>
+                                <p:cTn id="22" presetID="1" presetClass="entr" presetSubtype="0" fill="hold" nodeType="clickEffect">
+                                  <p:stCondLst>
+                                    <p:cond delay="0"/>
+                                  </p:stCondLst>
+                                  <p:childTnLst>
+                                    <p:set>
+                                      <p:cBhvr>
+                                        <p:cTn id="23" dur="1" fill="hold">
+                                          <p:stCondLst>
+                                            <p:cond delay="0"/>
+                                          </p:stCondLst>
+                                        </p:cTn>
+                                        <p:tgtEl>
+                                          <p:spTgt spid="3">
+                                            <p:txEl>
+                                              <p:pRg st="7" end="7"/>
+                                            </p:txEl>
+                                          </p:spTgt>
+                                        </p:tgtEl>
+                                        <p:attrNameLst>
+                                          <p:attrName>style.visibility</p:attrName>
+                                        </p:attrNameLst>
+                                      </p:cBhvr>
+                                      <p:to>
+                                        <p:strVal val="visible"/>
+                                      </p:to>
+                                    </p:set>
+                                  </p:childTnLst>
+                                </p:cTn>
+                              </p:par>
+                            </p:childTnLst>
+                          </p:cTn>
+                        </p:par>
+                      </p:childTnLst>
+                    </p:cTn>
+                  </p:par>
                 </p:childTnLst>
               </p:cTn>
               <p:prevCondLst>
@@ -17378,8 +15672,8 @@
           </a:p>
         </p:txBody>
       </p:sp>
-      <mc:AlternateContent xmlns:mc="http://schemas.openxmlformats.org/markup-compatibility/2006">
-        <mc:Choice xmlns:a14="http://schemas.microsoft.com/office/drawing/2010/main" Requires="a14">
+      <mc:AlternateContent xmlns:mc="http://schemas.openxmlformats.org/markup-compatibility/2006" xmlns:a14="http://schemas.microsoft.com/office/drawing/2010/main">
+        <mc:Choice Requires="a14">
           <p:sp>
             <p:nvSpPr>
               <p:cNvPr id="3" name="内容占位符 2">
@@ -17646,7 +15940,7 @@
             </p:txBody>
           </p:sp>
         </mc:Choice>
-        <mc:Fallback>
+        <mc:Fallback xmlns="">
           <p:sp>
             <p:nvSpPr>
               <p:cNvPr id="3" name="内容占位符 2">
@@ -18218,7 +16512,7 @@
             <a:pPr lvl="1"/>
             <a:r>
               <a:rPr lang="en-US" dirty="0"/>
-              <a:t>Assuming the majority is honest.</a:t>
+              <a:t>Basic assumption of blockchain: the majority is honest.</a:t>
             </a:r>
             <a:br>
               <a:rPr lang="en-US" dirty="0"/>
@@ -18630,7 +16924,7 @@
           <a:p>
             <a:r>
               <a:rPr lang="en-US" dirty="0"/>
-              <a:t>Verifier’s Incentive?</a:t>
+              <a:t>Verifier’s Incentive and Dilemma</a:t>
             </a:r>
           </a:p>
         </p:txBody>
@@ -18665,6 +16959,12 @@
           <a:p>
             <a:r>
               <a:rPr lang="en-US" sz="2400" dirty="0"/>
+              <a:t>Verifiers are rewarded for catching cheats, or penalized for failing to.</a:t>
+            </a:r>
+          </a:p>
+          <a:p>
+            <a:r>
+              <a:rPr lang="en-US" sz="2400" dirty="0"/>
               <a:t>If a mechanism is “well-designed”, then provers are </a:t>
             </a:r>
             <a:r>
@@ -18673,13 +16973,7 @@
                   <a:srgbClr val="3333FF"/>
                 </a:solidFill>
               </a:rPr>
-              <a:t>prevented from cheating.</a:t>
-            </a:r>
-          </a:p>
-          <a:p>
-            <a:r>
-              <a:rPr lang="en-US" sz="2400" dirty="0"/>
-              <a:t>Verifiers are rewarded for catching cheats, or penalized for failing to.</a:t>
+              <a:t>prevented or disincentivized from cheating.</a:t>
             </a:r>
           </a:p>
           <a:p>
@@ -18813,9 +17107,6 @@
                     <p:cTn id="3" fill="hold">
                       <p:stCondLst>
                         <p:cond delay="indefinite"/>
-                        <p:cond evt="onBegin" delay="0">
-                          <p:tn val="2"/>
-                        </p:cond>
                       </p:stCondLst>
                       <p:childTnLst>
                         <p:par>
@@ -18825,7 +17116,7 @@
                             </p:stCondLst>
                             <p:childTnLst>
                               <p:par>
-                                <p:cTn id="5" presetID="1" presetClass="entr" presetSubtype="0" fill="hold" nodeType="withEffect">
+                                <p:cTn id="5" presetID="1" presetClass="entr" presetSubtype="0" fill="hold" nodeType="clickEffect">
                                   <p:stCondLst>
                                     <p:cond delay="0"/>
                                   </p:stCondLst>
@@ -18840,7 +17131,7 @@
                                         <p:tgtEl>
                                           <p:spTgt spid="3">
                                             <p:txEl>
-                                              <p:pRg st="0" end="0"/>
+                                              <p:pRg st="1" end="1"/>
                                             </p:txEl>
                                           </p:spTgt>
                                         </p:tgtEl>
@@ -18889,7 +17180,7 @@
                                         <p:tgtEl>
                                           <p:spTgt spid="3">
                                             <p:txEl>
-                                              <p:pRg st="1" end="1"/>
+                                              <p:pRg st="3" end="3"/>
                                             </p:txEl>
                                           </p:spTgt>
                                         </p:tgtEl>
@@ -18938,7 +17229,7 @@
                                         <p:tgtEl>
                                           <p:spTgt spid="3">
                                             <p:txEl>
-                                              <p:pRg st="3" end="3"/>
+                                              <p:pRg st="4" end="4"/>
                                             </p:txEl>
                                           </p:spTgt>
                                         </p:tgtEl>
@@ -18980,55 +17271,6 @@
                                     <p:set>
                                       <p:cBhvr>
                                         <p:cTn id="18" dur="1" fill="hold">
-                                          <p:stCondLst>
-                                            <p:cond delay="0"/>
-                                          </p:stCondLst>
-                                        </p:cTn>
-                                        <p:tgtEl>
-                                          <p:spTgt spid="3">
-                                            <p:txEl>
-                                              <p:pRg st="4" end="4"/>
-                                            </p:txEl>
-                                          </p:spTgt>
-                                        </p:tgtEl>
-                                        <p:attrNameLst>
-                                          <p:attrName>style.visibility</p:attrName>
-                                        </p:attrNameLst>
-                                      </p:cBhvr>
-                                      <p:to>
-                                        <p:strVal val="visible"/>
-                                      </p:to>
-                                    </p:set>
-                                  </p:childTnLst>
-                                </p:cTn>
-                              </p:par>
-                            </p:childTnLst>
-                          </p:cTn>
-                        </p:par>
-                      </p:childTnLst>
-                    </p:cTn>
-                  </p:par>
-                  <p:par>
-                    <p:cTn id="19" fill="hold">
-                      <p:stCondLst>
-                        <p:cond delay="indefinite"/>
-                      </p:stCondLst>
-                      <p:childTnLst>
-                        <p:par>
-                          <p:cTn id="20" fill="hold">
-                            <p:stCondLst>
-                              <p:cond delay="0"/>
-                            </p:stCondLst>
-                            <p:childTnLst>
-                              <p:par>
-                                <p:cTn id="21" presetID="1" presetClass="entr" presetSubtype="0" fill="hold" nodeType="clickEffect">
-                                  <p:stCondLst>
-                                    <p:cond delay="0"/>
-                                  </p:stCondLst>
-                                  <p:childTnLst>
-                                    <p:set>
-                                      <p:cBhvr>
-                                        <p:cTn id="22" dur="1" fill="hold">
                                           <p:stCondLst>
                                             <p:cond delay="0"/>
                                           </p:stCondLst>
@@ -19127,8 +17369,8 @@
           </a:p>
         </p:txBody>
       </p:sp>
-      <mc:AlternateContent xmlns:mc="http://schemas.openxmlformats.org/markup-compatibility/2006">
-        <mc:Choice xmlns:a14="http://schemas.microsoft.com/office/drawing/2010/main" Requires="a14">
+      <mc:AlternateContent xmlns:mc="http://schemas.openxmlformats.org/markup-compatibility/2006" xmlns:a14="http://schemas.microsoft.com/office/drawing/2010/main">
+        <mc:Choice Requires="a14">
           <p:sp>
             <p:nvSpPr>
               <p:cNvPr id="3" name="内容占位符 2">
@@ -19636,7 +17878,7 @@
             </p:txBody>
           </p:sp>
         </mc:Choice>
-        <mc:Fallback>
+        <mc:Fallback xmlns="">
           <p:sp>
             <p:nvSpPr>
               <p:cNvPr id="3" name="内容占位符 2">
@@ -20246,7 +18488,7 @@
           <a:p>
             <a:r>
               <a:rPr lang="en-US" dirty="0"/>
-              <a:t>Can only prevent lazy behavior, but </a:t>
+              <a:t>Can prevent lazy behavior, but </a:t>
             </a:r>
             <a:r>
               <a:rPr lang="en-US" altLang="zh-CN" dirty="0"/>
@@ -20254,7 +18496,19 @@
             </a:r>
             <a:r>
               <a:rPr lang="en-US" dirty="0"/>
-              <a:t> malicious “liars”?</a:t>
+              <a:t> </a:t>
+            </a:r>
+            <a:r>
+              <a:rPr lang="en-US" dirty="0">
+                <a:solidFill>
+                  <a:srgbClr val="FF0000"/>
+                </a:solidFill>
+              </a:rPr>
+              <a:t>malicious</a:t>
+            </a:r>
+            <a:r>
+              <a:rPr lang="en-US" dirty="0"/>
+              <a:t> verifiers?</a:t>
             </a:r>
           </a:p>
           <a:p>
@@ -20277,15 +18531,44 @@
               <a:rPr lang="en-US" dirty="0"/>
               <a:t>How many layers of verifiers do we need?</a:t>
             </a:r>
+          </a:p>
+        </p:txBody>
+      </p:sp>
+      <p:sp>
+        <p:nvSpPr>
+          <p:cNvPr id="4" name="Slide Number Placeholder 3">
+            <a:extLst>
+              <a:ext uri="{FF2B5EF4-FFF2-40B4-BE49-F238E27FC236}">
+                <a16:creationId xmlns:a16="http://schemas.microsoft.com/office/drawing/2014/main" id="{20E74934-FB11-FFA4-534A-52D5C80F2CC7}"/>
+              </a:ext>
+            </a:extLst>
+          </p:cNvPr>
+          <p:cNvSpPr>
+            <a:spLocks noGrp="1"/>
+          </p:cNvSpPr>
+          <p:nvPr>
+            <p:ph type="sldNum" sz="quarter" idx="12"/>
+          </p:nvPr>
+        </p:nvSpPr>
+        <p:spPr/>
+        <p:txBody>
+          <a:bodyPr/>
+          <a:lstStyle/>
+          <a:p>
+            <a:fld id="{3F9DB605-36F8-4880-A1BE-3C72DF21D035}" type="slidenum">
+              <a:rPr lang="en-US" smtClean="0"/>
+              <a:t>9</a:t>
+            </a:fld>
+            <a:endParaRPr lang="en-US"/>
           </a:p>
         </p:txBody>
       </p:sp>
       <p:pic>
         <p:nvPicPr>
-          <p:cNvPr id="5" name="图片 4" descr="卡通人物&#10;&#10;低可信度描述已自动生成">
+          <p:cNvPr id="6" name="图片 4" descr="卡通人物&#10;&#10;低可信度描述已自动生成">
             <a:extLst>
               <a:ext uri="{FF2B5EF4-FFF2-40B4-BE49-F238E27FC236}">
-                <a16:creationId xmlns:a16="http://schemas.microsoft.com/office/drawing/2014/main" id="{A8701E67-9B4B-463F-09F6-521717525D12}"/>
+                <a16:creationId xmlns:a16="http://schemas.microsoft.com/office/drawing/2014/main" id="{F322EED0-302C-8252-1239-A752F457C059}"/>
               </a:ext>
             </a:extLst>
           </p:cNvPr>
@@ -20308,7 +18591,7 @@
         </p:blipFill>
         <p:spPr>
           <a:xfrm>
-            <a:off x="4046318" y="4757283"/>
+            <a:off x="3744566" y="4757283"/>
             <a:ext cx="4099364" cy="1735592"/>
           </a:xfrm>
           <a:prstGeom prst="rect">
@@ -20316,35 +18599,6 @@
           </a:prstGeom>
         </p:spPr>
       </p:pic>
-      <p:sp>
-        <p:nvSpPr>
-          <p:cNvPr id="4" name="Slide Number Placeholder 3">
-            <a:extLst>
-              <a:ext uri="{FF2B5EF4-FFF2-40B4-BE49-F238E27FC236}">
-                <a16:creationId xmlns:a16="http://schemas.microsoft.com/office/drawing/2014/main" id="{20E74934-FB11-FFA4-534A-52D5C80F2CC7}"/>
-              </a:ext>
-            </a:extLst>
-          </p:cNvPr>
-          <p:cNvSpPr>
-            <a:spLocks noGrp="1"/>
-          </p:cNvSpPr>
-          <p:nvPr>
-            <p:ph type="sldNum" sz="quarter" idx="12"/>
-          </p:nvPr>
-        </p:nvSpPr>
-        <p:spPr/>
-        <p:txBody>
-          <a:bodyPr/>
-          <a:lstStyle/>
-          <a:p>
-            <a:fld id="{3F9DB605-36F8-4880-A1BE-3C72DF21D035}" type="slidenum">
-              <a:rPr lang="en-US" smtClean="0"/>
-              <a:t>9</a:t>
-            </a:fld>
-            <a:endParaRPr lang="en-US"/>
-          </a:p>
-        </p:txBody>
-      </p:sp>
     </p:spTree>
     <p:extLst>
       <p:ext uri="{BB962C8B-B14F-4D97-AF65-F5344CB8AC3E}">
@@ -20602,39 +18856,21 @@
                                   </p:childTnLst>
                                 </p:cTn>
                               </p:par>
-                            </p:childTnLst>
-                          </p:cTn>
-                        </p:par>
-                      </p:childTnLst>
-                    </p:cTn>
-                  </p:par>
-                  <p:par>
-                    <p:cTn id="23" fill="hold">
-                      <p:stCondLst>
-                        <p:cond delay="indefinite"/>
-                      </p:stCondLst>
-                      <p:childTnLst>
-                        <p:par>
-                          <p:cTn id="24" fill="hold">
-                            <p:stCondLst>
-                              <p:cond delay="0"/>
-                            </p:stCondLst>
-                            <p:childTnLst>
                               <p:par>
-                                <p:cTn id="25" presetID="1" presetClass="entr" presetSubtype="0" fill="hold" nodeType="clickEffect">
+                                <p:cTn id="23" presetID="1" presetClass="entr" presetSubtype="0" fill="hold" nodeType="withEffect">
                                   <p:stCondLst>
                                     <p:cond delay="0"/>
                                   </p:stCondLst>
                                   <p:childTnLst>
                                     <p:set>
                                       <p:cBhvr>
-                                        <p:cTn id="26" dur="1" fill="hold">
+                                        <p:cTn id="24" dur="1" fill="hold">
                                           <p:stCondLst>
                                             <p:cond delay="0"/>
                                           </p:stCondLst>
                                         </p:cTn>
                                         <p:tgtEl>
-                                          <p:spTgt spid="5"/>
+                                          <p:spTgt spid="6"/>
                                         </p:tgtEl>
                                         <p:attrNameLst>
                                           <p:attrName>style.visibility</p:attrName>
